--- a/FourthPresentation.pptx
+++ b/FourthPresentation.pptx
@@ -5,47 +5,49 @@
     <p:sldMasterId id="2147483698" r:id="rId1"/>
   </p:sldMasterIdLst>
   <p:notesMasterIdLst>
-    <p:notesMasterId r:id="rId13"/>
+    <p:notesMasterId r:id="rId15"/>
   </p:notesMasterIdLst>
   <p:sldIdLst>
     <p:sldId id="258" r:id="rId2"/>
     <p:sldId id="323" r:id="rId3"/>
-    <p:sldId id="326" r:id="rId4"/>
-    <p:sldId id="330" r:id="rId5"/>
-    <p:sldId id="324" r:id="rId6"/>
+    <p:sldId id="324" r:id="rId4"/>
+    <p:sldId id="326" r:id="rId5"/>
+    <p:sldId id="330" r:id="rId6"/>
     <p:sldId id="331" r:id="rId7"/>
-    <p:sldId id="327" r:id="rId8"/>
-    <p:sldId id="328" r:id="rId9"/>
-    <p:sldId id="329" r:id="rId10"/>
-    <p:sldId id="332" r:id="rId11"/>
-    <p:sldId id="309" r:id="rId12"/>
+    <p:sldId id="334" r:id="rId8"/>
+    <p:sldId id="327" r:id="rId9"/>
+    <p:sldId id="328" r:id="rId10"/>
+    <p:sldId id="329" r:id="rId11"/>
+    <p:sldId id="332" r:id="rId12"/>
+    <p:sldId id="333" r:id="rId13"/>
+    <p:sldId id="309" r:id="rId14"/>
   </p:sldIdLst>
   <p:sldSz cx="9144000" cy="5143500" type="screen16x9"/>
   <p:notesSz cx="6858000" cy="9144000"/>
   <p:embeddedFontLst>
     <p:embeddedFont>
       <p:font typeface="Consolas" panose="020B0609020204030204" pitchFamily="49" charset="0"/>
-      <p:regular r:id="rId14"/>
-      <p:bold r:id="rId15"/>
-      <p:italic r:id="rId16"/>
-      <p:boldItalic r:id="rId17"/>
+      <p:regular r:id="rId16"/>
+      <p:bold r:id="rId17"/>
+      <p:italic r:id="rId18"/>
+      <p:boldItalic r:id="rId19"/>
     </p:embeddedFont>
     <p:embeddedFont>
       <p:font typeface="Open Sans" panose="020B0606030504020204" pitchFamily="34" charset="0"/>
-      <p:regular r:id="rId18"/>
-      <p:bold r:id="rId19"/>
-      <p:italic r:id="rId20"/>
-      <p:boldItalic r:id="rId21"/>
+      <p:regular r:id="rId20"/>
+      <p:bold r:id="rId21"/>
+      <p:italic r:id="rId22"/>
+      <p:boldItalic r:id="rId23"/>
     </p:embeddedFont>
     <p:embeddedFont>
       <p:font typeface="Roboto Slab" panose="020B0604020202020204" charset="0"/>
-      <p:regular r:id="rId22"/>
-      <p:bold r:id="rId23"/>
+      <p:regular r:id="rId24"/>
+      <p:bold r:id="rId25"/>
     </p:embeddedFont>
     <p:embeddedFont>
       <p:font typeface="Roboto Slab Regular" panose="020B0604020202020204" charset="0"/>
-      <p:regular r:id="rId24"/>
-      <p:bold r:id="rId25"/>
+      <p:regular r:id="rId26"/>
+      <p:bold r:id="rId27"/>
     </p:embeddedFont>
   </p:embeddedFontLst>
   <p:defaultTextStyle>
@@ -835,6 +837,224 @@
   <p:cSld>
     <p:spTree>
       <p:nvGrpSpPr>
+        <p:cNvPr id="1" name="Shape 642"/>
+        <p:cNvGrpSpPr/>
+        <p:nvPr/>
+      </p:nvGrpSpPr>
+      <p:grpSpPr>
+        <a:xfrm>
+          <a:off x="0" y="0"/>
+          <a:ext cx="0" cy="0"/>
+          <a:chOff x="0" y="0"/>
+          <a:chExt cx="0" cy="0"/>
+        </a:xfrm>
+      </p:grpSpPr>
+      <p:sp>
+        <p:nvSpPr>
+          <p:cNvPr id="643" name="Google Shape;643;g537a4fc84f_0_162:notes"/>
+          <p:cNvSpPr>
+            <a:spLocks noGrp="1" noRot="1" noChangeAspect="1"/>
+          </p:cNvSpPr>
+          <p:nvPr>
+            <p:ph type="sldImg" idx="2"/>
+          </p:nvPr>
+        </p:nvSpPr>
+        <p:spPr>
+          <a:xfrm>
+            <a:off x="381000" y="685800"/>
+            <a:ext cx="6096000" cy="3429000"/>
+          </a:xfrm>
+          <a:custGeom>
+            <a:avLst/>
+            <a:gdLst/>
+            <a:ahLst/>
+            <a:cxnLst/>
+            <a:rect l="l" t="t" r="r" b="b"/>
+            <a:pathLst>
+              <a:path w="120000" h="120000" extrusionOk="0">
+                <a:moveTo>
+                  <a:pt x="0" y="0"/>
+                </a:moveTo>
+                <a:lnTo>
+                  <a:pt x="120000" y="0"/>
+                </a:lnTo>
+                <a:lnTo>
+                  <a:pt x="120000" y="120000"/>
+                </a:lnTo>
+                <a:lnTo>
+                  <a:pt x="0" y="120000"/>
+                </a:lnTo>
+                <a:close/>
+              </a:path>
+            </a:pathLst>
+          </a:custGeom>
+        </p:spPr>
+      </p:sp>
+      <p:sp>
+        <p:nvSpPr>
+          <p:cNvPr id="644" name="Google Shape;644;g537a4fc84f_0_162:notes"/>
+          <p:cNvSpPr txBox="1">
+            <a:spLocks noGrp="1"/>
+          </p:cNvSpPr>
+          <p:nvPr>
+            <p:ph type="body" idx="1"/>
+          </p:nvPr>
+        </p:nvSpPr>
+        <p:spPr>
+          <a:xfrm>
+            <a:off x="685800" y="4343400"/>
+            <a:ext cx="5486400" cy="4114800"/>
+          </a:xfrm>
+          <a:prstGeom prst="rect">
+            <a:avLst/>
+          </a:prstGeom>
+        </p:spPr>
+        <p:txBody>
+          <a:bodyPr spcFirstLastPara="1" wrap="square" lIns="91425" tIns="91425" rIns="91425" bIns="91425" anchor="t" anchorCtr="0">
+            <a:noAutofit/>
+          </a:bodyPr>
+          <a:lstStyle/>
+          <a:p>
+            <a:pPr marL="0" lvl="0" indent="0" algn="l" rtl="0">
+              <a:spcBef>
+                <a:spcPts val="0"/>
+              </a:spcBef>
+              <a:spcAft>
+                <a:spcPts val="0"/>
+              </a:spcAft>
+              <a:buNone/>
+            </a:pPr>
+            <a:endParaRPr/>
+          </a:p>
+        </p:txBody>
+      </p:sp>
+    </p:spTree>
+    <p:extLst>
+      <p:ext uri="{BB962C8B-B14F-4D97-AF65-F5344CB8AC3E}">
+        <p14:creationId xmlns:p14="http://schemas.microsoft.com/office/powerpoint/2010/main" val="664853012"/>
+      </p:ext>
+    </p:extLst>
+  </p:cSld>
+  <p:clrMapOvr>
+    <a:masterClrMapping/>
+  </p:clrMapOvr>
+</p:notes>
+</file>
+
+<file path=ppt/notesSlides/notesSlide11.xml><?xml version="1.0" encoding="utf-8"?>
+<p:notes xmlns:a="http://schemas.openxmlformats.org/drawingml/2006/main" xmlns:r="http://schemas.openxmlformats.org/officeDocument/2006/relationships" xmlns:p="http://schemas.openxmlformats.org/presentationml/2006/main" showMasterSp="0" showMasterPhAnim="0">
+  <p:cSld>
+    <p:spTree>
+      <p:nvGrpSpPr>
+        <p:cNvPr id="1" name="Shape 642"/>
+        <p:cNvGrpSpPr/>
+        <p:nvPr/>
+      </p:nvGrpSpPr>
+      <p:grpSpPr>
+        <a:xfrm>
+          <a:off x="0" y="0"/>
+          <a:ext cx="0" cy="0"/>
+          <a:chOff x="0" y="0"/>
+          <a:chExt cx="0" cy="0"/>
+        </a:xfrm>
+      </p:grpSpPr>
+      <p:sp>
+        <p:nvSpPr>
+          <p:cNvPr id="643" name="Google Shape;643;g537a4fc84f_0_162:notes"/>
+          <p:cNvSpPr>
+            <a:spLocks noGrp="1" noRot="1" noChangeAspect="1"/>
+          </p:cNvSpPr>
+          <p:nvPr>
+            <p:ph type="sldImg" idx="2"/>
+          </p:nvPr>
+        </p:nvSpPr>
+        <p:spPr>
+          <a:xfrm>
+            <a:off x="381000" y="685800"/>
+            <a:ext cx="6096000" cy="3429000"/>
+          </a:xfrm>
+          <a:custGeom>
+            <a:avLst/>
+            <a:gdLst/>
+            <a:ahLst/>
+            <a:cxnLst/>
+            <a:rect l="l" t="t" r="r" b="b"/>
+            <a:pathLst>
+              <a:path w="120000" h="120000" extrusionOk="0">
+                <a:moveTo>
+                  <a:pt x="0" y="0"/>
+                </a:moveTo>
+                <a:lnTo>
+                  <a:pt x="120000" y="0"/>
+                </a:lnTo>
+                <a:lnTo>
+                  <a:pt x="120000" y="120000"/>
+                </a:lnTo>
+                <a:lnTo>
+                  <a:pt x="0" y="120000"/>
+                </a:lnTo>
+                <a:close/>
+              </a:path>
+            </a:pathLst>
+          </a:custGeom>
+        </p:spPr>
+      </p:sp>
+      <p:sp>
+        <p:nvSpPr>
+          <p:cNvPr id="644" name="Google Shape;644;g537a4fc84f_0_162:notes"/>
+          <p:cNvSpPr txBox="1">
+            <a:spLocks noGrp="1"/>
+          </p:cNvSpPr>
+          <p:nvPr>
+            <p:ph type="body" idx="1"/>
+          </p:nvPr>
+        </p:nvSpPr>
+        <p:spPr>
+          <a:xfrm>
+            <a:off x="685800" y="4343400"/>
+            <a:ext cx="5486400" cy="4114800"/>
+          </a:xfrm>
+          <a:prstGeom prst="rect">
+            <a:avLst/>
+          </a:prstGeom>
+        </p:spPr>
+        <p:txBody>
+          <a:bodyPr spcFirstLastPara="1" wrap="square" lIns="91425" tIns="91425" rIns="91425" bIns="91425" anchor="t" anchorCtr="0">
+            <a:noAutofit/>
+          </a:bodyPr>
+          <a:lstStyle/>
+          <a:p>
+            <a:pPr marL="0" lvl="0" indent="0" algn="l" rtl="0">
+              <a:spcBef>
+                <a:spcPts val="0"/>
+              </a:spcBef>
+              <a:spcAft>
+                <a:spcPts val="0"/>
+              </a:spcAft>
+              <a:buNone/>
+            </a:pPr>
+            <a:endParaRPr/>
+          </a:p>
+        </p:txBody>
+      </p:sp>
+    </p:spTree>
+    <p:extLst>
+      <p:ext uri="{BB962C8B-B14F-4D97-AF65-F5344CB8AC3E}">
+        <p14:creationId xmlns:p14="http://schemas.microsoft.com/office/powerpoint/2010/main" val="1683423320"/>
+      </p:ext>
+    </p:extLst>
+  </p:cSld>
+  <p:clrMapOvr>
+    <a:masterClrMapping/>
+  </p:clrMapOvr>
+</p:notes>
+</file>
+
+<file path=ppt/notesSlides/notesSlide12.xml><?xml version="1.0" encoding="utf-8"?>
+<p:notes xmlns:a="http://schemas.openxmlformats.org/drawingml/2006/main" xmlns:r="http://schemas.openxmlformats.org/officeDocument/2006/relationships" xmlns:p="http://schemas.openxmlformats.org/presentationml/2006/main" showMasterSp="0" showMasterPhAnim="0">
+  <p:cSld>
+    <p:spTree>
+      <p:nvGrpSpPr>
         <p:cNvPr id="1" name="Shape 1151"/>
         <p:cNvGrpSpPr/>
         <p:nvPr/>
@@ -1142,7 +1362,7 @@
     </p:spTree>
     <p:extLst>
       <p:ext uri="{BB962C8B-B14F-4D97-AF65-F5344CB8AC3E}">
-        <p14:creationId xmlns:p14="http://schemas.microsoft.com/office/powerpoint/2010/main" val="612864056"/>
+        <p14:creationId xmlns:p14="http://schemas.microsoft.com/office/powerpoint/2010/main" val="1555079215"/>
       </p:ext>
     </p:extLst>
   </p:cSld>
@@ -1251,7 +1471,7 @@
     </p:spTree>
     <p:extLst>
       <p:ext uri="{BB962C8B-B14F-4D97-AF65-F5344CB8AC3E}">
-        <p14:creationId xmlns:p14="http://schemas.microsoft.com/office/powerpoint/2010/main" val="1555079215"/>
+        <p14:creationId xmlns:p14="http://schemas.microsoft.com/office/powerpoint/2010/main" val="612864056"/>
       </p:ext>
     </p:extLst>
   </p:cSld>
@@ -1469,7 +1689,7 @@
     </p:spTree>
     <p:extLst>
       <p:ext uri="{BB962C8B-B14F-4D97-AF65-F5344CB8AC3E}">
-        <p14:creationId xmlns:p14="http://schemas.microsoft.com/office/powerpoint/2010/main" val="1590206653"/>
+        <p14:creationId xmlns:p14="http://schemas.microsoft.com/office/powerpoint/2010/main" val="225803657"/>
       </p:ext>
     </p:extLst>
   </p:cSld>
@@ -1578,7 +1798,7 @@
     </p:spTree>
     <p:extLst>
       <p:ext uri="{BB962C8B-B14F-4D97-AF65-F5344CB8AC3E}">
-        <p14:creationId xmlns:p14="http://schemas.microsoft.com/office/powerpoint/2010/main" val="2595086852"/>
+        <p14:creationId xmlns:p14="http://schemas.microsoft.com/office/powerpoint/2010/main" val="1590206653"/>
       </p:ext>
     </p:extLst>
   </p:cSld>
@@ -1687,7 +1907,7 @@
     </p:spTree>
     <p:extLst>
       <p:ext uri="{BB962C8B-B14F-4D97-AF65-F5344CB8AC3E}">
-        <p14:creationId xmlns:p14="http://schemas.microsoft.com/office/powerpoint/2010/main" val="4281250903"/>
+        <p14:creationId xmlns:p14="http://schemas.microsoft.com/office/powerpoint/2010/main" val="2595086852"/>
       </p:ext>
     </p:extLst>
   </p:cSld>
@@ -1796,7 +2016,7 @@
     </p:spTree>
     <p:extLst>
       <p:ext uri="{BB962C8B-B14F-4D97-AF65-F5344CB8AC3E}">
-        <p14:creationId xmlns:p14="http://schemas.microsoft.com/office/powerpoint/2010/main" val="664853012"/>
+        <p14:creationId xmlns:p14="http://schemas.microsoft.com/office/powerpoint/2010/main" val="4281250903"/>
       </p:ext>
     </p:extLst>
   </p:cSld>
@@ -11799,8 +12019,8 @@
         </p:nvSpPr>
         <p:spPr>
           <a:xfrm>
-            <a:off x="603251" y="965200"/>
-            <a:ext cx="8426450" cy="3835400"/>
+            <a:off x="260350" y="850900"/>
+            <a:ext cx="8763001" cy="4044950"/>
           </a:xfrm>
           <a:prstGeom prst="rect">
             <a:avLst/>
@@ -11830,7 +12050,27 @@
                 <a:latin typeface="Roboto Slab Regular" panose="020B0604020202020204" charset="0"/>
                 <a:ea typeface="Roboto Slab Regular" panose="020B0604020202020204" charset="0"/>
               </a:rPr>
-              <a:t>For each requests there are multiple modules, but only 1 handler</a:t>
+              <a:t>Classes that implement the </a:t>
+            </a:r>
+            <a:r>
+              <a:rPr lang="en-US" dirty="0" err="1">
+                <a:solidFill>
+                  <a:schemeClr val="tx1"/>
+                </a:solidFill>
+                <a:latin typeface="Roboto Slab Regular" panose="020B0604020202020204" charset="0"/>
+                <a:ea typeface="Roboto Slab Regular" panose="020B0604020202020204" charset="0"/>
+              </a:rPr>
+              <a:t>System.Web.IHttpModule</a:t>
+            </a:r>
+            <a:r>
+              <a:rPr lang="en-US" dirty="0">
+                <a:solidFill>
+                  <a:schemeClr val="tx1"/>
+                </a:solidFill>
+                <a:latin typeface="Roboto Slab Regular" panose="020B0604020202020204" charset="0"/>
+                <a:ea typeface="Roboto Slab Regular" panose="020B0604020202020204" charset="0"/>
+              </a:rPr>
+              <a:t> interface used to monitor/manipulate requests/responses</a:t>
             </a:r>
           </a:p>
           <a:p>
@@ -11852,7 +12092,29 @@
                 <a:latin typeface="Roboto Slab Regular" panose="020B0604020202020204" charset="0"/>
                 <a:ea typeface="Roboto Slab Regular" panose="020B0604020202020204" charset="0"/>
               </a:rPr>
-              <a:t>As part of the </a:t>
+              <a:t>Provide services such as Caching, Security, State Management or used for Diagnosis, Debugging, Logging, Custom Content Processing, Adding Customized Headers/Footers</a:t>
+            </a:r>
+          </a:p>
+          <a:p>
+            <a:pPr>
+              <a:lnSpc>
+                <a:spcPct val="150000"/>
+              </a:lnSpc>
+              <a:spcAft>
+                <a:spcPts val="1600"/>
+              </a:spcAft>
+              <a:buFont typeface="Wingdings" panose="05000000000000000000" pitchFamily="2" charset="2"/>
+              <a:buChar char="ü"/>
+            </a:pPr>
+            <a:r>
+              <a:rPr lang="en-US" dirty="0">
+                <a:solidFill>
+                  <a:schemeClr val="tx1"/>
+                </a:solidFill>
+                <a:latin typeface="Roboto Slab Regular" panose="020B0604020202020204" charset="0"/>
+                <a:ea typeface="Roboto Slab Regular" panose="020B0604020202020204" charset="0"/>
+              </a:rPr>
+              <a:t>Subscribe for and handle </a:t>
             </a:r>
             <a:r>
               <a:rPr lang="en-US" dirty="0">
@@ -11872,12 +12134,116 @@
                 <a:latin typeface="Roboto Slab Regular" panose="020B0604020202020204" charset="0"/>
                 <a:ea typeface="Roboto Slab Regular" panose="020B0604020202020204" charset="0"/>
               </a:rPr>
-              <a:t>,</a:t>
+              <a:t> </a:t>
             </a:r>
             <a:r>
               <a:rPr lang="en-US" dirty="0">
                 <a:solidFill>
                   <a:schemeClr val="accent3"/>
+                </a:solidFill>
+                <a:latin typeface="Roboto Slab Regular" panose="020B0604020202020204" charset="0"/>
+                <a:ea typeface="Roboto Slab Regular" panose="020B0604020202020204" charset="0"/>
+              </a:rPr>
+              <a:t>events</a:t>
+            </a:r>
+            <a:r>
+              <a:rPr lang="en-US" dirty="0">
+                <a:solidFill>
+                  <a:schemeClr val="tx1"/>
+                </a:solidFill>
+                <a:latin typeface="Roboto Slab Regular" panose="020B0604020202020204" charset="0"/>
+                <a:ea typeface="Roboto Slab Regular" panose="020B0604020202020204" charset="0"/>
+              </a:rPr>
+              <a:t> =&gt; action mechanism for monitoring/manipulating requests/responses</a:t>
+            </a:r>
+          </a:p>
+          <a:p>
+            <a:pPr>
+              <a:lnSpc>
+                <a:spcPct val="150000"/>
+              </a:lnSpc>
+              <a:spcAft>
+                <a:spcPts val="1600"/>
+              </a:spcAft>
+              <a:buFont typeface="Wingdings" panose="05000000000000000000" pitchFamily="2" charset="2"/>
+              <a:buChar char="ü"/>
+            </a:pPr>
+            <a:r>
+              <a:rPr lang="en-US" dirty="0">
+                <a:solidFill>
+                  <a:schemeClr val="tx1"/>
+                </a:solidFill>
+                <a:latin typeface="Roboto Slab Regular" panose="020B0604020202020204" charset="0"/>
+                <a:ea typeface="Roboto Slab Regular" panose="020B0604020202020204" charset="0"/>
+              </a:rPr>
+              <a:t>Subscribe for and handle </a:t>
+            </a:r>
+            <a:r>
+              <a:rPr lang="en-US" dirty="0">
+                <a:solidFill>
+                  <a:schemeClr val="accent3"/>
+                </a:solidFill>
+                <a:latin typeface="Roboto Slab Regular" panose="020B0604020202020204" charset="0"/>
+                <a:ea typeface="Roboto Slab Regular" panose="020B0604020202020204" charset="0"/>
+              </a:rPr>
+              <a:t>events</a:t>
+            </a:r>
+            <a:r>
+              <a:rPr lang="en-US" dirty="0">
+                <a:solidFill>
+                  <a:schemeClr val="tx1"/>
+                </a:solidFill>
+                <a:latin typeface="Roboto Slab Regular" panose="020B0604020202020204" charset="0"/>
+                <a:ea typeface="Roboto Slab Regular" panose="020B0604020202020204" charset="0"/>
+              </a:rPr>
+              <a:t> raised by other modules as well as raise custom </a:t>
+            </a:r>
+            <a:r>
+              <a:rPr lang="en-US" dirty="0">
+                <a:solidFill>
+                  <a:schemeClr val="accent3"/>
+                </a:solidFill>
+                <a:latin typeface="Roboto Slab Regular" panose="020B0604020202020204" charset="0"/>
+                <a:ea typeface="Roboto Slab Regular" panose="020B0604020202020204" charset="0"/>
+              </a:rPr>
+              <a:t>events</a:t>
+            </a:r>
+            <a:r>
+              <a:rPr lang="en-US" dirty="0">
+                <a:solidFill>
+                  <a:schemeClr val="tx1"/>
+                </a:solidFill>
+                <a:latin typeface="Roboto Slab Regular" panose="020B0604020202020204" charset="0"/>
+                <a:ea typeface="Roboto Slab Regular" panose="020B0604020202020204" charset="0"/>
+              </a:rPr>
+              <a:t> =&gt; mechanism for coordination and data sharing between different modules </a:t>
+            </a:r>
+          </a:p>
+          <a:p>
+            <a:pPr>
+              <a:lnSpc>
+                <a:spcPct val="150000"/>
+              </a:lnSpc>
+              <a:spcAft>
+                <a:spcPts val="1600"/>
+              </a:spcAft>
+              <a:buFont typeface="Wingdings" panose="05000000000000000000" pitchFamily="2" charset="2"/>
+              <a:buChar char="ü"/>
+            </a:pPr>
+            <a:r>
+              <a:rPr lang="en-US" dirty="0">
+                <a:solidFill>
+                  <a:schemeClr val="tx1"/>
+                </a:solidFill>
+                <a:latin typeface="Roboto Slab Regular" panose="020B0604020202020204" charset="0"/>
+                <a:ea typeface="Roboto Slab Regular" panose="020B0604020202020204" charset="0"/>
+              </a:rPr>
+              <a:t>Each Global Application class instance is given its own set of modules =&gt; multiple instances of the same module can exist simultaneously. Each module</a:t>
+            </a:r>
+            <a:r>
+              <a:rPr lang="it-IT" dirty="0">
+                <a:solidFill>
+                  <a:schemeClr val="tx1"/>
                 </a:solidFill>
                 <a:latin typeface="Roboto Slab Regular" panose="020B0604020202020204" charset="0"/>
                 <a:ea typeface="Roboto Slab Regular" panose="020B0604020202020204" charset="0"/>
@@ -11892,91 +12258,7 @@
                 <a:latin typeface="Roboto Slab Regular" panose="020B0604020202020204" charset="0"/>
                 <a:ea typeface="Roboto Slab Regular" panose="020B0604020202020204" charset="0"/>
               </a:rPr>
-              <a:t>for each request, the ASP.NET Framework </a:t>
-            </a:r>
-            <a:r>
-              <a:rPr lang="en-US" b="1" dirty="0">
-                <a:solidFill>
-                  <a:schemeClr val="tx1"/>
-                </a:solidFill>
-                <a:latin typeface="Roboto Slab Regular" panose="020B0604020202020204" charset="0"/>
-                <a:ea typeface="Roboto Slab Regular" panose="020B0604020202020204" charset="0"/>
-              </a:rPr>
-              <a:t>selects a handler</a:t>
-            </a:r>
-            <a:r>
-              <a:rPr lang="en-US" dirty="0">
-                <a:solidFill>
-                  <a:schemeClr val="tx1"/>
-                </a:solidFill>
-                <a:latin typeface="Roboto Slab Regular" panose="020B0604020202020204" charset="0"/>
-                <a:ea typeface="Roboto Slab Regular" panose="020B0604020202020204" charset="0"/>
-              </a:rPr>
-              <a:t> to execute logic and generate response to the client</a:t>
-            </a:r>
-          </a:p>
-          <a:p>
-            <a:pPr>
-              <a:lnSpc>
-                <a:spcPct val="150000"/>
-              </a:lnSpc>
-              <a:spcAft>
-                <a:spcPts val="1600"/>
-              </a:spcAft>
-              <a:buFont typeface="Wingdings" panose="05000000000000000000" pitchFamily="2" charset="2"/>
-              <a:buChar char="ü"/>
-            </a:pPr>
-            <a:r>
-              <a:rPr lang="en-US" dirty="0">
-                <a:solidFill>
-                  <a:schemeClr val="tx1"/>
-                </a:solidFill>
-                <a:latin typeface="Roboto Slab Regular" panose="020B0604020202020204" charset="0"/>
-                <a:ea typeface="Roboto Slab Regular" panose="020B0604020202020204" charset="0"/>
-              </a:rPr>
-              <a:t>Built-in handlers for MVC, Web Forms, Web API, </a:t>
-            </a:r>
-            <a:r>
-              <a:rPr lang="en-US" dirty="0" err="1">
-                <a:solidFill>
-                  <a:schemeClr val="tx1"/>
-                </a:solidFill>
-                <a:latin typeface="Roboto Slab Regular" panose="020B0604020202020204" charset="0"/>
-                <a:ea typeface="Roboto Slab Regular" panose="020B0604020202020204" charset="0"/>
-              </a:rPr>
-              <a:t>SignalR</a:t>
-            </a:r>
-            <a:r>
-              <a:rPr lang="en-US" dirty="0">
-                <a:solidFill>
-                  <a:schemeClr val="tx1"/>
-                </a:solidFill>
-                <a:latin typeface="Roboto Slab Regular" panose="020B0604020202020204" charset="0"/>
-                <a:ea typeface="Roboto Slab Regular" panose="020B0604020202020204" charset="0"/>
-              </a:rPr>
-              <a:t>, as well as custom handlers. The ASP.NET Platform treats them all equally </a:t>
-            </a:r>
-          </a:p>
-          <a:p>
-            <a:pPr>
-              <a:lnSpc>
-                <a:spcPct val="150000"/>
-              </a:lnSpc>
-              <a:spcAft>
-                <a:spcPts val="1600"/>
-              </a:spcAft>
-              <a:buFont typeface="Wingdings" panose="05000000000000000000" pitchFamily="2" charset="2"/>
-              <a:buChar char="ü"/>
-            </a:pPr>
-            <a:r>
-              <a:rPr lang="en-US" dirty="0">
-                <a:solidFill>
-                  <a:schemeClr val="tx1"/>
-                </a:solidFill>
-                <a:latin typeface="Roboto Slab Regular" panose="020B0604020202020204" charset="0"/>
-                <a:ea typeface="Roboto Slab Regular" panose="020B0604020202020204" charset="0"/>
-              </a:rPr>
-              <a:t>Example: The MVC Framework uses a handler to manage the process of selecting and invoking an action method and rendering a view to generate response content</a:t>
+              <a:t>instance can handle multiple requests, but sequentially</a:t>
             </a:r>
           </a:p>
           <a:p>
@@ -12095,6 +12377,349 @@
             </a:pPr>
             <a:r>
               <a:rPr lang="en-US" sz="3600" dirty="0"/>
+              <a:t>Modules</a:t>
+            </a:r>
+          </a:p>
+        </p:txBody>
+      </p:sp>
+    </p:spTree>
+    <p:extLst>
+      <p:ext uri="{BB962C8B-B14F-4D97-AF65-F5344CB8AC3E}">
+        <p14:creationId xmlns:p14="http://schemas.microsoft.com/office/powerpoint/2010/main" val="4157093812"/>
+      </p:ext>
+    </p:extLst>
+  </p:cSld>
+  <p:clrMapOvr>
+    <a:masterClrMapping/>
+  </p:clrMapOvr>
+</p:sld>
+</file>
+
+<file path=ppt/slides/slide11.xml><?xml version="1.0" encoding="utf-8"?>
+<p:sld xmlns:a="http://schemas.openxmlformats.org/drawingml/2006/main" xmlns:r="http://schemas.openxmlformats.org/officeDocument/2006/relationships" xmlns:p="http://schemas.openxmlformats.org/presentationml/2006/main">
+  <p:cSld>
+    <p:spTree>
+      <p:nvGrpSpPr>
+        <p:cNvPr id="1" name="Shape 645"/>
+        <p:cNvGrpSpPr/>
+        <p:nvPr/>
+      </p:nvGrpSpPr>
+      <p:grpSpPr>
+        <a:xfrm>
+          <a:off x="0" y="0"/>
+          <a:ext cx="0" cy="0"/>
+          <a:chOff x="0" y="0"/>
+          <a:chExt cx="0" cy="0"/>
+        </a:xfrm>
+      </p:grpSpPr>
+      <p:sp>
+        <p:nvSpPr>
+          <p:cNvPr id="647" name="Google Shape;647;p68"/>
+          <p:cNvSpPr txBox="1">
+            <a:spLocks noGrp="1"/>
+          </p:cNvSpPr>
+          <p:nvPr>
+            <p:ph type="body" idx="2"/>
+          </p:nvPr>
+        </p:nvSpPr>
+        <p:spPr>
+          <a:xfrm>
+            <a:off x="603251" y="965200"/>
+            <a:ext cx="8426450" cy="3835400"/>
+          </a:xfrm>
+          <a:prstGeom prst="rect">
+            <a:avLst/>
+          </a:prstGeom>
+        </p:spPr>
+        <p:txBody>
+          <a:bodyPr spcFirstLastPara="1" wrap="square" lIns="91425" tIns="91425" rIns="91425" bIns="91425" anchor="t" anchorCtr="0">
+            <a:noAutofit/>
+          </a:bodyPr>
+          <a:lstStyle/>
+          <a:p>
+            <a:pPr>
+              <a:lnSpc>
+                <a:spcPct val="150000"/>
+              </a:lnSpc>
+              <a:spcAft>
+                <a:spcPts val="1600"/>
+              </a:spcAft>
+              <a:buFont typeface="Wingdings" panose="05000000000000000000" pitchFamily="2" charset="2"/>
+              <a:buChar char="ü"/>
+            </a:pPr>
+            <a:r>
+              <a:rPr lang="en-US" dirty="0">
+                <a:solidFill>
+                  <a:schemeClr val="tx1"/>
+                </a:solidFill>
+                <a:latin typeface="Roboto Slab Regular" panose="020B0604020202020204" charset="0"/>
+                <a:ea typeface="Roboto Slab Regular" panose="020B0604020202020204" charset="0"/>
+              </a:rPr>
+              <a:t>For each requests there are multiple modules, but only 1 handler</a:t>
+            </a:r>
+          </a:p>
+          <a:p>
+            <a:pPr>
+              <a:lnSpc>
+                <a:spcPct val="150000"/>
+              </a:lnSpc>
+              <a:spcAft>
+                <a:spcPts val="1600"/>
+              </a:spcAft>
+              <a:buFont typeface="Wingdings" panose="05000000000000000000" pitchFamily="2" charset="2"/>
+              <a:buChar char="ü"/>
+            </a:pPr>
+            <a:r>
+              <a:rPr lang="en-US" dirty="0">
+                <a:solidFill>
+                  <a:schemeClr val="tx1"/>
+                </a:solidFill>
+                <a:latin typeface="Roboto Slab Regular" panose="020B0604020202020204" charset="0"/>
+                <a:ea typeface="Roboto Slab Regular" panose="020B0604020202020204" charset="0"/>
+              </a:rPr>
+              <a:t>As part of the </a:t>
+            </a:r>
+            <a:r>
+              <a:rPr lang="en-US" dirty="0">
+                <a:solidFill>
+                  <a:schemeClr val="accent3"/>
+                </a:solidFill>
+                <a:latin typeface="Roboto Slab Regular" panose="020B0604020202020204" charset="0"/>
+                <a:ea typeface="Roboto Slab Regular" panose="020B0604020202020204" charset="0"/>
+              </a:rPr>
+              <a:t>Request Lifecycle</a:t>
+            </a:r>
+            <a:r>
+              <a:rPr lang="en-US" dirty="0">
+                <a:solidFill>
+                  <a:schemeClr val="tx1"/>
+                </a:solidFill>
+                <a:latin typeface="Roboto Slab Regular" panose="020B0604020202020204" charset="0"/>
+                <a:ea typeface="Roboto Slab Regular" panose="020B0604020202020204" charset="0"/>
+              </a:rPr>
+              <a:t>,</a:t>
+            </a:r>
+            <a:r>
+              <a:rPr lang="en-US" dirty="0">
+                <a:solidFill>
+                  <a:schemeClr val="accent3"/>
+                </a:solidFill>
+                <a:latin typeface="Roboto Slab Regular" panose="020B0604020202020204" charset="0"/>
+                <a:ea typeface="Roboto Slab Regular" panose="020B0604020202020204" charset="0"/>
+              </a:rPr>
+              <a:t> </a:t>
+            </a:r>
+            <a:r>
+              <a:rPr lang="en-US" dirty="0">
+                <a:solidFill>
+                  <a:schemeClr val="tx1"/>
+                </a:solidFill>
+                <a:latin typeface="Roboto Slab Regular" panose="020B0604020202020204" charset="0"/>
+                <a:ea typeface="Roboto Slab Regular" panose="020B0604020202020204" charset="0"/>
+              </a:rPr>
+              <a:t>for each request, the ASP.NET Framework </a:t>
+            </a:r>
+            <a:r>
+              <a:rPr lang="en-US" b="1" dirty="0">
+                <a:solidFill>
+                  <a:schemeClr val="tx1"/>
+                </a:solidFill>
+                <a:latin typeface="Roboto Slab Regular" panose="020B0604020202020204" charset="0"/>
+                <a:ea typeface="Roboto Slab Regular" panose="020B0604020202020204" charset="0"/>
+              </a:rPr>
+              <a:t>selects a handler</a:t>
+            </a:r>
+            <a:r>
+              <a:rPr lang="en-US" dirty="0">
+                <a:solidFill>
+                  <a:schemeClr val="tx1"/>
+                </a:solidFill>
+                <a:latin typeface="Roboto Slab Regular" panose="020B0604020202020204" charset="0"/>
+                <a:ea typeface="Roboto Slab Regular" panose="020B0604020202020204" charset="0"/>
+              </a:rPr>
+              <a:t> to execute logic and generate response to the client</a:t>
+            </a:r>
+          </a:p>
+          <a:p>
+            <a:pPr>
+              <a:lnSpc>
+                <a:spcPct val="150000"/>
+              </a:lnSpc>
+              <a:spcAft>
+                <a:spcPts val="1600"/>
+              </a:spcAft>
+              <a:buFont typeface="Wingdings" panose="05000000000000000000" pitchFamily="2" charset="2"/>
+              <a:buChar char="ü"/>
+            </a:pPr>
+            <a:r>
+              <a:rPr lang="en-US" dirty="0">
+                <a:solidFill>
+                  <a:schemeClr val="tx1"/>
+                </a:solidFill>
+                <a:latin typeface="Roboto Slab Regular" panose="020B0604020202020204" charset="0"/>
+                <a:ea typeface="Roboto Slab Regular" panose="020B0604020202020204" charset="0"/>
+              </a:rPr>
+              <a:t>Built-in handlers for MVC, Web Forms, Web API, </a:t>
+            </a:r>
+            <a:r>
+              <a:rPr lang="en-US" dirty="0" err="1">
+                <a:solidFill>
+                  <a:schemeClr val="tx1"/>
+                </a:solidFill>
+                <a:latin typeface="Roboto Slab Regular" panose="020B0604020202020204" charset="0"/>
+                <a:ea typeface="Roboto Slab Regular" panose="020B0604020202020204" charset="0"/>
+              </a:rPr>
+              <a:t>SignalR</a:t>
+            </a:r>
+            <a:r>
+              <a:rPr lang="en-US" dirty="0">
+                <a:solidFill>
+                  <a:schemeClr val="tx1"/>
+                </a:solidFill>
+                <a:latin typeface="Roboto Slab Regular" panose="020B0604020202020204" charset="0"/>
+                <a:ea typeface="Roboto Slab Regular" panose="020B0604020202020204" charset="0"/>
+              </a:rPr>
+              <a:t>, as well as custom handlers. The ASP.NET Platform treats them all equally </a:t>
+            </a:r>
+          </a:p>
+          <a:p>
+            <a:pPr>
+              <a:lnSpc>
+                <a:spcPct val="150000"/>
+              </a:lnSpc>
+              <a:spcAft>
+                <a:spcPts val="1600"/>
+              </a:spcAft>
+              <a:buFont typeface="Wingdings" panose="05000000000000000000" pitchFamily="2" charset="2"/>
+              <a:buChar char="ü"/>
+            </a:pPr>
+            <a:r>
+              <a:rPr lang="en-US" dirty="0">
+                <a:solidFill>
+                  <a:schemeClr val="tx1"/>
+                </a:solidFill>
+                <a:latin typeface="Roboto Slab Regular" panose="020B0604020202020204" charset="0"/>
+                <a:ea typeface="Roboto Slab Regular" panose="020B0604020202020204" charset="0"/>
+              </a:rPr>
+              <a:t>Example: The MVC Framework uses a handler to manage the process of selecting and invoking an action method and rendering a view to generate response content</a:t>
+            </a:r>
+          </a:p>
+          <a:p>
+            <a:pPr>
+              <a:lnSpc>
+                <a:spcPct val="150000"/>
+              </a:lnSpc>
+              <a:spcAft>
+                <a:spcPts val="1600"/>
+              </a:spcAft>
+              <a:buFont typeface="Wingdings" panose="05000000000000000000" pitchFamily="2" charset="2"/>
+              <a:buChar char="ü"/>
+            </a:pPr>
+            <a:r>
+              <a:rPr lang="en-US" dirty="0">
+                <a:solidFill>
+                  <a:schemeClr val="tx1"/>
+                </a:solidFill>
+                <a:latin typeface="Roboto Slab Regular" panose="020B0604020202020204" charset="0"/>
+                <a:ea typeface="Roboto Slab Regular" panose="020B0604020202020204" charset="0"/>
+              </a:rPr>
+              <a:t>Custom Modules and Built-in modules: </a:t>
+            </a:r>
+            <a:r>
+              <a:rPr lang="en-US" dirty="0">
+                <a:solidFill>
+                  <a:schemeClr val="tx1"/>
+                </a:solidFill>
+                <a:latin typeface="Roboto Slab Regular" panose="020B0604020202020204" charset="0"/>
+                <a:ea typeface="Roboto Slab Regular" panose="020B0604020202020204" charset="0"/>
+                <a:hlinkClick r:id="rId3"/>
+              </a:rPr>
+              <a:t>https://docs.microsoft.com/en-us/iis/get-started/introduction-to-iis/iis-modules-overview</a:t>
+            </a:r>
+            <a:endParaRPr lang="en-US" dirty="0">
+              <a:solidFill>
+                <a:schemeClr val="tx1"/>
+              </a:solidFill>
+              <a:latin typeface="Roboto Slab Regular" panose="020B0604020202020204" charset="0"/>
+              <a:ea typeface="Roboto Slab Regular" panose="020B0604020202020204" charset="0"/>
+            </a:endParaRPr>
+          </a:p>
+          <a:p>
+            <a:pPr>
+              <a:lnSpc>
+                <a:spcPct val="150000"/>
+              </a:lnSpc>
+              <a:spcAft>
+                <a:spcPts val="1600"/>
+              </a:spcAft>
+              <a:buFont typeface="Wingdings" panose="05000000000000000000" pitchFamily="2" charset="2"/>
+              <a:buChar char="ü"/>
+            </a:pPr>
+            <a:endParaRPr lang="en-US" dirty="0">
+              <a:solidFill>
+                <a:schemeClr val="tx1"/>
+              </a:solidFill>
+              <a:latin typeface="Roboto Slab Regular" panose="020B0604020202020204" charset="0"/>
+              <a:ea typeface="Roboto Slab Regular" panose="020B0604020202020204" charset="0"/>
+            </a:endParaRPr>
+          </a:p>
+          <a:p>
+            <a:pPr>
+              <a:lnSpc>
+                <a:spcPct val="150000"/>
+              </a:lnSpc>
+              <a:spcAft>
+                <a:spcPts val="1600"/>
+              </a:spcAft>
+              <a:buFont typeface="Wingdings" panose="05000000000000000000" pitchFamily="2" charset="2"/>
+              <a:buChar char="ü"/>
+            </a:pPr>
+            <a:endParaRPr lang="en-US" dirty="0">
+              <a:solidFill>
+                <a:schemeClr val="tx1"/>
+              </a:solidFill>
+              <a:latin typeface="Roboto Slab Regular" panose="020B0604020202020204" charset="0"/>
+              <a:ea typeface="Roboto Slab Regular" panose="020B0604020202020204" charset="0"/>
+            </a:endParaRPr>
+          </a:p>
+        </p:txBody>
+      </p:sp>
+      <p:sp>
+        <p:nvSpPr>
+          <p:cNvPr id="648" name="Google Shape;648;p68"/>
+          <p:cNvSpPr txBox="1">
+            <a:spLocks noGrp="1"/>
+          </p:cNvSpPr>
+          <p:nvPr>
+            <p:ph type="title"/>
+          </p:nvPr>
+        </p:nvSpPr>
+        <p:spPr>
+          <a:xfrm>
+            <a:off x="453600" y="413350"/>
+            <a:ext cx="8236800" cy="531300"/>
+          </a:xfrm>
+          <a:prstGeom prst="rect">
+            <a:avLst/>
+          </a:prstGeom>
+        </p:spPr>
+        <p:txBody>
+          <a:bodyPr spcFirstLastPara="1" wrap="square" lIns="91425" tIns="91425" rIns="91425" bIns="91425" anchor="ctr" anchorCtr="0">
+            <a:noAutofit/>
+          </a:bodyPr>
+          <a:lstStyle/>
+          <a:p>
+            <a:pPr marL="0" lvl="0" indent="0" algn="l" rtl="0">
+              <a:spcBef>
+                <a:spcPts val="0"/>
+              </a:spcBef>
+              <a:spcAft>
+                <a:spcPts val="0"/>
+              </a:spcAft>
+              <a:buNone/>
+            </a:pPr>
+            <a:r>
+              <a:rPr lang="en-US" sz="3600" dirty="0"/>
               <a:t>Modules vs Handlers</a:t>
             </a:r>
           </a:p>
@@ -12113,7 +12738,920 @@
 </p:sld>
 </file>
 
-<file path=ppt/slides/slide11.xml><?xml version="1.0" encoding="utf-8"?>
+<file path=ppt/slides/slide12.xml><?xml version="1.0" encoding="utf-8"?>
+<p:sld xmlns:a="http://schemas.openxmlformats.org/drawingml/2006/main" xmlns:r="http://schemas.openxmlformats.org/officeDocument/2006/relationships" xmlns:p="http://schemas.openxmlformats.org/presentationml/2006/main">
+  <p:cSld>
+    <p:spTree>
+      <p:nvGrpSpPr>
+        <p:cNvPr id="1" name="Shape 645"/>
+        <p:cNvGrpSpPr/>
+        <p:nvPr/>
+      </p:nvGrpSpPr>
+      <p:grpSpPr>
+        <a:xfrm>
+          <a:off x="0" y="0"/>
+          <a:ext cx="0" cy="0"/>
+          <a:chOff x="0" y="0"/>
+          <a:chExt cx="0" cy="0"/>
+        </a:xfrm>
+      </p:grpSpPr>
+      <p:sp>
+        <p:nvSpPr>
+          <p:cNvPr id="647" name="Google Shape;647;p68"/>
+          <p:cNvSpPr txBox="1">
+            <a:spLocks noGrp="1"/>
+          </p:cNvSpPr>
+          <p:nvPr>
+            <p:ph type="body" idx="2"/>
+          </p:nvPr>
+        </p:nvSpPr>
+        <p:spPr>
+          <a:xfrm>
+            <a:off x="603251" y="1333500"/>
+            <a:ext cx="7854949" cy="1962150"/>
+          </a:xfrm>
+          <a:prstGeom prst="rect">
+            <a:avLst/>
+          </a:prstGeom>
+        </p:spPr>
+        <p:txBody>
+          <a:bodyPr spcFirstLastPara="1" wrap="square" lIns="91425" tIns="91425" rIns="91425" bIns="91425" anchor="t" anchorCtr="0">
+            <a:noAutofit/>
+          </a:bodyPr>
+          <a:lstStyle/>
+          <a:p>
+            <a:pPr>
+              <a:lnSpc>
+                <a:spcPct val="150000"/>
+              </a:lnSpc>
+              <a:spcAft>
+                <a:spcPts val="1600"/>
+              </a:spcAft>
+              <a:buFont typeface="Wingdings" panose="05000000000000000000" pitchFamily="2" charset="2"/>
+              <a:buChar char="ü"/>
+            </a:pPr>
+            <a:r>
+              <a:rPr lang="en-US" dirty="0">
+                <a:solidFill>
+                  <a:schemeClr val="tx1"/>
+                </a:solidFill>
+                <a:latin typeface="Roboto Slab Regular" panose="020B0604020202020204" charset="0"/>
+                <a:ea typeface="Roboto Slab Regular" panose="020B0604020202020204" charset="0"/>
+              </a:rPr>
+              <a:t>Information about the server and the HTTP requests that the application receives</a:t>
+            </a:r>
+          </a:p>
+          <a:p>
+            <a:pPr>
+              <a:lnSpc>
+                <a:spcPct val="150000"/>
+              </a:lnSpc>
+              <a:spcAft>
+                <a:spcPts val="1600"/>
+              </a:spcAft>
+              <a:buFont typeface="Wingdings" panose="05000000000000000000" pitchFamily="2" charset="2"/>
+              <a:buChar char="ü"/>
+            </a:pPr>
+            <a:r>
+              <a:rPr lang="en-US" dirty="0">
+                <a:solidFill>
+                  <a:schemeClr val="tx1"/>
+                </a:solidFill>
+                <a:latin typeface="Roboto Slab Regular" panose="020B0604020202020204" charset="0"/>
+                <a:ea typeface="Roboto Slab Regular" panose="020B0604020202020204" charset="0"/>
+              </a:rPr>
+              <a:t>Application insights, helpful in case of problems</a:t>
+            </a:r>
+          </a:p>
+          <a:p>
+            <a:pPr>
+              <a:lnSpc>
+                <a:spcPct val="150000"/>
+              </a:lnSpc>
+              <a:spcAft>
+                <a:spcPts val="1600"/>
+              </a:spcAft>
+              <a:buFont typeface="Wingdings" panose="05000000000000000000" pitchFamily="2" charset="2"/>
+              <a:buChar char="ü"/>
+            </a:pPr>
+            <a:r>
+              <a:rPr lang="en-US" dirty="0">
+                <a:solidFill>
+                  <a:schemeClr val="tx1"/>
+                </a:solidFill>
+                <a:latin typeface="Roboto Slab Regular" panose="020B0604020202020204" charset="0"/>
+                <a:ea typeface="Roboto Slab Regular" panose="020B0604020202020204" charset="0"/>
+              </a:rPr>
+              <a:t>Custom trace messages</a:t>
+            </a:r>
+          </a:p>
+          <a:p>
+            <a:pPr>
+              <a:lnSpc>
+                <a:spcPct val="150000"/>
+              </a:lnSpc>
+              <a:spcAft>
+                <a:spcPts val="1600"/>
+              </a:spcAft>
+              <a:buFont typeface="Wingdings" panose="05000000000000000000" pitchFamily="2" charset="2"/>
+              <a:buChar char="ü"/>
+            </a:pPr>
+            <a:r>
+              <a:rPr lang="en-US" dirty="0">
+                <a:solidFill>
+                  <a:schemeClr val="tx1"/>
+                </a:solidFill>
+                <a:latin typeface="Roboto Slab Regular" panose="020B0604020202020204" charset="0"/>
+                <a:ea typeface="Roboto Slab Regular" panose="020B0604020202020204" charset="0"/>
+              </a:rPr>
+              <a:t>View the application trace at:  </a:t>
+            </a:r>
+            <a:r>
+              <a:rPr lang="en-US" dirty="0">
+                <a:solidFill>
+                  <a:schemeClr val="tx1"/>
+                </a:solidFill>
+                <a:latin typeface="Roboto Slab Regular" panose="020B0604020202020204" charset="0"/>
+                <a:ea typeface="Roboto Slab Regular" panose="020B0604020202020204" charset="0"/>
+                <a:hlinkClick r:id="rId3" action="ppaction://hlinkfile"/>
+              </a:rPr>
+              <a:t>~/</a:t>
+            </a:r>
+            <a:r>
+              <a:rPr lang="en-US" dirty="0" err="1">
+                <a:solidFill>
+                  <a:schemeClr val="tx1"/>
+                </a:solidFill>
+                <a:latin typeface="Roboto Slab Regular" panose="020B0604020202020204" charset="0"/>
+                <a:ea typeface="Roboto Slab Regular" panose="020B0604020202020204" charset="0"/>
+                <a:hlinkClick r:id="rId3" action="ppaction://hlinkfile"/>
+              </a:rPr>
+              <a:t>trace.axd</a:t>
+            </a:r>
+            <a:endParaRPr lang="en-US" dirty="0">
+              <a:solidFill>
+                <a:schemeClr val="tx1"/>
+              </a:solidFill>
+              <a:latin typeface="Roboto Slab Regular" panose="020B0604020202020204" charset="0"/>
+              <a:ea typeface="Roboto Slab Regular" panose="020B0604020202020204" charset="0"/>
+            </a:endParaRPr>
+          </a:p>
+        </p:txBody>
+      </p:sp>
+      <p:sp>
+        <p:nvSpPr>
+          <p:cNvPr id="648" name="Google Shape;648;p68"/>
+          <p:cNvSpPr txBox="1">
+            <a:spLocks noGrp="1"/>
+          </p:cNvSpPr>
+          <p:nvPr>
+            <p:ph type="title"/>
+          </p:nvPr>
+        </p:nvSpPr>
+        <p:spPr>
+          <a:xfrm>
+            <a:off x="453600" y="413350"/>
+            <a:ext cx="8236800" cy="531300"/>
+          </a:xfrm>
+          <a:prstGeom prst="rect">
+            <a:avLst/>
+          </a:prstGeom>
+        </p:spPr>
+        <p:txBody>
+          <a:bodyPr spcFirstLastPara="1" wrap="square" lIns="91425" tIns="91425" rIns="91425" bIns="91425" anchor="ctr" anchorCtr="0">
+            <a:noAutofit/>
+          </a:bodyPr>
+          <a:lstStyle/>
+          <a:p>
+            <a:pPr marL="0" lvl="0" indent="0" algn="l" rtl="0">
+              <a:spcBef>
+                <a:spcPts val="0"/>
+              </a:spcBef>
+              <a:spcAft>
+                <a:spcPts val="0"/>
+              </a:spcAft>
+              <a:buNone/>
+            </a:pPr>
+            <a:r>
+              <a:rPr lang="en-US" sz="3600" dirty="0"/>
+              <a:t>Tracing Requests</a:t>
+            </a:r>
+          </a:p>
+        </p:txBody>
+      </p:sp>
+      <p:sp>
+        <p:nvSpPr>
+          <p:cNvPr id="4" name="Google Shape;649;p68">
+            <a:extLst>
+              <a:ext uri="{FF2B5EF4-FFF2-40B4-BE49-F238E27FC236}">
+                <a16:creationId xmlns:a16="http://schemas.microsoft.com/office/drawing/2014/main" id="{D6B5F584-7DA2-4319-93BC-D676043BFB1B}"/>
+              </a:ext>
+            </a:extLst>
+          </p:cNvPr>
+          <p:cNvSpPr txBox="1">
+            <a:spLocks noGrp="1"/>
+          </p:cNvSpPr>
+          <p:nvPr>
+            <p:ph type="subTitle" idx="1"/>
+          </p:nvPr>
+        </p:nvSpPr>
+        <p:spPr>
+          <a:xfrm>
+            <a:off x="453600" y="975050"/>
+            <a:ext cx="8236800" cy="393600"/>
+          </a:xfrm>
+          <a:prstGeom prst="rect">
+            <a:avLst/>
+          </a:prstGeom>
+        </p:spPr>
+        <p:txBody>
+          <a:bodyPr spcFirstLastPara="1" wrap="square" lIns="91425" tIns="91425" rIns="91425" bIns="91425" anchor="t" anchorCtr="0">
+            <a:noAutofit/>
+          </a:bodyPr>
+          <a:lstStyle/>
+          <a:p>
+            <a:pPr marL="0" lvl="0" indent="0" algn="l" rtl="0">
+              <a:spcBef>
+                <a:spcPts val="0"/>
+              </a:spcBef>
+              <a:spcAft>
+                <a:spcPts val="1600"/>
+              </a:spcAft>
+              <a:buNone/>
+            </a:pPr>
+            <a:r>
+              <a:rPr lang="en-US" dirty="0"/>
+              <a:t>Built-In Request Tracing Feature</a:t>
+            </a:r>
+          </a:p>
+        </p:txBody>
+      </p:sp>
+      <p:sp>
+        <p:nvSpPr>
+          <p:cNvPr id="5" name="Google Shape;649;p68">
+            <a:extLst>
+              <a:ext uri="{FF2B5EF4-FFF2-40B4-BE49-F238E27FC236}">
+                <a16:creationId xmlns:a16="http://schemas.microsoft.com/office/drawing/2014/main" id="{46BDB996-3421-4719-A5C4-63BF1E9319F7}"/>
+              </a:ext>
+            </a:extLst>
+          </p:cNvPr>
+          <p:cNvSpPr txBox="1">
+            <a:spLocks/>
+          </p:cNvSpPr>
+          <p:nvPr/>
+        </p:nvSpPr>
+        <p:spPr>
+          <a:xfrm>
+            <a:off x="453600" y="3349950"/>
+            <a:ext cx="8236800" cy="393600"/>
+          </a:xfrm>
+          <a:prstGeom prst="rect">
+            <a:avLst/>
+          </a:prstGeom>
+          <a:noFill/>
+          <a:ln>
+            <a:noFill/>
+          </a:ln>
+        </p:spPr>
+        <p:txBody>
+          <a:bodyPr spcFirstLastPara="1" wrap="square" lIns="91425" tIns="91425" rIns="91425" bIns="91425" anchor="t" anchorCtr="0">
+            <a:noAutofit/>
+          </a:bodyPr>
+          <a:lstStyle>
+            <a:defPPr marR="0" lvl="0" algn="l" rtl="0">
+              <a:lnSpc>
+                <a:spcPct val="100000"/>
+              </a:lnSpc>
+              <a:spcBef>
+                <a:spcPts val="0"/>
+              </a:spcBef>
+              <a:spcAft>
+                <a:spcPts val="0"/>
+              </a:spcAft>
+            </a:defPPr>
+            <a:lvl1pPr marL="457200" marR="0" lvl="0" indent="-342900" algn="l" rtl="0" eaLnBrk="1" hangingPunct="1">
+              <a:lnSpc>
+                <a:spcPct val="115000"/>
+              </a:lnSpc>
+              <a:spcBef>
+                <a:spcPts val="0"/>
+              </a:spcBef>
+              <a:spcAft>
+                <a:spcPts val="0"/>
+              </a:spcAft>
+              <a:buClr>
+                <a:schemeClr val="accent3"/>
+              </a:buClr>
+              <a:buSzPts val="1800"/>
+              <a:buFont typeface="Roboto Slab Regular"/>
+              <a:buNone/>
+              <a:defRPr sz="1800" b="0" i="0" u="none" strike="noStrike" cap="none">
+                <a:solidFill>
+                  <a:schemeClr val="accent3"/>
+                </a:solidFill>
+                <a:latin typeface="Roboto Slab Regular"/>
+                <a:ea typeface="Roboto Slab Regular"/>
+                <a:cs typeface="Roboto Slab Regular"/>
+                <a:sym typeface="Roboto Slab Regular"/>
+              </a:defRPr>
+            </a:lvl1pPr>
+            <a:lvl2pPr marL="914400" marR="0" lvl="1" indent="-317500" algn="l" rtl="0" eaLnBrk="1" hangingPunct="1">
+              <a:lnSpc>
+                <a:spcPct val="115000"/>
+              </a:lnSpc>
+              <a:spcBef>
+                <a:spcPts val="1600"/>
+              </a:spcBef>
+              <a:spcAft>
+                <a:spcPts val="0"/>
+              </a:spcAft>
+              <a:buClr>
+                <a:srgbClr val="4A5456"/>
+              </a:buClr>
+              <a:buSzPts val="1400"/>
+              <a:buFont typeface="Open Sans"/>
+              <a:buNone/>
+              <a:defRPr sz="1400" b="0" i="0" u="none" strike="noStrike" cap="none">
+                <a:solidFill>
+                  <a:srgbClr val="4A5456"/>
+                </a:solidFill>
+                <a:latin typeface="Open Sans"/>
+                <a:ea typeface="Open Sans"/>
+                <a:cs typeface="Open Sans"/>
+                <a:sym typeface="Open Sans"/>
+              </a:defRPr>
+            </a:lvl2pPr>
+            <a:lvl3pPr marL="1371600" marR="0" lvl="2" indent="-317500" algn="l" rtl="0" eaLnBrk="1" hangingPunct="1">
+              <a:lnSpc>
+                <a:spcPct val="115000"/>
+              </a:lnSpc>
+              <a:spcBef>
+                <a:spcPts val="1600"/>
+              </a:spcBef>
+              <a:spcAft>
+                <a:spcPts val="0"/>
+              </a:spcAft>
+              <a:buClr>
+                <a:srgbClr val="4A5456"/>
+              </a:buClr>
+              <a:buSzPts val="1400"/>
+              <a:buFont typeface="Open Sans"/>
+              <a:buNone/>
+              <a:defRPr sz="1400" b="0" i="0" u="none" strike="noStrike" cap="none">
+                <a:solidFill>
+                  <a:srgbClr val="4A5456"/>
+                </a:solidFill>
+                <a:latin typeface="Open Sans"/>
+                <a:ea typeface="Open Sans"/>
+                <a:cs typeface="Open Sans"/>
+                <a:sym typeface="Open Sans"/>
+              </a:defRPr>
+            </a:lvl3pPr>
+            <a:lvl4pPr marL="1828800" marR="0" lvl="3" indent="-317500" algn="l" rtl="0" eaLnBrk="1" hangingPunct="1">
+              <a:lnSpc>
+                <a:spcPct val="115000"/>
+              </a:lnSpc>
+              <a:spcBef>
+                <a:spcPts val="1600"/>
+              </a:spcBef>
+              <a:spcAft>
+                <a:spcPts val="0"/>
+              </a:spcAft>
+              <a:buClr>
+                <a:srgbClr val="4A5456"/>
+              </a:buClr>
+              <a:buSzPts val="1400"/>
+              <a:buFont typeface="Open Sans"/>
+              <a:buNone/>
+              <a:defRPr sz="1400" b="0" i="0" u="none" strike="noStrike" cap="none">
+                <a:solidFill>
+                  <a:srgbClr val="4A5456"/>
+                </a:solidFill>
+                <a:latin typeface="Open Sans"/>
+                <a:ea typeface="Open Sans"/>
+                <a:cs typeface="Open Sans"/>
+                <a:sym typeface="Open Sans"/>
+              </a:defRPr>
+            </a:lvl4pPr>
+            <a:lvl5pPr marL="2286000" marR="0" lvl="4" indent="-317500" algn="l" rtl="0" eaLnBrk="1" hangingPunct="1">
+              <a:lnSpc>
+                <a:spcPct val="115000"/>
+              </a:lnSpc>
+              <a:spcBef>
+                <a:spcPts val="1600"/>
+              </a:spcBef>
+              <a:spcAft>
+                <a:spcPts val="0"/>
+              </a:spcAft>
+              <a:buClr>
+                <a:srgbClr val="4A5456"/>
+              </a:buClr>
+              <a:buSzPts val="1400"/>
+              <a:buFont typeface="Open Sans"/>
+              <a:buNone/>
+              <a:defRPr sz="1400" b="0" i="0" u="none" strike="noStrike" cap="none">
+                <a:solidFill>
+                  <a:srgbClr val="4A5456"/>
+                </a:solidFill>
+                <a:latin typeface="Open Sans"/>
+                <a:ea typeface="Open Sans"/>
+                <a:cs typeface="Open Sans"/>
+                <a:sym typeface="Open Sans"/>
+              </a:defRPr>
+            </a:lvl5pPr>
+            <a:lvl6pPr marL="2743200" marR="0" lvl="5" indent="-317500" algn="l" rtl="0" eaLnBrk="1" hangingPunct="1">
+              <a:lnSpc>
+                <a:spcPct val="115000"/>
+              </a:lnSpc>
+              <a:spcBef>
+                <a:spcPts val="1600"/>
+              </a:spcBef>
+              <a:spcAft>
+                <a:spcPts val="0"/>
+              </a:spcAft>
+              <a:buClr>
+                <a:srgbClr val="4A5456"/>
+              </a:buClr>
+              <a:buSzPts val="1400"/>
+              <a:buFont typeface="Open Sans"/>
+              <a:buNone/>
+              <a:defRPr sz="1400" b="0" i="0" u="none" strike="noStrike" cap="none">
+                <a:solidFill>
+                  <a:srgbClr val="4A5456"/>
+                </a:solidFill>
+                <a:latin typeface="Open Sans"/>
+                <a:ea typeface="Open Sans"/>
+                <a:cs typeface="Open Sans"/>
+                <a:sym typeface="Open Sans"/>
+              </a:defRPr>
+            </a:lvl6pPr>
+            <a:lvl7pPr marL="3200400" marR="0" lvl="6" indent="-317500" algn="l" rtl="0" eaLnBrk="1" hangingPunct="1">
+              <a:lnSpc>
+                <a:spcPct val="115000"/>
+              </a:lnSpc>
+              <a:spcBef>
+                <a:spcPts val="1600"/>
+              </a:spcBef>
+              <a:spcAft>
+                <a:spcPts val="0"/>
+              </a:spcAft>
+              <a:buClr>
+                <a:srgbClr val="4A5456"/>
+              </a:buClr>
+              <a:buSzPts val="1400"/>
+              <a:buFont typeface="Open Sans"/>
+              <a:buNone/>
+              <a:defRPr sz="1400" b="0" i="0" u="none" strike="noStrike" cap="none">
+                <a:solidFill>
+                  <a:srgbClr val="4A5456"/>
+                </a:solidFill>
+                <a:latin typeface="Open Sans"/>
+                <a:ea typeface="Open Sans"/>
+                <a:cs typeface="Open Sans"/>
+                <a:sym typeface="Open Sans"/>
+              </a:defRPr>
+            </a:lvl7pPr>
+            <a:lvl8pPr marL="3657600" marR="0" lvl="7" indent="-317500" algn="l" rtl="0" eaLnBrk="1" hangingPunct="1">
+              <a:lnSpc>
+                <a:spcPct val="115000"/>
+              </a:lnSpc>
+              <a:spcBef>
+                <a:spcPts val="1600"/>
+              </a:spcBef>
+              <a:spcAft>
+                <a:spcPts val="0"/>
+              </a:spcAft>
+              <a:buClr>
+                <a:srgbClr val="4A5456"/>
+              </a:buClr>
+              <a:buSzPts val="1400"/>
+              <a:buFont typeface="Open Sans"/>
+              <a:buNone/>
+              <a:defRPr sz="1400" b="0" i="0" u="none" strike="noStrike" cap="none">
+                <a:solidFill>
+                  <a:srgbClr val="4A5456"/>
+                </a:solidFill>
+                <a:latin typeface="Open Sans"/>
+                <a:ea typeface="Open Sans"/>
+                <a:cs typeface="Open Sans"/>
+                <a:sym typeface="Open Sans"/>
+              </a:defRPr>
+            </a:lvl8pPr>
+            <a:lvl9pPr marL="4114800" marR="0" lvl="8" indent="-317500" algn="l" rtl="0" eaLnBrk="1" hangingPunct="1">
+              <a:lnSpc>
+                <a:spcPct val="115000"/>
+              </a:lnSpc>
+              <a:spcBef>
+                <a:spcPts val="1600"/>
+              </a:spcBef>
+              <a:spcAft>
+                <a:spcPts val="1600"/>
+              </a:spcAft>
+              <a:buClr>
+                <a:srgbClr val="4A5456"/>
+              </a:buClr>
+              <a:buSzPts val="1400"/>
+              <a:buFont typeface="Open Sans"/>
+              <a:buNone/>
+              <a:defRPr sz="1400" b="0" i="0" u="none" strike="noStrike" cap="none">
+                <a:solidFill>
+                  <a:srgbClr val="4A5456"/>
+                </a:solidFill>
+                <a:latin typeface="Open Sans"/>
+                <a:ea typeface="Open Sans"/>
+                <a:cs typeface="Open Sans"/>
+                <a:sym typeface="Open Sans"/>
+              </a:defRPr>
+            </a:lvl9pPr>
+          </a:lstStyle>
+          <a:p>
+            <a:pPr marL="0" indent="0">
+              <a:spcAft>
+                <a:spcPts val="1600"/>
+              </a:spcAft>
+            </a:pPr>
+            <a:r>
+              <a:rPr lang="en-US" dirty="0"/>
+              <a:t>Glimpse</a:t>
+            </a:r>
+          </a:p>
+        </p:txBody>
+      </p:sp>
+      <p:sp>
+        <p:nvSpPr>
+          <p:cNvPr id="6" name="Google Shape;647;p68">
+            <a:extLst>
+              <a:ext uri="{FF2B5EF4-FFF2-40B4-BE49-F238E27FC236}">
+                <a16:creationId xmlns:a16="http://schemas.microsoft.com/office/drawing/2014/main" id="{E6217968-2487-4E65-8D7D-1B5AD9CFD593}"/>
+              </a:ext>
+            </a:extLst>
+          </p:cNvPr>
+          <p:cNvSpPr txBox="1">
+            <a:spLocks/>
+          </p:cNvSpPr>
+          <p:nvPr/>
+        </p:nvSpPr>
+        <p:spPr>
+          <a:xfrm>
+            <a:off x="644525" y="3727450"/>
+            <a:ext cx="7854949" cy="863600"/>
+          </a:xfrm>
+          <a:prstGeom prst="rect">
+            <a:avLst/>
+          </a:prstGeom>
+          <a:noFill/>
+          <a:ln>
+            <a:noFill/>
+          </a:ln>
+        </p:spPr>
+        <p:txBody>
+          <a:bodyPr spcFirstLastPara="1" wrap="square" lIns="91425" tIns="91425" rIns="91425" bIns="91425" anchor="t" anchorCtr="0">
+            <a:noAutofit/>
+          </a:bodyPr>
+          <a:lstStyle>
+            <a:defPPr marR="0" lvl="0" algn="l" rtl="0">
+              <a:lnSpc>
+                <a:spcPct val="100000"/>
+              </a:lnSpc>
+              <a:spcBef>
+                <a:spcPts val="0"/>
+              </a:spcBef>
+              <a:spcAft>
+                <a:spcPts val="0"/>
+              </a:spcAft>
+            </a:defPPr>
+            <a:lvl1pPr marL="457200" marR="0" lvl="0" indent="-304800" algn="l" rtl="0" eaLnBrk="1" hangingPunct="1">
+              <a:lnSpc>
+                <a:spcPct val="100000"/>
+              </a:lnSpc>
+              <a:spcBef>
+                <a:spcPts val="0"/>
+              </a:spcBef>
+              <a:spcAft>
+                <a:spcPts val="0"/>
+              </a:spcAft>
+              <a:buClr>
+                <a:srgbClr val="4A5456"/>
+              </a:buClr>
+              <a:buSzPts val="1200"/>
+              <a:buFont typeface="Open Sans"/>
+              <a:buChar char="●"/>
+              <a:defRPr sz="1200" b="0" i="0" u="none" strike="noStrike" cap="none">
+                <a:solidFill>
+                  <a:srgbClr val="4A5456"/>
+                </a:solidFill>
+                <a:latin typeface="Open Sans"/>
+                <a:ea typeface="Open Sans"/>
+                <a:cs typeface="Open Sans"/>
+                <a:sym typeface="Open Sans"/>
+              </a:defRPr>
+            </a:lvl1pPr>
+            <a:lvl2pPr marL="914400" marR="0" lvl="1" indent="-304800" algn="l" rtl="0" eaLnBrk="1" hangingPunct="1">
+              <a:lnSpc>
+                <a:spcPct val="100000"/>
+              </a:lnSpc>
+              <a:spcBef>
+                <a:spcPts val="400"/>
+              </a:spcBef>
+              <a:spcAft>
+                <a:spcPts val="0"/>
+              </a:spcAft>
+              <a:buClr>
+                <a:srgbClr val="4A5456"/>
+              </a:buClr>
+              <a:buSzPts val="1200"/>
+              <a:buFont typeface="Open Sans"/>
+              <a:buChar char="○"/>
+              <a:defRPr sz="1200" b="0" i="0" u="none" strike="noStrike" cap="none">
+                <a:solidFill>
+                  <a:srgbClr val="4A5456"/>
+                </a:solidFill>
+                <a:latin typeface="Open Sans"/>
+                <a:ea typeface="Open Sans"/>
+                <a:cs typeface="Open Sans"/>
+                <a:sym typeface="Open Sans"/>
+              </a:defRPr>
+            </a:lvl2pPr>
+            <a:lvl3pPr marL="1371600" marR="0" lvl="2" indent="-304800" algn="l" rtl="0" eaLnBrk="1" hangingPunct="1">
+              <a:lnSpc>
+                <a:spcPct val="100000"/>
+              </a:lnSpc>
+              <a:spcBef>
+                <a:spcPts val="400"/>
+              </a:spcBef>
+              <a:spcAft>
+                <a:spcPts val="0"/>
+              </a:spcAft>
+              <a:buClr>
+                <a:srgbClr val="4A5456"/>
+              </a:buClr>
+              <a:buSzPts val="1200"/>
+              <a:buFont typeface="Open Sans"/>
+              <a:buChar char="■"/>
+              <a:defRPr sz="1200" b="0" i="0" u="none" strike="noStrike" cap="none">
+                <a:solidFill>
+                  <a:srgbClr val="4A5456"/>
+                </a:solidFill>
+                <a:latin typeface="Open Sans"/>
+                <a:ea typeface="Open Sans"/>
+                <a:cs typeface="Open Sans"/>
+                <a:sym typeface="Open Sans"/>
+              </a:defRPr>
+            </a:lvl3pPr>
+            <a:lvl4pPr marL="1828800" marR="0" lvl="3" indent="-304800" algn="l" rtl="0" eaLnBrk="1" hangingPunct="1">
+              <a:lnSpc>
+                <a:spcPct val="100000"/>
+              </a:lnSpc>
+              <a:spcBef>
+                <a:spcPts val="400"/>
+              </a:spcBef>
+              <a:spcAft>
+                <a:spcPts val="0"/>
+              </a:spcAft>
+              <a:buClr>
+                <a:srgbClr val="4A5456"/>
+              </a:buClr>
+              <a:buSzPts val="1200"/>
+              <a:buFont typeface="Open Sans"/>
+              <a:buChar char="●"/>
+              <a:defRPr sz="1200" b="0" i="0" u="none" strike="noStrike" cap="none">
+                <a:solidFill>
+                  <a:srgbClr val="4A5456"/>
+                </a:solidFill>
+                <a:latin typeface="Open Sans"/>
+                <a:ea typeface="Open Sans"/>
+                <a:cs typeface="Open Sans"/>
+                <a:sym typeface="Open Sans"/>
+              </a:defRPr>
+            </a:lvl4pPr>
+            <a:lvl5pPr marL="2286000" marR="0" lvl="4" indent="-304800" algn="l" rtl="0" eaLnBrk="1" hangingPunct="1">
+              <a:lnSpc>
+                <a:spcPct val="100000"/>
+              </a:lnSpc>
+              <a:spcBef>
+                <a:spcPts val="400"/>
+              </a:spcBef>
+              <a:spcAft>
+                <a:spcPts val="0"/>
+              </a:spcAft>
+              <a:buClr>
+                <a:srgbClr val="4A5456"/>
+              </a:buClr>
+              <a:buSzPts val="1200"/>
+              <a:buFont typeface="Open Sans"/>
+              <a:buChar char="○"/>
+              <a:defRPr sz="1200" b="0" i="0" u="none" strike="noStrike" cap="none">
+                <a:solidFill>
+                  <a:srgbClr val="4A5456"/>
+                </a:solidFill>
+                <a:latin typeface="Open Sans"/>
+                <a:ea typeface="Open Sans"/>
+                <a:cs typeface="Open Sans"/>
+                <a:sym typeface="Open Sans"/>
+              </a:defRPr>
+            </a:lvl5pPr>
+            <a:lvl6pPr marL="2743200" marR="0" lvl="5" indent="-304800" algn="l" rtl="0" eaLnBrk="1" hangingPunct="1">
+              <a:lnSpc>
+                <a:spcPct val="100000"/>
+              </a:lnSpc>
+              <a:spcBef>
+                <a:spcPts val="400"/>
+              </a:spcBef>
+              <a:spcAft>
+                <a:spcPts val="0"/>
+              </a:spcAft>
+              <a:buClr>
+                <a:srgbClr val="4A5456"/>
+              </a:buClr>
+              <a:buSzPts val="1200"/>
+              <a:buFont typeface="Open Sans"/>
+              <a:buChar char="■"/>
+              <a:defRPr sz="1200" b="0" i="0" u="none" strike="noStrike" cap="none">
+                <a:solidFill>
+                  <a:srgbClr val="4A5456"/>
+                </a:solidFill>
+                <a:latin typeface="Open Sans"/>
+                <a:ea typeface="Open Sans"/>
+                <a:cs typeface="Open Sans"/>
+                <a:sym typeface="Open Sans"/>
+              </a:defRPr>
+            </a:lvl6pPr>
+            <a:lvl7pPr marL="3200400" marR="0" lvl="6" indent="-304800" algn="l" rtl="0" eaLnBrk="1" hangingPunct="1">
+              <a:lnSpc>
+                <a:spcPct val="100000"/>
+              </a:lnSpc>
+              <a:spcBef>
+                <a:spcPts val="400"/>
+              </a:spcBef>
+              <a:spcAft>
+                <a:spcPts val="0"/>
+              </a:spcAft>
+              <a:buClr>
+                <a:srgbClr val="4A5456"/>
+              </a:buClr>
+              <a:buSzPts val="1200"/>
+              <a:buFont typeface="Open Sans"/>
+              <a:buChar char="●"/>
+              <a:defRPr sz="1200" b="0" i="0" u="none" strike="noStrike" cap="none">
+                <a:solidFill>
+                  <a:srgbClr val="4A5456"/>
+                </a:solidFill>
+                <a:latin typeface="Open Sans"/>
+                <a:ea typeface="Open Sans"/>
+                <a:cs typeface="Open Sans"/>
+                <a:sym typeface="Open Sans"/>
+              </a:defRPr>
+            </a:lvl7pPr>
+            <a:lvl8pPr marL="3657600" marR="0" lvl="7" indent="-304800" algn="l" rtl="0" eaLnBrk="1" hangingPunct="1">
+              <a:lnSpc>
+                <a:spcPct val="100000"/>
+              </a:lnSpc>
+              <a:spcBef>
+                <a:spcPts val="400"/>
+              </a:spcBef>
+              <a:spcAft>
+                <a:spcPts val="0"/>
+              </a:spcAft>
+              <a:buClr>
+                <a:srgbClr val="4A5456"/>
+              </a:buClr>
+              <a:buSzPts val="1200"/>
+              <a:buFont typeface="Open Sans"/>
+              <a:buChar char="○"/>
+              <a:defRPr sz="1200" b="0" i="0" u="none" strike="noStrike" cap="none">
+                <a:solidFill>
+                  <a:srgbClr val="4A5456"/>
+                </a:solidFill>
+                <a:latin typeface="Open Sans"/>
+                <a:ea typeface="Open Sans"/>
+                <a:cs typeface="Open Sans"/>
+                <a:sym typeface="Open Sans"/>
+              </a:defRPr>
+            </a:lvl8pPr>
+            <a:lvl9pPr marL="4114800" marR="0" lvl="8" indent="-304800" algn="l" rtl="0" eaLnBrk="1" hangingPunct="1">
+              <a:lnSpc>
+                <a:spcPct val="100000"/>
+              </a:lnSpc>
+              <a:spcBef>
+                <a:spcPts val="400"/>
+              </a:spcBef>
+              <a:spcAft>
+                <a:spcPts val="400"/>
+              </a:spcAft>
+              <a:buClr>
+                <a:srgbClr val="4A5456"/>
+              </a:buClr>
+              <a:buSzPts val="1200"/>
+              <a:buFont typeface="Open Sans"/>
+              <a:buChar char="■"/>
+              <a:defRPr sz="1200" b="0" i="0" u="none" strike="noStrike" cap="none">
+                <a:solidFill>
+                  <a:srgbClr val="4A5456"/>
+                </a:solidFill>
+                <a:latin typeface="Open Sans"/>
+                <a:ea typeface="Open Sans"/>
+                <a:cs typeface="Open Sans"/>
+                <a:sym typeface="Open Sans"/>
+              </a:defRPr>
+            </a:lvl9pPr>
+          </a:lstStyle>
+          <a:p>
+            <a:pPr>
+              <a:lnSpc>
+                <a:spcPct val="150000"/>
+              </a:lnSpc>
+              <a:spcAft>
+                <a:spcPts val="1600"/>
+              </a:spcAft>
+              <a:buFont typeface="Wingdings" panose="05000000000000000000" pitchFamily="2" charset="2"/>
+              <a:buChar char="ü"/>
+            </a:pPr>
+            <a:r>
+              <a:rPr lang="en-US" dirty="0">
+                <a:solidFill>
+                  <a:schemeClr val="tx1"/>
+                </a:solidFill>
+                <a:latin typeface="Roboto Slab Regular" panose="020B0604020202020204" charset="0"/>
+                <a:ea typeface="Roboto Slab Regular" panose="020B0604020202020204" charset="0"/>
+              </a:rPr>
+              <a:t>Open-source diagnostic tool: </a:t>
+            </a:r>
+            <a:r>
+              <a:rPr lang="en-US" dirty="0">
+                <a:solidFill>
+                  <a:schemeClr val="tx1"/>
+                </a:solidFill>
+                <a:latin typeface="Roboto Slab Regular" panose="020B0604020202020204" charset="0"/>
+                <a:ea typeface="Roboto Slab Regular" panose="020B0604020202020204" charset="0"/>
+                <a:hlinkClick r:id="rId4"/>
+              </a:rPr>
+              <a:t>https://github.com/glimpse/glimpse</a:t>
+            </a:r>
+            <a:endParaRPr lang="en-US" dirty="0">
+              <a:solidFill>
+                <a:schemeClr val="tx1"/>
+              </a:solidFill>
+              <a:latin typeface="Roboto Slab Regular" panose="020B0604020202020204" charset="0"/>
+              <a:ea typeface="Roboto Slab Regular" panose="020B0604020202020204" charset="0"/>
+            </a:endParaRPr>
+          </a:p>
+          <a:p>
+            <a:pPr>
+              <a:lnSpc>
+                <a:spcPct val="150000"/>
+              </a:lnSpc>
+              <a:spcAft>
+                <a:spcPts val="1600"/>
+              </a:spcAft>
+              <a:buFont typeface="Wingdings" panose="05000000000000000000" pitchFamily="2" charset="2"/>
+              <a:buChar char="ü"/>
+            </a:pPr>
+            <a:r>
+              <a:rPr lang="en-US" dirty="0">
+                <a:solidFill>
+                  <a:schemeClr val="tx1"/>
+                </a:solidFill>
+                <a:latin typeface="Roboto Slab Regular" panose="020B0604020202020204" charset="0"/>
+                <a:ea typeface="Roboto Slab Regular" panose="020B0604020202020204" charset="0"/>
+              </a:rPr>
+              <a:t> Provides a level of detail that is beyond the built-in tracing feature</a:t>
+            </a:r>
+          </a:p>
+          <a:p>
+            <a:pPr>
+              <a:lnSpc>
+                <a:spcPct val="150000"/>
+              </a:lnSpc>
+              <a:spcAft>
+                <a:spcPts val="1600"/>
+              </a:spcAft>
+              <a:buFont typeface="Wingdings" panose="05000000000000000000" pitchFamily="2" charset="2"/>
+              <a:buChar char="ü"/>
+            </a:pPr>
+            <a:endParaRPr lang="en-US" dirty="0">
+              <a:solidFill>
+                <a:schemeClr val="tx1"/>
+              </a:solidFill>
+              <a:latin typeface="Roboto Slab Regular" panose="020B0604020202020204" charset="0"/>
+              <a:ea typeface="Roboto Slab Regular" panose="020B0604020202020204" charset="0"/>
+            </a:endParaRPr>
+          </a:p>
+        </p:txBody>
+      </p:sp>
+    </p:spTree>
+    <p:extLst>
+      <p:ext uri="{BB962C8B-B14F-4D97-AF65-F5344CB8AC3E}">
+        <p14:creationId xmlns:p14="http://schemas.microsoft.com/office/powerpoint/2010/main" val="937760733"/>
+      </p:ext>
+    </p:extLst>
+  </p:cSld>
+  <p:clrMapOvr>
+    <a:masterClrMapping/>
+  </p:clrMapOvr>
+</p:sld>
+</file>
+
+<file path=ppt/slides/slide13.xml><?xml version="1.0" encoding="utf-8"?>
 <p:sld xmlns:a="http://schemas.openxmlformats.org/drawingml/2006/main" xmlns:r="http://schemas.openxmlformats.org/officeDocument/2006/relationships" xmlns:p="http://schemas.openxmlformats.org/presentationml/2006/main">
   <p:cSld>
     <p:spTree>
@@ -12843,6 +14381,2727 @@
       </p:grpSpPr>
       <p:sp>
         <p:nvSpPr>
+          <p:cNvPr id="648" name="Google Shape;648;p68"/>
+          <p:cNvSpPr txBox="1">
+            <a:spLocks noGrp="1"/>
+          </p:cNvSpPr>
+          <p:nvPr>
+            <p:ph type="title"/>
+          </p:nvPr>
+        </p:nvSpPr>
+        <p:spPr>
+          <a:xfrm>
+            <a:off x="453600" y="413350"/>
+            <a:ext cx="8236800" cy="531300"/>
+          </a:xfrm>
+          <a:prstGeom prst="rect">
+            <a:avLst/>
+          </a:prstGeom>
+        </p:spPr>
+        <p:txBody>
+          <a:bodyPr spcFirstLastPara="1" wrap="square" lIns="91425" tIns="91425" rIns="91425" bIns="91425" anchor="ctr" anchorCtr="0">
+            <a:noAutofit/>
+          </a:bodyPr>
+          <a:lstStyle/>
+          <a:p>
+            <a:pPr marL="0" lvl="0" indent="0" algn="l" rtl="0">
+              <a:spcBef>
+                <a:spcPts val="0"/>
+              </a:spcBef>
+              <a:spcAft>
+                <a:spcPts val="0"/>
+              </a:spcAft>
+              <a:buNone/>
+            </a:pPr>
+            <a:r>
+              <a:rPr lang="en" sz="3600" dirty="0"/>
+              <a:t>Intro</a:t>
+            </a:r>
+            <a:endParaRPr sz="3600" dirty="0"/>
+          </a:p>
+        </p:txBody>
+      </p:sp>
+      <p:sp>
+        <p:nvSpPr>
+          <p:cNvPr id="4" name="Google Shape;649;p68">
+            <a:extLst>
+              <a:ext uri="{FF2B5EF4-FFF2-40B4-BE49-F238E27FC236}">
+                <a16:creationId xmlns:a16="http://schemas.microsoft.com/office/drawing/2014/main" id="{396C24D1-9C20-47CD-AB3E-89B543FAE2CE}"/>
+              </a:ext>
+            </a:extLst>
+          </p:cNvPr>
+          <p:cNvSpPr txBox="1">
+            <a:spLocks noGrp="1"/>
+          </p:cNvSpPr>
+          <p:nvPr>
+            <p:ph type="subTitle" idx="1"/>
+          </p:nvPr>
+        </p:nvSpPr>
+        <p:spPr>
+          <a:xfrm>
+            <a:off x="453600" y="886150"/>
+            <a:ext cx="3051600" cy="393600"/>
+          </a:xfrm>
+          <a:prstGeom prst="rect">
+            <a:avLst/>
+          </a:prstGeom>
+        </p:spPr>
+        <p:txBody>
+          <a:bodyPr spcFirstLastPara="1" wrap="square" lIns="91425" tIns="91425" rIns="91425" bIns="91425" anchor="t" anchorCtr="0">
+            <a:noAutofit/>
+          </a:bodyPr>
+          <a:lstStyle/>
+          <a:p>
+            <a:pPr marL="0" lvl="0" indent="0" algn="l" rtl="0">
+              <a:spcBef>
+                <a:spcPts val="0"/>
+              </a:spcBef>
+              <a:spcAft>
+                <a:spcPts val="1600"/>
+              </a:spcAft>
+              <a:buNone/>
+            </a:pPr>
+            <a:r>
+              <a:rPr lang="en" dirty="0"/>
+              <a:t>What we are going to see</a:t>
+            </a:r>
+            <a:endParaRPr dirty="0"/>
+          </a:p>
+        </p:txBody>
+      </p:sp>
+      <p:sp>
+        <p:nvSpPr>
+          <p:cNvPr id="5" name="Google Shape;647;p68">
+            <a:extLst>
+              <a:ext uri="{FF2B5EF4-FFF2-40B4-BE49-F238E27FC236}">
+                <a16:creationId xmlns:a16="http://schemas.microsoft.com/office/drawing/2014/main" id="{CD2D8418-92FD-4157-9DF0-C0B147D68247}"/>
+              </a:ext>
+            </a:extLst>
+          </p:cNvPr>
+          <p:cNvSpPr txBox="1">
+            <a:spLocks/>
+          </p:cNvSpPr>
+          <p:nvPr/>
+        </p:nvSpPr>
+        <p:spPr>
+          <a:xfrm>
+            <a:off x="1755212" y="1794325"/>
+            <a:ext cx="1999715" cy="666993"/>
+          </a:xfrm>
+          <a:prstGeom prst="rect">
+            <a:avLst/>
+          </a:prstGeom>
+          <a:noFill/>
+          <a:ln>
+            <a:noFill/>
+          </a:ln>
+        </p:spPr>
+        <p:txBody>
+          <a:bodyPr spcFirstLastPara="1" wrap="square" lIns="91425" tIns="91425" rIns="91425" bIns="91425" anchor="t" anchorCtr="0">
+            <a:noAutofit/>
+          </a:bodyPr>
+          <a:lstStyle>
+            <a:defPPr marR="0" lvl="0" algn="l" rtl="0">
+              <a:lnSpc>
+                <a:spcPct val="100000"/>
+              </a:lnSpc>
+              <a:spcBef>
+                <a:spcPts val="0"/>
+              </a:spcBef>
+              <a:spcAft>
+                <a:spcPts val="0"/>
+              </a:spcAft>
+            </a:defPPr>
+            <a:lvl1pPr marL="457200" marR="0" lvl="0" indent="-304800" algn="l" rtl="0" eaLnBrk="1" hangingPunct="1">
+              <a:lnSpc>
+                <a:spcPct val="100000"/>
+              </a:lnSpc>
+              <a:spcBef>
+                <a:spcPts val="0"/>
+              </a:spcBef>
+              <a:spcAft>
+                <a:spcPts val="0"/>
+              </a:spcAft>
+              <a:buClr>
+                <a:srgbClr val="4A5456"/>
+              </a:buClr>
+              <a:buSzPts val="1200"/>
+              <a:buFont typeface="Open Sans"/>
+              <a:buChar char="●"/>
+              <a:defRPr sz="1200" b="0" i="0" u="none" strike="noStrike" cap="none">
+                <a:solidFill>
+                  <a:srgbClr val="4A5456"/>
+                </a:solidFill>
+                <a:latin typeface="Open Sans"/>
+                <a:ea typeface="Open Sans"/>
+                <a:cs typeface="Open Sans"/>
+                <a:sym typeface="Open Sans"/>
+              </a:defRPr>
+            </a:lvl1pPr>
+            <a:lvl2pPr marL="914400" marR="0" lvl="1" indent="-304800" algn="l" rtl="0" eaLnBrk="1" hangingPunct="1">
+              <a:lnSpc>
+                <a:spcPct val="100000"/>
+              </a:lnSpc>
+              <a:spcBef>
+                <a:spcPts val="400"/>
+              </a:spcBef>
+              <a:spcAft>
+                <a:spcPts val="0"/>
+              </a:spcAft>
+              <a:buClr>
+                <a:srgbClr val="4A5456"/>
+              </a:buClr>
+              <a:buSzPts val="1200"/>
+              <a:buFont typeface="Open Sans"/>
+              <a:buChar char="○"/>
+              <a:defRPr sz="1200" b="0" i="0" u="none" strike="noStrike" cap="none">
+                <a:solidFill>
+                  <a:srgbClr val="4A5456"/>
+                </a:solidFill>
+                <a:latin typeface="Open Sans"/>
+                <a:ea typeface="Open Sans"/>
+                <a:cs typeface="Open Sans"/>
+                <a:sym typeface="Open Sans"/>
+              </a:defRPr>
+            </a:lvl2pPr>
+            <a:lvl3pPr marL="1371600" marR="0" lvl="2" indent="-304800" algn="l" rtl="0" eaLnBrk="1" hangingPunct="1">
+              <a:lnSpc>
+                <a:spcPct val="100000"/>
+              </a:lnSpc>
+              <a:spcBef>
+                <a:spcPts val="400"/>
+              </a:spcBef>
+              <a:spcAft>
+                <a:spcPts val="0"/>
+              </a:spcAft>
+              <a:buClr>
+                <a:srgbClr val="4A5456"/>
+              </a:buClr>
+              <a:buSzPts val="1200"/>
+              <a:buFont typeface="Open Sans"/>
+              <a:buChar char="■"/>
+              <a:defRPr sz="1200" b="0" i="0" u="none" strike="noStrike" cap="none">
+                <a:solidFill>
+                  <a:srgbClr val="4A5456"/>
+                </a:solidFill>
+                <a:latin typeface="Open Sans"/>
+                <a:ea typeface="Open Sans"/>
+                <a:cs typeface="Open Sans"/>
+                <a:sym typeface="Open Sans"/>
+              </a:defRPr>
+            </a:lvl3pPr>
+            <a:lvl4pPr marL="1828800" marR="0" lvl="3" indent="-304800" algn="l" rtl="0" eaLnBrk="1" hangingPunct="1">
+              <a:lnSpc>
+                <a:spcPct val="100000"/>
+              </a:lnSpc>
+              <a:spcBef>
+                <a:spcPts val="400"/>
+              </a:spcBef>
+              <a:spcAft>
+                <a:spcPts val="0"/>
+              </a:spcAft>
+              <a:buClr>
+                <a:srgbClr val="4A5456"/>
+              </a:buClr>
+              <a:buSzPts val="1200"/>
+              <a:buFont typeface="Open Sans"/>
+              <a:buChar char="●"/>
+              <a:defRPr sz="1200" b="0" i="0" u="none" strike="noStrike" cap="none">
+                <a:solidFill>
+                  <a:srgbClr val="4A5456"/>
+                </a:solidFill>
+                <a:latin typeface="Open Sans"/>
+                <a:ea typeface="Open Sans"/>
+                <a:cs typeface="Open Sans"/>
+                <a:sym typeface="Open Sans"/>
+              </a:defRPr>
+            </a:lvl4pPr>
+            <a:lvl5pPr marL="2286000" marR="0" lvl="4" indent="-304800" algn="l" rtl="0" eaLnBrk="1" hangingPunct="1">
+              <a:lnSpc>
+                <a:spcPct val="100000"/>
+              </a:lnSpc>
+              <a:spcBef>
+                <a:spcPts val="400"/>
+              </a:spcBef>
+              <a:spcAft>
+                <a:spcPts val="0"/>
+              </a:spcAft>
+              <a:buClr>
+                <a:srgbClr val="4A5456"/>
+              </a:buClr>
+              <a:buSzPts val="1200"/>
+              <a:buFont typeface="Open Sans"/>
+              <a:buChar char="○"/>
+              <a:defRPr sz="1200" b="0" i="0" u="none" strike="noStrike" cap="none">
+                <a:solidFill>
+                  <a:srgbClr val="4A5456"/>
+                </a:solidFill>
+                <a:latin typeface="Open Sans"/>
+                <a:ea typeface="Open Sans"/>
+                <a:cs typeface="Open Sans"/>
+                <a:sym typeface="Open Sans"/>
+              </a:defRPr>
+            </a:lvl5pPr>
+            <a:lvl6pPr marL="2743200" marR="0" lvl="5" indent="-304800" algn="l" rtl="0" eaLnBrk="1" hangingPunct="1">
+              <a:lnSpc>
+                <a:spcPct val="100000"/>
+              </a:lnSpc>
+              <a:spcBef>
+                <a:spcPts val="400"/>
+              </a:spcBef>
+              <a:spcAft>
+                <a:spcPts val="0"/>
+              </a:spcAft>
+              <a:buClr>
+                <a:srgbClr val="4A5456"/>
+              </a:buClr>
+              <a:buSzPts val="1200"/>
+              <a:buFont typeface="Open Sans"/>
+              <a:buChar char="■"/>
+              <a:defRPr sz="1200" b="0" i="0" u="none" strike="noStrike" cap="none">
+                <a:solidFill>
+                  <a:srgbClr val="4A5456"/>
+                </a:solidFill>
+                <a:latin typeface="Open Sans"/>
+                <a:ea typeface="Open Sans"/>
+                <a:cs typeface="Open Sans"/>
+                <a:sym typeface="Open Sans"/>
+              </a:defRPr>
+            </a:lvl6pPr>
+            <a:lvl7pPr marL="3200400" marR="0" lvl="6" indent="-304800" algn="l" rtl="0" eaLnBrk="1" hangingPunct="1">
+              <a:lnSpc>
+                <a:spcPct val="100000"/>
+              </a:lnSpc>
+              <a:spcBef>
+                <a:spcPts val="400"/>
+              </a:spcBef>
+              <a:spcAft>
+                <a:spcPts val="0"/>
+              </a:spcAft>
+              <a:buClr>
+                <a:srgbClr val="4A5456"/>
+              </a:buClr>
+              <a:buSzPts val="1200"/>
+              <a:buFont typeface="Open Sans"/>
+              <a:buChar char="●"/>
+              <a:defRPr sz="1200" b="0" i="0" u="none" strike="noStrike" cap="none">
+                <a:solidFill>
+                  <a:srgbClr val="4A5456"/>
+                </a:solidFill>
+                <a:latin typeface="Open Sans"/>
+                <a:ea typeface="Open Sans"/>
+                <a:cs typeface="Open Sans"/>
+                <a:sym typeface="Open Sans"/>
+              </a:defRPr>
+            </a:lvl7pPr>
+            <a:lvl8pPr marL="3657600" marR="0" lvl="7" indent="-304800" algn="l" rtl="0" eaLnBrk="1" hangingPunct="1">
+              <a:lnSpc>
+                <a:spcPct val="100000"/>
+              </a:lnSpc>
+              <a:spcBef>
+                <a:spcPts val="400"/>
+              </a:spcBef>
+              <a:spcAft>
+                <a:spcPts val="0"/>
+              </a:spcAft>
+              <a:buClr>
+                <a:srgbClr val="4A5456"/>
+              </a:buClr>
+              <a:buSzPts val="1200"/>
+              <a:buFont typeface="Open Sans"/>
+              <a:buChar char="○"/>
+              <a:defRPr sz="1200" b="0" i="0" u="none" strike="noStrike" cap="none">
+                <a:solidFill>
+                  <a:srgbClr val="4A5456"/>
+                </a:solidFill>
+                <a:latin typeface="Open Sans"/>
+                <a:ea typeface="Open Sans"/>
+                <a:cs typeface="Open Sans"/>
+                <a:sym typeface="Open Sans"/>
+              </a:defRPr>
+            </a:lvl8pPr>
+            <a:lvl9pPr marL="4114800" marR="0" lvl="8" indent="-304800" algn="l" rtl="0" eaLnBrk="1" hangingPunct="1">
+              <a:lnSpc>
+                <a:spcPct val="100000"/>
+              </a:lnSpc>
+              <a:spcBef>
+                <a:spcPts val="400"/>
+              </a:spcBef>
+              <a:spcAft>
+                <a:spcPts val="400"/>
+              </a:spcAft>
+              <a:buClr>
+                <a:srgbClr val="4A5456"/>
+              </a:buClr>
+              <a:buSzPts val="1200"/>
+              <a:buFont typeface="Open Sans"/>
+              <a:buChar char="■"/>
+              <a:defRPr sz="1200" b="0" i="0" u="none" strike="noStrike" cap="none">
+                <a:solidFill>
+                  <a:srgbClr val="4A5456"/>
+                </a:solidFill>
+                <a:latin typeface="Open Sans"/>
+                <a:ea typeface="Open Sans"/>
+                <a:cs typeface="Open Sans"/>
+                <a:sym typeface="Open Sans"/>
+              </a:defRPr>
+            </a:lvl9pPr>
+          </a:lstStyle>
+          <a:p>
+            <a:pPr marL="152400" indent="0">
+              <a:lnSpc>
+                <a:spcPct val="150000"/>
+              </a:lnSpc>
+              <a:spcAft>
+                <a:spcPts val="1600"/>
+              </a:spcAft>
+              <a:buFont typeface="Open Sans"/>
+              <a:buNone/>
+            </a:pPr>
+            <a:r>
+              <a:rPr lang="en-US" sz="1800" dirty="0">
+                <a:solidFill>
+                  <a:schemeClr val="tx1"/>
+                </a:solidFill>
+                <a:latin typeface="Roboto Slab Regular" panose="020B0604020202020204" charset="0"/>
+                <a:ea typeface="Roboto Slab Regular" panose="020B0604020202020204" charset="0"/>
+              </a:rPr>
+              <a:t>HTTP Handlers</a:t>
+            </a:r>
+          </a:p>
+        </p:txBody>
+      </p:sp>
+      <p:sp>
+        <p:nvSpPr>
+          <p:cNvPr id="6" name="Google Shape;647;p68">
+            <a:extLst>
+              <a:ext uri="{FF2B5EF4-FFF2-40B4-BE49-F238E27FC236}">
+                <a16:creationId xmlns:a16="http://schemas.microsoft.com/office/drawing/2014/main" id="{5147207B-2508-455B-AC20-3137DE0E3262}"/>
+              </a:ext>
+            </a:extLst>
+          </p:cNvPr>
+          <p:cNvSpPr txBox="1">
+            <a:spLocks/>
+          </p:cNvSpPr>
+          <p:nvPr/>
+        </p:nvSpPr>
+        <p:spPr>
+          <a:xfrm>
+            <a:off x="3510382" y="3045033"/>
+            <a:ext cx="2123235" cy="666993"/>
+          </a:xfrm>
+          <a:prstGeom prst="rect">
+            <a:avLst/>
+          </a:prstGeom>
+          <a:noFill/>
+          <a:ln>
+            <a:noFill/>
+          </a:ln>
+        </p:spPr>
+        <p:txBody>
+          <a:bodyPr spcFirstLastPara="1" wrap="square" lIns="91425" tIns="91425" rIns="91425" bIns="91425" anchor="t" anchorCtr="0">
+            <a:noAutofit/>
+          </a:bodyPr>
+          <a:lstStyle>
+            <a:defPPr marR="0" lvl="0" algn="l" rtl="0">
+              <a:lnSpc>
+                <a:spcPct val="100000"/>
+              </a:lnSpc>
+              <a:spcBef>
+                <a:spcPts val="0"/>
+              </a:spcBef>
+              <a:spcAft>
+                <a:spcPts val="0"/>
+              </a:spcAft>
+            </a:defPPr>
+            <a:lvl1pPr marL="457200" marR="0" lvl="0" indent="-304800" algn="l" rtl="0" eaLnBrk="1" hangingPunct="1">
+              <a:lnSpc>
+                <a:spcPct val="100000"/>
+              </a:lnSpc>
+              <a:spcBef>
+                <a:spcPts val="0"/>
+              </a:spcBef>
+              <a:spcAft>
+                <a:spcPts val="0"/>
+              </a:spcAft>
+              <a:buClr>
+                <a:srgbClr val="4A5456"/>
+              </a:buClr>
+              <a:buSzPts val="1200"/>
+              <a:buFont typeface="Open Sans"/>
+              <a:buChar char="●"/>
+              <a:defRPr sz="1200" b="0" i="0" u="none" strike="noStrike" cap="none">
+                <a:solidFill>
+                  <a:srgbClr val="4A5456"/>
+                </a:solidFill>
+                <a:latin typeface="Open Sans"/>
+                <a:ea typeface="Open Sans"/>
+                <a:cs typeface="Open Sans"/>
+                <a:sym typeface="Open Sans"/>
+              </a:defRPr>
+            </a:lvl1pPr>
+            <a:lvl2pPr marL="914400" marR="0" lvl="1" indent="-304800" algn="l" rtl="0" eaLnBrk="1" hangingPunct="1">
+              <a:lnSpc>
+                <a:spcPct val="100000"/>
+              </a:lnSpc>
+              <a:spcBef>
+                <a:spcPts val="400"/>
+              </a:spcBef>
+              <a:spcAft>
+                <a:spcPts val="0"/>
+              </a:spcAft>
+              <a:buClr>
+                <a:srgbClr val="4A5456"/>
+              </a:buClr>
+              <a:buSzPts val="1200"/>
+              <a:buFont typeface="Open Sans"/>
+              <a:buChar char="○"/>
+              <a:defRPr sz="1200" b="0" i="0" u="none" strike="noStrike" cap="none">
+                <a:solidFill>
+                  <a:srgbClr val="4A5456"/>
+                </a:solidFill>
+                <a:latin typeface="Open Sans"/>
+                <a:ea typeface="Open Sans"/>
+                <a:cs typeface="Open Sans"/>
+                <a:sym typeface="Open Sans"/>
+              </a:defRPr>
+            </a:lvl2pPr>
+            <a:lvl3pPr marL="1371600" marR="0" lvl="2" indent="-304800" algn="l" rtl="0" eaLnBrk="1" hangingPunct="1">
+              <a:lnSpc>
+                <a:spcPct val="100000"/>
+              </a:lnSpc>
+              <a:spcBef>
+                <a:spcPts val="400"/>
+              </a:spcBef>
+              <a:spcAft>
+                <a:spcPts val="0"/>
+              </a:spcAft>
+              <a:buClr>
+                <a:srgbClr val="4A5456"/>
+              </a:buClr>
+              <a:buSzPts val="1200"/>
+              <a:buFont typeface="Open Sans"/>
+              <a:buChar char="■"/>
+              <a:defRPr sz="1200" b="0" i="0" u="none" strike="noStrike" cap="none">
+                <a:solidFill>
+                  <a:srgbClr val="4A5456"/>
+                </a:solidFill>
+                <a:latin typeface="Open Sans"/>
+                <a:ea typeface="Open Sans"/>
+                <a:cs typeface="Open Sans"/>
+                <a:sym typeface="Open Sans"/>
+              </a:defRPr>
+            </a:lvl3pPr>
+            <a:lvl4pPr marL="1828800" marR="0" lvl="3" indent="-304800" algn="l" rtl="0" eaLnBrk="1" hangingPunct="1">
+              <a:lnSpc>
+                <a:spcPct val="100000"/>
+              </a:lnSpc>
+              <a:spcBef>
+                <a:spcPts val="400"/>
+              </a:spcBef>
+              <a:spcAft>
+                <a:spcPts val="0"/>
+              </a:spcAft>
+              <a:buClr>
+                <a:srgbClr val="4A5456"/>
+              </a:buClr>
+              <a:buSzPts val="1200"/>
+              <a:buFont typeface="Open Sans"/>
+              <a:buChar char="●"/>
+              <a:defRPr sz="1200" b="0" i="0" u="none" strike="noStrike" cap="none">
+                <a:solidFill>
+                  <a:srgbClr val="4A5456"/>
+                </a:solidFill>
+                <a:latin typeface="Open Sans"/>
+                <a:ea typeface="Open Sans"/>
+                <a:cs typeface="Open Sans"/>
+                <a:sym typeface="Open Sans"/>
+              </a:defRPr>
+            </a:lvl4pPr>
+            <a:lvl5pPr marL="2286000" marR="0" lvl="4" indent="-304800" algn="l" rtl="0" eaLnBrk="1" hangingPunct="1">
+              <a:lnSpc>
+                <a:spcPct val="100000"/>
+              </a:lnSpc>
+              <a:spcBef>
+                <a:spcPts val="400"/>
+              </a:spcBef>
+              <a:spcAft>
+                <a:spcPts val="0"/>
+              </a:spcAft>
+              <a:buClr>
+                <a:srgbClr val="4A5456"/>
+              </a:buClr>
+              <a:buSzPts val="1200"/>
+              <a:buFont typeface="Open Sans"/>
+              <a:buChar char="○"/>
+              <a:defRPr sz="1200" b="0" i="0" u="none" strike="noStrike" cap="none">
+                <a:solidFill>
+                  <a:srgbClr val="4A5456"/>
+                </a:solidFill>
+                <a:latin typeface="Open Sans"/>
+                <a:ea typeface="Open Sans"/>
+                <a:cs typeface="Open Sans"/>
+                <a:sym typeface="Open Sans"/>
+              </a:defRPr>
+            </a:lvl5pPr>
+            <a:lvl6pPr marL="2743200" marR="0" lvl="5" indent="-304800" algn="l" rtl="0" eaLnBrk="1" hangingPunct="1">
+              <a:lnSpc>
+                <a:spcPct val="100000"/>
+              </a:lnSpc>
+              <a:spcBef>
+                <a:spcPts val="400"/>
+              </a:spcBef>
+              <a:spcAft>
+                <a:spcPts val="0"/>
+              </a:spcAft>
+              <a:buClr>
+                <a:srgbClr val="4A5456"/>
+              </a:buClr>
+              <a:buSzPts val="1200"/>
+              <a:buFont typeface="Open Sans"/>
+              <a:buChar char="■"/>
+              <a:defRPr sz="1200" b="0" i="0" u="none" strike="noStrike" cap="none">
+                <a:solidFill>
+                  <a:srgbClr val="4A5456"/>
+                </a:solidFill>
+                <a:latin typeface="Open Sans"/>
+                <a:ea typeface="Open Sans"/>
+                <a:cs typeface="Open Sans"/>
+                <a:sym typeface="Open Sans"/>
+              </a:defRPr>
+            </a:lvl6pPr>
+            <a:lvl7pPr marL="3200400" marR="0" lvl="6" indent="-304800" algn="l" rtl="0" eaLnBrk="1" hangingPunct="1">
+              <a:lnSpc>
+                <a:spcPct val="100000"/>
+              </a:lnSpc>
+              <a:spcBef>
+                <a:spcPts val="400"/>
+              </a:spcBef>
+              <a:spcAft>
+                <a:spcPts val="0"/>
+              </a:spcAft>
+              <a:buClr>
+                <a:srgbClr val="4A5456"/>
+              </a:buClr>
+              <a:buSzPts val="1200"/>
+              <a:buFont typeface="Open Sans"/>
+              <a:buChar char="●"/>
+              <a:defRPr sz="1200" b="0" i="0" u="none" strike="noStrike" cap="none">
+                <a:solidFill>
+                  <a:srgbClr val="4A5456"/>
+                </a:solidFill>
+                <a:latin typeface="Open Sans"/>
+                <a:ea typeface="Open Sans"/>
+                <a:cs typeface="Open Sans"/>
+                <a:sym typeface="Open Sans"/>
+              </a:defRPr>
+            </a:lvl7pPr>
+            <a:lvl8pPr marL="3657600" marR="0" lvl="7" indent="-304800" algn="l" rtl="0" eaLnBrk="1" hangingPunct="1">
+              <a:lnSpc>
+                <a:spcPct val="100000"/>
+              </a:lnSpc>
+              <a:spcBef>
+                <a:spcPts val="400"/>
+              </a:spcBef>
+              <a:spcAft>
+                <a:spcPts val="0"/>
+              </a:spcAft>
+              <a:buClr>
+                <a:srgbClr val="4A5456"/>
+              </a:buClr>
+              <a:buSzPts val="1200"/>
+              <a:buFont typeface="Open Sans"/>
+              <a:buChar char="○"/>
+              <a:defRPr sz="1200" b="0" i="0" u="none" strike="noStrike" cap="none">
+                <a:solidFill>
+                  <a:srgbClr val="4A5456"/>
+                </a:solidFill>
+                <a:latin typeface="Open Sans"/>
+                <a:ea typeface="Open Sans"/>
+                <a:cs typeface="Open Sans"/>
+                <a:sym typeface="Open Sans"/>
+              </a:defRPr>
+            </a:lvl8pPr>
+            <a:lvl9pPr marL="4114800" marR="0" lvl="8" indent="-304800" algn="l" rtl="0" eaLnBrk="1" hangingPunct="1">
+              <a:lnSpc>
+                <a:spcPct val="100000"/>
+              </a:lnSpc>
+              <a:spcBef>
+                <a:spcPts val="400"/>
+              </a:spcBef>
+              <a:spcAft>
+                <a:spcPts val="400"/>
+              </a:spcAft>
+              <a:buClr>
+                <a:srgbClr val="4A5456"/>
+              </a:buClr>
+              <a:buSzPts val="1200"/>
+              <a:buFont typeface="Open Sans"/>
+              <a:buChar char="■"/>
+              <a:defRPr sz="1200" b="0" i="0" u="none" strike="noStrike" cap="none">
+                <a:solidFill>
+                  <a:srgbClr val="4A5456"/>
+                </a:solidFill>
+                <a:latin typeface="Open Sans"/>
+                <a:ea typeface="Open Sans"/>
+                <a:cs typeface="Open Sans"/>
+                <a:sym typeface="Open Sans"/>
+              </a:defRPr>
+            </a:lvl9pPr>
+          </a:lstStyle>
+          <a:p>
+            <a:pPr marL="152400" indent="0">
+              <a:lnSpc>
+                <a:spcPct val="150000"/>
+              </a:lnSpc>
+              <a:spcAft>
+                <a:spcPts val="1600"/>
+              </a:spcAft>
+              <a:buFont typeface="Open Sans"/>
+              <a:buNone/>
+            </a:pPr>
+            <a:r>
+              <a:rPr lang="en-US" sz="1800" dirty="0">
+                <a:solidFill>
+                  <a:schemeClr val="tx1"/>
+                </a:solidFill>
+                <a:latin typeface="Roboto Slab Regular" panose="020B0604020202020204" charset="0"/>
+                <a:ea typeface="Roboto Slab Regular" panose="020B0604020202020204" charset="0"/>
+              </a:rPr>
+              <a:t>HTTP Modules</a:t>
+            </a:r>
+          </a:p>
+        </p:txBody>
+      </p:sp>
+      <p:sp>
+        <p:nvSpPr>
+          <p:cNvPr id="8" name="Google Shape;647;p68">
+            <a:extLst>
+              <a:ext uri="{FF2B5EF4-FFF2-40B4-BE49-F238E27FC236}">
+                <a16:creationId xmlns:a16="http://schemas.microsoft.com/office/drawing/2014/main" id="{B2F1FB71-D8C4-459E-A8A5-F84B205BC02B}"/>
+              </a:ext>
+            </a:extLst>
+          </p:cNvPr>
+          <p:cNvSpPr txBox="1">
+            <a:spLocks/>
+          </p:cNvSpPr>
+          <p:nvPr/>
+        </p:nvSpPr>
+        <p:spPr>
+          <a:xfrm>
+            <a:off x="2412040" y="2413844"/>
+            <a:ext cx="2953710" cy="666993"/>
+          </a:xfrm>
+          <a:prstGeom prst="rect">
+            <a:avLst/>
+          </a:prstGeom>
+          <a:noFill/>
+          <a:ln>
+            <a:noFill/>
+          </a:ln>
+        </p:spPr>
+        <p:txBody>
+          <a:bodyPr spcFirstLastPara="1" wrap="square" lIns="91425" tIns="91425" rIns="91425" bIns="91425" anchor="t" anchorCtr="0">
+            <a:noAutofit/>
+          </a:bodyPr>
+          <a:lstStyle>
+            <a:defPPr marR="0" lvl="0" algn="l" rtl="0">
+              <a:lnSpc>
+                <a:spcPct val="100000"/>
+              </a:lnSpc>
+              <a:spcBef>
+                <a:spcPts val="0"/>
+              </a:spcBef>
+              <a:spcAft>
+                <a:spcPts val="0"/>
+              </a:spcAft>
+            </a:defPPr>
+            <a:lvl1pPr marL="457200" marR="0" lvl="0" indent="-304800" algn="l" rtl="0" eaLnBrk="1" hangingPunct="1">
+              <a:lnSpc>
+                <a:spcPct val="100000"/>
+              </a:lnSpc>
+              <a:spcBef>
+                <a:spcPts val="0"/>
+              </a:spcBef>
+              <a:spcAft>
+                <a:spcPts val="0"/>
+              </a:spcAft>
+              <a:buClr>
+                <a:srgbClr val="4A5456"/>
+              </a:buClr>
+              <a:buSzPts val="1200"/>
+              <a:buFont typeface="Open Sans"/>
+              <a:buChar char="●"/>
+              <a:defRPr sz="1200" b="0" i="0" u="none" strike="noStrike" cap="none">
+                <a:solidFill>
+                  <a:srgbClr val="4A5456"/>
+                </a:solidFill>
+                <a:latin typeface="Open Sans"/>
+                <a:ea typeface="Open Sans"/>
+                <a:cs typeface="Open Sans"/>
+                <a:sym typeface="Open Sans"/>
+              </a:defRPr>
+            </a:lvl1pPr>
+            <a:lvl2pPr marL="914400" marR="0" lvl="1" indent="-304800" algn="l" rtl="0" eaLnBrk="1" hangingPunct="1">
+              <a:lnSpc>
+                <a:spcPct val="100000"/>
+              </a:lnSpc>
+              <a:spcBef>
+                <a:spcPts val="400"/>
+              </a:spcBef>
+              <a:spcAft>
+                <a:spcPts val="0"/>
+              </a:spcAft>
+              <a:buClr>
+                <a:srgbClr val="4A5456"/>
+              </a:buClr>
+              <a:buSzPts val="1200"/>
+              <a:buFont typeface="Open Sans"/>
+              <a:buChar char="○"/>
+              <a:defRPr sz="1200" b="0" i="0" u="none" strike="noStrike" cap="none">
+                <a:solidFill>
+                  <a:srgbClr val="4A5456"/>
+                </a:solidFill>
+                <a:latin typeface="Open Sans"/>
+                <a:ea typeface="Open Sans"/>
+                <a:cs typeface="Open Sans"/>
+                <a:sym typeface="Open Sans"/>
+              </a:defRPr>
+            </a:lvl2pPr>
+            <a:lvl3pPr marL="1371600" marR="0" lvl="2" indent="-304800" algn="l" rtl="0" eaLnBrk="1" hangingPunct="1">
+              <a:lnSpc>
+                <a:spcPct val="100000"/>
+              </a:lnSpc>
+              <a:spcBef>
+                <a:spcPts val="400"/>
+              </a:spcBef>
+              <a:spcAft>
+                <a:spcPts val="0"/>
+              </a:spcAft>
+              <a:buClr>
+                <a:srgbClr val="4A5456"/>
+              </a:buClr>
+              <a:buSzPts val="1200"/>
+              <a:buFont typeface="Open Sans"/>
+              <a:buChar char="■"/>
+              <a:defRPr sz="1200" b="0" i="0" u="none" strike="noStrike" cap="none">
+                <a:solidFill>
+                  <a:srgbClr val="4A5456"/>
+                </a:solidFill>
+                <a:latin typeface="Open Sans"/>
+                <a:ea typeface="Open Sans"/>
+                <a:cs typeface="Open Sans"/>
+                <a:sym typeface="Open Sans"/>
+              </a:defRPr>
+            </a:lvl3pPr>
+            <a:lvl4pPr marL="1828800" marR="0" lvl="3" indent="-304800" algn="l" rtl="0" eaLnBrk="1" hangingPunct="1">
+              <a:lnSpc>
+                <a:spcPct val="100000"/>
+              </a:lnSpc>
+              <a:spcBef>
+                <a:spcPts val="400"/>
+              </a:spcBef>
+              <a:spcAft>
+                <a:spcPts val="0"/>
+              </a:spcAft>
+              <a:buClr>
+                <a:srgbClr val="4A5456"/>
+              </a:buClr>
+              <a:buSzPts val="1200"/>
+              <a:buFont typeface="Open Sans"/>
+              <a:buChar char="●"/>
+              <a:defRPr sz="1200" b="0" i="0" u="none" strike="noStrike" cap="none">
+                <a:solidFill>
+                  <a:srgbClr val="4A5456"/>
+                </a:solidFill>
+                <a:latin typeface="Open Sans"/>
+                <a:ea typeface="Open Sans"/>
+                <a:cs typeface="Open Sans"/>
+                <a:sym typeface="Open Sans"/>
+              </a:defRPr>
+            </a:lvl4pPr>
+            <a:lvl5pPr marL="2286000" marR="0" lvl="4" indent="-304800" algn="l" rtl="0" eaLnBrk="1" hangingPunct="1">
+              <a:lnSpc>
+                <a:spcPct val="100000"/>
+              </a:lnSpc>
+              <a:spcBef>
+                <a:spcPts val="400"/>
+              </a:spcBef>
+              <a:spcAft>
+                <a:spcPts val="0"/>
+              </a:spcAft>
+              <a:buClr>
+                <a:srgbClr val="4A5456"/>
+              </a:buClr>
+              <a:buSzPts val="1200"/>
+              <a:buFont typeface="Open Sans"/>
+              <a:buChar char="○"/>
+              <a:defRPr sz="1200" b="0" i="0" u="none" strike="noStrike" cap="none">
+                <a:solidFill>
+                  <a:srgbClr val="4A5456"/>
+                </a:solidFill>
+                <a:latin typeface="Open Sans"/>
+                <a:ea typeface="Open Sans"/>
+                <a:cs typeface="Open Sans"/>
+                <a:sym typeface="Open Sans"/>
+              </a:defRPr>
+            </a:lvl5pPr>
+            <a:lvl6pPr marL="2743200" marR="0" lvl="5" indent="-304800" algn="l" rtl="0" eaLnBrk="1" hangingPunct="1">
+              <a:lnSpc>
+                <a:spcPct val="100000"/>
+              </a:lnSpc>
+              <a:spcBef>
+                <a:spcPts val="400"/>
+              </a:spcBef>
+              <a:spcAft>
+                <a:spcPts val="0"/>
+              </a:spcAft>
+              <a:buClr>
+                <a:srgbClr val="4A5456"/>
+              </a:buClr>
+              <a:buSzPts val="1200"/>
+              <a:buFont typeface="Open Sans"/>
+              <a:buChar char="■"/>
+              <a:defRPr sz="1200" b="0" i="0" u="none" strike="noStrike" cap="none">
+                <a:solidFill>
+                  <a:srgbClr val="4A5456"/>
+                </a:solidFill>
+                <a:latin typeface="Open Sans"/>
+                <a:ea typeface="Open Sans"/>
+                <a:cs typeface="Open Sans"/>
+                <a:sym typeface="Open Sans"/>
+              </a:defRPr>
+            </a:lvl6pPr>
+            <a:lvl7pPr marL="3200400" marR="0" lvl="6" indent="-304800" algn="l" rtl="0" eaLnBrk="1" hangingPunct="1">
+              <a:lnSpc>
+                <a:spcPct val="100000"/>
+              </a:lnSpc>
+              <a:spcBef>
+                <a:spcPts val="400"/>
+              </a:spcBef>
+              <a:spcAft>
+                <a:spcPts val="0"/>
+              </a:spcAft>
+              <a:buClr>
+                <a:srgbClr val="4A5456"/>
+              </a:buClr>
+              <a:buSzPts val="1200"/>
+              <a:buFont typeface="Open Sans"/>
+              <a:buChar char="●"/>
+              <a:defRPr sz="1200" b="0" i="0" u="none" strike="noStrike" cap="none">
+                <a:solidFill>
+                  <a:srgbClr val="4A5456"/>
+                </a:solidFill>
+                <a:latin typeface="Open Sans"/>
+                <a:ea typeface="Open Sans"/>
+                <a:cs typeface="Open Sans"/>
+                <a:sym typeface="Open Sans"/>
+              </a:defRPr>
+            </a:lvl7pPr>
+            <a:lvl8pPr marL="3657600" marR="0" lvl="7" indent="-304800" algn="l" rtl="0" eaLnBrk="1" hangingPunct="1">
+              <a:lnSpc>
+                <a:spcPct val="100000"/>
+              </a:lnSpc>
+              <a:spcBef>
+                <a:spcPts val="400"/>
+              </a:spcBef>
+              <a:spcAft>
+                <a:spcPts val="0"/>
+              </a:spcAft>
+              <a:buClr>
+                <a:srgbClr val="4A5456"/>
+              </a:buClr>
+              <a:buSzPts val="1200"/>
+              <a:buFont typeface="Open Sans"/>
+              <a:buChar char="○"/>
+              <a:defRPr sz="1200" b="0" i="0" u="none" strike="noStrike" cap="none">
+                <a:solidFill>
+                  <a:srgbClr val="4A5456"/>
+                </a:solidFill>
+                <a:latin typeface="Open Sans"/>
+                <a:ea typeface="Open Sans"/>
+                <a:cs typeface="Open Sans"/>
+                <a:sym typeface="Open Sans"/>
+              </a:defRPr>
+            </a:lvl8pPr>
+            <a:lvl9pPr marL="4114800" marR="0" lvl="8" indent="-304800" algn="l" rtl="0" eaLnBrk="1" hangingPunct="1">
+              <a:lnSpc>
+                <a:spcPct val="100000"/>
+              </a:lnSpc>
+              <a:spcBef>
+                <a:spcPts val="400"/>
+              </a:spcBef>
+              <a:spcAft>
+                <a:spcPts val="400"/>
+              </a:spcAft>
+              <a:buClr>
+                <a:srgbClr val="4A5456"/>
+              </a:buClr>
+              <a:buSzPts val="1200"/>
+              <a:buFont typeface="Open Sans"/>
+              <a:buChar char="■"/>
+              <a:defRPr sz="1200" b="0" i="0" u="none" strike="noStrike" cap="none">
+                <a:solidFill>
+                  <a:srgbClr val="4A5456"/>
+                </a:solidFill>
+                <a:latin typeface="Open Sans"/>
+                <a:ea typeface="Open Sans"/>
+                <a:cs typeface="Open Sans"/>
+                <a:sym typeface="Open Sans"/>
+              </a:defRPr>
+            </a:lvl9pPr>
+          </a:lstStyle>
+          <a:p>
+            <a:pPr marL="152400" indent="0">
+              <a:lnSpc>
+                <a:spcPct val="150000"/>
+              </a:lnSpc>
+              <a:spcAft>
+                <a:spcPts val="1600"/>
+              </a:spcAft>
+              <a:buFont typeface="Open Sans"/>
+              <a:buNone/>
+            </a:pPr>
+            <a:r>
+              <a:rPr lang="en-US" sz="1800" dirty="0">
+                <a:solidFill>
+                  <a:schemeClr val="tx1"/>
+                </a:solidFill>
+                <a:latin typeface="Roboto Slab Regular" panose="020B0604020202020204" charset="0"/>
+                <a:ea typeface="Roboto Slab Regular" panose="020B0604020202020204" charset="0"/>
+              </a:rPr>
+              <a:t>ASP.NET Life Cycles</a:t>
+            </a:r>
+          </a:p>
+        </p:txBody>
+      </p:sp>
+      <p:sp>
+        <p:nvSpPr>
+          <p:cNvPr id="9" name="Google Shape;647;p68">
+            <a:extLst>
+              <a:ext uri="{FF2B5EF4-FFF2-40B4-BE49-F238E27FC236}">
+                <a16:creationId xmlns:a16="http://schemas.microsoft.com/office/drawing/2014/main" id="{73D9EAE4-176E-4DDF-9F19-DEA0E5D78AC6}"/>
+              </a:ext>
+            </a:extLst>
+          </p:cNvPr>
+          <p:cNvSpPr txBox="1">
+            <a:spLocks/>
+          </p:cNvSpPr>
+          <p:nvPr/>
+        </p:nvSpPr>
+        <p:spPr>
+          <a:xfrm>
+            <a:off x="4571999" y="3570464"/>
+            <a:ext cx="2751745" cy="666993"/>
+          </a:xfrm>
+          <a:prstGeom prst="rect">
+            <a:avLst/>
+          </a:prstGeom>
+          <a:noFill/>
+          <a:ln>
+            <a:noFill/>
+          </a:ln>
+        </p:spPr>
+        <p:txBody>
+          <a:bodyPr spcFirstLastPara="1" wrap="square" lIns="91425" tIns="91425" rIns="91425" bIns="91425" anchor="t" anchorCtr="0">
+            <a:noAutofit/>
+          </a:bodyPr>
+          <a:lstStyle>
+            <a:defPPr marR="0" lvl="0" algn="l" rtl="0">
+              <a:lnSpc>
+                <a:spcPct val="100000"/>
+              </a:lnSpc>
+              <a:spcBef>
+                <a:spcPts val="0"/>
+              </a:spcBef>
+              <a:spcAft>
+                <a:spcPts val="0"/>
+              </a:spcAft>
+            </a:defPPr>
+            <a:lvl1pPr marL="457200" marR="0" lvl="0" indent="-304800" algn="l" rtl="0" eaLnBrk="1" hangingPunct="1">
+              <a:lnSpc>
+                <a:spcPct val="100000"/>
+              </a:lnSpc>
+              <a:spcBef>
+                <a:spcPts val="0"/>
+              </a:spcBef>
+              <a:spcAft>
+                <a:spcPts val="0"/>
+              </a:spcAft>
+              <a:buClr>
+                <a:srgbClr val="4A5456"/>
+              </a:buClr>
+              <a:buSzPts val="1200"/>
+              <a:buFont typeface="Open Sans"/>
+              <a:buChar char="●"/>
+              <a:defRPr sz="1200" b="0" i="0" u="none" strike="noStrike" cap="none">
+                <a:solidFill>
+                  <a:srgbClr val="4A5456"/>
+                </a:solidFill>
+                <a:latin typeface="Open Sans"/>
+                <a:ea typeface="Open Sans"/>
+                <a:cs typeface="Open Sans"/>
+                <a:sym typeface="Open Sans"/>
+              </a:defRPr>
+            </a:lvl1pPr>
+            <a:lvl2pPr marL="914400" marR="0" lvl="1" indent="-304800" algn="l" rtl="0" eaLnBrk="1" hangingPunct="1">
+              <a:lnSpc>
+                <a:spcPct val="100000"/>
+              </a:lnSpc>
+              <a:spcBef>
+                <a:spcPts val="400"/>
+              </a:spcBef>
+              <a:spcAft>
+                <a:spcPts val="0"/>
+              </a:spcAft>
+              <a:buClr>
+                <a:srgbClr val="4A5456"/>
+              </a:buClr>
+              <a:buSzPts val="1200"/>
+              <a:buFont typeface="Open Sans"/>
+              <a:buChar char="○"/>
+              <a:defRPr sz="1200" b="0" i="0" u="none" strike="noStrike" cap="none">
+                <a:solidFill>
+                  <a:srgbClr val="4A5456"/>
+                </a:solidFill>
+                <a:latin typeface="Open Sans"/>
+                <a:ea typeface="Open Sans"/>
+                <a:cs typeface="Open Sans"/>
+                <a:sym typeface="Open Sans"/>
+              </a:defRPr>
+            </a:lvl2pPr>
+            <a:lvl3pPr marL="1371600" marR="0" lvl="2" indent="-304800" algn="l" rtl="0" eaLnBrk="1" hangingPunct="1">
+              <a:lnSpc>
+                <a:spcPct val="100000"/>
+              </a:lnSpc>
+              <a:spcBef>
+                <a:spcPts val="400"/>
+              </a:spcBef>
+              <a:spcAft>
+                <a:spcPts val="0"/>
+              </a:spcAft>
+              <a:buClr>
+                <a:srgbClr val="4A5456"/>
+              </a:buClr>
+              <a:buSzPts val="1200"/>
+              <a:buFont typeface="Open Sans"/>
+              <a:buChar char="■"/>
+              <a:defRPr sz="1200" b="0" i="0" u="none" strike="noStrike" cap="none">
+                <a:solidFill>
+                  <a:srgbClr val="4A5456"/>
+                </a:solidFill>
+                <a:latin typeface="Open Sans"/>
+                <a:ea typeface="Open Sans"/>
+                <a:cs typeface="Open Sans"/>
+                <a:sym typeface="Open Sans"/>
+              </a:defRPr>
+            </a:lvl3pPr>
+            <a:lvl4pPr marL="1828800" marR="0" lvl="3" indent="-304800" algn="l" rtl="0" eaLnBrk="1" hangingPunct="1">
+              <a:lnSpc>
+                <a:spcPct val="100000"/>
+              </a:lnSpc>
+              <a:spcBef>
+                <a:spcPts val="400"/>
+              </a:spcBef>
+              <a:spcAft>
+                <a:spcPts val="0"/>
+              </a:spcAft>
+              <a:buClr>
+                <a:srgbClr val="4A5456"/>
+              </a:buClr>
+              <a:buSzPts val="1200"/>
+              <a:buFont typeface="Open Sans"/>
+              <a:buChar char="●"/>
+              <a:defRPr sz="1200" b="0" i="0" u="none" strike="noStrike" cap="none">
+                <a:solidFill>
+                  <a:srgbClr val="4A5456"/>
+                </a:solidFill>
+                <a:latin typeface="Open Sans"/>
+                <a:ea typeface="Open Sans"/>
+                <a:cs typeface="Open Sans"/>
+                <a:sym typeface="Open Sans"/>
+              </a:defRPr>
+            </a:lvl4pPr>
+            <a:lvl5pPr marL="2286000" marR="0" lvl="4" indent="-304800" algn="l" rtl="0" eaLnBrk="1" hangingPunct="1">
+              <a:lnSpc>
+                <a:spcPct val="100000"/>
+              </a:lnSpc>
+              <a:spcBef>
+                <a:spcPts val="400"/>
+              </a:spcBef>
+              <a:spcAft>
+                <a:spcPts val="0"/>
+              </a:spcAft>
+              <a:buClr>
+                <a:srgbClr val="4A5456"/>
+              </a:buClr>
+              <a:buSzPts val="1200"/>
+              <a:buFont typeface="Open Sans"/>
+              <a:buChar char="○"/>
+              <a:defRPr sz="1200" b="0" i="0" u="none" strike="noStrike" cap="none">
+                <a:solidFill>
+                  <a:srgbClr val="4A5456"/>
+                </a:solidFill>
+                <a:latin typeface="Open Sans"/>
+                <a:ea typeface="Open Sans"/>
+                <a:cs typeface="Open Sans"/>
+                <a:sym typeface="Open Sans"/>
+              </a:defRPr>
+            </a:lvl5pPr>
+            <a:lvl6pPr marL="2743200" marR="0" lvl="5" indent="-304800" algn="l" rtl="0" eaLnBrk="1" hangingPunct="1">
+              <a:lnSpc>
+                <a:spcPct val="100000"/>
+              </a:lnSpc>
+              <a:spcBef>
+                <a:spcPts val="400"/>
+              </a:spcBef>
+              <a:spcAft>
+                <a:spcPts val="0"/>
+              </a:spcAft>
+              <a:buClr>
+                <a:srgbClr val="4A5456"/>
+              </a:buClr>
+              <a:buSzPts val="1200"/>
+              <a:buFont typeface="Open Sans"/>
+              <a:buChar char="■"/>
+              <a:defRPr sz="1200" b="0" i="0" u="none" strike="noStrike" cap="none">
+                <a:solidFill>
+                  <a:srgbClr val="4A5456"/>
+                </a:solidFill>
+                <a:latin typeface="Open Sans"/>
+                <a:ea typeface="Open Sans"/>
+                <a:cs typeface="Open Sans"/>
+                <a:sym typeface="Open Sans"/>
+              </a:defRPr>
+            </a:lvl6pPr>
+            <a:lvl7pPr marL="3200400" marR="0" lvl="6" indent="-304800" algn="l" rtl="0" eaLnBrk="1" hangingPunct="1">
+              <a:lnSpc>
+                <a:spcPct val="100000"/>
+              </a:lnSpc>
+              <a:spcBef>
+                <a:spcPts val="400"/>
+              </a:spcBef>
+              <a:spcAft>
+                <a:spcPts val="0"/>
+              </a:spcAft>
+              <a:buClr>
+                <a:srgbClr val="4A5456"/>
+              </a:buClr>
+              <a:buSzPts val="1200"/>
+              <a:buFont typeface="Open Sans"/>
+              <a:buChar char="●"/>
+              <a:defRPr sz="1200" b="0" i="0" u="none" strike="noStrike" cap="none">
+                <a:solidFill>
+                  <a:srgbClr val="4A5456"/>
+                </a:solidFill>
+                <a:latin typeface="Open Sans"/>
+                <a:ea typeface="Open Sans"/>
+                <a:cs typeface="Open Sans"/>
+                <a:sym typeface="Open Sans"/>
+              </a:defRPr>
+            </a:lvl7pPr>
+            <a:lvl8pPr marL="3657600" marR="0" lvl="7" indent="-304800" algn="l" rtl="0" eaLnBrk="1" hangingPunct="1">
+              <a:lnSpc>
+                <a:spcPct val="100000"/>
+              </a:lnSpc>
+              <a:spcBef>
+                <a:spcPts val="400"/>
+              </a:spcBef>
+              <a:spcAft>
+                <a:spcPts val="0"/>
+              </a:spcAft>
+              <a:buClr>
+                <a:srgbClr val="4A5456"/>
+              </a:buClr>
+              <a:buSzPts val="1200"/>
+              <a:buFont typeface="Open Sans"/>
+              <a:buChar char="○"/>
+              <a:defRPr sz="1200" b="0" i="0" u="none" strike="noStrike" cap="none">
+                <a:solidFill>
+                  <a:srgbClr val="4A5456"/>
+                </a:solidFill>
+                <a:latin typeface="Open Sans"/>
+                <a:ea typeface="Open Sans"/>
+                <a:cs typeface="Open Sans"/>
+                <a:sym typeface="Open Sans"/>
+              </a:defRPr>
+            </a:lvl8pPr>
+            <a:lvl9pPr marL="4114800" marR="0" lvl="8" indent="-304800" algn="l" rtl="0" eaLnBrk="1" hangingPunct="1">
+              <a:lnSpc>
+                <a:spcPct val="100000"/>
+              </a:lnSpc>
+              <a:spcBef>
+                <a:spcPts val="400"/>
+              </a:spcBef>
+              <a:spcAft>
+                <a:spcPts val="400"/>
+              </a:spcAft>
+              <a:buClr>
+                <a:srgbClr val="4A5456"/>
+              </a:buClr>
+              <a:buSzPts val="1200"/>
+              <a:buFont typeface="Open Sans"/>
+              <a:buChar char="■"/>
+              <a:defRPr sz="1200" b="0" i="0" u="none" strike="noStrike" cap="none">
+                <a:solidFill>
+                  <a:srgbClr val="4A5456"/>
+                </a:solidFill>
+                <a:latin typeface="Open Sans"/>
+                <a:ea typeface="Open Sans"/>
+                <a:cs typeface="Open Sans"/>
+                <a:sym typeface="Open Sans"/>
+              </a:defRPr>
+            </a:lvl9pPr>
+          </a:lstStyle>
+          <a:p>
+            <a:pPr marL="152400" indent="0">
+              <a:lnSpc>
+                <a:spcPct val="150000"/>
+              </a:lnSpc>
+              <a:spcAft>
+                <a:spcPts val="1600"/>
+              </a:spcAft>
+              <a:buFont typeface="Open Sans"/>
+              <a:buNone/>
+            </a:pPr>
+            <a:r>
+              <a:rPr lang="en-US" sz="1800" dirty="0">
+                <a:solidFill>
+                  <a:schemeClr val="tx1"/>
+                </a:solidFill>
+                <a:latin typeface="Roboto Slab Regular" panose="020B0604020202020204" charset="0"/>
+                <a:ea typeface="Roboto Slab Regular" panose="020B0604020202020204" charset="0"/>
+              </a:rPr>
+              <a:t>Tracing Requests </a:t>
+            </a:r>
+          </a:p>
+        </p:txBody>
+      </p:sp>
+      <p:sp>
+        <p:nvSpPr>
+          <p:cNvPr id="11" name="Google Shape;647;p68">
+            <a:extLst>
+              <a:ext uri="{FF2B5EF4-FFF2-40B4-BE49-F238E27FC236}">
+                <a16:creationId xmlns:a16="http://schemas.microsoft.com/office/drawing/2014/main" id="{A57CB4E1-063C-401D-B46A-12E1261BE55B}"/>
+              </a:ext>
+            </a:extLst>
+          </p:cNvPr>
+          <p:cNvSpPr txBox="1">
+            <a:spLocks/>
+          </p:cNvSpPr>
+          <p:nvPr/>
+        </p:nvSpPr>
+        <p:spPr>
+          <a:xfrm>
+            <a:off x="3245758" y="4237457"/>
+            <a:ext cx="2055323" cy="666993"/>
+          </a:xfrm>
+          <a:prstGeom prst="rect">
+            <a:avLst/>
+          </a:prstGeom>
+          <a:noFill/>
+          <a:ln>
+            <a:noFill/>
+          </a:ln>
+        </p:spPr>
+        <p:txBody>
+          <a:bodyPr spcFirstLastPara="1" wrap="square" lIns="91425" tIns="91425" rIns="91425" bIns="91425" anchor="t" anchorCtr="0">
+            <a:noAutofit/>
+          </a:bodyPr>
+          <a:lstStyle>
+            <a:defPPr marR="0" lvl="0" algn="l" rtl="0">
+              <a:lnSpc>
+                <a:spcPct val="100000"/>
+              </a:lnSpc>
+              <a:spcBef>
+                <a:spcPts val="0"/>
+              </a:spcBef>
+              <a:spcAft>
+                <a:spcPts val="0"/>
+              </a:spcAft>
+            </a:defPPr>
+            <a:lvl1pPr marL="457200" marR="0" lvl="0" indent="-304800" algn="l" rtl="0" eaLnBrk="1" hangingPunct="1">
+              <a:lnSpc>
+                <a:spcPct val="100000"/>
+              </a:lnSpc>
+              <a:spcBef>
+                <a:spcPts val="0"/>
+              </a:spcBef>
+              <a:spcAft>
+                <a:spcPts val="0"/>
+              </a:spcAft>
+              <a:buClr>
+                <a:srgbClr val="4A5456"/>
+              </a:buClr>
+              <a:buSzPts val="1200"/>
+              <a:buFont typeface="Open Sans"/>
+              <a:buChar char="●"/>
+              <a:defRPr sz="1200" b="0" i="0" u="none" strike="noStrike" cap="none">
+                <a:solidFill>
+                  <a:srgbClr val="4A5456"/>
+                </a:solidFill>
+                <a:latin typeface="Open Sans"/>
+                <a:ea typeface="Open Sans"/>
+                <a:cs typeface="Open Sans"/>
+                <a:sym typeface="Open Sans"/>
+              </a:defRPr>
+            </a:lvl1pPr>
+            <a:lvl2pPr marL="914400" marR="0" lvl="1" indent="-304800" algn="l" rtl="0" eaLnBrk="1" hangingPunct="1">
+              <a:lnSpc>
+                <a:spcPct val="100000"/>
+              </a:lnSpc>
+              <a:spcBef>
+                <a:spcPts val="400"/>
+              </a:spcBef>
+              <a:spcAft>
+                <a:spcPts val="0"/>
+              </a:spcAft>
+              <a:buClr>
+                <a:srgbClr val="4A5456"/>
+              </a:buClr>
+              <a:buSzPts val="1200"/>
+              <a:buFont typeface="Open Sans"/>
+              <a:buChar char="○"/>
+              <a:defRPr sz="1200" b="0" i="0" u="none" strike="noStrike" cap="none">
+                <a:solidFill>
+                  <a:srgbClr val="4A5456"/>
+                </a:solidFill>
+                <a:latin typeface="Open Sans"/>
+                <a:ea typeface="Open Sans"/>
+                <a:cs typeface="Open Sans"/>
+                <a:sym typeface="Open Sans"/>
+              </a:defRPr>
+            </a:lvl2pPr>
+            <a:lvl3pPr marL="1371600" marR="0" lvl="2" indent="-304800" algn="l" rtl="0" eaLnBrk="1" hangingPunct="1">
+              <a:lnSpc>
+                <a:spcPct val="100000"/>
+              </a:lnSpc>
+              <a:spcBef>
+                <a:spcPts val="400"/>
+              </a:spcBef>
+              <a:spcAft>
+                <a:spcPts val="0"/>
+              </a:spcAft>
+              <a:buClr>
+                <a:srgbClr val="4A5456"/>
+              </a:buClr>
+              <a:buSzPts val="1200"/>
+              <a:buFont typeface="Open Sans"/>
+              <a:buChar char="■"/>
+              <a:defRPr sz="1200" b="0" i="0" u="none" strike="noStrike" cap="none">
+                <a:solidFill>
+                  <a:srgbClr val="4A5456"/>
+                </a:solidFill>
+                <a:latin typeface="Open Sans"/>
+                <a:ea typeface="Open Sans"/>
+                <a:cs typeface="Open Sans"/>
+                <a:sym typeface="Open Sans"/>
+              </a:defRPr>
+            </a:lvl3pPr>
+            <a:lvl4pPr marL="1828800" marR="0" lvl="3" indent="-304800" algn="l" rtl="0" eaLnBrk="1" hangingPunct="1">
+              <a:lnSpc>
+                <a:spcPct val="100000"/>
+              </a:lnSpc>
+              <a:spcBef>
+                <a:spcPts val="400"/>
+              </a:spcBef>
+              <a:spcAft>
+                <a:spcPts val="0"/>
+              </a:spcAft>
+              <a:buClr>
+                <a:srgbClr val="4A5456"/>
+              </a:buClr>
+              <a:buSzPts val="1200"/>
+              <a:buFont typeface="Open Sans"/>
+              <a:buChar char="●"/>
+              <a:defRPr sz="1200" b="0" i="0" u="none" strike="noStrike" cap="none">
+                <a:solidFill>
+                  <a:srgbClr val="4A5456"/>
+                </a:solidFill>
+                <a:latin typeface="Open Sans"/>
+                <a:ea typeface="Open Sans"/>
+                <a:cs typeface="Open Sans"/>
+                <a:sym typeface="Open Sans"/>
+              </a:defRPr>
+            </a:lvl4pPr>
+            <a:lvl5pPr marL="2286000" marR="0" lvl="4" indent="-304800" algn="l" rtl="0" eaLnBrk="1" hangingPunct="1">
+              <a:lnSpc>
+                <a:spcPct val="100000"/>
+              </a:lnSpc>
+              <a:spcBef>
+                <a:spcPts val="400"/>
+              </a:spcBef>
+              <a:spcAft>
+                <a:spcPts val="0"/>
+              </a:spcAft>
+              <a:buClr>
+                <a:srgbClr val="4A5456"/>
+              </a:buClr>
+              <a:buSzPts val="1200"/>
+              <a:buFont typeface="Open Sans"/>
+              <a:buChar char="○"/>
+              <a:defRPr sz="1200" b="0" i="0" u="none" strike="noStrike" cap="none">
+                <a:solidFill>
+                  <a:srgbClr val="4A5456"/>
+                </a:solidFill>
+                <a:latin typeface="Open Sans"/>
+                <a:ea typeface="Open Sans"/>
+                <a:cs typeface="Open Sans"/>
+                <a:sym typeface="Open Sans"/>
+              </a:defRPr>
+            </a:lvl5pPr>
+            <a:lvl6pPr marL="2743200" marR="0" lvl="5" indent="-304800" algn="l" rtl="0" eaLnBrk="1" hangingPunct="1">
+              <a:lnSpc>
+                <a:spcPct val="100000"/>
+              </a:lnSpc>
+              <a:spcBef>
+                <a:spcPts val="400"/>
+              </a:spcBef>
+              <a:spcAft>
+                <a:spcPts val="0"/>
+              </a:spcAft>
+              <a:buClr>
+                <a:srgbClr val="4A5456"/>
+              </a:buClr>
+              <a:buSzPts val="1200"/>
+              <a:buFont typeface="Open Sans"/>
+              <a:buChar char="■"/>
+              <a:defRPr sz="1200" b="0" i="0" u="none" strike="noStrike" cap="none">
+                <a:solidFill>
+                  <a:srgbClr val="4A5456"/>
+                </a:solidFill>
+                <a:latin typeface="Open Sans"/>
+                <a:ea typeface="Open Sans"/>
+                <a:cs typeface="Open Sans"/>
+                <a:sym typeface="Open Sans"/>
+              </a:defRPr>
+            </a:lvl6pPr>
+            <a:lvl7pPr marL="3200400" marR="0" lvl="6" indent="-304800" algn="l" rtl="0" eaLnBrk="1" hangingPunct="1">
+              <a:lnSpc>
+                <a:spcPct val="100000"/>
+              </a:lnSpc>
+              <a:spcBef>
+                <a:spcPts val="400"/>
+              </a:spcBef>
+              <a:spcAft>
+                <a:spcPts val="0"/>
+              </a:spcAft>
+              <a:buClr>
+                <a:srgbClr val="4A5456"/>
+              </a:buClr>
+              <a:buSzPts val="1200"/>
+              <a:buFont typeface="Open Sans"/>
+              <a:buChar char="●"/>
+              <a:defRPr sz="1200" b="0" i="0" u="none" strike="noStrike" cap="none">
+                <a:solidFill>
+                  <a:srgbClr val="4A5456"/>
+                </a:solidFill>
+                <a:latin typeface="Open Sans"/>
+                <a:ea typeface="Open Sans"/>
+                <a:cs typeface="Open Sans"/>
+                <a:sym typeface="Open Sans"/>
+              </a:defRPr>
+            </a:lvl7pPr>
+            <a:lvl8pPr marL="3657600" marR="0" lvl="7" indent="-304800" algn="l" rtl="0" eaLnBrk="1" hangingPunct="1">
+              <a:lnSpc>
+                <a:spcPct val="100000"/>
+              </a:lnSpc>
+              <a:spcBef>
+                <a:spcPts val="400"/>
+              </a:spcBef>
+              <a:spcAft>
+                <a:spcPts val="0"/>
+              </a:spcAft>
+              <a:buClr>
+                <a:srgbClr val="4A5456"/>
+              </a:buClr>
+              <a:buSzPts val="1200"/>
+              <a:buFont typeface="Open Sans"/>
+              <a:buChar char="○"/>
+              <a:defRPr sz="1200" b="0" i="0" u="none" strike="noStrike" cap="none">
+                <a:solidFill>
+                  <a:srgbClr val="4A5456"/>
+                </a:solidFill>
+                <a:latin typeface="Open Sans"/>
+                <a:ea typeface="Open Sans"/>
+                <a:cs typeface="Open Sans"/>
+                <a:sym typeface="Open Sans"/>
+              </a:defRPr>
+            </a:lvl8pPr>
+            <a:lvl9pPr marL="4114800" marR="0" lvl="8" indent="-304800" algn="l" rtl="0" eaLnBrk="1" hangingPunct="1">
+              <a:lnSpc>
+                <a:spcPct val="100000"/>
+              </a:lnSpc>
+              <a:spcBef>
+                <a:spcPts val="400"/>
+              </a:spcBef>
+              <a:spcAft>
+                <a:spcPts val="400"/>
+              </a:spcAft>
+              <a:buClr>
+                <a:srgbClr val="4A5456"/>
+              </a:buClr>
+              <a:buSzPts val="1200"/>
+              <a:buFont typeface="Open Sans"/>
+              <a:buChar char="■"/>
+              <a:defRPr sz="1200" b="0" i="0" u="none" strike="noStrike" cap="none">
+                <a:solidFill>
+                  <a:srgbClr val="4A5456"/>
+                </a:solidFill>
+                <a:latin typeface="Open Sans"/>
+                <a:ea typeface="Open Sans"/>
+                <a:cs typeface="Open Sans"/>
+                <a:sym typeface="Open Sans"/>
+              </a:defRPr>
+            </a:lvl9pPr>
+          </a:lstStyle>
+          <a:p>
+            <a:pPr marL="152400" indent="0">
+              <a:lnSpc>
+                <a:spcPct val="150000"/>
+              </a:lnSpc>
+              <a:spcAft>
+                <a:spcPts val="1600"/>
+              </a:spcAft>
+              <a:buFont typeface="Open Sans"/>
+              <a:buNone/>
+            </a:pPr>
+            <a:r>
+              <a:rPr lang="en-US" sz="1800" b="1" dirty="0">
+                <a:solidFill>
+                  <a:schemeClr val="accent3"/>
+                </a:solidFill>
+                <a:latin typeface="Roboto Slab Regular" panose="020B0604020202020204" charset="0"/>
+                <a:ea typeface="Roboto Slab Regular" panose="020B0604020202020204" charset="0"/>
+              </a:rPr>
+              <a:t>A Lot of Demos</a:t>
+            </a:r>
+          </a:p>
+        </p:txBody>
+      </p:sp>
+      <p:sp>
+        <p:nvSpPr>
+          <p:cNvPr id="13" name="Google Shape;647;p68">
+            <a:extLst>
+              <a:ext uri="{FF2B5EF4-FFF2-40B4-BE49-F238E27FC236}">
+                <a16:creationId xmlns:a16="http://schemas.microsoft.com/office/drawing/2014/main" id="{F5C0504D-DC48-4FE3-93B8-4DD0D4C1AFCF}"/>
+              </a:ext>
+            </a:extLst>
+          </p:cNvPr>
+          <p:cNvSpPr txBox="1">
+            <a:spLocks/>
+          </p:cNvSpPr>
+          <p:nvPr/>
+        </p:nvSpPr>
+        <p:spPr>
+          <a:xfrm>
+            <a:off x="711895" y="1221420"/>
+            <a:ext cx="5067725" cy="666993"/>
+          </a:xfrm>
+          <a:prstGeom prst="rect">
+            <a:avLst/>
+          </a:prstGeom>
+          <a:noFill/>
+          <a:ln>
+            <a:noFill/>
+          </a:ln>
+        </p:spPr>
+        <p:txBody>
+          <a:bodyPr spcFirstLastPara="1" wrap="square" lIns="91425" tIns="91425" rIns="91425" bIns="91425" anchor="t" anchorCtr="0">
+            <a:noAutofit/>
+          </a:bodyPr>
+          <a:lstStyle>
+            <a:defPPr marR="0" lvl="0" algn="l" rtl="0">
+              <a:lnSpc>
+                <a:spcPct val="100000"/>
+              </a:lnSpc>
+              <a:spcBef>
+                <a:spcPts val="0"/>
+              </a:spcBef>
+              <a:spcAft>
+                <a:spcPts val="0"/>
+              </a:spcAft>
+            </a:defPPr>
+            <a:lvl1pPr marL="457200" marR="0" lvl="0" indent="-304800" algn="l" rtl="0" eaLnBrk="1" hangingPunct="1">
+              <a:lnSpc>
+                <a:spcPct val="100000"/>
+              </a:lnSpc>
+              <a:spcBef>
+                <a:spcPts val="0"/>
+              </a:spcBef>
+              <a:spcAft>
+                <a:spcPts val="0"/>
+              </a:spcAft>
+              <a:buClr>
+                <a:srgbClr val="4A5456"/>
+              </a:buClr>
+              <a:buSzPts val="1200"/>
+              <a:buFont typeface="Open Sans"/>
+              <a:buChar char="●"/>
+              <a:defRPr sz="1200" b="0" i="0" u="none" strike="noStrike" cap="none">
+                <a:solidFill>
+                  <a:srgbClr val="4A5456"/>
+                </a:solidFill>
+                <a:latin typeface="Open Sans"/>
+                <a:ea typeface="Open Sans"/>
+                <a:cs typeface="Open Sans"/>
+                <a:sym typeface="Open Sans"/>
+              </a:defRPr>
+            </a:lvl1pPr>
+            <a:lvl2pPr marL="914400" marR="0" lvl="1" indent="-304800" algn="l" rtl="0" eaLnBrk="1" hangingPunct="1">
+              <a:lnSpc>
+                <a:spcPct val="100000"/>
+              </a:lnSpc>
+              <a:spcBef>
+                <a:spcPts val="400"/>
+              </a:spcBef>
+              <a:spcAft>
+                <a:spcPts val="0"/>
+              </a:spcAft>
+              <a:buClr>
+                <a:srgbClr val="4A5456"/>
+              </a:buClr>
+              <a:buSzPts val="1200"/>
+              <a:buFont typeface="Open Sans"/>
+              <a:buChar char="○"/>
+              <a:defRPr sz="1200" b="0" i="0" u="none" strike="noStrike" cap="none">
+                <a:solidFill>
+                  <a:srgbClr val="4A5456"/>
+                </a:solidFill>
+                <a:latin typeface="Open Sans"/>
+                <a:ea typeface="Open Sans"/>
+                <a:cs typeface="Open Sans"/>
+                <a:sym typeface="Open Sans"/>
+              </a:defRPr>
+            </a:lvl2pPr>
+            <a:lvl3pPr marL="1371600" marR="0" lvl="2" indent="-304800" algn="l" rtl="0" eaLnBrk="1" hangingPunct="1">
+              <a:lnSpc>
+                <a:spcPct val="100000"/>
+              </a:lnSpc>
+              <a:spcBef>
+                <a:spcPts val="400"/>
+              </a:spcBef>
+              <a:spcAft>
+                <a:spcPts val="0"/>
+              </a:spcAft>
+              <a:buClr>
+                <a:srgbClr val="4A5456"/>
+              </a:buClr>
+              <a:buSzPts val="1200"/>
+              <a:buFont typeface="Open Sans"/>
+              <a:buChar char="■"/>
+              <a:defRPr sz="1200" b="0" i="0" u="none" strike="noStrike" cap="none">
+                <a:solidFill>
+                  <a:srgbClr val="4A5456"/>
+                </a:solidFill>
+                <a:latin typeface="Open Sans"/>
+                <a:ea typeface="Open Sans"/>
+                <a:cs typeface="Open Sans"/>
+                <a:sym typeface="Open Sans"/>
+              </a:defRPr>
+            </a:lvl3pPr>
+            <a:lvl4pPr marL="1828800" marR="0" lvl="3" indent="-304800" algn="l" rtl="0" eaLnBrk="1" hangingPunct="1">
+              <a:lnSpc>
+                <a:spcPct val="100000"/>
+              </a:lnSpc>
+              <a:spcBef>
+                <a:spcPts val="400"/>
+              </a:spcBef>
+              <a:spcAft>
+                <a:spcPts val="0"/>
+              </a:spcAft>
+              <a:buClr>
+                <a:srgbClr val="4A5456"/>
+              </a:buClr>
+              <a:buSzPts val="1200"/>
+              <a:buFont typeface="Open Sans"/>
+              <a:buChar char="●"/>
+              <a:defRPr sz="1200" b="0" i="0" u="none" strike="noStrike" cap="none">
+                <a:solidFill>
+                  <a:srgbClr val="4A5456"/>
+                </a:solidFill>
+                <a:latin typeface="Open Sans"/>
+                <a:ea typeface="Open Sans"/>
+                <a:cs typeface="Open Sans"/>
+                <a:sym typeface="Open Sans"/>
+              </a:defRPr>
+            </a:lvl4pPr>
+            <a:lvl5pPr marL="2286000" marR="0" lvl="4" indent="-304800" algn="l" rtl="0" eaLnBrk="1" hangingPunct="1">
+              <a:lnSpc>
+                <a:spcPct val="100000"/>
+              </a:lnSpc>
+              <a:spcBef>
+                <a:spcPts val="400"/>
+              </a:spcBef>
+              <a:spcAft>
+                <a:spcPts val="0"/>
+              </a:spcAft>
+              <a:buClr>
+                <a:srgbClr val="4A5456"/>
+              </a:buClr>
+              <a:buSzPts val="1200"/>
+              <a:buFont typeface="Open Sans"/>
+              <a:buChar char="○"/>
+              <a:defRPr sz="1200" b="0" i="0" u="none" strike="noStrike" cap="none">
+                <a:solidFill>
+                  <a:srgbClr val="4A5456"/>
+                </a:solidFill>
+                <a:latin typeface="Open Sans"/>
+                <a:ea typeface="Open Sans"/>
+                <a:cs typeface="Open Sans"/>
+                <a:sym typeface="Open Sans"/>
+              </a:defRPr>
+            </a:lvl5pPr>
+            <a:lvl6pPr marL="2743200" marR="0" lvl="5" indent="-304800" algn="l" rtl="0" eaLnBrk="1" hangingPunct="1">
+              <a:lnSpc>
+                <a:spcPct val="100000"/>
+              </a:lnSpc>
+              <a:spcBef>
+                <a:spcPts val="400"/>
+              </a:spcBef>
+              <a:spcAft>
+                <a:spcPts val="0"/>
+              </a:spcAft>
+              <a:buClr>
+                <a:srgbClr val="4A5456"/>
+              </a:buClr>
+              <a:buSzPts val="1200"/>
+              <a:buFont typeface="Open Sans"/>
+              <a:buChar char="■"/>
+              <a:defRPr sz="1200" b="0" i="0" u="none" strike="noStrike" cap="none">
+                <a:solidFill>
+                  <a:srgbClr val="4A5456"/>
+                </a:solidFill>
+                <a:latin typeface="Open Sans"/>
+                <a:ea typeface="Open Sans"/>
+                <a:cs typeface="Open Sans"/>
+                <a:sym typeface="Open Sans"/>
+              </a:defRPr>
+            </a:lvl6pPr>
+            <a:lvl7pPr marL="3200400" marR="0" lvl="6" indent="-304800" algn="l" rtl="0" eaLnBrk="1" hangingPunct="1">
+              <a:lnSpc>
+                <a:spcPct val="100000"/>
+              </a:lnSpc>
+              <a:spcBef>
+                <a:spcPts val="400"/>
+              </a:spcBef>
+              <a:spcAft>
+                <a:spcPts val="0"/>
+              </a:spcAft>
+              <a:buClr>
+                <a:srgbClr val="4A5456"/>
+              </a:buClr>
+              <a:buSzPts val="1200"/>
+              <a:buFont typeface="Open Sans"/>
+              <a:buChar char="●"/>
+              <a:defRPr sz="1200" b="0" i="0" u="none" strike="noStrike" cap="none">
+                <a:solidFill>
+                  <a:srgbClr val="4A5456"/>
+                </a:solidFill>
+                <a:latin typeface="Open Sans"/>
+                <a:ea typeface="Open Sans"/>
+                <a:cs typeface="Open Sans"/>
+                <a:sym typeface="Open Sans"/>
+              </a:defRPr>
+            </a:lvl7pPr>
+            <a:lvl8pPr marL="3657600" marR="0" lvl="7" indent="-304800" algn="l" rtl="0" eaLnBrk="1" hangingPunct="1">
+              <a:lnSpc>
+                <a:spcPct val="100000"/>
+              </a:lnSpc>
+              <a:spcBef>
+                <a:spcPts val="400"/>
+              </a:spcBef>
+              <a:spcAft>
+                <a:spcPts val="0"/>
+              </a:spcAft>
+              <a:buClr>
+                <a:srgbClr val="4A5456"/>
+              </a:buClr>
+              <a:buSzPts val="1200"/>
+              <a:buFont typeface="Open Sans"/>
+              <a:buChar char="○"/>
+              <a:defRPr sz="1200" b="0" i="0" u="none" strike="noStrike" cap="none">
+                <a:solidFill>
+                  <a:srgbClr val="4A5456"/>
+                </a:solidFill>
+                <a:latin typeface="Open Sans"/>
+                <a:ea typeface="Open Sans"/>
+                <a:cs typeface="Open Sans"/>
+                <a:sym typeface="Open Sans"/>
+              </a:defRPr>
+            </a:lvl8pPr>
+            <a:lvl9pPr marL="4114800" marR="0" lvl="8" indent="-304800" algn="l" rtl="0" eaLnBrk="1" hangingPunct="1">
+              <a:lnSpc>
+                <a:spcPct val="100000"/>
+              </a:lnSpc>
+              <a:spcBef>
+                <a:spcPts val="400"/>
+              </a:spcBef>
+              <a:spcAft>
+                <a:spcPts val="400"/>
+              </a:spcAft>
+              <a:buClr>
+                <a:srgbClr val="4A5456"/>
+              </a:buClr>
+              <a:buSzPts val="1200"/>
+              <a:buFont typeface="Open Sans"/>
+              <a:buChar char="■"/>
+              <a:defRPr sz="1200" b="0" i="0" u="none" strike="noStrike" cap="none">
+                <a:solidFill>
+                  <a:srgbClr val="4A5456"/>
+                </a:solidFill>
+                <a:latin typeface="Open Sans"/>
+                <a:ea typeface="Open Sans"/>
+                <a:cs typeface="Open Sans"/>
+                <a:sym typeface="Open Sans"/>
+              </a:defRPr>
+            </a:lvl9pPr>
+          </a:lstStyle>
+          <a:p>
+            <a:pPr marL="152400" indent="0">
+              <a:lnSpc>
+                <a:spcPct val="150000"/>
+              </a:lnSpc>
+              <a:spcAft>
+                <a:spcPts val="1600"/>
+              </a:spcAft>
+              <a:buFont typeface="Open Sans"/>
+              <a:buNone/>
+            </a:pPr>
+            <a:r>
+              <a:rPr lang="en-US" sz="1800" dirty="0">
+                <a:solidFill>
+                  <a:schemeClr val="tx1"/>
+                </a:solidFill>
+                <a:latin typeface="Roboto Slab Regular" panose="020B0604020202020204" charset="0"/>
+                <a:ea typeface="Roboto Slab Regular" panose="020B0604020202020204" charset="0"/>
+              </a:rPr>
+              <a:t>ASP.NET Platform Brief Introduction</a:t>
+            </a:r>
+          </a:p>
+        </p:txBody>
+      </p:sp>
+    </p:spTree>
+    <p:extLst>
+      <p:ext uri="{BB962C8B-B14F-4D97-AF65-F5344CB8AC3E}">
+        <p14:creationId xmlns:p14="http://schemas.microsoft.com/office/powerpoint/2010/main" val="2299425351"/>
+      </p:ext>
+    </p:extLst>
+  </p:cSld>
+  <p:clrMapOvr>
+    <a:masterClrMapping/>
+  </p:clrMapOvr>
+  <p:timing>
+    <p:tnLst>
+      <p:par>
+        <p:cTn id="1" dur="indefinite" restart="never" nodeType="tmRoot">
+          <p:childTnLst>
+            <p:seq concurrent="1" nextAc="seek">
+              <p:cTn id="2" dur="indefinite" nodeType="mainSeq">
+                <p:childTnLst>
+                  <p:par>
+                    <p:cTn id="3" fill="hold">
+                      <p:stCondLst>
+                        <p:cond delay="indefinite"/>
+                      </p:stCondLst>
+                      <p:childTnLst>
+                        <p:par>
+                          <p:cTn id="4" fill="hold">
+                            <p:stCondLst>
+                              <p:cond delay="0"/>
+                            </p:stCondLst>
+                            <p:childTnLst>
+                              <p:par>
+                                <p:cTn id="5" presetID="2" presetClass="entr" presetSubtype="8" fill="hold" grpId="0" nodeType="clickEffect">
+                                  <p:stCondLst>
+                                    <p:cond delay="0"/>
+                                  </p:stCondLst>
+                                  <p:childTnLst>
+                                    <p:set>
+                                      <p:cBhvr>
+                                        <p:cTn id="6" dur="1" fill="hold">
+                                          <p:stCondLst>
+                                            <p:cond delay="0"/>
+                                          </p:stCondLst>
+                                        </p:cTn>
+                                        <p:tgtEl>
+                                          <p:spTgt spid="13"/>
+                                        </p:tgtEl>
+                                        <p:attrNameLst>
+                                          <p:attrName>style.visibility</p:attrName>
+                                        </p:attrNameLst>
+                                      </p:cBhvr>
+                                      <p:to>
+                                        <p:strVal val="visible"/>
+                                      </p:to>
+                                    </p:set>
+                                    <p:anim calcmode="lin" valueType="num">
+                                      <p:cBhvr additive="base">
+                                        <p:cTn id="7" dur="500" fill="hold"/>
+                                        <p:tgtEl>
+                                          <p:spTgt spid="13"/>
+                                        </p:tgtEl>
+                                        <p:attrNameLst>
+                                          <p:attrName>ppt_x</p:attrName>
+                                        </p:attrNameLst>
+                                      </p:cBhvr>
+                                      <p:tavLst>
+                                        <p:tav tm="0">
+                                          <p:val>
+                                            <p:strVal val="0-#ppt_w/2"/>
+                                          </p:val>
+                                        </p:tav>
+                                        <p:tav tm="100000">
+                                          <p:val>
+                                            <p:strVal val="#ppt_x"/>
+                                          </p:val>
+                                        </p:tav>
+                                      </p:tavLst>
+                                    </p:anim>
+                                    <p:anim calcmode="lin" valueType="num">
+                                      <p:cBhvr additive="base">
+                                        <p:cTn id="8" dur="500" fill="hold"/>
+                                        <p:tgtEl>
+                                          <p:spTgt spid="13"/>
+                                        </p:tgtEl>
+                                        <p:attrNameLst>
+                                          <p:attrName>ppt_y</p:attrName>
+                                        </p:attrNameLst>
+                                      </p:cBhvr>
+                                      <p:tavLst>
+                                        <p:tav tm="0">
+                                          <p:val>
+                                            <p:strVal val="#ppt_y"/>
+                                          </p:val>
+                                        </p:tav>
+                                        <p:tav tm="100000">
+                                          <p:val>
+                                            <p:strVal val="#ppt_y"/>
+                                          </p:val>
+                                        </p:tav>
+                                      </p:tavLst>
+                                    </p:anim>
+                                  </p:childTnLst>
+                                </p:cTn>
+                              </p:par>
+                            </p:childTnLst>
+                          </p:cTn>
+                        </p:par>
+                      </p:childTnLst>
+                    </p:cTn>
+                  </p:par>
+                  <p:par>
+                    <p:cTn id="9" fill="hold">
+                      <p:stCondLst>
+                        <p:cond delay="indefinite"/>
+                      </p:stCondLst>
+                      <p:childTnLst>
+                        <p:par>
+                          <p:cTn id="10" fill="hold">
+                            <p:stCondLst>
+                              <p:cond delay="0"/>
+                            </p:stCondLst>
+                            <p:childTnLst>
+                              <p:par>
+                                <p:cTn id="11" presetID="2" presetClass="entr" presetSubtype="8" fill="hold" grpId="0" nodeType="clickEffect">
+                                  <p:stCondLst>
+                                    <p:cond delay="0"/>
+                                  </p:stCondLst>
+                                  <p:childTnLst>
+                                    <p:set>
+                                      <p:cBhvr>
+                                        <p:cTn id="12" dur="1" fill="hold">
+                                          <p:stCondLst>
+                                            <p:cond delay="0"/>
+                                          </p:stCondLst>
+                                        </p:cTn>
+                                        <p:tgtEl>
+                                          <p:spTgt spid="5"/>
+                                        </p:tgtEl>
+                                        <p:attrNameLst>
+                                          <p:attrName>style.visibility</p:attrName>
+                                        </p:attrNameLst>
+                                      </p:cBhvr>
+                                      <p:to>
+                                        <p:strVal val="visible"/>
+                                      </p:to>
+                                    </p:set>
+                                    <p:anim calcmode="lin" valueType="num">
+                                      <p:cBhvr additive="base">
+                                        <p:cTn id="13" dur="500" fill="hold"/>
+                                        <p:tgtEl>
+                                          <p:spTgt spid="5"/>
+                                        </p:tgtEl>
+                                        <p:attrNameLst>
+                                          <p:attrName>ppt_x</p:attrName>
+                                        </p:attrNameLst>
+                                      </p:cBhvr>
+                                      <p:tavLst>
+                                        <p:tav tm="0">
+                                          <p:val>
+                                            <p:strVal val="0-#ppt_w/2"/>
+                                          </p:val>
+                                        </p:tav>
+                                        <p:tav tm="100000">
+                                          <p:val>
+                                            <p:strVal val="#ppt_x"/>
+                                          </p:val>
+                                        </p:tav>
+                                      </p:tavLst>
+                                    </p:anim>
+                                    <p:anim calcmode="lin" valueType="num">
+                                      <p:cBhvr additive="base">
+                                        <p:cTn id="14" dur="500" fill="hold"/>
+                                        <p:tgtEl>
+                                          <p:spTgt spid="5"/>
+                                        </p:tgtEl>
+                                        <p:attrNameLst>
+                                          <p:attrName>ppt_y</p:attrName>
+                                        </p:attrNameLst>
+                                      </p:cBhvr>
+                                      <p:tavLst>
+                                        <p:tav tm="0">
+                                          <p:val>
+                                            <p:strVal val="#ppt_y"/>
+                                          </p:val>
+                                        </p:tav>
+                                        <p:tav tm="100000">
+                                          <p:val>
+                                            <p:strVal val="#ppt_y"/>
+                                          </p:val>
+                                        </p:tav>
+                                      </p:tavLst>
+                                    </p:anim>
+                                  </p:childTnLst>
+                                </p:cTn>
+                              </p:par>
+                            </p:childTnLst>
+                          </p:cTn>
+                        </p:par>
+                      </p:childTnLst>
+                    </p:cTn>
+                  </p:par>
+                  <p:par>
+                    <p:cTn id="15" fill="hold">
+                      <p:stCondLst>
+                        <p:cond delay="indefinite"/>
+                      </p:stCondLst>
+                      <p:childTnLst>
+                        <p:par>
+                          <p:cTn id="16" fill="hold">
+                            <p:stCondLst>
+                              <p:cond delay="0"/>
+                            </p:stCondLst>
+                            <p:childTnLst>
+                              <p:par>
+                                <p:cTn id="17" presetID="2" presetClass="entr" presetSubtype="8" fill="hold" grpId="0" nodeType="clickEffect">
+                                  <p:stCondLst>
+                                    <p:cond delay="0"/>
+                                  </p:stCondLst>
+                                  <p:childTnLst>
+                                    <p:set>
+                                      <p:cBhvr>
+                                        <p:cTn id="18" dur="1" fill="hold">
+                                          <p:stCondLst>
+                                            <p:cond delay="0"/>
+                                          </p:stCondLst>
+                                        </p:cTn>
+                                        <p:tgtEl>
+                                          <p:spTgt spid="8"/>
+                                        </p:tgtEl>
+                                        <p:attrNameLst>
+                                          <p:attrName>style.visibility</p:attrName>
+                                        </p:attrNameLst>
+                                      </p:cBhvr>
+                                      <p:to>
+                                        <p:strVal val="visible"/>
+                                      </p:to>
+                                    </p:set>
+                                    <p:anim calcmode="lin" valueType="num">
+                                      <p:cBhvr additive="base">
+                                        <p:cTn id="19" dur="500" fill="hold"/>
+                                        <p:tgtEl>
+                                          <p:spTgt spid="8"/>
+                                        </p:tgtEl>
+                                        <p:attrNameLst>
+                                          <p:attrName>ppt_x</p:attrName>
+                                        </p:attrNameLst>
+                                      </p:cBhvr>
+                                      <p:tavLst>
+                                        <p:tav tm="0">
+                                          <p:val>
+                                            <p:strVal val="0-#ppt_w/2"/>
+                                          </p:val>
+                                        </p:tav>
+                                        <p:tav tm="100000">
+                                          <p:val>
+                                            <p:strVal val="#ppt_x"/>
+                                          </p:val>
+                                        </p:tav>
+                                      </p:tavLst>
+                                    </p:anim>
+                                    <p:anim calcmode="lin" valueType="num">
+                                      <p:cBhvr additive="base">
+                                        <p:cTn id="20" dur="500" fill="hold"/>
+                                        <p:tgtEl>
+                                          <p:spTgt spid="8"/>
+                                        </p:tgtEl>
+                                        <p:attrNameLst>
+                                          <p:attrName>ppt_y</p:attrName>
+                                        </p:attrNameLst>
+                                      </p:cBhvr>
+                                      <p:tavLst>
+                                        <p:tav tm="0">
+                                          <p:val>
+                                            <p:strVal val="#ppt_y"/>
+                                          </p:val>
+                                        </p:tav>
+                                        <p:tav tm="100000">
+                                          <p:val>
+                                            <p:strVal val="#ppt_y"/>
+                                          </p:val>
+                                        </p:tav>
+                                      </p:tavLst>
+                                    </p:anim>
+                                  </p:childTnLst>
+                                </p:cTn>
+                              </p:par>
+                            </p:childTnLst>
+                          </p:cTn>
+                        </p:par>
+                      </p:childTnLst>
+                    </p:cTn>
+                  </p:par>
+                  <p:par>
+                    <p:cTn id="21" fill="hold">
+                      <p:stCondLst>
+                        <p:cond delay="indefinite"/>
+                      </p:stCondLst>
+                      <p:childTnLst>
+                        <p:par>
+                          <p:cTn id="22" fill="hold">
+                            <p:stCondLst>
+                              <p:cond delay="0"/>
+                            </p:stCondLst>
+                            <p:childTnLst>
+                              <p:par>
+                                <p:cTn id="23" presetID="2" presetClass="entr" presetSubtype="8" fill="hold" grpId="0" nodeType="clickEffect">
+                                  <p:stCondLst>
+                                    <p:cond delay="0"/>
+                                  </p:stCondLst>
+                                  <p:childTnLst>
+                                    <p:set>
+                                      <p:cBhvr>
+                                        <p:cTn id="24" dur="1" fill="hold">
+                                          <p:stCondLst>
+                                            <p:cond delay="0"/>
+                                          </p:stCondLst>
+                                        </p:cTn>
+                                        <p:tgtEl>
+                                          <p:spTgt spid="6"/>
+                                        </p:tgtEl>
+                                        <p:attrNameLst>
+                                          <p:attrName>style.visibility</p:attrName>
+                                        </p:attrNameLst>
+                                      </p:cBhvr>
+                                      <p:to>
+                                        <p:strVal val="visible"/>
+                                      </p:to>
+                                    </p:set>
+                                    <p:anim calcmode="lin" valueType="num">
+                                      <p:cBhvr additive="base">
+                                        <p:cTn id="25" dur="500" fill="hold"/>
+                                        <p:tgtEl>
+                                          <p:spTgt spid="6"/>
+                                        </p:tgtEl>
+                                        <p:attrNameLst>
+                                          <p:attrName>ppt_x</p:attrName>
+                                        </p:attrNameLst>
+                                      </p:cBhvr>
+                                      <p:tavLst>
+                                        <p:tav tm="0">
+                                          <p:val>
+                                            <p:strVal val="0-#ppt_w/2"/>
+                                          </p:val>
+                                        </p:tav>
+                                        <p:tav tm="100000">
+                                          <p:val>
+                                            <p:strVal val="#ppt_x"/>
+                                          </p:val>
+                                        </p:tav>
+                                      </p:tavLst>
+                                    </p:anim>
+                                    <p:anim calcmode="lin" valueType="num">
+                                      <p:cBhvr additive="base">
+                                        <p:cTn id="26" dur="500" fill="hold"/>
+                                        <p:tgtEl>
+                                          <p:spTgt spid="6"/>
+                                        </p:tgtEl>
+                                        <p:attrNameLst>
+                                          <p:attrName>ppt_y</p:attrName>
+                                        </p:attrNameLst>
+                                      </p:cBhvr>
+                                      <p:tavLst>
+                                        <p:tav tm="0">
+                                          <p:val>
+                                            <p:strVal val="#ppt_y"/>
+                                          </p:val>
+                                        </p:tav>
+                                        <p:tav tm="100000">
+                                          <p:val>
+                                            <p:strVal val="#ppt_y"/>
+                                          </p:val>
+                                        </p:tav>
+                                      </p:tavLst>
+                                    </p:anim>
+                                  </p:childTnLst>
+                                </p:cTn>
+                              </p:par>
+                            </p:childTnLst>
+                          </p:cTn>
+                        </p:par>
+                      </p:childTnLst>
+                    </p:cTn>
+                  </p:par>
+                  <p:par>
+                    <p:cTn id="27" fill="hold">
+                      <p:stCondLst>
+                        <p:cond delay="indefinite"/>
+                      </p:stCondLst>
+                      <p:childTnLst>
+                        <p:par>
+                          <p:cTn id="28" fill="hold">
+                            <p:stCondLst>
+                              <p:cond delay="0"/>
+                            </p:stCondLst>
+                            <p:childTnLst>
+                              <p:par>
+                                <p:cTn id="29" presetID="2" presetClass="entr" presetSubtype="8" fill="hold" grpId="0" nodeType="clickEffect">
+                                  <p:stCondLst>
+                                    <p:cond delay="0"/>
+                                  </p:stCondLst>
+                                  <p:childTnLst>
+                                    <p:set>
+                                      <p:cBhvr>
+                                        <p:cTn id="30" dur="1" fill="hold">
+                                          <p:stCondLst>
+                                            <p:cond delay="0"/>
+                                          </p:stCondLst>
+                                        </p:cTn>
+                                        <p:tgtEl>
+                                          <p:spTgt spid="9"/>
+                                        </p:tgtEl>
+                                        <p:attrNameLst>
+                                          <p:attrName>style.visibility</p:attrName>
+                                        </p:attrNameLst>
+                                      </p:cBhvr>
+                                      <p:to>
+                                        <p:strVal val="visible"/>
+                                      </p:to>
+                                    </p:set>
+                                    <p:anim calcmode="lin" valueType="num">
+                                      <p:cBhvr additive="base">
+                                        <p:cTn id="31" dur="500" fill="hold"/>
+                                        <p:tgtEl>
+                                          <p:spTgt spid="9"/>
+                                        </p:tgtEl>
+                                        <p:attrNameLst>
+                                          <p:attrName>ppt_x</p:attrName>
+                                        </p:attrNameLst>
+                                      </p:cBhvr>
+                                      <p:tavLst>
+                                        <p:tav tm="0">
+                                          <p:val>
+                                            <p:strVal val="0-#ppt_w/2"/>
+                                          </p:val>
+                                        </p:tav>
+                                        <p:tav tm="100000">
+                                          <p:val>
+                                            <p:strVal val="#ppt_x"/>
+                                          </p:val>
+                                        </p:tav>
+                                      </p:tavLst>
+                                    </p:anim>
+                                    <p:anim calcmode="lin" valueType="num">
+                                      <p:cBhvr additive="base">
+                                        <p:cTn id="32" dur="500" fill="hold"/>
+                                        <p:tgtEl>
+                                          <p:spTgt spid="9"/>
+                                        </p:tgtEl>
+                                        <p:attrNameLst>
+                                          <p:attrName>ppt_y</p:attrName>
+                                        </p:attrNameLst>
+                                      </p:cBhvr>
+                                      <p:tavLst>
+                                        <p:tav tm="0">
+                                          <p:val>
+                                            <p:strVal val="#ppt_y"/>
+                                          </p:val>
+                                        </p:tav>
+                                        <p:tav tm="100000">
+                                          <p:val>
+                                            <p:strVal val="#ppt_y"/>
+                                          </p:val>
+                                        </p:tav>
+                                      </p:tavLst>
+                                    </p:anim>
+                                  </p:childTnLst>
+                                </p:cTn>
+                              </p:par>
+                            </p:childTnLst>
+                          </p:cTn>
+                        </p:par>
+                      </p:childTnLst>
+                    </p:cTn>
+                  </p:par>
+                  <p:par>
+                    <p:cTn id="33" fill="hold">
+                      <p:stCondLst>
+                        <p:cond delay="indefinite"/>
+                      </p:stCondLst>
+                      <p:childTnLst>
+                        <p:par>
+                          <p:cTn id="34" fill="hold">
+                            <p:stCondLst>
+                              <p:cond delay="0"/>
+                            </p:stCondLst>
+                            <p:childTnLst>
+                              <p:par>
+                                <p:cTn id="35" presetID="26" presetClass="entr" presetSubtype="0" fill="hold" grpId="0" nodeType="clickEffect">
+                                  <p:stCondLst>
+                                    <p:cond delay="0"/>
+                                  </p:stCondLst>
+                                  <p:childTnLst>
+                                    <p:set>
+                                      <p:cBhvr>
+                                        <p:cTn id="36" dur="1" fill="hold">
+                                          <p:stCondLst>
+                                            <p:cond delay="0"/>
+                                          </p:stCondLst>
+                                        </p:cTn>
+                                        <p:tgtEl>
+                                          <p:spTgt spid="11"/>
+                                        </p:tgtEl>
+                                        <p:attrNameLst>
+                                          <p:attrName>style.visibility</p:attrName>
+                                        </p:attrNameLst>
+                                      </p:cBhvr>
+                                      <p:to>
+                                        <p:strVal val="visible"/>
+                                      </p:to>
+                                    </p:set>
+                                    <p:animEffect transition="in" filter="wipe(down)">
+                                      <p:cBhvr>
+                                        <p:cTn id="37" dur="580">
+                                          <p:stCondLst>
+                                            <p:cond delay="0"/>
+                                          </p:stCondLst>
+                                        </p:cTn>
+                                        <p:tgtEl>
+                                          <p:spTgt spid="11"/>
+                                        </p:tgtEl>
+                                      </p:cBhvr>
+                                    </p:animEffect>
+                                    <p:anim calcmode="lin" valueType="num">
+                                      <p:cBhvr>
+                                        <p:cTn id="38" dur="1822" tmFilter="0,0; 0.14,0.36; 0.43,0.73; 0.71,0.91; 1.0,1.0">
+                                          <p:stCondLst>
+                                            <p:cond delay="0"/>
+                                          </p:stCondLst>
+                                        </p:cTn>
+                                        <p:tgtEl>
+                                          <p:spTgt spid="11"/>
+                                        </p:tgtEl>
+                                        <p:attrNameLst>
+                                          <p:attrName>ppt_x</p:attrName>
+                                        </p:attrNameLst>
+                                      </p:cBhvr>
+                                      <p:tavLst>
+                                        <p:tav tm="0">
+                                          <p:val>
+                                            <p:strVal val="#ppt_x-0.25"/>
+                                          </p:val>
+                                        </p:tav>
+                                        <p:tav tm="100000">
+                                          <p:val>
+                                            <p:strVal val="#ppt_x"/>
+                                          </p:val>
+                                        </p:tav>
+                                      </p:tavLst>
+                                    </p:anim>
+                                    <p:anim calcmode="lin" valueType="num">
+                                      <p:cBhvr>
+                                        <p:cTn id="39" dur="664" tmFilter="0.0,0.0; 0.25,0.07; 0.50,0.2; 0.75,0.467; 1.0,1.0">
+                                          <p:stCondLst>
+                                            <p:cond delay="0"/>
+                                          </p:stCondLst>
+                                        </p:cTn>
+                                        <p:tgtEl>
+                                          <p:spTgt spid="11"/>
+                                        </p:tgtEl>
+                                        <p:attrNameLst>
+                                          <p:attrName>ppt_y</p:attrName>
+                                        </p:attrNameLst>
+                                      </p:cBhvr>
+                                      <p:tavLst>
+                                        <p:tav tm="0" fmla="#ppt_y-sin(pi*$)/3">
+                                          <p:val>
+                                            <p:fltVal val="0.5"/>
+                                          </p:val>
+                                        </p:tav>
+                                        <p:tav tm="100000">
+                                          <p:val>
+                                            <p:fltVal val="1"/>
+                                          </p:val>
+                                        </p:tav>
+                                      </p:tavLst>
+                                    </p:anim>
+                                    <p:anim calcmode="lin" valueType="num">
+                                      <p:cBhvr>
+                                        <p:cTn id="40" dur="664" tmFilter="0, 0; 0.125,0.2665; 0.25,0.4; 0.375,0.465; 0.5,0.5;  0.625,0.535; 0.75,0.6; 0.875,0.7335; 1,1">
+                                          <p:stCondLst>
+                                            <p:cond delay="664"/>
+                                          </p:stCondLst>
+                                        </p:cTn>
+                                        <p:tgtEl>
+                                          <p:spTgt spid="11"/>
+                                        </p:tgtEl>
+                                        <p:attrNameLst>
+                                          <p:attrName>ppt_y</p:attrName>
+                                        </p:attrNameLst>
+                                      </p:cBhvr>
+                                      <p:tavLst>
+                                        <p:tav tm="0" fmla="#ppt_y-sin(pi*$)/9">
+                                          <p:val>
+                                            <p:fltVal val="0"/>
+                                          </p:val>
+                                        </p:tav>
+                                        <p:tav tm="100000">
+                                          <p:val>
+                                            <p:fltVal val="1"/>
+                                          </p:val>
+                                        </p:tav>
+                                      </p:tavLst>
+                                    </p:anim>
+                                    <p:anim calcmode="lin" valueType="num">
+                                      <p:cBhvr>
+                                        <p:cTn id="41" dur="332" tmFilter="0, 0; 0.125,0.2665; 0.25,0.4; 0.375,0.465; 0.5,0.5;  0.625,0.535; 0.75,0.6; 0.875,0.7335; 1,1">
+                                          <p:stCondLst>
+                                            <p:cond delay="1324"/>
+                                          </p:stCondLst>
+                                        </p:cTn>
+                                        <p:tgtEl>
+                                          <p:spTgt spid="11"/>
+                                        </p:tgtEl>
+                                        <p:attrNameLst>
+                                          <p:attrName>ppt_y</p:attrName>
+                                        </p:attrNameLst>
+                                      </p:cBhvr>
+                                      <p:tavLst>
+                                        <p:tav tm="0" fmla="#ppt_y-sin(pi*$)/27">
+                                          <p:val>
+                                            <p:fltVal val="0"/>
+                                          </p:val>
+                                        </p:tav>
+                                        <p:tav tm="100000">
+                                          <p:val>
+                                            <p:fltVal val="1"/>
+                                          </p:val>
+                                        </p:tav>
+                                      </p:tavLst>
+                                    </p:anim>
+                                    <p:anim calcmode="lin" valueType="num">
+                                      <p:cBhvr>
+                                        <p:cTn id="42" dur="164" tmFilter="0, 0; 0.125,0.2665; 0.25,0.4; 0.375,0.465; 0.5,0.5;  0.625,0.535; 0.75,0.6; 0.875,0.7335; 1,1">
+                                          <p:stCondLst>
+                                            <p:cond delay="1656"/>
+                                          </p:stCondLst>
+                                        </p:cTn>
+                                        <p:tgtEl>
+                                          <p:spTgt spid="11"/>
+                                        </p:tgtEl>
+                                        <p:attrNameLst>
+                                          <p:attrName>ppt_y</p:attrName>
+                                        </p:attrNameLst>
+                                      </p:cBhvr>
+                                      <p:tavLst>
+                                        <p:tav tm="0" fmla="#ppt_y-sin(pi*$)/81">
+                                          <p:val>
+                                            <p:fltVal val="0"/>
+                                          </p:val>
+                                        </p:tav>
+                                        <p:tav tm="100000">
+                                          <p:val>
+                                            <p:fltVal val="1"/>
+                                          </p:val>
+                                        </p:tav>
+                                      </p:tavLst>
+                                    </p:anim>
+                                    <p:animScale>
+                                      <p:cBhvr>
+                                        <p:cTn id="43" dur="26">
+                                          <p:stCondLst>
+                                            <p:cond delay="650"/>
+                                          </p:stCondLst>
+                                        </p:cTn>
+                                        <p:tgtEl>
+                                          <p:spTgt spid="11"/>
+                                        </p:tgtEl>
+                                      </p:cBhvr>
+                                      <p:to x="100000" y="60000"/>
+                                    </p:animScale>
+                                    <p:animScale>
+                                      <p:cBhvr>
+                                        <p:cTn id="44" dur="166" decel="50000">
+                                          <p:stCondLst>
+                                            <p:cond delay="676"/>
+                                          </p:stCondLst>
+                                        </p:cTn>
+                                        <p:tgtEl>
+                                          <p:spTgt spid="11"/>
+                                        </p:tgtEl>
+                                      </p:cBhvr>
+                                      <p:to x="100000" y="100000"/>
+                                    </p:animScale>
+                                    <p:animScale>
+                                      <p:cBhvr>
+                                        <p:cTn id="45" dur="26">
+                                          <p:stCondLst>
+                                            <p:cond delay="1312"/>
+                                          </p:stCondLst>
+                                        </p:cTn>
+                                        <p:tgtEl>
+                                          <p:spTgt spid="11"/>
+                                        </p:tgtEl>
+                                      </p:cBhvr>
+                                      <p:to x="100000" y="80000"/>
+                                    </p:animScale>
+                                    <p:animScale>
+                                      <p:cBhvr>
+                                        <p:cTn id="46" dur="166" decel="50000">
+                                          <p:stCondLst>
+                                            <p:cond delay="1338"/>
+                                          </p:stCondLst>
+                                        </p:cTn>
+                                        <p:tgtEl>
+                                          <p:spTgt spid="11"/>
+                                        </p:tgtEl>
+                                      </p:cBhvr>
+                                      <p:to x="100000" y="100000"/>
+                                    </p:animScale>
+                                    <p:animScale>
+                                      <p:cBhvr>
+                                        <p:cTn id="47" dur="26">
+                                          <p:stCondLst>
+                                            <p:cond delay="1642"/>
+                                          </p:stCondLst>
+                                        </p:cTn>
+                                        <p:tgtEl>
+                                          <p:spTgt spid="11"/>
+                                        </p:tgtEl>
+                                      </p:cBhvr>
+                                      <p:to x="100000" y="90000"/>
+                                    </p:animScale>
+                                    <p:animScale>
+                                      <p:cBhvr>
+                                        <p:cTn id="48" dur="166" decel="50000">
+                                          <p:stCondLst>
+                                            <p:cond delay="1668"/>
+                                          </p:stCondLst>
+                                        </p:cTn>
+                                        <p:tgtEl>
+                                          <p:spTgt spid="11"/>
+                                        </p:tgtEl>
+                                      </p:cBhvr>
+                                      <p:to x="100000" y="100000"/>
+                                    </p:animScale>
+                                    <p:animScale>
+                                      <p:cBhvr>
+                                        <p:cTn id="49" dur="26">
+                                          <p:stCondLst>
+                                            <p:cond delay="1808"/>
+                                          </p:stCondLst>
+                                        </p:cTn>
+                                        <p:tgtEl>
+                                          <p:spTgt spid="11"/>
+                                        </p:tgtEl>
+                                      </p:cBhvr>
+                                      <p:to x="100000" y="95000"/>
+                                    </p:animScale>
+                                    <p:animScale>
+                                      <p:cBhvr>
+                                        <p:cTn id="50" dur="166" decel="50000">
+                                          <p:stCondLst>
+                                            <p:cond delay="1834"/>
+                                          </p:stCondLst>
+                                        </p:cTn>
+                                        <p:tgtEl>
+                                          <p:spTgt spid="11"/>
+                                        </p:tgtEl>
+                                      </p:cBhvr>
+                                      <p:to x="100000" y="100000"/>
+                                    </p:animScale>
+                                  </p:childTnLst>
+                                </p:cTn>
+                              </p:par>
+                            </p:childTnLst>
+                          </p:cTn>
+                        </p:par>
+                      </p:childTnLst>
+                    </p:cTn>
+                  </p:par>
+                </p:childTnLst>
+              </p:cTn>
+              <p:prevCondLst>
+                <p:cond evt="onPrev" delay="0">
+                  <p:tgtEl>
+                    <p:sldTgt/>
+                  </p:tgtEl>
+                </p:cond>
+              </p:prevCondLst>
+              <p:nextCondLst>
+                <p:cond evt="onNext" delay="0">
+                  <p:tgtEl>
+                    <p:sldTgt/>
+                  </p:tgtEl>
+                </p:cond>
+              </p:nextCondLst>
+            </p:seq>
+          </p:childTnLst>
+        </p:cTn>
+      </p:par>
+    </p:tnLst>
+    <p:bldLst>
+      <p:bldP spid="5" grpId="0"/>
+      <p:bldP spid="6" grpId="0"/>
+      <p:bldP spid="8" grpId="0"/>
+      <p:bldP spid="9" grpId="0"/>
+      <p:bldP spid="11" grpId="0"/>
+      <p:bldP spid="13" grpId="0"/>
+    </p:bldLst>
+  </p:timing>
+</p:sld>
+</file>
+
+<file path=ppt/slides/slide4.xml><?xml version="1.0" encoding="utf-8"?>
+<p:sld xmlns:a="http://schemas.openxmlformats.org/drawingml/2006/main" xmlns:r="http://schemas.openxmlformats.org/officeDocument/2006/relationships" xmlns:p="http://schemas.openxmlformats.org/presentationml/2006/main">
+  <p:cSld>
+    <p:spTree>
+      <p:nvGrpSpPr>
+        <p:cNvPr id="1" name="Shape 645"/>
+        <p:cNvGrpSpPr/>
+        <p:nvPr/>
+      </p:nvGrpSpPr>
+      <p:grpSpPr>
+        <a:xfrm>
+          <a:off x="0" y="0"/>
+          <a:ext cx="0" cy="0"/>
+          <a:chOff x="0" y="0"/>
+          <a:chExt cx="0" cy="0"/>
+        </a:xfrm>
+      </p:grpSpPr>
+      <p:sp>
+        <p:nvSpPr>
           <p:cNvPr id="647" name="Google Shape;647;p68"/>
           <p:cNvSpPr txBox="1">
             <a:spLocks noGrp="1"/>
@@ -12924,7 +17183,7 @@
             </a:pPr>
             <a:r>
               <a:rPr lang="en" sz="3600" dirty="0"/>
-              <a:t>Intro</a:t>
+              <a:t>ASP.NET Platform</a:t>
             </a:r>
             <a:endParaRPr sz="3600" dirty="0"/>
           </a:p>
@@ -14124,8 +18383,8 @@
               <a:buNone/>
             </a:pPr>
             <a:r>
-              <a:rPr lang="en" dirty="0"/>
-              <a:t>The ASP.NET Platform</a:t>
+              <a:rPr lang="it-IT" dirty="0"/>
+              <a:t>= ASP.NET Framework</a:t>
             </a:r>
             <a:endParaRPr dirty="0"/>
           </a:p>
@@ -14446,7 +18705,7 @@
 </p:sld>
 </file>
 
-<file path=ppt/slides/slide4.xml><?xml version="1.0" encoding="utf-8"?>
+<file path=ppt/slides/slide5.xml><?xml version="1.0" encoding="utf-8"?>
 <p:sld xmlns:a="http://schemas.openxmlformats.org/drawingml/2006/main" xmlns:r="http://schemas.openxmlformats.org/officeDocument/2006/relationships" xmlns:p="http://schemas.openxmlformats.org/presentationml/2006/main">
   <p:cSld>
     <p:spTree>
@@ -15137,7 +19396,7 @@
             </a:pPr>
             <a:r>
               <a:rPr lang="en" sz="3600" dirty="0"/>
-              <a:t>Intro</a:t>
+              <a:t>ASP.NET Platform</a:t>
             </a:r>
             <a:endParaRPr sz="3600" dirty="0"/>
           </a:p>
@@ -15249,943 +19508,6 @@
   <p:clrMapOvr>
     <a:masterClrMapping/>
   </p:clrMapOvr>
-</p:sld>
-</file>
-
-<file path=ppt/slides/slide5.xml><?xml version="1.0" encoding="utf-8"?>
-<p:sld xmlns:a="http://schemas.openxmlformats.org/drawingml/2006/main" xmlns:r="http://schemas.openxmlformats.org/officeDocument/2006/relationships" xmlns:p="http://schemas.openxmlformats.org/presentationml/2006/main">
-  <p:cSld>
-    <p:spTree>
-      <p:nvGrpSpPr>
-        <p:cNvPr id="1" name="Shape 645"/>
-        <p:cNvGrpSpPr/>
-        <p:nvPr/>
-      </p:nvGrpSpPr>
-      <p:grpSpPr>
-        <a:xfrm>
-          <a:off x="0" y="0"/>
-          <a:ext cx="0" cy="0"/>
-          <a:chOff x="0" y="0"/>
-          <a:chExt cx="0" cy="0"/>
-        </a:xfrm>
-      </p:grpSpPr>
-      <p:sp>
-        <p:nvSpPr>
-          <p:cNvPr id="648" name="Google Shape;648;p68"/>
-          <p:cNvSpPr txBox="1">
-            <a:spLocks noGrp="1"/>
-          </p:cNvSpPr>
-          <p:nvPr>
-            <p:ph type="title"/>
-          </p:nvPr>
-        </p:nvSpPr>
-        <p:spPr>
-          <a:xfrm>
-            <a:off x="453600" y="413350"/>
-            <a:ext cx="8236800" cy="531300"/>
-          </a:xfrm>
-          <a:prstGeom prst="rect">
-            <a:avLst/>
-          </a:prstGeom>
-        </p:spPr>
-        <p:txBody>
-          <a:bodyPr spcFirstLastPara="1" wrap="square" lIns="91425" tIns="91425" rIns="91425" bIns="91425" anchor="ctr" anchorCtr="0">
-            <a:noAutofit/>
-          </a:bodyPr>
-          <a:lstStyle/>
-          <a:p>
-            <a:pPr marL="0" lvl="0" indent="0" algn="l" rtl="0">
-              <a:spcBef>
-                <a:spcPts val="0"/>
-              </a:spcBef>
-              <a:spcAft>
-                <a:spcPts val="0"/>
-              </a:spcAft>
-              <a:buNone/>
-            </a:pPr>
-            <a:r>
-              <a:rPr lang="en" sz="3600" dirty="0"/>
-              <a:t>Intro</a:t>
-            </a:r>
-            <a:endParaRPr sz="3600" dirty="0"/>
-          </a:p>
-        </p:txBody>
-      </p:sp>
-      <p:sp>
-        <p:nvSpPr>
-          <p:cNvPr id="7" name="Google Shape;598;p63">
-            <a:extLst>
-              <a:ext uri="{FF2B5EF4-FFF2-40B4-BE49-F238E27FC236}">
-                <a16:creationId xmlns:a16="http://schemas.microsoft.com/office/drawing/2014/main" id="{6423604D-B756-4E62-AA07-97F442311E8E}"/>
-              </a:ext>
-            </a:extLst>
-          </p:cNvPr>
-          <p:cNvSpPr txBox="1">
-            <a:spLocks noGrp="1"/>
-          </p:cNvSpPr>
-          <p:nvPr>
-            <p:ph type="body" idx="2"/>
-          </p:nvPr>
-        </p:nvSpPr>
-        <p:spPr>
-          <a:xfrm>
-            <a:off x="3846458" y="679000"/>
-            <a:ext cx="4843942" cy="4259073"/>
-          </a:xfrm>
-          <a:prstGeom prst="rect">
-            <a:avLst/>
-          </a:prstGeom>
-        </p:spPr>
-        <p:txBody>
-          <a:bodyPr spcFirstLastPara="1" wrap="square" lIns="91425" tIns="91425" rIns="91425" bIns="91425" anchor="t" anchorCtr="0">
-            <a:noAutofit/>
-          </a:bodyPr>
-          <a:lstStyle>
-            <a:defPPr marR="0" lvl="0" algn="l" rtl="0">
-              <a:lnSpc>
-                <a:spcPct val="100000"/>
-              </a:lnSpc>
-              <a:spcBef>
-                <a:spcPts val="0"/>
-              </a:spcBef>
-              <a:spcAft>
-                <a:spcPts val="0"/>
-              </a:spcAft>
-            </a:defPPr>
-            <a:lvl1pPr marR="0" lvl="0" algn="l" rtl="0" eaLnBrk="1" hangingPunct="1">
-              <a:lnSpc>
-                <a:spcPct val="100000"/>
-              </a:lnSpc>
-              <a:spcBef>
-                <a:spcPts val="0"/>
-              </a:spcBef>
-              <a:spcAft>
-                <a:spcPts val="0"/>
-              </a:spcAft>
-              <a:buClr>
-                <a:srgbClr val="000000"/>
-              </a:buClr>
-              <a:buFont typeface="Arial"/>
-              <a:defRPr sz="1400" b="0" i="0" u="none" strike="noStrike" cap="none">
-                <a:solidFill>
-                  <a:srgbClr val="000000"/>
-                </a:solidFill>
-                <a:latin typeface="Arial"/>
-                <a:ea typeface="Arial"/>
-                <a:cs typeface="Arial"/>
-                <a:sym typeface="Arial"/>
-              </a:defRPr>
-            </a:lvl1pPr>
-            <a:lvl2pPr marR="0" lvl="1" algn="l" rtl="0" eaLnBrk="1" hangingPunct="1">
-              <a:lnSpc>
-                <a:spcPct val="100000"/>
-              </a:lnSpc>
-              <a:spcBef>
-                <a:spcPts val="0"/>
-              </a:spcBef>
-              <a:spcAft>
-                <a:spcPts val="0"/>
-              </a:spcAft>
-              <a:buClr>
-                <a:srgbClr val="000000"/>
-              </a:buClr>
-              <a:buFont typeface="Arial"/>
-              <a:defRPr sz="1400" b="0" i="0" u="none" strike="noStrike" cap="none">
-                <a:solidFill>
-                  <a:srgbClr val="000000"/>
-                </a:solidFill>
-                <a:latin typeface="Arial"/>
-                <a:ea typeface="Arial"/>
-                <a:cs typeface="Arial"/>
-                <a:sym typeface="Arial"/>
-              </a:defRPr>
-            </a:lvl2pPr>
-            <a:lvl3pPr marR="0" lvl="2" algn="l" rtl="0" eaLnBrk="1" hangingPunct="1">
-              <a:lnSpc>
-                <a:spcPct val="100000"/>
-              </a:lnSpc>
-              <a:spcBef>
-                <a:spcPts val="0"/>
-              </a:spcBef>
-              <a:spcAft>
-                <a:spcPts val="0"/>
-              </a:spcAft>
-              <a:buClr>
-                <a:srgbClr val="000000"/>
-              </a:buClr>
-              <a:buFont typeface="Arial"/>
-              <a:defRPr sz="1400" b="0" i="0" u="none" strike="noStrike" cap="none">
-                <a:solidFill>
-                  <a:srgbClr val="000000"/>
-                </a:solidFill>
-                <a:latin typeface="Arial"/>
-                <a:ea typeface="Arial"/>
-                <a:cs typeface="Arial"/>
-                <a:sym typeface="Arial"/>
-              </a:defRPr>
-            </a:lvl3pPr>
-            <a:lvl4pPr marR="0" lvl="3" algn="l" rtl="0" eaLnBrk="1" hangingPunct="1">
-              <a:lnSpc>
-                <a:spcPct val="100000"/>
-              </a:lnSpc>
-              <a:spcBef>
-                <a:spcPts val="0"/>
-              </a:spcBef>
-              <a:spcAft>
-                <a:spcPts val="0"/>
-              </a:spcAft>
-              <a:buClr>
-                <a:srgbClr val="000000"/>
-              </a:buClr>
-              <a:buFont typeface="Arial"/>
-              <a:defRPr sz="1400" b="0" i="0" u="none" strike="noStrike" cap="none">
-                <a:solidFill>
-                  <a:srgbClr val="000000"/>
-                </a:solidFill>
-                <a:latin typeface="Arial"/>
-                <a:ea typeface="Arial"/>
-                <a:cs typeface="Arial"/>
-                <a:sym typeface="Arial"/>
-              </a:defRPr>
-            </a:lvl4pPr>
-            <a:lvl5pPr marR="0" lvl="4" algn="l" rtl="0" eaLnBrk="1" hangingPunct="1">
-              <a:lnSpc>
-                <a:spcPct val="100000"/>
-              </a:lnSpc>
-              <a:spcBef>
-                <a:spcPts val="0"/>
-              </a:spcBef>
-              <a:spcAft>
-                <a:spcPts val="0"/>
-              </a:spcAft>
-              <a:buClr>
-                <a:srgbClr val="000000"/>
-              </a:buClr>
-              <a:buFont typeface="Arial"/>
-              <a:defRPr sz="1400" b="0" i="0" u="none" strike="noStrike" cap="none">
-                <a:solidFill>
-                  <a:srgbClr val="000000"/>
-                </a:solidFill>
-                <a:latin typeface="Arial"/>
-                <a:ea typeface="Arial"/>
-                <a:cs typeface="Arial"/>
-                <a:sym typeface="Arial"/>
-              </a:defRPr>
-            </a:lvl5pPr>
-            <a:lvl6pPr marR="0" lvl="5" algn="l" rtl="0" eaLnBrk="1" hangingPunct="1">
-              <a:lnSpc>
-                <a:spcPct val="100000"/>
-              </a:lnSpc>
-              <a:spcBef>
-                <a:spcPts val="0"/>
-              </a:spcBef>
-              <a:spcAft>
-                <a:spcPts val="0"/>
-              </a:spcAft>
-              <a:buClr>
-                <a:srgbClr val="000000"/>
-              </a:buClr>
-              <a:buFont typeface="Arial"/>
-              <a:defRPr sz="1400" b="0" i="0" u="none" strike="noStrike" cap="none">
-                <a:solidFill>
-                  <a:srgbClr val="000000"/>
-                </a:solidFill>
-                <a:latin typeface="Arial"/>
-                <a:ea typeface="Arial"/>
-                <a:cs typeface="Arial"/>
-                <a:sym typeface="Arial"/>
-              </a:defRPr>
-            </a:lvl6pPr>
-            <a:lvl7pPr marR="0" lvl="6" algn="l" rtl="0" eaLnBrk="1" hangingPunct="1">
-              <a:lnSpc>
-                <a:spcPct val="100000"/>
-              </a:lnSpc>
-              <a:spcBef>
-                <a:spcPts val="0"/>
-              </a:spcBef>
-              <a:spcAft>
-                <a:spcPts val="0"/>
-              </a:spcAft>
-              <a:buClr>
-                <a:srgbClr val="000000"/>
-              </a:buClr>
-              <a:buFont typeface="Arial"/>
-              <a:defRPr sz="1400" b="0" i="0" u="none" strike="noStrike" cap="none">
-                <a:solidFill>
-                  <a:srgbClr val="000000"/>
-                </a:solidFill>
-                <a:latin typeface="Arial"/>
-                <a:ea typeface="Arial"/>
-                <a:cs typeface="Arial"/>
-                <a:sym typeface="Arial"/>
-              </a:defRPr>
-            </a:lvl7pPr>
-            <a:lvl8pPr marR="0" lvl="7" algn="l" rtl="0" eaLnBrk="1" hangingPunct="1">
-              <a:lnSpc>
-                <a:spcPct val="100000"/>
-              </a:lnSpc>
-              <a:spcBef>
-                <a:spcPts val="0"/>
-              </a:spcBef>
-              <a:spcAft>
-                <a:spcPts val="0"/>
-              </a:spcAft>
-              <a:buClr>
-                <a:srgbClr val="000000"/>
-              </a:buClr>
-              <a:buFont typeface="Arial"/>
-              <a:defRPr sz="1400" b="0" i="0" u="none" strike="noStrike" cap="none">
-                <a:solidFill>
-                  <a:srgbClr val="000000"/>
-                </a:solidFill>
-                <a:latin typeface="Arial"/>
-                <a:ea typeface="Arial"/>
-                <a:cs typeface="Arial"/>
-                <a:sym typeface="Arial"/>
-              </a:defRPr>
-            </a:lvl8pPr>
-            <a:lvl9pPr marR="0" lvl="8" algn="l" rtl="0" eaLnBrk="1" hangingPunct="1">
-              <a:lnSpc>
-                <a:spcPct val="100000"/>
-              </a:lnSpc>
-              <a:spcBef>
-                <a:spcPts val="0"/>
-              </a:spcBef>
-              <a:spcAft>
-                <a:spcPts val="0"/>
-              </a:spcAft>
-              <a:buClr>
-                <a:srgbClr val="000000"/>
-              </a:buClr>
-              <a:buFont typeface="Arial"/>
-              <a:defRPr sz="1400" b="0" i="0" u="none" strike="noStrike" cap="none">
-                <a:solidFill>
-                  <a:srgbClr val="000000"/>
-                </a:solidFill>
-                <a:latin typeface="Arial"/>
-                <a:ea typeface="Arial"/>
-                <a:cs typeface="Arial"/>
-                <a:sym typeface="Arial"/>
-              </a:defRPr>
-            </a:lvl9pPr>
-          </a:lstStyle>
-          <a:p>
-            <a:pPr marL="0" indent="0">
-              <a:spcAft>
-                <a:spcPts val="800"/>
-              </a:spcAft>
-              <a:buClr>
-                <a:srgbClr val="4A5456"/>
-              </a:buClr>
-              <a:buSzPts val="1200"/>
-              <a:buNone/>
-            </a:pPr>
-            <a:r>
-              <a:rPr lang="en-US" sz="1200" dirty="0">
-                <a:solidFill>
-                  <a:schemeClr val="tx1"/>
-                </a:solidFill>
-                <a:latin typeface="Roboto Slab Regular" panose="020B0604020202020204" charset="0"/>
-                <a:ea typeface="Roboto Slab Regular" panose="020B0604020202020204" charset="0"/>
-                <a:cs typeface="Open Sans"/>
-                <a:sym typeface="Open Sans"/>
-              </a:rPr>
-              <a:t>Chapter 1: Putting the ASP.NET Platform in Context</a:t>
-            </a:r>
-          </a:p>
-          <a:p>
-            <a:pPr marL="0" indent="0">
-              <a:spcAft>
-                <a:spcPts val="800"/>
-              </a:spcAft>
-              <a:buClr>
-                <a:srgbClr val="4A5456"/>
-              </a:buClr>
-              <a:buSzPts val="1200"/>
-              <a:buNone/>
-            </a:pPr>
-            <a:r>
-              <a:rPr lang="en-US" sz="1200" dirty="0">
-                <a:solidFill>
-                  <a:schemeClr val="tx1"/>
-                </a:solidFill>
-                <a:latin typeface="Roboto Slab Regular" panose="020B0604020202020204" charset="0"/>
-                <a:ea typeface="Roboto Slab Regular" panose="020B0604020202020204" charset="0"/>
-                <a:cs typeface="Open Sans"/>
-                <a:sym typeface="Open Sans"/>
-              </a:rPr>
-              <a:t>Chapter 2: Pattern and Tools Primer</a:t>
-            </a:r>
-          </a:p>
-          <a:p>
-            <a:pPr marL="0" indent="0">
-              <a:spcAft>
-                <a:spcPts val="800"/>
-              </a:spcAft>
-              <a:buClr>
-                <a:srgbClr val="4A5456"/>
-              </a:buClr>
-              <a:buSzPts val="1200"/>
-              <a:buNone/>
-            </a:pPr>
-            <a:r>
-              <a:rPr lang="en-US" sz="1200" dirty="0">
-                <a:solidFill>
-                  <a:schemeClr val="tx1"/>
-                </a:solidFill>
-                <a:latin typeface="Roboto Slab Regular" panose="020B0604020202020204" charset="0"/>
-                <a:ea typeface="Roboto Slab Regular" panose="020B0604020202020204" charset="0"/>
-                <a:cs typeface="Open Sans"/>
-                <a:sym typeface="Open Sans"/>
-              </a:rPr>
-              <a:t>Chapter 3: The ASP.NET Life Cycles</a:t>
-            </a:r>
-          </a:p>
-          <a:p>
-            <a:pPr marL="0" indent="0">
-              <a:spcAft>
-                <a:spcPts val="800"/>
-              </a:spcAft>
-              <a:buClr>
-                <a:srgbClr val="4A5456"/>
-              </a:buClr>
-              <a:buSzPts val="1200"/>
-              <a:buNone/>
-            </a:pPr>
-            <a:r>
-              <a:rPr lang="en-US" sz="1200" dirty="0">
-                <a:solidFill>
-                  <a:schemeClr val="tx1"/>
-                </a:solidFill>
-                <a:latin typeface="Roboto Slab Regular" panose="020B0604020202020204" charset="0"/>
-                <a:ea typeface="Roboto Slab Regular" panose="020B0604020202020204" charset="0"/>
-                <a:cs typeface="Open Sans"/>
-                <a:sym typeface="Open Sans"/>
-              </a:rPr>
-              <a:t>Chapter 4: Modules</a:t>
-            </a:r>
-          </a:p>
-          <a:p>
-            <a:pPr marL="0" indent="0">
-              <a:spcAft>
-                <a:spcPts val="800"/>
-              </a:spcAft>
-              <a:buClr>
-                <a:srgbClr val="4A5456"/>
-              </a:buClr>
-              <a:buSzPts val="1200"/>
-              <a:buNone/>
-            </a:pPr>
-            <a:r>
-              <a:rPr lang="en-US" sz="1200" dirty="0">
-                <a:solidFill>
-                  <a:schemeClr val="tx1"/>
-                </a:solidFill>
-                <a:latin typeface="Roboto Slab Regular" panose="020B0604020202020204" charset="0"/>
-                <a:ea typeface="Roboto Slab Regular" panose="020B0604020202020204" charset="0"/>
-                <a:cs typeface="Open Sans"/>
-                <a:sym typeface="Open Sans"/>
-              </a:rPr>
-              <a:t>Chapter 5: Handlers</a:t>
-            </a:r>
-          </a:p>
-          <a:p>
-            <a:pPr marL="0" indent="0">
-              <a:spcAft>
-                <a:spcPts val="800"/>
-              </a:spcAft>
-              <a:buClr>
-                <a:srgbClr val="4A5456"/>
-              </a:buClr>
-              <a:buSzPts val="1200"/>
-              <a:buNone/>
-            </a:pPr>
-            <a:r>
-              <a:rPr lang="en-US" sz="1200" dirty="0">
-                <a:solidFill>
-                  <a:schemeClr val="tx1"/>
-                </a:solidFill>
-                <a:latin typeface="Roboto Slab Regular" panose="020B0604020202020204" charset="0"/>
-                <a:ea typeface="Roboto Slab Regular" panose="020B0604020202020204" charset="0"/>
-                <a:cs typeface="Open Sans"/>
-                <a:sym typeface="Open Sans"/>
-              </a:rPr>
-              <a:t>Chapter 6: Disrupting the Request Life Cycle</a:t>
-            </a:r>
-          </a:p>
-          <a:p>
-            <a:pPr marL="0" indent="0">
-              <a:spcAft>
-                <a:spcPts val="800"/>
-              </a:spcAft>
-              <a:buClr>
-                <a:srgbClr val="4A5456"/>
-              </a:buClr>
-              <a:buSzPts val="1200"/>
-              <a:buNone/>
-            </a:pPr>
-            <a:r>
-              <a:rPr lang="en-US" sz="1200" dirty="0">
-                <a:solidFill>
-                  <a:schemeClr val="tx1"/>
-                </a:solidFill>
-                <a:latin typeface="Roboto Slab Regular" panose="020B0604020202020204" charset="0"/>
-                <a:ea typeface="Roboto Slab Regular" panose="020B0604020202020204" charset="0"/>
-                <a:cs typeface="Open Sans"/>
-                <a:sym typeface="Open Sans"/>
-              </a:rPr>
-              <a:t>Chapter 7: Detecting Device Capabilities</a:t>
-            </a:r>
-          </a:p>
-          <a:p>
-            <a:pPr marL="0" indent="0">
-              <a:spcAft>
-                <a:spcPts val="800"/>
-              </a:spcAft>
-              <a:buClr>
-                <a:srgbClr val="4A5456"/>
-              </a:buClr>
-              <a:buSzPts val="1200"/>
-              <a:buNone/>
-            </a:pPr>
-            <a:r>
-              <a:rPr lang="en-US" sz="1200" dirty="0">
-                <a:solidFill>
-                  <a:schemeClr val="tx1"/>
-                </a:solidFill>
-                <a:latin typeface="Roboto Slab Regular" panose="020B0604020202020204" charset="0"/>
-                <a:ea typeface="Roboto Slab Regular" panose="020B0604020202020204" charset="0"/>
-                <a:cs typeface="Open Sans"/>
-                <a:sym typeface="Open Sans"/>
-              </a:rPr>
-              <a:t>Chapter 8: Tracing Requests</a:t>
-            </a:r>
-          </a:p>
-          <a:p>
-            <a:pPr marL="0" indent="0">
-              <a:spcAft>
-                <a:spcPts val="800"/>
-              </a:spcAft>
-              <a:buClr>
-                <a:srgbClr val="4A5456"/>
-              </a:buClr>
-              <a:buSzPts val="1200"/>
-              <a:buNone/>
-            </a:pPr>
-            <a:r>
-              <a:rPr lang="en-US" sz="1200" dirty="0">
-                <a:solidFill>
-                  <a:schemeClr val="tx1"/>
-                </a:solidFill>
-                <a:latin typeface="Roboto Slab Regular" panose="020B0604020202020204" charset="0"/>
-                <a:ea typeface="Roboto Slab Regular" panose="020B0604020202020204" charset="0"/>
-                <a:cs typeface="Open Sans"/>
-                <a:sym typeface="Open Sans"/>
-              </a:rPr>
-              <a:t>Chapter 9: Configuration</a:t>
-            </a:r>
-          </a:p>
-          <a:p>
-            <a:pPr marL="0" indent="0">
-              <a:spcAft>
-                <a:spcPts val="800"/>
-              </a:spcAft>
-              <a:buClr>
-                <a:srgbClr val="4A5456"/>
-              </a:buClr>
-              <a:buSzPts val="1200"/>
-              <a:buNone/>
-            </a:pPr>
-            <a:r>
-              <a:rPr lang="en-US" sz="1200" dirty="0">
-                <a:solidFill>
-                  <a:schemeClr val="tx1"/>
-                </a:solidFill>
-                <a:latin typeface="Roboto Slab Regular" panose="020B0604020202020204" charset="0"/>
-                <a:ea typeface="Roboto Slab Regular" panose="020B0604020202020204" charset="0"/>
-                <a:cs typeface="Open Sans"/>
-                <a:sym typeface="Open Sans"/>
-              </a:rPr>
-              <a:t>Chapter 10: State Data</a:t>
-            </a:r>
-          </a:p>
-          <a:p>
-            <a:pPr marL="0" indent="0">
-              <a:spcAft>
-                <a:spcPts val="800"/>
-              </a:spcAft>
-              <a:buClr>
-                <a:srgbClr val="4A5456"/>
-              </a:buClr>
-              <a:buSzPts val="1200"/>
-              <a:buNone/>
-            </a:pPr>
-            <a:r>
-              <a:rPr lang="en-US" sz="1200" dirty="0">
-                <a:solidFill>
-                  <a:schemeClr val="tx1"/>
-                </a:solidFill>
-                <a:latin typeface="Roboto Slab Regular" panose="020B0604020202020204" charset="0"/>
-                <a:ea typeface="Roboto Slab Regular" panose="020B0604020202020204" charset="0"/>
-                <a:cs typeface="Open Sans"/>
-                <a:sym typeface="Open Sans"/>
-              </a:rPr>
-              <a:t>Chapter 11: Caching Data</a:t>
-            </a:r>
-          </a:p>
-          <a:p>
-            <a:pPr marL="0" indent="0">
-              <a:spcAft>
-                <a:spcPts val="800"/>
-              </a:spcAft>
-              <a:buClr>
-                <a:srgbClr val="4A5456"/>
-              </a:buClr>
-              <a:buSzPts val="1200"/>
-              <a:buNone/>
-            </a:pPr>
-            <a:r>
-              <a:rPr lang="en-US" sz="1200" dirty="0">
-                <a:solidFill>
-                  <a:schemeClr val="tx1"/>
-                </a:solidFill>
-                <a:latin typeface="Roboto Slab Regular" panose="020B0604020202020204" charset="0"/>
-                <a:ea typeface="Roboto Slab Regular" panose="020B0604020202020204" charset="0"/>
-                <a:cs typeface="Open Sans"/>
-                <a:sym typeface="Open Sans"/>
-              </a:rPr>
-              <a:t>Chapter 12: Caching Content</a:t>
-            </a:r>
-          </a:p>
-          <a:p>
-            <a:pPr marL="0" indent="0">
-              <a:spcAft>
-                <a:spcPts val="800"/>
-              </a:spcAft>
-              <a:buClr>
-                <a:srgbClr val="4A5456"/>
-              </a:buClr>
-              <a:buSzPts val="1200"/>
-              <a:buNone/>
-            </a:pPr>
-            <a:r>
-              <a:rPr lang="en-US" sz="1200" dirty="0">
-                <a:solidFill>
-                  <a:schemeClr val="tx1"/>
-                </a:solidFill>
-                <a:latin typeface="Roboto Slab Regular" panose="020B0604020202020204" charset="0"/>
-                <a:ea typeface="Roboto Slab Regular" panose="020B0604020202020204" charset="0"/>
-                <a:cs typeface="Open Sans"/>
-                <a:sym typeface="Open Sans"/>
-              </a:rPr>
-              <a:t>Chapter 13: Getting Started with Identity</a:t>
-            </a:r>
-          </a:p>
-          <a:p>
-            <a:pPr marL="0" indent="0">
-              <a:spcAft>
-                <a:spcPts val="800"/>
-              </a:spcAft>
-              <a:buClr>
-                <a:srgbClr val="4A5456"/>
-              </a:buClr>
-              <a:buSzPts val="1200"/>
-              <a:buNone/>
-            </a:pPr>
-            <a:r>
-              <a:rPr lang="en-US" sz="1200" dirty="0">
-                <a:solidFill>
-                  <a:schemeClr val="tx1"/>
-                </a:solidFill>
-                <a:latin typeface="Roboto Slab Regular" panose="020B0604020202020204" charset="0"/>
-                <a:ea typeface="Roboto Slab Regular" panose="020B0604020202020204" charset="0"/>
-                <a:cs typeface="Open Sans"/>
-                <a:sym typeface="Open Sans"/>
-              </a:rPr>
-              <a:t>Chapter 14: Applying ASP.NET Identity</a:t>
-            </a:r>
-          </a:p>
-          <a:p>
-            <a:pPr marL="0" indent="0">
-              <a:spcAft>
-                <a:spcPts val="800"/>
-              </a:spcAft>
-              <a:buClr>
-                <a:srgbClr val="4A5456"/>
-              </a:buClr>
-              <a:buSzPts val="1200"/>
-              <a:buNone/>
-            </a:pPr>
-            <a:r>
-              <a:rPr lang="en-US" sz="1200" dirty="0">
-                <a:solidFill>
-                  <a:schemeClr val="tx1"/>
-                </a:solidFill>
-                <a:latin typeface="Roboto Slab Regular" panose="020B0604020202020204" charset="0"/>
-                <a:ea typeface="Roboto Slab Regular" panose="020B0604020202020204" charset="0"/>
-                <a:cs typeface="Open Sans"/>
-                <a:sym typeface="Open Sans"/>
-              </a:rPr>
-              <a:t>Chapter 15: Advanced ASP.NET Identity</a:t>
-            </a:r>
-          </a:p>
-          <a:p>
-            <a:pPr>
-              <a:spcAft>
-                <a:spcPts val="700"/>
-              </a:spcAft>
-            </a:pPr>
-            <a:endParaRPr lang="en-US" dirty="0">
-              <a:solidFill>
-                <a:schemeClr val="lt1"/>
-              </a:solidFill>
-              <a:latin typeface="Roboto Slab Regular" panose="020B0604020202020204" charset="0"/>
-              <a:ea typeface="Roboto Slab Regular" panose="020B0604020202020204" charset="0"/>
-            </a:endParaRPr>
-          </a:p>
-        </p:txBody>
-      </p:sp>
-      <p:sp>
-        <p:nvSpPr>
-          <p:cNvPr id="4" name="Google Shape;649;p68">
-            <a:extLst>
-              <a:ext uri="{FF2B5EF4-FFF2-40B4-BE49-F238E27FC236}">
-                <a16:creationId xmlns:a16="http://schemas.microsoft.com/office/drawing/2014/main" id="{396C24D1-9C20-47CD-AB3E-89B543FAE2CE}"/>
-              </a:ext>
-            </a:extLst>
-          </p:cNvPr>
-          <p:cNvSpPr txBox="1">
-            <a:spLocks noGrp="1"/>
-          </p:cNvSpPr>
-          <p:nvPr>
-            <p:ph type="subTitle" idx="1"/>
-          </p:nvPr>
-        </p:nvSpPr>
-        <p:spPr>
-          <a:xfrm>
-            <a:off x="453600" y="886150"/>
-            <a:ext cx="2594400" cy="393600"/>
-          </a:xfrm>
-          <a:prstGeom prst="rect">
-            <a:avLst/>
-          </a:prstGeom>
-        </p:spPr>
-        <p:txBody>
-          <a:bodyPr spcFirstLastPara="1" wrap="square" lIns="91425" tIns="91425" rIns="91425" bIns="91425" anchor="t" anchorCtr="0">
-            <a:noAutofit/>
-          </a:bodyPr>
-          <a:lstStyle/>
-          <a:p>
-            <a:pPr marL="0" lvl="0" indent="0" algn="l" rtl="0">
-              <a:spcBef>
-                <a:spcPts val="0"/>
-              </a:spcBef>
-              <a:spcAft>
-                <a:spcPts val="1600"/>
-              </a:spcAft>
-              <a:buNone/>
-            </a:pPr>
-            <a:r>
-              <a:rPr lang="en" dirty="0"/>
-              <a:t>Contents</a:t>
-            </a:r>
-            <a:endParaRPr dirty="0"/>
-          </a:p>
-        </p:txBody>
-      </p:sp>
-    </p:spTree>
-    <p:extLst>
-      <p:ext uri="{BB962C8B-B14F-4D97-AF65-F5344CB8AC3E}">
-        <p14:creationId xmlns:p14="http://schemas.microsoft.com/office/powerpoint/2010/main" val="2299425351"/>
-      </p:ext>
-    </p:extLst>
-  </p:cSld>
-  <p:clrMapOvr>
-    <a:masterClrMapping/>
-  </p:clrMapOvr>
-  <p:timing>
-    <p:tnLst>
-      <p:par>
-        <p:cTn id="1" dur="indefinite" restart="never" nodeType="tmRoot">
-          <p:childTnLst>
-            <p:seq concurrent="1" nextAc="seek">
-              <p:cTn id="2" dur="indefinite" nodeType="mainSeq">
-                <p:childTnLst>
-                  <p:par>
-                    <p:cTn id="3" fill="hold">
-                      <p:stCondLst>
-                        <p:cond delay="indefinite"/>
-                      </p:stCondLst>
-                      <p:childTnLst>
-                        <p:par>
-                          <p:cTn id="4" fill="hold">
-                            <p:stCondLst>
-                              <p:cond delay="0"/>
-                            </p:stCondLst>
-                            <p:childTnLst>
-                              <p:par>
-                                <p:cTn id="5" presetID="3" presetClass="emph" presetSubtype="2" fill="hold" nodeType="clickEffect">
-                                  <p:stCondLst>
-                                    <p:cond delay="0"/>
-                                  </p:stCondLst>
-                                  <p:childTnLst>
-                                    <p:animClr clrSpc="rgb" dir="cw">
-                                      <p:cBhvr override="childStyle">
-                                        <p:cTn id="6" dur="2000" fill="hold"/>
-                                        <p:tgtEl>
-                                          <p:spTgt spid="7">
-                                            <p:txEl>
-                                              <p:pRg st="2" end="2"/>
-                                            </p:txEl>
-                                          </p:spTgt>
-                                        </p:tgtEl>
-                                        <p:attrNameLst>
-                                          <p:attrName>style.color</p:attrName>
-                                        </p:attrNameLst>
-                                      </p:cBhvr>
-                                      <p:to>
-                                        <a:srgbClr val="FF9900"/>
-                                      </p:to>
-                                    </p:animClr>
-                                  </p:childTnLst>
-                                </p:cTn>
-                              </p:par>
-                              <p:par>
-                                <p:cTn id="7" presetID="3" presetClass="emph" presetSubtype="2" fill="hold" nodeType="withEffect">
-                                  <p:stCondLst>
-                                    <p:cond delay="0"/>
-                                  </p:stCondLst>
-                                  <p:childTnLst>
-                                    <p:animClr clrSpc="rgb" dir="cw">
-                                      <p:cBhvr override="childStyle">
-                                        <p:cTn id="8" dur="2000" fill="hold"/>
-                                        <p:tgtEl>
-                                          <p:spTgt spid="7">
-                                            <p:txEl>
-                                              <p:pRg st="3" end="3"/>
-                                            </p:txEl>
-                                          </p:spTgt>
-                                        </p:tgtEl>
-                                        <p:attrNameLst>
-                                          <p:attrName>style.color</p:attrName>
-                                        </p:attrNameLst>
-                                      </p:cBhvr>
-                                      <p:to>
-                                        <a:srgbClr val="FF9900"/>
-                                      </p:to>
-                                    </p:animClr>
-                                  </p:childTnLst>
-                                </p:cTn>
-                              </p:par>
-                              <p:par>
-                                <p:cTn id="9" presetID="3" presetClass="emph" presetSubtype="2" fill="hold" nodeType="withEffect">
-                                  <p:stCondLst>
-                                    <p:cond delay="0"/>
-                                  </p:stCondLst>
-                                  <p:childTnLst>
-                                    <p:animClr clrSpc="rgb" dir="cw">
-                                      <p:cBhvr override="childStyle">
-                                        <p:cTn id="10" dur="2000" fill="hold"/>
-                                        <p:tgtEl>
-                                          <p:spTgt spid="7">
-                                            <p:txEl>
-                                              <p:pRg st="4" end="4"/>
-                                            </p:txEl>
-                                          </p:spTgt>
-                                        </p:tgtEl>
-                                        <p:attrNameLst>
-                                          <p:attrName>style.color</p:attrName>
-                                        </p:attrNameLst>
-                                      </p:cBhvr>
-                                      <p:to>
-                                        <a:srgbClr val="FF9900"/>
-                                      </p:to>
-                                    </p:animClr>
-                                  </p:childTnLst>
-                                </p:cTn>
-                              </p:par>
-                              <p:par>
-                                <p:cTn id="11" presetID="3" presetClass="emph" presetSubtype="2" fill="hold" nodeType="withEffect">
-                                  <p:stCondLst>
-                                    <p:cond delay="0"/>
-                                  </p:stCondLst>
-                                  <p:childTnLst>
-                                    <p:animClr clrSpc="rgb" dir="cw">
-                                      <p:cBhvr override="childStyle">
-                                        <p:cTn id="12" dur="2000" fill="hold"/>
-                                        <p:tgtEl>
-                                          <p:spTgt spid="7">
-                                            <p:txEl>
-                                              <p:pRg st="5" end="5"/>
-                                            </p:txEl>
-                                          </p:spTgt>
-                                        </p:tgtEl>
-                                        <p:attrNameLst>
-                                          <p:attrName>style.color</p:attrName>
-                                        </p:attrNameLst>
-                                      </p:cBhvr>
-                                      <p:to>
-                                        <a:srgbClr val="FF9900"/>
-                                      </p:to>
-                                    </p:animClr>
-                                  </p:childTnLst>
-                                </p:cTn>
-                              </p:par>
-                              <p:par>
-                                <p:cTn id="13" presetID="3" presetClass="emph" presetSubtype="2" fill="hold" nodeType="withEffect">
-                                  <p:stCondLst>
-                                    <p:cond delay="0"/>
-                                  </p:stCondLst>
-                                  <p:childTnLst>
-                                    <p:animClr clrSpc="rgb" dir="cw">
-                                      <p:cBhvr override="childStyle">
-                                        <p:cTn id="14" dur="2000" fill="hold"/>
-                                        <p:tgtEl>
-                                          <p:spTgt spid="7">
-                                            <p:txEl>
-                                              <p:pRg st="7" end="7"/>
-                                            </p:txEl>
-                                          </p:spTgt>
-                                        </p:tgtEl>
-                                        <p:attrNameLst>
-                                          <p:attrName>style.color</p:attrName>
-                                        </p:attrNameLst>
-                                      </p:cBhvr>
-                                      <p:to>
-                                        <a:srgbClr val="FF9900"/>
-                                      </p:to>
-                                    </p:animClr>
-                                  </p:childTnLst>
-                                </p:cTn>
-                              </p:par>
-                            </p:childTnLst>
-                          </p:cTn>
-                        </p:par>
-                      </p:childTnLst>
-                    </p:cTn>
-                  </p:par>
-                </p:childTnLst>
-              </p:cTn>
-              <p:prevCondLst>
-                <p:cond evt="onPrev" delay="0">
-                  <p:tgtEl>
-                    <p:sldTgt/>
-                  </p:tgtEl>
-                </p:cond>
-              </p:prevCondLst>
-              <p:nextCondLst>
-                <p:cond evt="onNext" delay="0">
-                  <p:tgtEl>
-                    <p:sldTgt/>
-                  </p:tgtEl>
-                </p:cond>
-              </p:nextCondLst>
-            </p:seq>
-          </p:childTnLst>
-        </p:cTn>
-      </p:par>
-    </p:tnLst>
-  </p:timing>
 </p:sld>
 </file>
 
@@ -16520,6 +19842,336 @@
 </file>
 
 <file path=ppt/slides/slide7.xml><?xml version="1.0" encoding="utf-8"?>
+<p:sld xmlns:a="http://schemas.openxmlformats.org/drawingml/2006/main" xmlns:r="http://schemas.openxmlformats.org/officeDocument/2006/relationships" xmlns:p="http://schemas.openxmlformats.org/presentationml/2006/main">
+  <p:cSld>
+    <p:spTree>
+      <p:nvGrpSpPr>
+        <p:cNvPr id="1" name="Shape 645"/>
+        <p:cNvGrpSpPr/>
+        <p:nvPr/>
+      </p:nvGrpSpPr>
+      <p:grpSpPr>
+        <a:xfrm>
+          <a:off x="0" y="0"/>
+          <a:ext cx="0" cy="0"/>
+          <a:chOff x="0" y="0"/>
+          <a:chExt cx="0" cy="0"/>
+        </a:xfrm>
+      </p:grpSpPr>
+      <p:sp>
+        <p:nvSpPr>
+          <p:cNvPr id="647" name="Google Shape;647;p68"/>
+          <p:cNvSpPr txBox="1">
+            <a:spLocks noGrp="1"/>
+          </p:cNvSpPr>
+          <p:nvPr>
+            <p:ph type="body" idx="2"/>
+          </p:nvPr>
+        </p:nvSpPr>
+        <p:spPr>
+          <a:xfrm>
+            <a:off x="603251" y="965200"/>
+            <a:ext cx="8426450" cy="3835400"/>
+          </a:xfrm>
+          <a:prstGeom prst="rect">
+            <a:avLst/>
+          </a:prstGeom>
+        </p:spPr>
+        <p:txBody>
+          <a:bodyPr spcFirstLastPara="1" wrap="square" lIns="91425" tIns="91425" rIns="91425" bIns="91425" anchor="t" anchorCtr="0">
+            <a:noAutofit/>
+          </a:bodyPr>
+          <a:lstStyle/>
+          <a:p>
+            <a:pPr>
+              <a:lnSpc>
+                <a:spcPct val="150000"/>
+              </a:lnSpc>
+              <a:spcAft>
+                <a:spcPts val="1600"/>
+              </a:spcAft>
+              <a:buFont typeface="Wingdings" panose="05000000000000000000" pitchFamily="2" charset="2"/>
+              <a:buChar char="ü"/>
+            </a:pPr>
+            <a:r>
+              <a:rPr lang="en-US" dirty="0">
+                <a:solidFill>
+                  <a:schemeClr val="tx1"/>
+                </a:solidFill>
+                <a:latin typeface="Roboto Slab Regular" panose="020B0604020202020204" charset="0"/>
+                <a:ea typeface="Roboto Slab Regular" panose="020B0604020202020204" charset="0"/>
+              </a:rPr>
+              <a:t>Classes that implement the </a:t>
+            </a:r>
+            <a:r>
+              <a:rPr lang="en-US" dirty="0" err="1">
+                <a:solidFill>
+                  <a:schemeClr val="tx1"/>
+                </a:solidFill>
+                <a:latin typeface="Roboto Slab Regular" panose="020B0604020202020204" charset="0"/>
+                <a:ea typeface="Roboto Slab Regular" panose="020B0604020202020204" charset="0"/>
+              </a:rPr>
+              <a:t>System.Web.IHttpHandler</a:t>
+            </a:r>
+            <a:r>
+              <a:rPr lang="en-US" dirty="0">
+                <a:solidFill>
+                  <a:schemeClr val="tx1"/>
+                </a:solidFill>
+                <a:latin typeface="Roboto Slab Regular" panose="020B0604020202020204" charset="0"/>
+                <a:ea typeface="Roboto Slab Regular" panose="020B0604020202020204" charset="0"/>
+              </a:rPr>
+              <a:t> interface and are responsible for generating the response content for an HTTP Request</a:t>
+            </a:r>
+          </a:p>
+          <a:p>
+            <a:pPr>
+              <a:lnSpc>
+                <a:spcPct val="150000"/>
+              </a:lnSpc>
+              <a:spcAft>
+                <a:spcPts val="1600"/>
+              </a:spcAft>
+              <a:buFont typeface="Wingdings" panose="05000000000000000000" pitchFamily="2" charset="2"/>
+              <a:buChar char="ü"/>
+            </a:pPr>
+            <a:r>
+              <a:rPr lang="en-US" dirty="0">
+                <a:solidFill>
+                  <a:schemeClr val="tx1"/>
+                </a:solidFill>
+                <a:latin typeface="Roboto Slab Regular" panose="020B0604020202020204" charset="0"/>
+                <a:ea typeface="Roboto Slab Regular" panose="020B0604020202020204" charset="0"/>
+              </a:rPr>
+              <a:t>As part of the </a:t>
+            </a:r>
+            <a:r>
+              <a:rPr lang="en-US" dirty="0">
+                <a:solidFill>
+                  <a:schemeClr val="accent3"/>
+                </a:solidFill>
+                <a:latin typeface="Roboto Slab Regular" panose="020B0604020202020204" charset="0"/>
+                <a:ea typeface="Roboto Slab Regular" panose="020B0604020202020204" charset="0"/>
+              </a:rPr>
+              <a:t>Request Lifecycle</a:t>
+            </a:r>
+            <a:r>
+              <a:rPr lang="en-US" dirty="0">
+                <a:solidFill>
+                  <a:schemeClr val="tx1"/>
+                </a:solidFill>
+                <a:latin typeface="Roboto Slab Regular" panose="020B0604020202020204" charset="0"/>
+                <a:ea typeface="Roboto Slab Regular" panose="020B0604020202020204" charset="0"/>
+              </a:rPr>
+              <a:t>,</a:t>
+            </a:r>
+            <a:r>
+              <a:rPr lang="en-US" dirty="0">
+                <a:solidFill>
+                  <a:schemeClr val="accent3"/>
+                </a:solidFill>
+                <a:latin typeface="Roboto Slab Regular" panose="020B0604020202020204" charset="0"/>
+                <a:ea typeface="Roboto Slab Regular" panose="020B0604020202020204" charset="0"/>
+              </a:rPr>
+              <a:t> </a:t>
+            </a:r>
+            <a:r>
+              <a:rPr lang="en-US" dirty="0">
+                <a:solidFill>
+                  <a:schemeClr val="tx1"/>
+                </a:solidFill>
+                <a:latin typeface="Roboto Slab Regular" panose="020B0604020202020204" charset="0"/>
+                <a:ea typeface="Roboto Slab Regular" panose="020B0604020202020204" charset="0"/>
+              </a:rPr>
+              <a:t>for each request, the ASP.NET Framework </a:t>
+            </a:r>
+            <a:r>
+              <a:rPr lang="en-US" b="1" dirty="0">
+                <a:solidFill>
+                  <a:schemeClr val="tx1"/>
+                </a:solidFill>
+                <a:latin typeface="Roboto Slab Regular" panose="020B0604020202020204" charset="0"/>
+                <a:ea typeface="Roboto Slab Regular" panose="020B0604020202020204" charset="0"/>
+              </a:rPr>
+              <a:t>selects a handler</a:t>
+            </a:r>
+            <a:r>
+              <a:rPr lang="en-US" dirty="0">
+                <a:solidFill>
+                  <a:schemeClr val="tx1"/>
+                </a:solidFill>
+                <a:latin typeface="Roboto Slab Regular" panose="020B0604020202020204" charset="0"/>
+                <a:ea typeface="Roboto Slab Regular" panose="020B0604020202020204" charset="0"/>
+              </a:rPr>
+              <a:t> to execute logic and generate response to the client</a:t>
+            </a:r>
+          </a:p>
+          <a:p>
+            <a:pPr>
+              <a:lnSpc>
+                <a:spcPct val="150000"/>
+              </a:lnSpc>
+              <a:spcAft>
+                <a:spcPts val="1600"/>
+              </a:spcAft>
+              <a:buFont typeface="Wingdings" panose="05000000000000000000" pitchFamily="2" charset="2"/>
+              <a:buChar char="ü"/>
+            </a:pPr>
+            <a:r>
+              <a:rPr lang="en-US" dirty="0">
+                <a:solidFill>
+                  <a:schemeClr val="tx1"/>
+                </a:solidFill>
+                <a:latin typeface="Roboto Slab Regular" panose="020B0604020202020204" charset="0"/>
+                <a:ea typeface="Roboto Slab Regular" panose="020B0604020202020204" charset="0"/>
+              </a:rPr>
+              <a:t>Example: The MVC Framework uses a handler to manage the process of selecting and invoking an action method and rendering a view to generate response content</a:t>
+            </a:r>
+          </a:p>
+          <a:p>
+            <a:pPr>
+              <a:lnSpc>
+                <a:spcPct val="150000"/>
+              </a:lnSpc>
+              <a:spcAft>
+                <a:spcPts val="1600"/>
+              </a:spcAft>
+              <a:buFont typeface="Wingdings" panose="05000000000000000000" pitchFamily="2" charset="2"/>
+              <a:buChar char="ü"/>
+            </a:pPr>
+            <a:r>
+              <a:rPr lang="en-US" dirty="0">
+                <a:solidFill>
+                  <a:schemeClr val="tx1"/>
+                </a:solidFill>
+                <a:latin typeface="Roboto Slab Regular" panose="020B0604020202020204" charset="0"/>
+                <a:ea typeface="Roboto Slab Regular" panose="020B0604020202020204" charset="0"/>
+              </a:rPr>
+              <a:t>Default MVC Handler (</a:t>
+            </a:r>
+            <a:r>
+              <a:rPr lang="en-US" i="1" dirty="0" err="1">
+                <a:solidFill>
+                  <a:schemeClr val="tx1"/>
+                </a:solidFill>
+                <a:latin typeface="Roboto Slab Regular" panose="020B0604020202020204" charset="0"/>
+                <a:ea typeface="Roboto Slab Regular" panose="020B0604020202020204" charset="0"/>
+              </a:rPr>
+              <a:t>System.Web.Mvc.MvcHandler</a:t>
+            </a:r>
+            <a:r>
+              <a:rPr lang="en-US" dirty="0">
+                <a:solidFill>
+                  <a:schemeClr val="tx1"/>
+                </a:solidFill>
+                <a:latin typeface="Roboto Slab Regular" panose="020B0604020202020204" charset="0"/>
+                <a:ea typeface="Roboto Slab Regular" panose="020B0604020202020204" charset="0"/>
+              </a:rPr>
+              <a:t>) Custom Handlers, Handler Factories</a:t>
+            </a:r>
+            <a:endParaRPr lang="en-US" i="1" dirty="0">
+              <a:solidFill>
+                <a:schemeClr val="tx1"/>
+              </a:solidFill>
+              <a:latin typeface="Roboto Slab Regular" panose="020B0604020202020204" charset="0"/>
+              <a:ea typeface="Roboto Slab Regular" panose="020B0604020202020204" charset="0"/>
+            </a:endParaRPr>
+          </a:p>
+          <a:p>
+            <a:pPr>
+              <a:lnSpc>
+                <a:spcPct val="150000"/>
+              </a:lnSpc>
+              <a:spcAft>
+                <a:spcPts val="1600"/>
+              </a:spcAft>
+              <a:buFont typeface="Wingdings" panose="05000000000000000000" pitchFamily="2" charset="2"/>
+              <a:buChar char="ü"/>
+            </a:pPr>
+            <a:endParaRPr lang="en-US" dirty="0">
+              <a:solidFill>
+                <a:schemeClr val="tx1"/>
+              </a:solidFill>
+              <a:latin typeface="Roboto Slab Regular" panose="020B0604020202020204" charset="0"/>
+              <a:ea typeface="Roboto Slab Regular" panose="020B0604020202020204" charset="0"/>
+            </a:endParaRPr>
+          </a:p>
+          <a:p>
+            <a:pPr>
+              <a:lnSpc>
+                <a:spcPct val="150000"/>
+              </a:lnSpc>
+              <a:spcAft>
+                <a:spcPts val="1600"/>
+              </a:spcAft>
+              <a:buFont typeface="Wingdings" panose="05000000000000000000" pitchFamily="2" charset="2"/>
+              <a:buChar char="ü"/>
+            </a:pPr>
+            <a:endParaRPr lang="en-US" dirty="0">
+              <a:solidFill>
+                <a:schemeClr val="tx1"/>
+              </a:solidFill>
+              <a:latin typeface="Roboto Slab Regular" panose="020B0604020202020204" charset="0"/>
+              <a:ea typeface="Roboto Slab Regular" panose="020B0604020202020204" charset="0"/>
+            </a:endParaRPr>
+          </a:p>
+        </p:txBody>
+      </p:sp>
+      <p:sp>
+        <p:nvSpPr>
+          <p:cNvPr id="648" name="Google Shape;648;p68"/>
+          <p:cNvSpPr txBox="1">
+            <a:spLocks noGrp="1"/>
+          </p:cNvSpPr>
+          <p:nvPr>
+            <p:ph type="title"/>
+          </p:nvPr>
+        </p:nvSpPr>
+        <p:spPr>
+          <a:xfrm>
+            <a:off x="453600" y="413350"/>
+            <a:ext cx="8236800" cy="531300"/>
+          </a:xfrm>
+          <a:prstGeom prst="rect">
+            <a:avLst/>
+          </a:prstGeom>
+        </p:spPr>
+        <p:txBody>
+          <a:bodyPr spcFirstLastPara="1" wrap="square" lIns="91425" tIns="91425" rIns="91425" bIns="91425" anchor="ctr" anchorCtr="0">
+            <a:noAutofit/>
+          </a:bodyPr>
+          <a:lstStyle/>
+          <a:p>
+            <a:pPr marL="0" lvl="0" indent="0" algn="l" rtl="0">
+              <a:spcBef>
+                <a:spcPts val="0"/>
+              </a:spcBef>
+              <a:spcAft>
+                <a:spcPts val="0"/>
+              </a:spcAft>
+              <a:buNone/>
+            </a:pPr>
+            <a:r>
+              <a:rPr lang="en-US" sz="3600" dirty="0"/>
+              <a:t>Handlers – Selecting the Handler</a:t>
+            </a:r>
+          </a:p>
+        </p:txBody>
+      </p:sp>
+    </p:spTree>
+    <p:extLst>
+      <p:ext uri="{BB962C8B-B14F-4D97-AF65-F5344CB8AC3E}">
+        <p14:creationId xmlns:p14="http://schemas.microsoft.com/office/powerpoint/2010/main" val="3283785537"/>
+      </p:ext>
+    </p:extLst>
+  </p:cSld>
+  <p:clrMapOvr>
+    <a:masterClrMapping/>
+  </p:clrMapOvr>
+</p:sld>
+</file>
+
+<file path=ppt/slides/slide8.xml><?xml version="1.0" encoding="utf-8"?>
 <p:sld xmlns:a="http://schemas.openxmlformats.org/drawingml/2006/main" xmlns:r="http://schemas.openxmlformats.org/officeDocument/2006/relationships" xmlns:p="http://schemas.openxmlformats.org/presentationml/2006/main">
   <p:cSld>
     <p:spTree>
@@ -19309,7 +22961,7 @@
                   <a:latin typeface="Roboto Slab Regular" panose="020B0604020202020204" charset="0"/>
                   <a:ea typeface="Roboto Slab Regular" panose="020B0604020202020204" charset="0"/>
                 </a:rPr>
-                <a:t>Demos shown with IIS 10 and .NET Framework 4.7.2</a:t>
+                <a:t>Demos shown with IIS Express and .NET Framework 4.7.2</a:t>
               </a:r>
             </a:p>
           </p:txBody>
@@ -20559,7 +24211,7 @@
 </p:sld>
 </file>
 
-<file path=ppt/slides/slide8.xml><?xml version="1.0" encoding="utf-8"?>
+<file path=ppt/slides/slide9.xml><?xml version="1.0" encoding="utf-8"?>
 <p:sld xmlns:a="http://schemas.openxmlformats.org/drawingml/2006/main" xmlns:r="http://schemas.openxmlformats.org/officeDocument/2006/relationships" xmlns:p="http://schemas.openxmlformats.org/presentationml/2006/main">
   <p:cSld>
     <p:spTree>
@@ -21487,411 +25139,6 @@
     <p:extLst>
       <p:ext uri="{BB962C8B-B14F-4D97-AF65-F5344CB8AC3E}">
         <p14:creationId xmlns:p14="http://schemas.microsoft.com/office/powerpoint/2010/main" val="4231763408"/>
-      </p:ext>
-    </p:extLst>
-  </p:cSld>
-  <p:clrMapOvr>
-    <a:masterClrMapping/>
-  </p:clrMapOvr>
-</p:sld>
-</file>
-
-<file path=ppt/slides/slide9.xml><?xml version="1.0" encoding="utf-8"?>
-<p:sld xmlns:a="http://schemas.openxmlformats.org/drawingml/2006/main" xmlns:r="http://schemas.openxmlformats.org/officeDocument/2006/relationships" xmlns:p="http://schemas.openxmlformats.org/presentationml/2006/main">
-  <p:cSld>
-    <p:spTree>
-      <p:nvGrpSpPr>
-        <p:cNvPr id="1" name="Shape 645"/>
-        <p:cNvGrpSpPr/>
-        <p:nvPr/>
-      </p:nvGrpSpPr>
-      <p:grpSpPr>
-        <a:xfrm>
-          <a:off x="0" y="0"/>
-          <a:ext cx="0" cy="0"/>
-          <a:chOff x="0" y="0"/>
-          <a:chExt cx="0" cy="0"/>
-        </a:xfrm>
-      </p:grpSpPr>
-      <p:sp>
-        <p:nvSpPr>
-          <p:cNvPr id="647" name="Google Shape;647;p68"/>
-          <p:cNvSpPr txBox="1">
-            <a:spLocks noGrp="1"/>
-          </p:cNvSpPr>
-          <p:nvPr>
-            <p:ph type="body" idx="2"/>
-          </p:nvPr>
-        </p:nvSpPr>
-        <p:spPr>
-          <a:xfrm>
-            <a:off x="260350" y="850900"/>
-            <a:ext cx="8763001" cy="4044950"/>
-          </a:xfrm>
-          <a:prstGeom prst="rect">
-            <a:avLst/>
-          </a:prstGeom>
-        </p:spPr>
-        <p:txBody>
-          <a:bodyPr spcFirstLastPara="1" wrap="square" lIns="91425" tIns="91425" rIns="91425" bIns="91425" anchor="t" anchorCtr="0">
-            <a:noAutofit/>
-          </a:bodyPr>
-          <a:lstStyle/>
-          <a:p>
-            <a:pPr>
-              <a:lnSpc>
-                <a:spcPct val="150000"/>
-              </a:lnSpc>
-              <a:spcAft>
-                <a:spcPts val="1600"/>
-              </a:spcAft>
-              <a:buFont typeface="Wingdings" panose="05000000000000000000" pitchFamily="2" charset="2"/>
-              <a:buChar char="ü"/>
-            </a:pPr>
-            <a:r>
-              <a:rPr lang="en-US" dirty="0">
-                <a:solidFill>
-                  <a:schemeClr val="tx1"/>
-                </a:solidFill>
-                <a:latin typeface="Roboto Slab Regular" panose="020B0604020202020204" charset="0"/>
-                <a:ea typeface="Roboto Slab Regular" panose="020B0604020202020204" charset="0"/>
-              </a:rPr>
-              <a:t>Classes that implement the </a:t>
-            </a:r>
-            <a:r>
-              <a:rPr lang="en-US" dirty="0" err="1">
-                <a:solidFill>
-                  <a:schemeClr val="tx1"/>
-                </a:solidFill>
-                <a:latin typeface="Roboto Slab Regular" panose="020B0604020202020204" charset="0"/>
-                <a:ea typeface="Roboto Slab Regular" panose="020B0604020202020204" charset="0"/>
-              </a:rPr>
-              <a:t>System.Web.IHttpModule</a:t>
-            </a:r>
-            <a:r>
-              <a:rPr lang="en-US" dirty="0">
-                <a:solidFill>
-                  <a:schemeClr val="tx1"/>
-                </a:solidFill>
-                <a:latin typeface="Roboto Slab Regular" panose="020B0604020202020204" charset="0"/>
-                <a:ea typeface="Roboto Slab Regular" panose="020B0604020202020204" charset="0"/>
-              </a:rPr>
-              <a:t> interface used to monitor/manipulate requests/responses</a:t>
-            </a:r>
-          </a:p>
-          <a:p>
-            <a:pPr>
-              <a:lnSpc>
-                <a:spcPct val="150000"/>
-              </a:lnSpc>
-              <a:spcAft>
-                <a:spcPts val="1600"/>
-              </a:spcAft>
-              <a:buFont typeface="Wingdings" panose="05000000000000000000" pitchFamily="2" charset="2"/>
-              <a:buChar char="ü"/>
-            </a:pPr>
-            <a:r>
-              <a:rPr lang="en-US" dirty="0">
-                <a:solidFill>
-                  <a:schemeClr val="tx1"/>
-                </a:solidFill>
-                <a:latin typeface="Roboto Slab Regular" panose="020B0604020202020204" charset="0"/>
-                <a:ea typeface="Roboto Slab Regular" panose="020B0604020202020204" charset="0"/>
-              </a:rPr>
-              <a:t>Provide services such as Caching, Security, State Management or used for Diagnosis, Debugging, Logging, Custom Content Processing, Adding Customized Headers/Footers</a:t>
-            </a:r>
-          </a:p>
-          <a:p>
-            <a:pPr>
-              <a:lnSpc>
-                <a:spcPct val="150000"/>
-              </a:lnSpc>
-              <a:spcAft>
-                <a:spcPts val="1600"/>
-              </a:spcAft>
-              <a:buFont typeface="Wingdings" panose="05000000000000000000" pitchFamily="2" charset="2"/>
-              <a:buChar char="ü"/>
-            </a:pPr>
-            <a:r>
-              <a:rPr lang="en-US" dirty="0">
-                <a:solidFill>
-                  <a:schemeClr val="tx1"/>
-                </a:solidFill>
-                <a:latin typeface="Roboto Slab Regular" panose="020B0604020202020204" charset="0"/>
-                <a:ea typeface="Roboto Slab Regular" panose="020B0604020202020204" charset="0"/>
-              </a:rPr>
-              <a:t>Subscribe for and handle </a:t>
-            </a:r>
-            <a:r>
-              <a:rPr lang="en-US" dirty="0">
-                <a:solidFill>
-                  <a:schemeClr val="accent3"/>
-                </a:solidFill>
-                <a:latin typeface="Roboto Slab Regular" panose="020B0604020202020204" charset="0"/>
-                <a:ea typeface="Roboto Slab Regular" panose="020B0604020202020204" charset="0"/>
-              </a:rPr>
-              <a:t>Request Lifecycle</a:t>
-            </a:r>
-            <a:r>
-              <a:rPr lang="en-US" dirty="0">
-                <a:solidFill>
-                  <a:schemeClr val="tx1"/>
-                </a:solidFill>
-                <a:latin typeface="Roboto Slab Regular" panose="020B0604020202020204" charset="0"/>
-                <a:ea typeface="Roboto Slab Regular" panose="020B0604020202020204" charset="0"/>
-              </a:rPr>
-              <a:t> </a:t>
-            </a:r>
-            <a:r>
-              <a:rPr lang="en-US" dirty="0">
-                <a:solidFill>
-                  <a:schemeClr val="accent3"/>
-                </a:solidFill>
-                <a:latin typeface="Roboto Slab Regular" panose="020B0604020202020204" charset="0"/>
-                <a:ea typeface="Roboto Slab Regular" panose="020B0604020202020204" charset="0"/>
-              </a:rPr>
-              <a:t>events</a:t>
-            </a:r>
-            <a:r>
-              <a:rPr lang="en-US" dirty="0">
-                <a:solidFill>
-                  <a:schemeClr val="tx1"/>
-                </a:solidFill>
-                <a:latin typeface="Roboto Slab Regular" panose="020B0604020202020204" charset="0"/>
-                <a:ea typeface="Roboto Slab Regular" panose="020B0604020202020204" charset="0"/>
-              </a:rPr>
-              <a:t> =&gt; action mechanism for monitoring/manipulating requests/responses</a:t>
-            </a:r>
-          </a:p>
-          <a:p>
-            <a:pPr>
-              <a:lnSpc>
-                <a:spcPct val="150000"/>
-              </a:lnSpc>
-              <a:spcAft>
-                <a:spcPts val="1600"/>
-              </a:spcAft>
-              <a:buFont typeface="Wingdings" panose="05000000000000000000" pitchFamily="2" charset="2"/>
-              <a:buChar char="ü"/>
-            </a:pPr>
-            <a:r>
-              <a:rPr lang="en-US" dirty="0">
-                <a:solidFill>
-                  <a:schemeClr val="tx1"/>
-                </a:solidFill>
-                <a:latin typeface="Roboto Slab Regular" panose="020B0604020202020204" charset="0"/>
-                <a:ea typeface="Roboto Slab Regular" panose="020B0604020202020204" charset="0"/>
-              </a:rPr>
-              <a:t>Subscribe for and handle </a:t>
-            </a:r>
-            <a:r>
-              <a:rPr lang="en-US" dirty="0">
-                <a:solidFill>
-                  <a:schemeClr val="accent3"/>
-                </a:solidFill>
-                <a:latin typeface="Roboto Slab Regular" panose="020B0604020202020204" charset="0"/>
-                <a:ea typeface="Roboto Slab Regular" panose="020B0604020202020204" charset="0"/>
-              </a:rPr>
-              <a:t>events</a:t>
-            </a:r>
-            <a:r>
-              <a:rPr lang="en-US" dirty="0">
-                <a:solidFill>
-                  <a:schemeClr val="tx1"/>
-                </a:solidFill>
-                <a:latin typeface="Roboto Slab Regular" panose="020B0604020202020204" charset="0"/>
-                <a:ea typeface="Roboto Slab Regular" panose="020B0604020202020204" charset="0"/>
-              </a:rPr>
-              <a:t> raised by other modules as well as raise custom </a:t>
-            </a:r>
-            <a:r>
-              <a:rPr lang="en-US" dirty="0">
-                <a:solidFill>
-                  <a:schemeClr val="accent3"/>
-                </a:solidFill>
-                <a:latin typeface="Roboto Slab Regular" panose="020B0604020202020204" charset="0"/>
-                <a:ea typeface="Roboto Slab Regular" panose="020B0604020202020204" charset="0"/>
-              </a:rPr>
-              <a:t>events</a:t>
-            </a:r>
-            <a:r>
-              <a:rPr lang="en-US" dirty="0">
-                <a:solidFill>
-                  <a:schemeClr val="tx1"/>
-                </a:solidFill>
-                <a:latin typeface="Roboto Slab Regular" panose="020B0604020202020204" charset="0"/>
-                <a:ea typeface="Roboto Slab Regular" panose="020B0604020202020204" charset="0"/>
-              </a:rPr>
-              <a:t> =&gt; mechanism for coordination and data sharing between different modules </a:t>
-            </a:r>
-          </a:p>
-          <a:p>
-            <a:pPr>
-              <a:lnSpc>
-                <a:spcPct val="150000"/>
-              </a:lnSpc>
-              <a:spcAft>
-                <a:spcPts val="1600"/>
-              </a:spcAft>
-              <a:buFont typeface="Wingdings" panose="05000000000000000000" pitchFamily="2" charset="2"/>
-              <a:buChar char="ü"/>
-            </a:pPr>
-            <a:r>
-              <a:rPr lang="en-US" dirty="0">
-                <a:solidFill>
-                  <a:schemeClr val="tx1"/>
-                </a:solidFill>
-                <a:latin typeface="Roboto Slab Regular" panose="020B0604020202020204" charset="0"/>
-                <a:ea typeface="Roboto Slab Regular" panose="020B0604020202020204" charset="0"/>
-              </a:rPr>
-              <a:t>Each Global Application class instance is given its own set of modules =&gt; multiple instances of the same module can exist simultaneously. Each module</a:t>
-            </a:r>
-            <a:r>
-              <a:rPr lang="it-IT" dirty="0">
-                <a:solidFill>
-                  <a:schemeClr val="tx1"/>
-                </a:solidFill>
-                <a:latin typeface="Roboto Slab Regular" panose="020B0604020202020204" charset="0"/>
-                <a:ea typeface="Roboto Slab Regular" panose="020B0604020202020204" charset="0"/>
-              </a:rPr>
-              <a:t> </a:t>
-            </a:r>
-            <a:r>
-              <a:rPr lang="en-US" dirty="0">
-                <a:solidFill>
-                  <a:schemeClr val="tx1"/>
-                </a:solidFill>
-                <a:latin typeface="Roboto Slab Regular" panose="020B0604020202020204" charset="0"/>
-                <a:ea typeface="Roboto Slab Regular" panose="020B0604020202020204" charset="0"/>
-              </a:rPr>
-              <a:t>instance can handle multiple requests, but sequentially</a:t>
-            </a:r>
-          </a:p>
-          <a:p>
-            <a:pPr>
-              <a:lnSpc>
-                <a:spcPct val="150000"/>
-              </a:lnSpc>
-              <a:spcAft>
-                <a:spcPts val="1600"/>
-              </a:spcAft>
-              <a:buFont typeface="Wingdings" panose="05000000000000000000" pitchFamily="2" charset="2"/>
-              <a:buChar char="ü"/>
-            </a:pPr>
-            <a:r>
-              <a:rPr lang="en-US" dirty="0">
-                <a:solidFill>
-                  <a:schemeClr val="tx1"/>
-                </a:solidFill>
-                <a:latin typeface="Roboto Slab Regular" panose="020B0604020202020204" charset="0"/>
-                <a:ea typeface="Roboto Slab Regular" panose="020B0604020202020204" charset="0"/>
-              </a:rPr>
-              <a:t>Custom Modules and Built-in modules: </a:t>
-            </a:r>
-            <a:r>
-              <a:rPr lang="en-US" dirty="0">
-                <a:solidFill>
-                  <a:schemeClr val="tx1"/>
-                </a:solidFill>
-                <a:latin typeface="Roboto Slab Regular" panose="020B0604020202020204" charset="0"/>
-                <a:ea typeface="Roboto Slab Regular" panose="020B0604020202020204" charset="0"/>
-                <a:hlinkClick r:id="rId3"/>
-              </a:rPr>
-              <a:t>https://docs.microsoft.com/en-us/iis/get-started/introduction-to-iis/iis-modules-overview</a:t>
-            </a:r>
-            <a:endParaRPr lang="en-US" dirty="0">
-              <a:solidFill>
-                <a:schemeClr val="tx1"/>
-              </a:solidFill>
-              <a:latin typeface="Roboto Slab Regular" panose="020B0604020202020204" charset="0"/>
-              <a:ea typeface="Roboto Slab Regular" panose="020B0604020202020204" charset="0"/>
-            </a:endParaRPr>
-          </a:p>
-          <a:p>
-            <a:pPr>
-              <a:lnSpc>
-                <a:spcPct val="150000"/>
-              </a:lnSpc>
-              <a:spcAft>
-                <a:spcPts val="1600"/>
-              </a:spcAft>
-              <a:buFont typeface="Wingdings" panose="05000000000000000000" pitchFamily="2" charset="2"/>
-              <a:buChar char="ü"/>
-            </a:pPr>
-            <a:endParaRPr lang="en-US" dirty="0">
-              <a:solidFill>
-                <a:schemeClr val="tx1"/>
-              </a:solidFill>
-              <a:latin typeface="Roboto Slab Regular" panose="020B0604020202020204" charset="0"/>
-              <a:ea typeface="Roboto Slab Regular" panose="020B0604020202020204" charset="0"/>
-            </a:endParaRPr>
-          </a:p>
-          <a:p>
-            <a:pPr>
-              <a:lnSpc>
-                <a:spcPct val="150000"/>
-              </a:lnSpc>
-              <a:spcAft>
-                <a:spcPts val="1600"/>
-              </a:spcAft>
-              <a:buFont typeface="Wingdings" panose="05000000000000000000" pitchFamily="2" charset="2"/>
-              <a:buChar char="ü"/>
-            </a:pPr>
-            <a:endParaRPr lang="en-US" dirty="0">
-              <a:solidFill>
-                <a:schemeClr val="tx1"/>
-              </a:solidFill>
-              <a:latin typeface="Roboto Slab Regular" panose="020B0604020202020204" charset="0"/>
-              <a:ea typeface="Roboto Slab Regular" panose="020B0604020202020204" charset="0"/>
-            </a:endParaRPr>
-          </a:p>
-        </p:txBody>
-      </p:sp>
-      <p:sp>
-        <p:nvSpPr>
-          <p:cNvPr id="648" name="Google Shape;648;p68"/>
-          <p:cNvSpPr txBox="1">
-            <a:spLocks noGrp="1"/>
-          </p:cNvSpPr>
-          <p:nvPr>
-            <p:ph type="title"/>
-          </p:nvPr>
-        </p:nvSpPr>
-        <p:spPr>
-          <a:xfrm>
-            <a:off x="453600" y="413350"/>
-            <a:ext cx="8236800" cy="531300"/>
-          </a:xfrm>
-          <a:prstGeom prst="rect">
-            <a:avLst/>
-          </a:prstGeom>
-        </p:spPr>
-        <p:txBody>
-          <a:bodyPr spcFirstLastPara="1" wrap="square" lIns="91425" tIns="91425" rIns="91425" bIns="91425" anchor="ctr" anchorCtr="0">
-            <a:noAutofit/>
-          </a:bodyPr>
-          <a:lstStyle/>
-          <a:p>
-            <a:pPr marL="0" lvl="0" indent="0" algn="l" rtl="0">
-              <a:spcBef>
-                <a:spcPts val="0"/>
-              </a:spcBef>
-              <a:spcAft>
-                <a:spcPts val="0"/>
-              </a:spcAft>
-              <a:buNone/>
-            </a:pPr>
-            <a:r>
-              <a:rPr lang="en-US" sz="3600" dirty="0"/>
-              <a:t>Modules</a:t>
-            </a:r>
-          </a:p>
-        </p:txBody>
-      </p:sp>
-    </p:spTree>
-    <p:extLst>
-      <p:ext uri="{BB962C8B-B14F-4D97-AF65-F5344CB8AC3E}">
-        <p14:creationId xmlns:p14="http://schemas.microsoft.com/office/powerpoint/2010/main" val="4157093812"/>
       </p:ext>
     </p:extLst>
   </p:cSld>

--- a/FourthPresentation.pptx
+++ b/FourthPresentation.pptx
@@ -12767,8 +12767,8 @@
         </p:nvSpPr>
         <p:spPr>
           <a:xfrm>
-            <a:off x="603251" y="1333500"/>
-            <a:ext cx="7854949" cy="1962150"/>
+            <a:off x="603251" y="1327150"/>
+            <a:ext cx="7854949" cy="1600200"/>
           </a:xfrm>
           <a:prstGeom prst="rect">
             <a:avLst/>
@@ -12781,9 +12781,6 @@
           <a:lstStyle/>
           <a:p>
             <a:pPr>
-              <a:lnSpc>
-                <a:spcPct val="150000"/>
-              </a:lnSpc>
               <a:spcAft>
                 <a:spcPts val="1600"/>
               </a:spcAft>
@@ -12803,9 +12800,6 @@
           </a:p>
           <a:p>
             <a:pPr>
-              <a:lnSpc>
-                <a:spcPct val="150000"/>
-              </a:lnSpc>
               <a:spcAft>
                 <a:spcPts val="1600"/>
               </a:spcAft>
@@ -12825,9 +12819,6 @@
           </a:p>
           <a:p>
             <a:pPr>
-              <a:lnSpc>
-                <a:spcPct val="150000"/>
-              </a:lnSpc>
               <a:spcAft>
                 <a:spcPts val="1600"/>
               </a:spcAft>
@@ -12847,9 +12838,6 @@
           </a:p>
           <a:p>
             <a:pPr>
-              <a:lnSpc>
-                <a:spcPct val="150000"/>
-              </a:lnSpc>
               <a:spcAft>
                 <a:spcPts val="1600"/>
               </a:spcAft>
@@ -12957,7 +12945,7 @@
         </p:nvSpPr>
         <p:spPr>
           <a:xfrm>
-            <a:off x="453600" y="975050"/>
+            <a:off x="453600" y="924250"/>
             <a:ext cx="8236800" cy="393600"/>
           </a:xfrm>
           <a:prstGeom prst="rect">
@@ -13002,7 +12990,7 @@
         </p:nvSpPr>
         <p:spPr>
           <a:xfrm>
-            <a:off x="453600" y="3349950"/>
+            <a:off x="453600" y="2880050"/>
             <a:ext cx="8236800" cy="393600"/>
           </a:xfrm>
           <a:prstGeom prst="rect">
@@ -13293,8 +13281,8 @@
         </p:nvSpPr>
         <p:spPr>
           <a:xfrm>
-            <a:off x="644525" y="3727450"/>
-            <a:ext cx="7854949" cy="863600"/>
+            <a:off x="644525" y="3251200"/>
+            <a:ext cx="7854949" cy="1778000"/>
           </a:xfrm>
           <a:prstGeom prst="rect">
             <a:avLst/>
@@ -13557,9 +13545,6 @@
           </a:lstStyle>
           <a:p>
             <a:pPr>
-              <a:lnSpc>
-                <a:spcPct val="150000"/>
-              </a:lnSpc>
               <a:spcAft>
                 <a:spcPts val="1600"/>
               </a:spcAft>
@@ -13597,9 +13582,6 @@
           </a:p>
           <a:p>
             <a:pPr>
-              <a:lnSpc>
-                <a:spcPct val="150000"/>
-              </a:lnSpc>
               <a:spcAft>
                 <a:spcPts val="1600"/>
               </a:spcAft>
@@ -13614,27 +13596,76 @@
                 <a:latin typeface="Roboto Slab Regular" panose="020B0604020202020204" charset="0"/>
                 <a:ea typeface="Roboto Slab Regular" panose="020B0604020202020204" charset="0"/>
               </a:rPr>
-              <a:t> Provides a level of detail that is beyond the built-in tracing feature</a:t>
+              <a:t>Provides a level of detail that is beyond the built-in tracing feature</a:t>
             </a:r>
           </a:p>
           <a:p>
             <a:pPr>
-              <a:lnSpc>
-                <a:spcPct val="150000"/>
-              </a:lnSpc>
               <a:spcAft>
                 <a:spcPts val="1600"/>
               </a:spcAft>
               <a:buFont typeface="Wingdings" panose="05000000000000000000" pitchFamily="2" charset="2"/>
               <a:buChar char="ü"/>
             </a:pPr>
-            <a:endParaRPr lang="en-US" dirty="0">
-              <a:solidFill>
-                <a:schemeClr val="tx1"/>
-              </a:solidFill>
-              <a:latin typeface="Roboto Slab Regular" panose="020B0604020202020204" charset="0"/>
-              <a:ea typeface="Roboto Slab Regular" panose="020B0604020202020204" charset="0"/>
-            </a:endParaRPr>
+            <a:r>
+              <a:rPr lang="en-US" dirty="0">
+                <a:solidFill>
+                  <a:schemeClr val="tx1"/>
+                </a:solidFill>
+                <a:latin typeface="Roboto Slab Regular" panose="020B0604020202020204" charset="0"/>
+                <a:ea typeface="Roboto Slab Regular" panose="020B0604020202020204" charset="0"/>
+              </a:rPr>
+              <a:t>Available as a </a:t>
+            </a:r>
+            <a:r>
+              <a:rPr lang="en-US" dirty="0" err="1">
+                <a:solidFill>
+                  <a:schemeClr val="tx1"/>
+                </a:solidFill>
+                <a:latin typeface="Roboto Slab Regular" panose="020B0604020202020204" charset="0"/>
+                <a:ea typeface="Roboto Slab Regular" panose="020B0604020202020204" charset="0"/>
+              </a:rPr>
+              <a:t>Nuget</a:t>
+            </a:r>
+            <a:r>
+              <a:rPr lang="en-US" dirty="0">
+                <a:solidFill>
+                  <a:schemeClr val="tx1"/>
+                </a:solidFill>
+                <a:latin typeface="Roboto Slab Regular" panose="020B0604020202020204" charset="0"/>
+                <a:ea typeface="Roboto Slab Regular" panose="020B0604020202020204" charset="0"/>
+              </a:rPr>
+              <a:t> Package: </a:t>
+            </a:r>
+            <a:r>
+              <a:rPr lang="en-US" sz="1000" dirty="0">
+                <a:solidFill>
+                  <a:schemeClr val="tx1"/>
+                </a:solidFill>
+                <a:latin typeface="Consolas" panose="020B0609020204030204" pitchFamily="49" charset="0"/>
+                <a:ea typeface="Roboto Slab Regular" panose="020B0604020202020204" charset="0"/>
+              </a:rPr>
+              <a:t>Install-Package Glimpse.MVC5</a:t>
+            </a:r>
+          </a:p>
+          <a:p>
+            <a:pPr>
+              <a:spcAft>
+                <a:spcPts val="1600"/>
+              </a:spcAft>
+              <a:buFont typeface="Wingdings" panose="05000000000000000000" pitchFamily="2" charset="2"/>
+              <a:buChar char="ü"/>
+            </a:pPr>
+            <a:r>
+              <a:rPr lang="en-US" dirty="0">
+                <a:solidFill>
+                  <a:schemeClr val="tx1"/>
+                </a:solidFill>
+                <a:latin typeface="Roboto Slab Regular" panose="020B0604020202020204" charset="0"/>
+                <a:ea typeface="Roboto Slab Regular" panose="020B0604020202020204" charset="0"/>
+              </a:rPr>
+              <a:t>Large catalogue of Glimpse monitoring extensions available</a:t>
+            </a:r>
           </a:p>
         </p:txBody>
       </p:sp>

--- a/FourthPresentation.pptx
+++ b/FourthPresentation.pptx
@@ -14,10 +14,10 @@
     <p:sldId id="326" r:id="rId5"/>
     <p:sldId id="330" r:id="rId6"/>
     <p:sldId id="331" r:id="rId7"/>
-    <p:sldId id="334" r:id="rId8"/>
-    <p:sldId id="327" r:id="rId9"/>
-    <p:sldId id="328" r:id="rId10"/>
-    <p:sldId id="329" r:id="rId11"/>
+    <p:sldId id="327" r:id="rId8"/>
+    <p:sldId id="328" r:id="rId9"/>
+    <p:sldId id="329" r:id="rId10"/>
+    <p:sldId id="334" r:id="rId11"/>
     <p:sldId id="332" r:id="rId12"/>
     <p:sldId id="333" r:id="rId13"/>
     <p:sldId id="309" r:id="rId14"/>
@@ -1689,7 +1689,7 @@
     </p:spTree>
     <p:extLst>
       <p:ext uri="{BB962C8B-B14F-4D97-AF65-F5344CB8AC3E}">
-        <p14:creationId xmlns:p14="http://schemas.microsoft.com/office/powerpoint/2010/main" val="225803657"/>
+        <p14:creationId xmlns:p14="http://schemas.microsoft.com/office/powerpoint/2010/main" val="1590206653"/>
       </p:ext>
     </p:extLst>
   </p:cSld>
@@ -1798,7 +1798,7 @@
     </p:spTree>
     <p:extLst>
       <p:ext uri="{BB962C8B-B14F-4D97-AF65-F5344CB8AC3E}">
-        <p14:creationId xmlns:p14="http://schemas.microsoft.com/office/powerpoint/2010/main" val="1590206653"/>
+        <p14:creationId xmlns:p14="http://schemas.microsoft.com/office/powerpoint/2010/main" val="2595086852"/>
       </p:ext>
     </p:extLst>
   </p:cSld>
@@ -1907,7 +1907,7 @@
     </p:spTree>
     <p:extLst>
       <p:ext uri="{BB962C8B-B14F-4D97-AF65-F5344CB8AC3E}">
-        <p14:creationId xmlns:p14="http://schemas.microsoft.com/office/powerpoint/2010/main" val="2595086852"/>
+        <p14:creationId xmlns:p14="http://schemas.microsoft.com/office/powerpoint/2010/main" val="4281250903"/>
       </p:ext>
     </p:extLst>
   </p:cSld>
@@ -2016,7 +2016,7 @@
     </p:spTree>
     <p:extLst>
       <p:ext uri="{BB962C8B-B14F-4D97-AF65-F5344CB8AC3E}">
-        <p14:creationId xmlns:p14="http://schemas.microsoft.com/office/powerpoint/2010/main" val="4281250903"/>
+        <p14:creationId xmlns:p14="http://schemas.microsoft.com/office/powerpoint/2010/main" val="225803657"/>
       </p:ext>
     </p:extLst>
   </p:cSld>
@@ -12009,335 +12009,133 @@
       </p:grpSpPr>
       <p:sp>
         <p:nvSpPr>
-          <p:cNvPr id="647" name="Google Shape;647;p68"/>
-          <p:cNvSpPr txBox="1">
-            <a:spLocks noGrp="1"/>
-          </p:cNvSpPr>
-          <p:nvPr>
-            <p:ph type="body" idx="2"/>
-          </p:nvPr>
+          <p:cNvPr id="82" name="Rectangle 81">
+            <a:extLst>
+              <a:ext uri="{FF2B5EF4-FFF2-40B4-BE49-F238E27FC236}">
+                <a16:creationId xmlns:a16="http://schemas.microsoft.com/office/drawing/2014/main" id="{2A57753B-DA97-4711-AA99-A35DD4E70551}"/>
+              </a:ext>
+            </a:extLst>
+          </p:cNvPr>
+          <p:cNvSpPr/>
+          <p:nvPr/>
         </p:nvSpPr>
         <p:spPr>
           <a:xfrm>
-            <a:off x="260350" y="850900"/>
-            <a:ext cx="8763001" cy="4044950"/>
+            <a:off x="3753266" y="2085337"/>
+            <a:ext cx="2240389" cy="1043772"/>
           </a:xfrm>
           <a:prstGeom prst="rect">
             <a:avLst/>
           </a:prstGeom>
         </p:spPr>
+        <p:style>
+          <a:lnRef idx="1">
+            <a:schemeClr val="accent6"/>
+          </a:lnRef>
+          <a:fillRef idx="2">
+            <a:schemeClr val="accent6"/>
+          </a:fillRef>
+          <a:effectRef idx="1">
+            <a:schemeClr val="accent6"/>
+          </a:effectRef>
+          <a:fontRef idx="minor">
+            <a:schemeClr val="dk1"/>
+          </a:fontRef>
+        </p:style>
         <p:txBody>
-          <a:bodyPr spcFirstLastPara="1" wrap="square" lIns="91425" tIns="91425" rIns="91425" bIns="91425" anchor="t" anchorCtr="0">
-            <a:noAutofit/>
-          </a:bodyPr>
+          <a:bodyPr rtlCol="0" anchor="ctr"/>
           <a:lstStyle/>
           <a:p>
-            <a:pPr>
-              <a:lnSpc>
-                <a:spcPct val="150000"/>
-              </a:lnSpc>
-              <a:spcAft>
-                <a:spcPts val="1600"/>
-              </a:spcAft>
-              <a:buFont typeface="Wingdings" panose="05000000000000000000" pitchFamily="2" charset="2"/>
-              <a:buChar char="ü"/>
-            </a:pPr>
-            <a:r>
-              <a:rPr lang="en-US" dirty="0">
-                <a:solidFill>
-                  <a:schemeClr val="tx1"/>
-                </a:solidFill>
-                <a:latin typeface="Roboto Slab Regular" panose="020B0604020202020204" charset="0"/>
-                <a:ea typeface="Roboto Slab Regular" panose="020B0604020202020204" charset="0"/>
-              </a:rPr>
-              <a:t>Classes that implement the </a:t>
-            </a:r>
-            <a:r>
-              <a:rPr lang="en-US" dirty="0" err="1">
-                <a:solidFill>
-                  <a:schemeClr val="tx1"/>
-                </a:solidFill>
-                <a:latin typeface="Roboto Slab Regular" panose="020B0604020202020204" charset="0"/>
-                <a:ea typeface="Roboto Slab Regular" panose="020B0604020202020204" charset="0"/>
-              </a:rPr>
-              <a:t>System.Web.IHttpModule</a:t>
-            </a:r>
-            <a:r>
-              <a:rPr lang="en-US" dirty="0">
-                <a:solidFill>
-                  <a:schemeClr val="tx1"/>
-                </a:solidFill>
-                <a:latin typeface="Roboto Slab Regular" panose="020B0604020202020204" charset="0"/>
-                <a:ea typeface="Roboto Slab Regular" panose="020B0604020202020204" charset="0"/>
-              </a:rPr>
-              <a:t> interface used to monitor/manipulate requests/responses</a:t>
-            </a:r>
+            <a:pPr algn="ctr"/>
+            <a:endParaRPr lang="en-US"/>
           </a:p>
+        </p:txBody>
+      </p:sp>
+      <p:sp>
+        <p:nvSpPr>
+          <p:cNvPr id="651" name="Rectangle 650">
+            <a:extLst>
+              <a:ext uri="{FF2B5EF4-FFF2-40B4-BE49-F238E27FC236}">
+                <a16:creationId xmlns:a16="http://schemas.microsoft.com/office/drawing/2014/main" id="{D53AC00B-6681-4F85-9423-5F93141E48A7}"/>
+              </a:ext>
+            </a:extLst>
+          </p:cNvPr>
+          <p:cNvSpPr/>
+          <p:nvPr/>
+        </p:nvSpPr>
+        <p:spPr>
+          <a:xfrm>
+            <a:off x="1846769" y="2073731"/>
+            <a:ext cx="1236470" cy="1052527"/>
+          </a:xfrm>
+          <a:prstGeom prst="rect">
+            <a:avLst/>
+          </a:prstGeom>
+        </p:spPr>
+        <p:style>
+          <a:lnRef idx="1">
+            <a:schemeClr val="accent6"/>
+          </a:lnRef>
+          <a:fillRef idx="2">
+            <a:schemeClr val="accent6"/>
+          </a:fillRef>
+          <a:effectRef idx="1">
+            <a:schemeClr val="accent6"/>
+          </a:effectRef>
+          <a:fontRef idx="minor">
+            <a:schemeClr val="dk1"/>
+          </a:fontRef>
+        </p:style>
+        <p:txBody>
+          <a:bodyPr rtlCol="0" anchor="ctr"/>
+          <a:lstStyle/>
           <a:p>
-            <a:pPr>
-              <a:lnSpc>
-                <a:spcPct val="150000"/>
-              </a:lnSpc>
-              <a:spcAft>
-                <a:spcPts val="1600"/>
-              </a:spcAft>
-              <a:buFont typeface="Wingdings" panose="05000000000000000000" pitchFamily="2" charset="2"/>
-              <a:buChar char="ü"/>
-            </a:pPr>
-            <a:r>
-              <a:rPr lang="en-US" dirty="0">
-                <a:solidFill>
-                  <a:schemeClr val="tx1"/>
-                </a:solidFill>
-                <a:latin typeface="Roboto Slab Regular" panose="020B0604020202020204" charset="0"/>
-                <a:ea typeface="Roboto Slab Regular" panose="020B0604020202020204" charset="0"/>
-              </a:rPr>
-              <a:t>Provide services such as Caching, Security, State Management or used for Diagnosis, Debugging, Logging, Custom Content Processing, Adding Customized Headers/Footers</a:t>
-            </a:r>
+            <a:pPr algn="ctr"/>
+            <a:endParaRPr lang="en-US"/>
           </a:p>
+        </p:txBody>
+      </p:sp>
+      <p:sp>
+        <p:nvSpPr>
+          <p:cNvPr id="159" name="Rectangle 158">
+            <a:extLst>
+              <a:ext uri="{FF2B5EF4-FFF2-40B4-BE49-F238E27FC236}">
+                <a16:creationId xmlns:a16="http://schemas.microsoft.com/office/drawing/2014/main" id="{D9BC45C0-512D-4CEF-8385-2E5116F6B0F4}"/>
+              </a:ext>
+            </a:extLst>
+          </p:cNvPr>
+          <p:cNvSpPr/>
+          <p:nvPr/>
+        </p:nvSpPr>
+        <p:spPr>
+          <a:xfrm>
+            <a:off x="6672016" y="2073498"/>
+            <a:ext cx="852280" cy="1052527"/>
+          </a:xfrm>
+          <a:prstGeom prst="rect">
+            <a:avLst/>
+          </a:prstGeom>
+        </p:spPr>
+        <p:style>
+          <a:lnRef idx="1">
+            <a:schemeClr val="accent6"/>
+          </a:lnRef>
+          <a:fillRef idx="2">
+            <a:schemeClr val="accent6"/>
+          </a:fillRef>
+          <a:effectRef idx="1">
+            <a:schemeClr val="accent6"/>
+          </a:effectRef>
+          <a:fontRef idx="minor">
+            <a:schemeClr val="dk1"/>
+          </a:fontRef>
+        </p:style>
+        <p:txBody>
+          <a:bodyPr rtlCol="0" anchor="ctr"/>
+          <a:lstStyle/>
           <a:p>
-            <a:pPr>
-              <a:lnSpc>
-                <a:spcPct val="150000"/>
-              </a:lnSpc>
-              <a:spcAft>
-                <a:spcPts val="1600"/>
-              </a:spcAft>
-              <a:buFont typeface="Wingdings" panose="05000000000000000000" pitchFamily="2" charset="2"/>
-              <a:buChar char="ü"/>
-            </a:pPr>
-            <a:r>
-              <a:rPr lang="en-US" dirty="0">
-                <a:solidFill>
-                  <a:schemeClr val="tx1"/>
-                </a:solidFill>
-                <a:latin typeface="Roboto Slab Regular" panose="020B0604020202020204" charset="0"/>
-                <a:ea typeface="Roboto Slab Regular" panose="020B0604020202020204" charset="0"/>
-              </a:rPr>
-              <a:t>Subscribe for and handle </a:t>
-            </a:r>
-            <a:r>
-              <a:rPr lang="en-US" dirty="0">
-                <a:solidFill>
-                  <a:schemeClr val="accent3"/>
-                </a:solidFill>
-                <a:latin typeface="Roboto Slab Regular" panose="020B0604020202020204" charset="0"/>
-                <a:ea typeface="Roboto Slab Regular" panose="020B0604020202020204" charset="0"/>
-              </a:rPr>
-              <a:t>Request Lifecycle</a:t>
-            </a:r>
-            <a:r>
-              <a:rPr lang="en-US" dirty="0">
-                <a:solidFill>
-                  <a:schemeClr val="tx1"/>
-                </a:solidFill>
-                <a:latin typeface="Roboto Slab Regular" panose="020B0604020202020204" charset="0"/>
-                <a:ea typeface="Roboto Slab Regular" panose="020B0604020202020204" charset="0"/>
-              </a:rPr>
-              <a:t> </a:t>
-            </a:r>
-            <a:r>
-              <a:rPr lang="en-US" dirty="0">
-                <a:solidFill>
-                  <a:schemeClr val="accent3"/>
-                </a:solidFill>
-                <a:latin typeface="Roboto Slab Regular" panose="020B0604020202020204" charset="0"/>
-                <a:ea typeface="Roboto Slab Regular" panose="020B0604020202020204" charset="0"/>
-              </a:rPr>
-              <a:t>events</a:t>
-            </a:r>
-            <a:r>
-              <a:rPr lang="en-US" dirty="0">
-                <a:solidFill>
-                  <a:schemeClr val="tx1"/>
-                </a:solidFill>
-                <a:latin typeface="Roboto Slab Regular" panose="020B0604020202020204" charset="0"/>
-                <a:ea typeface="Roboto Slab Regular" panose="020B0604020202020204" charset="0"/>
-              </a:rPr>
-              <a:t> =&gt; action mechanism for monitoring/manipulating requests/responses</a:t>
-            </a:r>
-          </a:p>
-          <a:p>
-            <a:pPr>
-              <a:lnSpc>
-                <a:spcPct val="150000"/>
-              </a:lnSpc>
-              <a:spcAft>
-                <a:spcPts val="1600"/>
-              </a:spcAft>
-              <a:buFont typeface="Wingdings" panose="05000000000000000000" pitchFamily="2" charset="2"/>
-              <a:buChar char="ü"/>
-            </a:pPr>
-            <a:r>
-              <a:rPr lang="en-US" dirty="0">
-                <a:solidFill>
-                  <a:schemeClr val="tx1"/>
-                </a:solidFill>
-                <a:latin typeface="Roboto Slab Regular" panose="020B0604020202020204" charset="0"/>
-                <a:ea typeface="Roboto Slab Regular" panose="020B0604020202020204" charset="0"/>
-              </a:rPr>
-              <a:t>Subscribe for and handle </a:t>
-            </a:r>
-            <a:r>
-              <a:rPr lang="en-US" dirty="0">
-                <a:solidFill>
-                  <a:schemeClr val="accent3"/>
-                </a:solidFill>
-                <a:latin typeface="Roboto Slab Regular" panose="020B0604020202020204" charset="0"/>
-                <a:ea typeface="Roboto Slab Regular" panose="020B0604020202020204" charset="0"/>
-              </a:rPr>
-              <a:t>events</a:t>
-            </a:r>
-            <a:r>
-              <a:rPr lang="en-US" dirty="0">
-                <a:solidFill>
-                  <a:schemeClr val="tx1"/>
-                </a:solidFill>
-                <a:latin typeface="Roboto Slab Regular" panose="020B0604020202020204" charset="0"/>
-                <a:ea typeface="Roboto Slab Regular" panose="020B0604020202020204" charset="0"/>
-              </a:rPr>
-              <a:t> raised by other modules as well as raise custom </a:t>
-            </a:r>
-            <a:r>
-              <a:rPr lang="en-US" dirty="0">
-                <a:solidFill>
-                  <a:schemeClr val="accent3"/>
-                </a:solidFill>
-                <a:latin typeface="Roboto Slab Regular" panose="020B0604020202020204" charset="0"/>
-                <a:ea typeface="Roboto Slab Regular" panose="020B0604020202020204" charset="0"/>
-              </a:rPr>
-              <a:t>events</a:t>
-            </a:r>
-            <a:r>
-              <a:rPr lang="en-US" dirty="0">
-                <a:solidFill>
-                  <a:schemeClr val="tx1"/>
-                </a:solidFill>
-                <a:latin typeface="Roboto Slab Regular" panose="020B0604020202020204" charset="0"/>
-                <a:ea typeface="Roboto Slab Regular" panose="020B0604020202020204" charset="0"/>
-              </a:rPr>
-              <a:t> =&gt; mechanism for coordination and data sharing between different modules </a:t>
-            </a:r>
-          </a:p>
-          <a:p>
-            <a:pPr>
-              <a:lnSpc>
-                <a:spcPct val="150000"/>
-              </a:lnSpc>
-              <a:spcAft>
-                <a:spcPts val="1600"/>
-              </a:spcAft>
-              <a:buFont typeface="Wingdings" panose="05000000000000000000" pitchFamily="2" charset="2"/>
-              <a:buChar char="ü"/>
-            </a:pPr>
-            <a:r>
-              <a:rPr lang="en-US" dirty="0">
-                <a:solidFill>
-                  <a:schemeClr val="tx1"/>
-                </a:solidFill>
-                <a:latin typeface="Roboto Slab Regular" panose="020B0604020202020204" charset="0"/>
-                <a:ea typeface="Roboto Slab Regular" panose="020B0604020202020204" charset="0"/>
-              </a:rPr>
-              <a:t>Each Global Application class instance is given its own set of modules =&gt; multiple instances of the same module can exist simultaneously. Each module</a:t>
-            </a:r>
-            <a:r>
-              <a:rPr lang="it-IT" dirty="0">
-                <a:solidFill>
-                  <a:schemeClr val="tx1"/>
-                </a:solidFill>
-                <a:latin typeface="Roboto Slab Regular" panose="020B0604020202020204" charset="0"/>
-                <a:ea typeface="Roboto Slab Regular" panose="020B0604020202020204" charset="0"/>
-              </a:rPr>
-              <a:t> </a:t>
-            </a:r>
-            <a:r>
-              <a:rPr lang="en-US" dirty="0">
-                <a:solidFill>
-                  <a:schemeClr val="tx1"/>
-                </a:solidFill>
-                <a:latin typeface="Roboto Slab Regular" panose="020B0604020202020204" charset="0"/>
-                <a:ea typeface="Roboto Slab Regular" panose="020B0604020202020204" charset="0"/>
-              </a:rPr>
-              <a:t>instance can handle multiple requests, but sequentially</a:t>
-            </a:r>
-          </a:p>
-          <a:p>
-            <a:pPr>
-              <a:lnSpc>
-                <a:spcPct val="150000"/>
-              </a:lnSpc>
-              <a:spcAft>
-                <a:spcPts val="1600"/>
-              </a:spcAft>
-              <a:buFont typeface="Wingdings" panose="05000000000000000000" pitchFamily="2" charset="2"/>
-              <a:buChar char="ü"/>
-            </a:pPr>
-            <a:r>
-              <a:rPr lang="en-US" dirty="0">
-                <a:solidFill>
-                  <a:schemeClr val="tx1"/>
-                </a:solidFill>
-                <a:latin typeface="Roboto Slab Regular" panose="020B0604020202020204" charset="0"/>
-                <a:ea typeface="Roboto Slab Regular" panose="020B0604020202020204" charset="0"/>
-              </a:rPr>
-              <a:t>Custom Modules and Built-in modules: </a:t>
-            </a:r>
-            <a:r>
-              <a:rPr lang="en-US" dirty="0">
-                <a:solidFill>
-                  <a:schemeClr val="tx1"/>
-                </a:solidFill>
-                <a:latin typeface="Roboto Slab Regular" panose="020B0604020202020204" charset="0"/>
-                <a:ea typeface="Roboto Slab Regular" panose="020B0604020202020204" charset="0"/>
-                <a:hlinkClick r:id="rId3"/>
-              </a:rPr>
-              <a:t>https://docs.microsoft.com/en-us/iis/get-started/introduction-to-iis/iis-modules-overview</a:t>
-            </a:r>
-            <a:endParaRPr lang="en-US" dirty="0">
-              <a:solidFill>
-                <a:schemeClr val="tx1"/>
-              </a:solidFill>
-              <a:latin typeface="Roboto Slab Regular" panose="020B0604020202020204" charset="0"/>
-              <a:ea typeface="Roboto Slab Regular" panose="020B0604020202020204" charset="0"/>
-            </a:endParaRPr>
-          </a:p>
-          <a:p>
-            <a:pPr>
-              <a:lnSpc>
-                <a:spcPct val="150000"/>
-              </a:lnSpc>
-              <a:spcAft>
-                <a:spcPts val="1600"/>
-              </a:spcAft>
-              <a:buFont typeface="Wingdings" panose="05000000000000000000" pitchFamily="2" charset="2"/>
-              <a:buChar char="ü"/>
-            </a:pPr>
-            <a:endParaRPr lang="en-US" dirty="0">
-              <a:solidFill>
-                <a:schemeClr val="tx1"/>
-              </a:solidFill>
-              <a:latin typeface="Roboto Slab Regular" panose="020B0604020202020204" charset="0"/>
-              <a:ea typeface="Roboto Slab Regular" panose="020B0604020202020204" charset="0"/>
-            </a:endParaRPr>
-          </a:p>
-          <a:p>
-            <a:pPr>
-              <a:lnSpc>
-                <a:spcPct val="150000"/>
-              </a:lnSpc>
-              <a:spcAft>
-                <a:spcPts val="1600"/>
-              </a:spcAft>
-              <a:buFont typeface="Wingdings" panose="05000000000000000000" pitchFamily="2" charset="2"/>
-              <a:buChar char="ü"/>
-            </a:pPr>
-            <a:endParaRPr lang="en-US" dirty="0">
-              <a:solidFill>
-                <a:schemeClr val="tx1"/>
-              </a:solidFill>
-              <a:latin typeface="Roboto Slab Regular" panose="020B0604020202020204" charset="0"/>
-              <a:ea typeface="Roboto Slab Regular" panose="020B0604020202020204" charset="0"/>
-            </a:endParaRPr>
+            <a:pPr algn="ctr"/>
+            <a:endParaRPr lang="en-US"/>
           </a:p>
         </p:txBody>
       </p:sp>
@@ -12377,15 +12175,2354 @@
             </a:pPr>
             <a:r>
               <a:rPr lang="en-US" sz="3600" dirty="0"/>
-              <a:t>Modules</a:t>
+              <a:t>Modules vs Handlers</a:t>
             </a:r>
           </a:p>
         </p:txBody>
       </p:sp>
+      <p:cxnSp>
+        <p:nvCxnSpPr>
+          <p:cNvPr id="5" name="Straight Arrow Connector 4">
+            <a:extLst>
+              <a:ext uri="{FF2B5EF4-FFF2-40B4-BE49-F238E27FC236}">
+                <a16:creationId xmlns:a16="http://schemas.microsoft.com/office/drawing/2014/main" id="{5516D0CA-F8FF-447E-A186-A9318F7F6971}"/>
+              </a:ext>
+            </a:extLst>
+          </p:cNvPr>
+          <p:cNvCxnSpPr/>
+          <p:nvPr/>
+        </p:nvCxnSpPr>
+        <p:spPr>
+          <a:xfrm>
+            <a:off x="946150" y="3137863"/>
+            <a:ext cx="7048500" cy="0"/>
+          </a:xfrm>
+          <a:prstGeom prst="straightConnector1">
+            <a:avLst/>
+          </a:prstGeom>
+          <a:ln w="19050">
+            <a:tailEnd type="triangle"/>
+          </a:ln>
+        </p:spPr>
+        <p:style>
+          <a:lnRef idx="1">
+            <a:schemeClr val="accent1"/>
+          </a:lnRef>
+          <a:fillRef idx="0">
+            <a:schemeClr val="accent1"/>
+          </a:fillRef>
+          <a:effectRef idx="0">
+            <a:schemeClr val="accent1"/>
+          </a:effectRef>
+          <a:fontRef idx="minor">
+            <a:schemeClr val="tx1"/>
+          </a:fontRef>
+        </p:style>
+      </p:cxnSp>
+      <p:sp>
+        <p:nvSpPr>
+          <p:cNvPr id="9" name="TextBox 8">
+            <a:extLst>
+              <a:ext uri="{FF2B5EF4-FFF2-40B4-BE49-F238E27FC236}">
+                <a16:creationId xmlns:a16="http://schemas.microsoft.com/office/drawing/2014/main" id="{BB4D285E-7CC1-43D8-95E1-B2EEE709CE66}"/>
+              </a:ext>
+            </a:extLst>
+          </p:cNvPr>
+          <p:cNvSpPr txBox="1"/>
+          <p:nvPr/>
+        </p:nvSpPr>
+        <p:spPr>
+          <a:xfrm>
+            <a:off x="7768911" y="3203825"/>
+            <a:ext cx="407116" cy="207749"/>
+          </a:xfrm>
+          <a:prstGeom prst="rect">
+            <a:avLst/>
+          </a:prstGeom>
+          <a:noFill/>
+        </p:spPr>
+        <p:txBody>
+          <a:bodyPr wrap="square" rtlCol="0">
+            <a:spAutoFit/>
+          </a:bodyPr>
+          <a:lstStyle/>
+          <a:p>
+            <a:r>
+              <a:rPr lang="it-IT" sz="750" dirty="0">
+                <a:solidFill>
+                  <a:schemeClr val="accent1">
+                    <a:lumMod val="75000"/>
+                  </a:schemeClr>
+                </a:solidFill>
+                <a:latin typeface="Roboto Slab Regular" panose="020B0604020202020204" charset="0"/>
+                <a:ea typeface="Roboto Slab Regular" panose="020B0604020202020204" charset="0"/>
+              </a:rPr>
+              <a:t>time</a:t>
+            </a:r>
+            <a:endParaRPr lang="en-US" sz="750" dirty="0">
+              <a:solidFill>
+                <a:schemeClr val="accent1">
+                  <a:lumMod val="75000"/>
+                </a:schemeClr>
+              </a:solidFill>
+              <a:latin typeface="Roboto Slab Regular" panose="020B0604020202020204" charset="0"/>
+              <a:ea typeface="Roboto Slab Regular" panose="020B0604020202020204" charset="0"/>
+            </a:endParaRPr>
+          </a:p>
+        </p:txBody>
+      </p:sp>
+      <p:sp>
+        <p:nvSpPr>
+          <p:cNvPr id="11" name="TextBox 10">
+            <a:extLst>
+              <a:ext uri="{FF2B5EF4-FFF2-40B4-BE49-F238E27FC236}">
+                <a16:creationId xmlns:a16="http://schemas.microsoft.com/office/drawing/2014/main" id="{9502C934-0CB6-489E-8200-017DCA0561F5}"/>
+              </a:ext>
+            </a:extLst>
+          </p:cNvPr>
+          <p:cNvSpPr txBox="1"/>
+          <p:nvPr/>
+        </p:nvSpPr>
+        <p:spPr>
+          <a:xfrm>
+            <a:off x="1185413" y="2354624"/>
+            <a:ext cx="651971" cy="323165"/>
+          </a:xfrm>
+          <a:prstGeom prst="rect">
+            <a:avLst/>
+          </a:prstGeom>
+        </p:spPr>
+        <p:style>
+          <a:lnRef idx="1">
+            <a:schemeClr val="accent1"/>
+          </a:lnRef>
+          <a:fillRef idx="2">
+            <a:schemeClr val="accent1"/>
+          </a:fillRef>
+          <a:effectRef idx="1">
+            <a:schemeClr val="accent1"/>
+          </a:effectRef>
+          <a:fontRef idx="minor">
+            <a:schemeClr val="dk1"/>
+          </a:fontRef>
+        </p:style>
+        <p:txBody>
+          <a:bodyPr wrap="square" rtlCol="0">
+            <a:spAutoFit/>
+          </a:bodyPr>
+          <a:lstStyle/>
+          <a:p>
+            <a:pPr algn="ctr"/>
+            <a:r>
+              <a:rPr lang="en-US" sz="750" b="1" dirty="0">
+                <a:solidFill>
+                  <a:schemeClr val="tx1"/>
+                </a:solidFill>
+                <a:latin typeface="Roboto Slab Regular" panose="020B0604020202020204" charset="0"/>
+                <a:ea typeface="Roboto Slab Regular" panose="020B0604020202020204" charset="0"/>
+              </a:rPr>
+              <a:t>Modules</a:t>
+            </a:r>
+          </a:p>
+          <a:p>
+            <a:pPr algn="ctr"/>
+            <a:r>
+              <a:rPr lang="en-US" sz="750" dirty="0">
+                <a:solidFill>
+                  <a:schemeClr val="tx1"/>
+                </a:solidFill>
+                <a:latin typeface="Roboto Slab Regular" panose="020B0604020202020204" charset="0"/>
+                <a:ea typeface="Roboto Slab Regular" panose="020B0604020202020204" charset="0"/>
+              </a:rPr>
+              <a:t>Created</a:t>
+            </a:r>
+          </a:p>
+        </p:txBody>
+      </p:sp>
+      <p:sp>
+        <p:nvSpPr>
+          <p:cNvPr id="12" name="TextBox 11">
+            <a:extLst>
+              <a:ext uri="{FF2B5EF4-FFF2-40B4-BE49-F238E27FC236}">
+                <a16:creationId xmlns:a16="http://schemas.microsoft.com/office/drawing/2014/main" id="{CECD84B0-E6EC-4F78-BAAD-BE8C2F77363E}"/>
+              </a:ext>
+            </a:extLst>
+          </p:cNvPr>
+          <p:cNvSpPr txBox="1"/>
+          <p:nvPr/>
+        </p:nvSpPr>
+        <p:spPr>
+          <a:xfrm>
+            <a:off x="3090106" y="2354629"/>
+            <a:ext cx="651971" cy="323165"/>
+          </a:xfrm>
+          <a:prstGeom prst="rect">
+            <a:avLst/>
+          </a:prstGeom>
+        </p:spPr>
+        <p:style>
+          <a:lnRef idx="1">
+            <a:schemeClr val="accent1"/>
+          </a:lnRef>
+          <a:fillRef idx="2">
+            <a:schemeClr val="accent1"/>
+          </a:fillRef>
+          <a:effectRef idx="1">
+            <a:schemeClr val="accent1"/>
+          </a:effectRef>
+          <a:fontRef idx="minor">
+            <a:schemeClr val="dk1"/>
+          </a:fontRef>
+        </p:style>
+        <p:txBody>
+          <a:bodyPr wrap="square" rtlCol="0">
+            <a:spAutoFit/>
+          </a:bodyPr>
+          <a:lstStyle/>
+          <a:p>
+            <a:pPr algn="ctr"/>
+            <a:r>
+              <a:rPr lang="en-US" sz="750" b="1" dirty="0">
+                <a:solidFill>
+                  <a:schemeClr val="tx1"/>
+                </a:solidFill>
+                <a:latin typeface="Roboto Slab Regular" panose="020B0604020202020204" charset="0"/>
+                <a:ea typeface="Roboto Slab Regular" panose="020B0604020202020204" charset="0"/>
+              </a:rPr>
+              <a:t>Handler</a:t>
+            </a:r>
+          </a:p>
+          <a:p>
+            <a:pPr algn="ctr"/>
+            <a:r>
+              <a:rPr lang="en-US" sz="750" dirty="0">
+                <a:solidFill>
+                  <a:schemeClr val="tx1"/>
+                </a:solidFill>
+                <a:latin typeface="Roboto Slab Regular" panose="020B0604020202020204" charset="0"/>
+                <a:ea typeface="Roboto Slab Regular" panose="020B0604020202020204" charset="0"/>
+              </a:rPr>
+              <a:t>Selected</a:t>
+            </a:r>
+          </a:p>
+        </p:txBody>
+      </p:sp>
+      <p:sp>
+        <p:nvSpPr>
+          <p:cNvPr id="13" name="TextBox 12">
+            <a:extLst>
+              <a:ext uri="{FF2B5EF4-FFF2-40B4-BE49-F238E27FC236}">
+                <a16:creationId xmlns:a16="http://schemas.microsoft.com/office/drawing/2014/main" id="{C9B5D0D1-9E3C-4C97-B959-8C3EFE63EFE0}"/>
+              </a:ext>
+            </a:extLst>
+          </p:cNvPr>
+          <p:cNvSpPr txBox="1"/>
+          <p:nvPr/>
+        </p:nvSpPr>
+        <p:spPr>
+          <a:xfrm>
+            <a:off x="6000637" y="2362358"/>
+            <a:ext cx="651971" cy="323165"/>
+          </a:xfrm>
+          <a:prstGeom prst="rect">
+            <a:avLst/>
+          </a:prstGeom>
+        </p:spPr>
+        <p:style>
+          <a:lnRef idx="1">
+            <a:schemeClr val="accent1"/>
+          </a:lnRef>
+          <a:fillRef idx="2">
+            <a:schemeClr val="accent1"/>
+          </a:fillRef>
+          <a:effectRef idx="1">
+            <a:schemeClr val="accent1"/>
+          </a:effectRef>
+          <a:fontRef idx="minor">
+            <a:schemeClr val="dk1"/>
+          </a:fontRef>
+        </p:style>
+        <p:txBody>
+          <a:bodyPr wrap="square" rtlCol="0">
+            <a:spAutoFit/>
+          </a:bodyPr>
+          <a:lstStyle/>
+          <a:p>
+            <a:pPr algn="ctr"/>
+            <a:r>
+              <a:rPr lang="en-US" sz="750" b="1" dirty="0">
+                <a:solidFill>
+                  <a:schemeClr val="tx1"/>
+                </a:solidFill>
+                <a:latin typeface="Roboto Slab Regular" panose="020B0604020202020204" charset="0"/>
+                <a:ea typeface="Roboto Slab Regular" panose="020B0604020202020204" charset="0"/>
+              </a:rPr>
+              <a:t>Handler</a:t>
+            </a:r>
+          </a:p>
+          <a:p>
+            <a:pPr algn="ctr"/>
+            <a:r>
+              <a:rPr lang="en-US" sz="750" dirty="0">
+                <a:solidFill>
+                  <a:schemeClr val="tx1"/>
+                </a:solidFill>
+                <a:latin typeface="Roboto Slab Regular" panose="020B0604020202020204" charset="0"/>
+                <a:ea typeface="Roboto Slab Regular" panose="020B0604020202020204" charset="0"/>
+              </a:rPr>
+              <a:t>Executed</a:t>
+            </a:r>
+          </a:p>
+        </p:txBody>
+      </p:sp>
+      <p:cxnSp>
+        <p:nvCxnSpPr>
+          <p:cNvPr id="15" name="Straight Arrow Connector 14">
+            <a:extLst>
+              <a:ext uri="{FF2B5EF4-FFF2-40B4-BE49-F238E27FC236}">
+                <a16:creationId xmlns:a16="http://schemas.microsoft.com/office/drawing/2014/main" id="{8FCD32C4-4FBA-4E84-85B0-0353E77D6435}"/>
+              </a:ext>
+            </a:extLst>
+          </p:cNvPr>
+          <p:cNvCxnSpPr>
+            <a:cxnSpLocks/>
+          </p:cNvCxnSpPr>
+          <p:nvPr/>
+        </p:nvCxnSpPr>
+        <p:spPr>
+          <a:xfrm>
+            <a:off x="1837384" y="1964779"/>
+            <a:ext cx="1252722" cy="5"/>
+          </a:xfrm>
+          <a:prstGeom prst="straightConnector1">
+            <a:avLst/>
+          </a:prstGeom>
+          <a:ln>
+            <a:headEnd type="triangle"/>
+            <a:tailEnd type="triangle"/>
+          </a:ln>
+        </p:spPr>
+        <p:style>
+          <a:lnRef idx="1">
+            <a:schemeClr val="accent1"/>
+          </a:lnRef>
+          <a:fillRef idx="0">
+            <a:schemeClr val="accent1"/>
+          </a:fillRef>
+          <a:effectRef idx="0">
+            <a:schemeClr val="accent1"/>
+          </a:effectRef>
+          <a:fontRef idx="minor">
+            <a:schemeClr val="tx1"/>
+          </a:fontRef>
+        </p:style>
+      </p:cxnSp>
+      <p:sp>
+        <p:nvSpPr>
+          <p:cNvPr id="18" name="TextBox 17">
+            <a:extLst>
+              <a:ext uri="{FF2B5EF4-FFF2-40B4-BE49-F238E27FC236}">
+                <a16:creationId xmlns:a16="http://schemas.microsoft.com/office/drawing/2014/main" id="{7E37A4A5-CFA3-41EC-9889-A1A71B94DA9D}"/>
+              </a:ext>
+            </a:extLst>
+          </p:cNvPr>
+          <p:cNvSpPr txBox="1"/>
+          <p:nvPr/>
+        </p:nvSpPr>
+        <p:spPr>
+          <a:xfrm>
+            <a:off x="1793322" y="1480407"/>
+            <a:ext cx="1340845" cy="438582"/>
+          </a:xfrm>
+          <a:prstGeom prst="rect">
+            <a:avLst/>
+          </a:prstGeom>
+          <a:noFill/>
+        </p:spPr>
+        <p:txBody>
+          <a:bodyPr wrap="square" rtlCol="0">
+            <a:spAutoFit/>
+          </a:bodyPr>
+          <a:lstStyle/>
+          <a:p>
+            <a:pPr algn="ctr"/>
+            <a:r>
+              <a:rPr lang="en-US" sz="750" b="1" dirty="0">
+                <a:solidFill>
+                  <a:schemeClr val="tx1"/>
+                </a:solidFill>
+                <a:latin typeface="Roboto Slab Regular" panose="020B0604020202020204" charset="0"/>
+                <a:ea typeface="Roboto Slab Regular" panose="020B0604020202020204" charset="0"/>
+              </a:rPr>
+              <a:t>Modules</a:t>
+            </a:r>
+            <a:r>
+              <a:rPr lang="en-US" sz="750" dirty="0">
+                <a:solidFill>
+                  <a:schemeClr val="tx1"/>
+                </a:solidFill>
+                <a:latin typeface="Roboto Slab Regular" panose="020B0604020202020204" charset="0"/>
+                <a:ea typeface="Roboto Slab Regular" panose="020B0604020202020204" charset="0"/>
+              </a:rPr>
+              <a:t> providing </a:t>
+            </a:r>
+          </a:p>
+          <a:p>
+            <a:pPr algn="ctr"/>
+            <a:r>
+              <a:rPr lang="en-US" sz="750" dirty="0">
+                <a:solidFill>
+                  <a:schemeClr val="tx1"/>
+                </a:solidFill>
+                <a:latin typeface="Roboto Slab Regular" panose="020B0604020202020204" charset="0"/>
+                <a:ea typeface="Roboto Slab Regular" panose="020B0604020202020204" charset="0"/>
+              </a:rPr>
+              <a:t>General-Purpose Services</a:t>
+            </a:r>
+          </a:p>
+          <a:p>
+            <a:pPr algn="ctr"/>
+            <a:r>
+              <a:rPr lang="en-US" sz="750" dirty="0">
+                <a:solidFill>
+                  <a:schemeClr val="tx1"/>
+                </a:solidFill>
+                <a:latin typeface="Roboto Slab Regular" panose="020B0604020202020204" charset="0"/>
+                <a:ea typeface="Roboto Slab Regular" panose="020B0604020202020204" charset="0"/>
+              </a:rPr>
+              <a:t>executed</a:t>
+            </a:r>
+          </a:p>
+        </p:txBody>
+      </p:sp>
+      <p:cxnSp>
+        <p:nvCxnSpPr>
+          <p:cNvPr id="19" name="Straight Arrow Connector 18">
+            <a:extLst>
+              <a:ext uri="{FF2B5EF4-FFF2-40B4-BE49-F238E27FC236}">
+                <a16:creationId xmlns:a16="http://schemas.microsoft.com/office/drawing/2014/main" id="{AC46F755-18B8-41BF-B3E1-051AE4EA70FE}"/>
+              </a:ext>
+            </a:extLst>
+          </p:cNvPr>
+          <p:cNvCxnSpPr>
+            <a:cxnSpLocks/>
+          </p:cNvCxnSpPr>
+          <p:nvPr/>
+        </p:nvCxnSpPr>
+        <p:spPr>
+          <a:xfrm>
+            <a:off x="3753266" y="1964784"/>
+            <a:ext cx="2265654" cy="0"/>
+          </a:xfrm>
+          <a:prstGeom prst="straightConnector1">
+            <a:avLst/>
+          </a:prstGeom>
+          <a:ln>
+            <a:headEnd type="triangle"/>
+            <a:tailEnd type="triangle"/>
+          </a:ln>
+        </p:spPr>
+        <p:style>
+          <a:lnRef idx="1">
+            <a:schemeClr val="accent1"/>
+          </a:lnRef>
+          <a:fillRef idx="0">
+            <a:schemeClr val="accent1"/>
+          </a:fillRef>
+          <a:effectRef idx="0">
+            <a:schemeClr val="accent1"/>
+          </a:effectRef>
+          <a:fontRef idx="minor">
+            <a:schemeClr val="tx1"/>
+          </a:fontRef>
+        </p:style>
+      </p:cxnSp>
+      <p:sp>
+        <p:nvSpPr>
+          <p:cNvPr id="20" name="TextBox 19">
+            <a:extLst>
+              <a:ext uri="{FF2B5EF4-FFF2-40B4-BE49-F238E27FC236}">
+                <a16:creationId xmlns:a16="http://schemas.microsoft.com/office/drawing/2014/main" id="{48D0CC72-1557-4A38-9A9A-CEDE514CEF90}"/>
+              </a:ext>
+            </a:extLst>
+          </p:cNvPr>
+          <p:cNvSpPr txBox="1"/>
+          <p:nvPr/>
+        </p:nvSpPr>
+        <p:spPr>
+          <a:xfrm>
+            <a:off x="4215670" y="1480407"/>
+            <a:ext cx="1340845" cy="438582"/>
+          </a:xfrm>
+          <a:prstGeom prst="rect">
+            <a:avLst/>
+          </a:prstGeom>
+          <a:noFill/>
+        </p:spPr>
+        <p:txBody>
+          <a:bodyPr wrap="square" rtlCol="0">
+            <a:spAutoFit/>
+          </a:bodyPr>
+          <a:lstStyle/>
+          <a:p>
+            <a:pPr algn="ctr"/>
+            <a:r>
+              <a:rPr lang="en-US" sz="750" b="1" dirty="0">
+                <a:solidFill>
+                  <a:schemeClr val="tx1"/>
+                </a:solidFill>
+                <a:latin typeface="Roboto Slab Regular" panose="020B0604020202020204" charset="0"/>
+                <a:ea typeface="Roboto Slab Regular" panose="020B0604020202020204" charset="0"/>
+              </a:rPr>
+              <a:t>Modules </a:t>
+            </a:r>
+            <a:r>
+              <a:rPr lang="en-US" sz="750" dirty="0">
+                <a:solidFill>
+                  <a:schemeClr val="tx1"/>
+                </a:solidFill>
+                <a:latin typeface="Roboto Slab Regular" panose="020B0604020202020204" charset="0"/>
+                <a:ea typeface="Roboto Slab Regular" panose="020B0604020202020204" charset="0"/>
+              </a:rPr>
+              <a:t>providing</a:t>
+            </a:r>
+          </a:p>
+          <a:p>
+            <a:pPr algn="ctr"/>
+            <a:r>
+              <a:rPr lang="en-US" sz="750" dirty="0">
+                <a:solidFill>
+                  <a:schemeClr val="tx1"/>
+                </a:solidFill>
+                <a:latin typeface="Roboto Slab Regular" panose="020B0604020202020204" charset="0"/>
+                <a:ea typeface="Roboto Slab Regular" panose="020B0604020202020204" charset="0"/>
+              </a:rPr>
+              <a:t>Handler-Specific Services</a:t>
+            </a:r>
+          </a:p>
+          <a:p>
+            <a:pPr algn="ctr"/>
+            <a:r>
+              <a:rPr lang="en-US" sz="750" dirty="0">
+                <a:solidFill>
+                  <a:schemeClr val="tx1"/>
+                </a:solidFill>
+                <a:latin typeface="Roboto Slab Regular" panose="020B0604020202020204" charset="0"/>
+                <a:ea typeface="Roboto Slab Regular" panose="020B0604020202020204" charset="0"/>
+              </a:rPr>
+              <a:t>executed </a:t>
+            </a:r>
+          </a:p>
+        </p:txBody>
+      </p:sp>
+      <p:sp>
+        <p:nvSpPr>
+          <p:cNvPr id="21" name="TextBox 20">
+            <a:extLst>
+              <a:ext uri="{FF2B5EF4-FFF2-40B4-BE49-F238E27FC236}">
+                <a16:creationId xmlns:a16="http://schemas.microsoft.com/office/drawing/2014/main" id="{9875B04E-6228-49A1-8BC4-7DBE88D1AFDC}"/>
+              </a:ext>
+            </a:extLst>
+          </p:cNvPr>
+          <p:cNvSpPr txBox="1"/>
+          <p:nvPr/>
+        </p:nvSpPr>
+        <p:spPr>
+          <a:xfrm>
+            <a:off x="328053" y="2990321"/>
+            <a:ext cx="584224" cy="307777"/>
+          </a:xfrm>
+          <a:prstGeom prst="rect">
+            <a:avLst/>
+          </a:prstGeom>
+          <a:noFill/>
+        </p:spPr>
+        <p:txBody>
+          <a:bodyPr wrap="square" rtlCol="0">
+            <a:spAutoFit/>
+          </a:bodyPr>
+          <a:lstStyle/>
+          <a:p>
+            <a:pPr algn="ctr"/>
+            <a:r>
+              <a:rPr lang="en-US" sz="700" dirty="0">
+                <a:solidFill>
+                  <a:schemeClr val="tx1"/>
+                </a:solidFill>
+                <a:latin typeface="Roboto Slab Regular" panose="020B0604020202020204" charset="0"/>
+                <a:ea typeface="Roboto Slab Regular" panose="020B0604020202020204" charset="0"/>
+              </a:rPr>
+              <a:t>Request Received</a:t>
+            </a:r>
+          </a:p>
+        </p:txBody>
+      </p:sp>
+      <p:sp>
+        <p:nvSpPr>
+          <p:cNvPr id="22" name="TextBox 21">
+            <a:extLst>
+              <a:ext uri="{FF2B5EF4-FFF2-40B4-BE49-F238E27FC236}">
+                <a16:creationId xmlns:a16="http://schemas.microsoft.com/office/drawing/2014/main" id="{FDBA8D2E-B1EC-403A-BB5C-3D056E007C5D}"/>
+              </a:ext>
+            </a:extLst>
+          </p:cNvPr>
+          <p:cNvSpPr txBox="1"/>
+          <p:nvPr/>
+        </p:nvSpPr>
+        <p:spPr>
+          <a:xfrm>
+            <a:off x="7985834" y="2983625"/>
+            <a:ext cx="635024" cy="307777"/>
+          </a:xfrm>
+          <a:prstGeom prst="rect">
+            <a:avLst/>
+          </a:prstGeom>
+          <a:noFill/>
+        </p:spPr>
+        <p:txBody>
+          <a:bodyPr wrap="square" rtlCol="0">
+            <a:spAutoFit/>
+          </a:bodyPr>
+          <a:lstStyle/>
+          <a:p>
+            <a:pPr algn="ctr"/>
+            <a:r>
+              <a:rPr lang="en-US" sz="700" dirty="0">
+                <a:solidFill>
+                  <a:schemeClr val="tx1"/>
+                </a:solidFill>
+                <a:latin typeface="Roboto Slab Regular" panose="020B0604020202020204" charset="0"/>
+                <a:ea typeface="Roboto Slab Regular" panose="020B0604020202020204" charset="0"/>
+              </a:rPr>
+              <a:t>Response Sent</a:t>
+            </a:r>
+          </a:p>
+        </p:txBody>
+      </p:sp>
+      <p:sp>
+        <p:nvSpPr>
+          <p:cNvPr id="23" name="TextBox 22">
+            <a:extLst>
+              <a:ext uri="{FF2B5EF4-FFF2-40B4-BE49-F238E27FC236}">
+                <a16:creationId xmlns:a16="http://schemas.microsoft.com/office/drawing/2014/main" id="{BDC9A853-3C3E-4D31-88AA-4C4B354493E6}"/>
+              </a:ext>
+            </a:extLst>
+          </p:cNvPr>
+          <p:cNvSpPr txBox="1"/>
+          <p:nvPr/>
+        </p:nvSpPr>
+        <p:spPr>
+          <a:xfrm rot="19330050">
+            <a:off x="1105641" y="3804100"/>
+            <a:ext cx="825500" cy="207748"/>
+          </a:xfrm>
+          <a:prstGeom prst="rect">
+            <a:avLst/>
+          </a:prstGeom>
+          <a:noFill/>
+        </p:spPr>
+        <p:txBody>
+          <a:bodyPr wrap="square" rtlCol="0">
+            <a:spAutoFit/>
+          </a:bodyPr>
+          <a:lstStyle/>
+          <a:p>
+            <a:pPr algn="ctr"/>
+            <a:r>
+              <a:rPr lang="en-US" sz="750" dirty="0" err="1">
+                <a:solidFill>
+                  <a:schemeClr val="tx1"/>
+                </a:solidFill>
+                <a:latin typeface="Roboto Slab Regular" panose="020B0604020202020204" charset="0"/>
+                <a:ea typeface="Roboto Slab Regular" panose="020B0604020202020204" charset="0"/>
+              </a:rPr>
+              <a:t>BeginRequest</a:t>
+            </a:r>
+            <a:endParaRPr lang="en-US" sz="750" dirty="0">
+              <a:solidFill>
+                <a:schemeClr val="tx1"/>
+              </a:solidFill>
+              <a:latin typeface="Roboto Slab Regular" panose="020B0604020202020204" charset="0"/>
+              <a:ea typeface="Roboto Slab Regular" panose="020B0604020202020204" charset="0"/>
+            </a:endParaRPr>
+          </a:p>
+        </p:txBody>
+      </p:sp>
+      <p:sp>
+        <p:nvSpPr>
+          <p:cNvPr id="17" name="Oval 16">
+            <a:extLst>
+              <a:ext uri="{FF2B5EF4-FFF2-40B4-BE49-F238E27FC236}">
+                <a16:creationId xmlns:a16="http://schemas.microsoft.com/office/drawing/2014/main" id="{EFE8BEE8-8466-4EC0-AEEA-9936584F75A2}"/>
+              </a:ext>
+            </a:extLst>
+          </p:cNvPr>
+          <p:cNvSpPr/>
+          <p:nvPr/>
+        </p:nvSpPr>
+        <p:spPr>
+          <a:xfrm>
+            <a:off x="904161" y="3114654"/>
+            <a:ext cx="45720" cy="45720"/>
+          </a:xfrm>
+          <a:prstGeom prst="ellipse">
+            <a:avLst/>
+          </a:prstGeom>
+        </p:spPr>
+        <p:style>
+          <a:lnRef idx="2">
+            <a:schemeClr val="accent1"/>
+          </a:lnRef>
+          <a:fillRef idx="1">
+            <a:schemeClr val="lt1"/>
+          </a:fillRef>
+          <a:effectRef idx="0">
+            <a:schemeClr val="accent1"/>
+          </a:effectRef>
+          <a:fontRef idx="minor">
+            <a:schemeClr val="dk1"/>
+          </a:fontRef>
+        </p:style>
+        <p:txBody>
+          <a:bodyPr rtlCol="0" anchor="ctr"/>
+          <a:lstStyle/>
+          <a:p>
+            <a:pPr algn="ctr"/>
+            <a:endParaRPr lang="en-US"/>
+          </a:p>
+        </p:txBody>
+      </p:sp>
+      <p:cxnSp>
+        <p:nvCxnSpPr>
+          <p:cNvPr id="35" name="Straight Connector 34">
+            <a:extLst>
+              <a:ext uri="{FF2B5EF4-FFF2-40B4-BE49-F238E27FC236}">
+                <a16:creationId xmlns:a16="http://schemas.microsoft.com/office/drawing/2014/main" id="{565D4A1E-713F-4334-8B47-B8423F099F9E}"/>
+              </a:ext>
+            </a:extLst>
+          </p:cNvPr>
+          <p:cNvCxnSpPr>
+            <a:endCxn id="11" idx="2"/>
+          </p:cNvCxnSpPr>
+          <p:nvPr/>
+        </p:nvCxnSpPr>
+        <p:spPr>
+          <a:xfrm flipV="1">
+            <a:off x="1511398" y="2677789"/>
+            <a:ext cx="1" cy="460074"/>
+          </a:xfrm>
+          <a:prstGeom prst="line">
+            <a:avLst/>
+          </a:prstGeom>
+          <a:ln w="9525" cap="flat" cmpd="sng" algn="ctr">
+            <a:solidFill>
+              <a:schemeClr val="accent1"/>
+            </a:solidFill>
+            <a:prstDash val="dash"/>
+            <a:round/>
+            <a:headEnd type="none" w="med" len="med"/>
+            <a:tailEnd type="none" w="med" len="med"/>
+          </a:ln>
+        </p:spPr>
+        <p:style>
+          <a:lnRef idx="0">
+            <a:scrgbClr r="0" g="0" b="0"/>
+          </a:lnRef>
+          <a:fillRef idx="0">
+            <a:scrgbClr r="0" g="0" b="0"/>
+          </a:fillRef>
+          <a:effectRef idx="0">
+            <a:scrgbClr r="0" g="0" b="0"/>
+          </a:effectRef>
+          <a:fontRef idx="minor">
+            <a:schemeClr val="tx1"/>
+          </a:fontRef>
+        </p:style>
+      </p:cxnSp>
+      <p:cxnSp>
+        <p:nvCxnSpPr>
+          <p:cNvPr id="38" name="Straight Connector 37">
+            <a:extLst>
+              <a:ext uri="{FF2B5EF4-FFF2-40B4-BE49-F238E27FC236}">
+                <a16:creationId xmlns:a16="http://schemas.microsoft.com/office/drawing/2014/main" id="{A2469CA6-20E8-4CA7-B3D8-57AFF0214E2B}"/>
+              </a:ext>
+            </a:extLst>
+          </p:cNvPr>
+          <p:cNvCxnSpPr>
+            <a:cxnSpLocks/>
+            <a:endCxn id="12" idx="2"/>
+          </p:cNvCxnSpPr>
+          <p:nvPr/>
+        </p:nvCxnSpPr>
+        <p:spPr>
+          <a:xfrm flipV="1">
+            <a:off x="3416091" y="2677794"/>
+            <a:ext cx="1" cy="460069"/>
+          </a:xfrm>
+          <a:prstGeom prst="line">
+            <a:avLst/>
+          </a:prstGeom>
+          <a:ln w="9525" cap="flat" cmpd="sng" algn="ctr">
+            <a:solidFill>
+              <a:schemeClr val="accent1"/>
+            </a:solidFill>
+            <a:prstDash val="dash"/>
+            <a:round/>
+            <a:headEnd type="none" w="med" len="med"/>
+            <a:tailEnd type="none" w="med" len="med"/>
+          </a:ln>
+        </p:spPr>
+        <p:style>
+          <a:lnRef idx="0">
+            <a:scrgbClr r="0" g="0" b="0"/>
+          </a:lnRef>
+          <a:fillRef idx="0">
+            <a:scrgbClr r="0" g="0" b="0"/>
+          </a:fillRef>
+          <a:effectRef idx="0">
+            <a:scrgbClr r="0" g="0" b="0"/>
+          </a:effectRef>
+          <a:fontRef idx="minor">
+            <a:schemeClr val="tx1"/>
+          </a:fontRef>
+        </p:style>
+      </p:cxnSp>
+      <p:cxnSp>
+        <p:nvCxnSpPr>
+          <p:cNvPr id="41" name="Straight Connector 40">
+            <a:extLst>
+              <a:ext uri="{FF2B5EF4-FFF2-40B4-BE49-F238E27FC236}">
+                <a16:creationId xmlns:a16="http://schemas.microsoft.com/office/drawing/2014/main" id="{166028D2-9208-4CF8-93D2-55A16EA22D58}"/>
+              </a:ext>
+            </a:extLst>
+          </p:cNvPr>
+          <p:cNvCxnSpPr>
+            <a:cxnSpLocks/>
+            <a:endCxn id="13" idx="2"/>
+          </p:cNvCxnSpPr>
+          <p:nvPr/>
+        </p:nvCxnSpPr>
+        <p:spPr>
+          <a:xfrm flipV="1">
+            <a:off x="6326623" y="2685523"/>
+            <a:ext cx="0" cy="460593"/>
+          </a:xfrm>
+          <a:prstGeom prst="line">
+            <a:avLst/>
+          </a:prstGeom>
+          <a:ln w="9525" cap="flat" cmpd="sng" algn="ctr">
+            <a:solidFill>
+              <a:schemeClr val="accent1"/>
+            </a:solidFill>
+            <a:prstDash val="dash"/>
+            <a:round/>
+            <a:headEnd type="none" w="med" len="med"/>
+            <a:tailEnd type="none" w="med" len="med"/>
+          </a:ln>
+        </p:spPr>
+        <p:style>
+          <a:lnRef idx="0">
+            <a:scrgbClr r="0" g="0" b="0"/>
+          </a:lnRef>
+          <a:fillRef idx="0">
+            <a:scrgbClr r="0" g="0" b="0"/>
+          </a:fillRef>
+          <a:effectRef idx="0">
+            <a:scrgbClr r="0" g="0" b="0"/>
+          </a:effectRef>
+          <a:fontRef idx="minor">
+            <a:schemeClr val="tx1"/>
+          </a:fontRef>
+        </p:style>
+      </p:cxnSp>
+      <p:sp>
+        <p:nvSpPr>
+          <p:cNvPr id="80" name="TextBox 79">
+            <a:extLst>
+              <a:ext uri="{FF2B5EF4-FFF2-40B4-BE49-F238E27FC236}">
+                <a16:creationId xmlns:a16="http://schemas.microsoft.com/office/drawing/2014/main" id="{933C2C08-4FAA-4DE6-9EA0-3A9284AB3C4D}"/>
+              </a:ext>
+            </a:extLst>
+          </p:cNvPr>
+          <p:cNvSpPr txBox="1"/>
+          <p:nvPr/>
+        </p:nvSpPr>
+        <p:spPr>
+          <a:xfrm rot="19330050">
+            <a:off x="2108015" y="3895130"/>
+            <a:ext cx="1100885" cy="207749"/>
+          </a:xfrm>
+          <a:prstGeom prst="rect">
+            <a:avLst/>
+          </a:prstGeom>
+          <a:noFill/>
+        </p:spPr>
+        <p:txBody>
+          <a:bodyPr wrap="square" rtlCol="0">
+            <a:spAutoFit/>
+          </a:bodyPr>
+          <a:lstStyle/>
+          <a:p>
+            <a:pPr algn="r"/>
+            <a:r>
+              <a:rPr lang="en-US" sz="750" dirty="0" err="1">
+                <a:solidFill>
+                  <a:schemeClr val="tx1"/>
+                </a:solidFill>
+                <a:latin typeface="Roboto Slab Regular" panose="020B0604020202020204" charset="0"/>
+                <a:ea typeface="Roboto Slab Regular" panose="020B0604020202020204" charset="0"/>
+              </a:rPr>
+              <a:t>MapRequestHandler</a:t>
+            </a:r>
+            <a:endParaRPr lang="en-US" sz="750" dirty="0">
+              <a:solidFill>
+                <a:schemeClr val="tx1"/>
+              </a:solidFill>
+              <a:latin typeface="Roboto Slab Regular" panose="020B0604020202020204" charset="0"/>
+              <a:ea typeface="Roboto Slab Regular" panose="020B0604020202020204" charset="0"/>
+            </a:endParaRPr>
+          </a:p>
+        </p:txBody>
+      </p:sp>
+      <p:sp>
+        <p:nvSpPr>
+          <p:cNvPr id="87" name="Oval 86">
+            <a:extLst>
+              <a:ext uri="{FF2B5EF4-FFF2-40B4-BE49-F238E27FC236}">
+                <a16:creationId xmlns:a16="http://schemas.microsoft.com/office/drawing/2014/main" id="{830A6EF0-6144-4F09-A5D4-4C13CC20FD01}"/>
+              </a:ext>
+            </a:extLst>
+          </p:cNvPr>
+          <p:cNvSpPr/>
+          <p:nvPr/>
+        </p:nvSpPr>
+        <p:spPr>
+          <a:xfrm>
+            <a:off x="1823909" y="3114654"/>
+            <a:ext cx="45720" cy="45720"/>
+          </a:xfrm>
+          <a:prstGeom prst="ellipse">
+            <a:avLst/>
+          </a:prstGeom>
+        </p:spPr>
+        <p:style>
+          <a:lnRef idx="2">
+            <a:schemeClr val="accent1"/>
+          </a:lnRef>
+          <a:fillRef idx="1">
+            <a:schemeClr val="lt1"/>
+          </a:fillRef>
+          <a:effectRef idx="0">
+            <a:schemeClr val="accent1"/>
+          </a:effectRef>
+          <a:fontRef idx="minor">
+            <a:schemeClr val="dk1"/>
+          </a:fontRef>
+        </p:style>
+        <p:txBody>
+          <a:bodyPr rtlCol="0" anchor="ctr"/>
+          <a:lstStyle/>
+          <a:p>
+            <a:pPr algn="ctr"/>
+            <a:endParaRPr lang="en-US"/>
+          </a:p>
+        </p:txBody>
+      </p:sp>
+      <p:sp>
+        <p:nvSpPr>
+          <p:cNvPr id="88" name="Oval 87">
+            <a:extLst>
+              <a:ext uri="{FF2B5EF4-FFF2-40B4-BE49-F238E27FC236}">
+                <a16:creationId xmlns:a16="http://schemas.microsoft.com/office/drawing/2014/main" id="{3919B8FC-8DA2-40AD-AD37-7D1698AD8E49}"/>
+              </a:ext>
+            </a:extLst>
+          </p:cNvPr>
+          <p:cNvSpPr/>
+          <p:nvPr/>
+        </p:nvSpPr>
+        <p:spPr>
+          <a:xfrm>
+            <a:off x="3067246" y="3114654"/>
+            <a:ext cx="45720" cy="45720"/>
+          </a:xfrm>
+          <a:prstGeom prst="ellipse">
+            <a:avLst/>
+          </a:prstGeom>
+        </p:spPr>
+        <p:style>
+          <a:lnRef idx="2">
+            <a:schemeClr val="accent1"/>
+          </a:lnRef>
+          <a:fillRef idx="1">
+            <a:schemeClr val="lt1"/>
+          </a:fillRef>
+          <a:effectRef idx="0">
+            <a:schemeClr val="accent1"/>
+          </a:effectRef>
+          <a:fontRef idx="minor">
+            <a:schemeClr val="dk1"/>
+          </a:fontRef>
+        </p:style>
+        <p:txBody>
+          <a:bodyPr rtlCol="0" anchor="ctr"/>
+          <a:lstStyle/>
+          <a:p>
+            <a:pPr algn="ctr"/>
+            <a:endParaRPr lang="en-US"/>
+          </a:p>
+        </p:txBody>
+      </p:sp>
+      <p:sp>
+        <p:nvSpPr>
+          <p:cNvPr id="89" name="Oval 88">
+            <a:extLst>
+              <a:ext uri="{FF2B5EF4-FFF2-40B4-BE49-F238E27FC236}">
+                <a16:creationId xmlns:a16="http://schemas.microsoft.com/office/drawing/2014/main" id="{E5BBFBEA-8F36-4664-A233-BB884B232992}"/>
+              </a:ext>
+            </a:extLst>
+          </p:cNvPr>
+          <p:cNvSpPr/>
+          <p:nvPr/>
+        </p:nvSpPr>
+        <p:spPr>
+          <a:xfrm>
+            <a:off x="3725428" y="3121350"/>
+            <a:ext cx="45720" cy="45720"/>
+          </a:xfrm>
+          <a:prstGeom prst="ellipse">
+            <a:avLst/>
+          </a:prstGeom>
+        </p:spPr>
+        <p:style>
+          <a:lnRef idx="2">
+            <a:schemeClr val="accent1"/>
+          </a:lnRef>
+          <a:fillRef idx="1">
+            <a:schemeClr val="lt1"/>
+          </a:fillRef>
+          <a:effectRef idx="0">
+            <a:schemeClr val="accent1"/>
+          </a:effectRef>
+          <a:fontRef idx="minor">
+            <a:schemeClr val="dk1"/>
+          </a:fontRef>
+        </p:style>
+        <p:txBody>
+          <a:bodyPr rtlCol="0" anchor="ctr"/>
+          <a:lstStyle/>
+          <a:p>
+            <a:pPr algn="ctr"/>
+            <a:endParaRPr lang="en-US"/>
+          </a:p>
+        </p:txBody>
+      </p:sp>
+      <p:sp>
+        <p:nvSpPr>
+          <p:cNvPr id="90" name="Oval 89">
+            <a:extLst>
+              <a:ext uri="{FF2B5EF4-FFF2-40B4-BE49-F238E27FC236}">
+                <a16:creationId xmlns:a16="http://schemas.microsoft.com/office/drawing/2014/main" id="{73158595-49B0-4BCB-AB34-582CED1D1A34}"/>
+              </a:ext>
+            </a:extLst>
+          </p:cNvPr>
+          <p:cNvSpPr/>
+          <p:nvPr/>
+        </p:nvSpPr>
+        <p:spPr>
+          <a:xfrm>
+            <a:off x="5991924" y="3121350"/>
+            <a:ext cx="45720" cy="45720"/>
+          </a:xfrm>
+          <a:prstGeom prst="ellipse">
+            <a:avLst/>
+          </a:prstGeom>
+        </p:spPr>
+        <p:style>
+          <a:lnRef idx="2">
+            <a:schemeClr val="accent1"/>
+          </a:lnRef>
+          <a:fillRef idx="1">
+            <a:schemeClr val="lt1"/>
+          </a:fillRef>
+          <a:effectRef idx="0">
+            <a:schemeClr val="accent1"/>
+          </a:effectRef>
+          <a:fontRef idx="minor">
+            <a:schemeClr val="dk1"/>
+          </a:fontRef>
+        </p:style>
+        <p:txBody>
+          <a:bodyPr rtlCol="0" anchor="ctr"/>
+          <a:lstStyle/>
+          <a:p>
+            <a:pPr algn="ctr"/>
+            <a:endParaRPr lang="en-US"/>
+          </a:p>
+        </p:txBody>
+      </p:sp>
+      <p:sp>
+        <p:nvSpPr>
+          <p:cNvPr id="91" name="Oval 90">
+            <a:extLst>
+              <a:ext uri="{FF2B5EF4-FFF2-40B4-BE49-F238E27FC236}">
+                <a16:creationId xmlns:a16="http://schemas.microsoft.com/office/drawing/2014/main" id="{C578EE18-8454-4AD8-ACF3-C32341656B8D}"/>
+              </a:ext>
+            </a:extLst>
+          </p:cNvPr>
+          <p:cNvSpPr/>
+          <p:nvPr/>
+        </p:nvSpPr>
+        <p:spPr>
+          <a:xfrm>
+            <a:off x="6652608" y="3121350"/>
+            <a:ext cx="45720" cy="45720"/>
+          </a:xfrm>
+          <a:prstGeom prst="ellipse">
+            <a:avLst/>
+          </a:prstGeom>
+        </p:spPr>
+        <p:style>
+          <a:lnRef idx="2">
+            <a:schemeClr val="accent1"/>
+          </a:lnRef>
+          <a:fillRef idx="1">
+            <a:schemeClr val="lt1"/>
+          </a:fillRef>
+          <a:effectRef idx="0">
+            <a:schemeClr val="accent1"/>
+          </a:effectRef>
+          <a:fontRef idx="minor">
+            <a:schemeClr val="dk1"/>
+          </a:fontRef>
+        </p:style>
+        <p:txBody>
+          <a:bodyPr rtlCol="0" anchor="ctr"/>
+          <a:lstStyle/>
+          <a:p>
+            <a:pPr algn="ctr"/>
+            <a:endParaRPr lang="en-US"/>
+          </a:p>
+        </p:txBody>
+      </p:sp>
+      <p:sp>
+        <p:nvSpPr>
+          <p:cNvPr id="92" name="Oval 91">
+            <a:extLst>
+              <a:ext uri="{FF2B5EF4-FFF2-40B4-BE49-F238E27FC236}">
+                <a16:creationId xmlns:a16="http://schemas.microsoft.com/office/drawing/2014/main" id="{20767AEE-E6F5-435A-98E4-A4848FA90B12}"/>
+              </a:ext>
+            </a:extLst>
+          </p:cNvPr>
+          <p:cNvSpPr/>
+          <p:nvPr/>
+        </p:nvSpPr>
+        <p:spPr>
+          <a:xfrm>
+            <a:off x="7515342" y="3121350"/>
+            <a:ext cx="45720" cy="45720"/>
+          </a:xfrm>
+          <a:prstGeom prst="ellipse">
+            <a:avLst/>
+          </a:prstGeom>
+        </p:spPr>
+        <p:style>
+          <a:lnRef idx="2">
+            <a:schemeClr val="accent1"/>
+          </a:lnRef>
+          <a:fillRef idx="1">
+            <a:schemeClr val="lt1"/>
+          </a:fillRef>
+          <a:effectRef idx="0">
+            <a:schemeClr val="accent1"/>
+          </a:effectRef>
+          <a:fontRef idx="minor">
+            <a:schemeClr val="dk1"/>
+          </a:fontRef>
+        </p:style>
+        <p:txBody>
+          <a:bodyPr rtlCol="0" anchor="ctr"/>
+          <a:lstStyle/>
+          <a:p>
+            <a:pPr algn="ctr"/>
+            <a:endParaRPr lang="en-US"/>
+          </a:p>
+        </p:txBody>
+      </p:sp>
+      <p:sp>
+        <p:nvSpPr>
+          <p:cNvPr id="94" name="Oval 93">
+            <a:extLst>
+              <a:ext uri="{FF2B5EF4-FFF2-40B4-BE49-F238E27FC236}">
+                <a16:creationId xmlns:a16="http://schemas.microsoft.com/office/drawing/2014/main" id="{C1056197-D00D-4536-8F8B-D6003EE28E43}"/>
+              </a:ext>
+            </a:extLst>
+          </p:cNvPr>
+          <p:cNvSpPr/>
+          <p:nvPr/>
+        </p:nvSpPr>
+        <p:spPr>
+          <a:xfrm>
+            <a:off x="4342647" y="3121350"/>
+            <a:ext cx="45720" cy="45720"/>
+          </a:xfrm>
+          <a:prstGeom prst="ellipse">
+            <a:avLst/>
+          </a:prstGeom>
+        </p:spPr>
+        <p:style>
+          <a:lnRef idx="2">
+            <a:schemeClr val="accent1"/>
+          </a:lnRef>
+          <a:fillRef idx="1">
+            <a:schemeClr val="lt1"/>
+          </a:fillRef>
+          <a:effectRef idx="0">
+            <a:schemeClr val="accent1"/>
+          </a:effectRef>
+          <a:fontRef idx="minor">
+            <a:schemeClr val="dk1"/>
+          </a:fontRef>
+        </p:style>
+        <p:txBody>
+          <a:bodyPr rtlCol="0" anchor="ctr"/>
+          <a:lstStyle/>
+          <a:p>
+            <a:pPr algn="ctr"/>
+            <a:endParaRPr lang="en-US"/>
+          </a:p>
+        </p:txBody>
+      </p:sp>
+      <p:sp>
+        <p:nvSpPr>
+          <p:cNvPr id="95" name="Oval 94">
+            <a:extLst>
+              <a:ext uri="{FF2B5EF4-FFF2-40B4-BE49-F238E27FC236}">
+                <a16:creationId xmlns:a16="http://schemas.microsoft.com/office/drawing/2014/main" id="{B0F3B4FB-9EE7-4A47-B1D6-D1010D43B07F}"/>
+              </a:ext>
+            </a:extLst>
+          </p:cNvPr>
+          <p:cNvSpPr/>
+          <p:nvPr/>
+        </p:nvSpPr>
+        <p:spPr>
+          <a:xfrm>
+            <a:off x="5354759" y="3121350"/>
+            <a:ext cx="45720" cy="45720"/>
+          </a:xfrm>
+          <a:prstGeom prst="ellipse">
+            <a:avLst/>
+          </a:prstGeom>
+        </p:spPr>
+        <p:style>
+          <a:lnRef idx="2">
+            <a:schemeClr val="accent1"/>
+          </a:lnRef>
+          <a:fillRef idx="1">
+            <a:schemeClr val="lt1"/>
+          </a:fillRef>
+          <a:effectRef idx="0">
+            <a:schemeClr val="accent1"/>
+          </a:effectRef>
+          <a:fontRef idx="minor">
+            <a:schemeClr val="dk1"/>
+          </a:fontRef>
+        </p:style>
+        <p:txBody>
+          <a:bodyPr rtlCol="0" anchor="ctr"/>
+          <a:lstStyle/>
+          <a:p>
+            <a:pPr algn="ctr"/>
+            <a:endParaRPr lang="en-US"/>
+          </a:p>
+        </p:txBody>
+      </p:sp>
+      <p:cxnSp>
+        <p:nvCxnSpPr>
+          <p:cNvPr id="657" name="Straight Connector 656">
+            <a:extLst>
+              <a:ext uri="{FF2B5EF4-FFF2-40B4-BE49-F238E27FC236}">
+                <a16:creationId xmlns:a16="http://schemas.microsoft.com/office/drawing/2014/main" id="{FB69A5C2-9E89-4B4F-80AD-D9AFEF749C8A}"/>
+              </a:ext>
+            </a:extLst>
+          </p:cNvPr>
+          <p:cNvCxnSpPr>
+            <a:stCxn id="87" idx="4"/>
+            <a:endCxn id="23" idx="3"/>
+          </p:cNvCxnSpPr>
+          <p:nvPr/>
+        </p:nvCxnSpPr>
+        <p:spPr>
+          <a:xfrm flipH="1">
+            <a:off x="1844384" y="3160374"/>
+            <a:ext cx="2385" cy="494438"/>
+          </a:xfrm>
+          <a:prstGeom prst="line">
+            <a:avLst/>
+          </a:prstGeom>
+          <a:ln w="12700"/>
+        </p:spPr>
+        <p:style>
+          <a:lnRef idx="1">
+            <a:schemeClr val="accent1"/>
+          </a:lnRef>
+          <a:fillRef idx="0">
+            <a:schemeClr val="accent1"/>
+          </a:fillRef>
+          <a:effectRef idx="0">
+            <a:schemeClr val="accent1"/>
+          </a:effectRef>
+          <a:fontRef idx="minor">
+            <a:schemeClr val="tx1"/>
+          </a:fontRef>
+        </p:style>
+      </p:cxnSp>
+      <p:cxnSp>
+        <p:nvCxnSpPr>
+          <p:cNvPr id="99" name="Straight Connector 98">
+            <a:extLst>
+              <a:ext uri="{FF2B5EF4-FFF2-40B4-BE49-F238E27FC236}">
+                <a16:creationId xmlns:a16="http://schemas.microsoft.com/office/drawing/2014/main" id="{A4437657-A649-4895-A9C8-B1850B13A873}"/>
+              </a:ext>
+            </a:extLst>
+          </p:cNvPr>
+          <p:cNvCxnSpPr>
+            <a:cxnSpLocks/>
+            <a:stCxn id="88" idx="4"/>
+            <a:endCxn id="80" idx="3"/>
+          </p:cNvCxnSpPr>
+          <p:nvPr/>
+        </p:nvCxnSpPr>
+        <p:spPr>
+          <a:xfrm>
+            <a:off x="3090106" y="3160374"/>
+            <a:ext cx="3095" cy="501014"/>
+          </a:xfrm>
+          <a:prstGeom prst="line">
+            <a:avLst/>
+          </a:prstGeom>
+          <a:ln w="12700"/>
+        </p:spPr>
+        <p:style>
+          <a:lnRef idx="1">
+            <a:schemeClr val="accent1"/>
+          </a:lnRef>
+          <a:fillRef idx="0">
+            <a:schemeClr val="accent1"/>
+          </a:fillRef>
+          <a:effectRef idx="0">
+            <a:schemeClr val="accent1"/>
+          </a:effectRef>
+          <a:fontRef idx="minor">
+            <a:schemeClr val="tx1"/>
+          </a:fontRef>
+        </p:style>
+      </p:cxnSp>
+      <p:sp>
+        <p:nvSpPr>
+          <p:cNvPr id="104" name="TextBox 103">
+            <a:extLst>
+              <a:ext uri="{FF2B5EF4-FFF2-40B4-BE49-F238E27FC236}">
+                <a16:creationId xmlns:a16="http://schemas.microsoft.com/office/drawing/2014/main" id="{D18BA299-512A-4163-8E38-67E773F19829}"/>
+              </a:ext>
+            </a:extLst>
+          </p:cNvPr>
+          <p:cNvSpPr txBox="1"/>
+          <p:nvPr/>
+        </p:nvSpPr>
+        <p:spPr>
+          <a:xfrm rot="19330050">
+            <a:off x="2589483" y="3958074"/>
+            <a:ext cx="1298627" cy="207749"/>
+          </a:xfrm>
+          <a:prstGeom prst="rect">
+            <a:avLst/>
+          </a:prstGeom>
+          <a:noFill/>
+        </p:spPr>
+        <p:txBody>
+          <a:bodyPr wrap="square" rtlCol="0">
+            <a:spAutoFit/>
+          </a:bodyPr>
+          <a:lstStyle/>
+          <a:p>
+            <a:pPr algn="r"/>
+            <a:r>
+              <a:rPr lang="en-US" sz="750" dirty="0" err="1">
+                <a:solidFill>
+                  <a:schemeClr val="tx1"/>
+                </a:solidFill>
+                <a:latin typeface="Roboto Slab Regular" panose="020B0604020202020204" charset="0"/>
+                <a:ea typeface="Roboto Slab Regular" panose="020B0604020202020204" charset="0"/>
+              </a:rPr>
+              <a:t>PostMapRequestHandler</a:t>
+            </a:r>
+            <a:endParaRPr lang="en-US" sz="750" dirty="0">
+              <a:solidFill>
+                <a:schemeClr val="tx1"/>
+              </a:solidFill>
+              <a:latin typeface="Roboto Slab Regular" panose="020B0604020202020204" charset="0"/>
+              <a:ea typeface="Roboto Slab Regular" panose="020B0604020202020204" charset="0"/>
+            </a:endParaRPr>
+          </a:p>
+        </p:txBody>
+      </p:sp>
+      <p:cxnSp>
+        <p:nvCxnSpPr>
+          <p:cNvPr id="105" name="Straight Connector 104">
+            <a:extLst>
+              <a:ext uri="{FF2B5EF4-FFF2-40B4-BE49-F238E27FC236}">
+                <a16:creationId xmlns:a16="http://schemas.microsoft.com/office/drawing/2014/main" id="{A0149153-19A3-4188-A55F-E79E13287E2C}"/>
+              </a:ext>
+            </a:extLst>
+          </p:cNvPr>
+          <p:cNvCxnSpPr>
+            <a:cxnSpLocks/>
+            <a:stCxn id="89" idx="4"/>
+            <a:endCxn id="104" idx="3"/>
+          </p:cNvCxnSpPr>
+          <p:nvPr/>
+        </p:nvCxnSpPr>
+        <p:spPr>
+          <a:xfrm>
+            <a:off x="3748288" y="3167070"/>
+            <a:ext cx="3341" cy="496619"/>
+          </a:xfrm>
+          <a:prstGeom prst="line">
+            <a:avLst/>
+          </a:prstGeom>
+          <a:ln w="12700"/>
+        </p:spPr>
+        <p:style>
+          <a:lnRef idx="1">
+            <a:schemeClr val="accent1"/>
+          </a:lnRef>
+          <a:fillRef idx="0">
+            <a:schemeClr val="accent1"/>
+          </a:fillRef>
+          <a:effectRef idx="0">
+            <a:schemeClr val="accent1"/>
+          </a:effectRef>
+          <a:fontRef idx="minor">
+            <a:schemeClr val="tx1"/>
+          </a:fontRef>
+        </p:style>
+      </p:cxnSp>
+      <p:sp>
+        <p:nvSpPr>
+          <p:cNvPr id="113" name="TextBox 112">
+            <a:extLst>
+              <a:ext uri="{FF2B5EF4-FFF2-40B4-BE49-F238E27FC236}">
+                <a16:creationId xmlns:a16="http://schemas.microsoft.com/office/drawing/2014/main" id="{F7A7990F-4442-4239-9BA2-CE3BC504BFB6}"/>
+              </a:ext>
+            </a:extLst>
+          </p:cNvPr>
+          <p:cNvSpPr txBox="1"/>
+          <p:nvPr/>
+        </p:nvSpPr>
+        <p:spPr>
+          <a:xfrm rot="19330050">
+            <a:off x="3346238" y="3906408"/>
+            <a:ext cx="1135995" cy="207749"/>
+          </a:xfrm>
+          <a:prstGeom prst="rect">
+            <a:avLst/>
+          </a:prstGeom>
+          <a:noFill/>
+        </p:spPr>
+        <p:txBody>
+          <a:bodyPr wrap="square" rtlCol="0">
+            <a:spAutoFit/>
+          </a:bodyPr>
+          <a:lstStyle/>
+          <a:p>
+            <a:pPr algn="r"/>
+            <a:r>
+              <a:rPr lang="en-US" sz="750" dirty="0" err="1">
+                <a:solidFill>
+                  <a:schemeClr val="tx1"/>
+                </a:solidFill>
+                <a:latin typeface="Roboto Slab Regular" panose="020B0604020202020204" charset="0"/>
+                <a:ea typeface="Roboto Slab Regular" panose="020B0604020202020204" charset="0"/>
+              </a:rPr>
+              <a:t>AcquireRequestState</a:t>
+            </a:r>
+            <a:endParaRPr lang="en-US" sz="750" dirty="0">
+              <a:solidFill>
+                <a:schemeClr val="tx1"/>
+              </a:solidFill>
+              <a:latin typeface="Roboto Slab Regular" panose="020B0604020202020204" charset="0"/>
+              <a:ea typeface="Roboto Slab Regular" panose="020B0604020202020204" charset="0"/>
+            </a:endParaRPr>
+          </a:p>
+        </p:txBody>
+      </p:sp>
+      <p:cxnSp>
+        <p:nvCxnSpPr>
+          <p:cNvPr id="114" name="Straight Connector 113">
+            <a:extLst>
+              <a:ext uri="{FF2B5EF4-FFF2-40B4-BE49-F238E27FC236}">
+                <a16:creationId xmlns:a16="http://schemas.microsoft.com/office/drawing/2014/main" id="{3797D8E9-DEA2-4E2E-BF3B-C81EF259CD76}"/>
+              </a:ext>
+            </a:extLst>
+          </p:cNvPr>
+          <p:cNvCxnSpPr>
+            <a:cxnSpLocks/>
+            <a:stCxn id="94" idx="4"/>
+            <a:endCxn id="113" idx="3"/>
+          </p:cNvCxnSpPr>
+          <p:nvPr/>
+        </p:nvCxnSpPr>
+        <p:spPr>
+          <a:xfrm flipH="1">
+            <a:off x="4362844" y="3167070"/>
+            <a:ext cx="2663" cy="494829"/>
+          </a:xfrm>
+          <a:prstGeom prst="line">
+            <a:avLst/>
+          </a:prstGeom>
+          <a:ln w="12700"/>
+        </p:spPr>
+        <p:style>
+          <a:lnRef idx="1">
+            <a:schemeClr val="accent1"/>
+          </a:lnRef>
+          <a:fillRef idx="0">
+            <a:schemeClr val="accent1"/>
+          </a:fillRef>
+          <a:effectRef idx="0">
+            <a:schemeClr val="accent1"/>
+          </a:effectRef>
+          <a:fontRef idx="minor">
+            <a:schemeClr val="tx1"/>
+          </a:fontRef>
+        </p:style>
+      </p:cxnSp>
+      <p:sp>
+        <p:nvSpPr>
+          <p:cNvPr id="125" name="TextBox 124">
+            <a:extLst>
+              <a:ext uri="{FF2B5EF4-FFF2-40B4-BE49-F238E27FC236}">
+                <a16:creationId xmlns:a16="http://schemas.microsoft.com/office/drawing/2014/main" id="{5AE2CFD5-EA56-4FFB-8F37-846843489F4C}"/>
+              </a:ext>
+            </a:extLst>
+          </p:cNvPr>
+          <p:cNvSpPr txBox="1"/>
+          <p:nvPr/>
+        </p:nvSpPr>
+        <p:spPr>
+          <a:xfrm rot="19330050">
+            <a:off x="4060456" y="4005277"/>
+            <a:ext cx="1470528" cy="207749"/>
+          </a:xfrm>
+          <a:prstGeom prst="rect">
+            <a:avLst/>
+          </a:prstGeom>
+          <a:noFill/>
+        </p:spPr>
+        <p:txBody>
+          <a:bodyPr wrap="square" rtlCol="0">
+            <a:spAutoFit/>
+          </a:bodyPr>
+          <a:lstStyle/>
+          <a:p>
+            <a:pPr algn="r"/>
+            <a:r>
+              <a:rPr lang="en-US" sz="750" dirty="0" err="1">
+                <a:solidFill>
+                  <a:schemeClr val="tx1"/>
+                </a:solidFill>
+                <a:latin typeface="Roboto Slab Regular" panose="020B0604020202020204" charset="0"/>
+                <a:ea typeface="Roboto Slab Regular" panose="020B0604020202020204" charset="0"/>
+              </a:rPr>
+              <a:t>PostAcquireRequestState</a:t>
+            </a:r>
+            <a:endParaRPr lang="en-US" sz="750" dirty="0">
+              <a:solidFill>
+                <a:schemeClr val="tx1"/>
+              </a:solidFill>
+              <a:latin typeface="Roboto Slab Regular" panose="020B0604020202020204" charset="0"/>
+              <a:ea typeface="Roboto Slab Regular" panose="020B0604020202020204" charset="0"/>
+            </a:endParaRPr>
+          </a:p>
+        </p:txBody>
+      </p:sp>
+      <p:cxnSp>
+        <p:nvCxnSpPr>
+          <p:cNvPr id="126" name="Straight Connector 125">
+            <a:extLst>
+              <a:ext uri="{FF2B5EF4-FFF2-40B4-BE49-F238E27FC236}">
+                <a16:creationId xmlns:a16="http://schemas.microsoft.com/office/drawing/2014/main" id="{3356411B-730E-4677-B228-2AC8DFDE7E40}"/>
+              </a:ext>
+            </a:extLst>
+          </p:cNvPr>
+          <p:cNvCxnSpPr>
+            <a:cxnSpLocks/>
+            <a:stCxn id="95" idx="4"/>
+            <a:endCxn id="125" idx="3"/>
+          </p:cNvCxnSpPr>
+          <p:nvPr/>
+        </p:nvCxnSpPr>
+        <p:spPr>
+          <a:xfrm flipH="1">
+            <a:off x="5376437" y="3167070"/>
+            <a:ext cx="1182" cy="491104"/>
+          </a:xfrm>
+          <a:prstGeom prst="line">
+            <a:avLst/>
+          </a:prstGeom>
+          <a:ln w="12700"/>
+        </p:spPr>
+        <p:style>
+          <a:lnRef idx="1">
+            <a:schemeClr val="accent1"/>
+          </a:lnRef>
+          <a:fillRef idx="0">
+            <a:schemeClr val="accent1"/>
+          </a:fillRef>
+          <a:effectRef idx="0">
+            <a:schemeClr val="accent1"/>
+          </a:effectRef>
+          <a:fontRef idx="minor">
+            <a:schemeClr val="tx1"/>
+          </a:fontRef>
+        </p:style>
+      </p:cxnSp>
+      <p:cxnSp>
+        <p:nvCxnSpPr>
+          <p:cNvPr id="131" name="Straight Connector 130">
+            <a:extLst>
+              <a:ext uri="{FF2B5EF4-FFF2-40B4-BE49-F238E27FC236}">
+                <a16:creationId xmlns:a16="http://schemas.microsoft.com/office/drawing/2014/main" id="{29724206-6857-43B6-AEB0-1F3EA6EA176D}"/>
+              </a:ext>
+            </a:extLst>
+          </p:cNvPr>
+          <p:cNvCxnSpPr>
+            <a:cxnSpLocks/>
+            <a:stCxn id="90" idx="4"/>
+            <a:endCxn id="134" idx="3"/>
+          </p:cNvCxnSpPr>
+          <p:nvPr/>
+        </p:nvCxnSpPr>
+        <p:spPr>
+          <a:xfrm>
+            <a:off x="6014784" y="3167070"/>
+            <a:ext cx="4231" cy="491222"/>
+          </a:xfrm>
+          <a:prstGeom prst="line">
+            <a:avLst/>
+          </a:prstGeom>
+          <a:ln w="12700"/>
+        </p:spPr>
+        <p:style>
+          <a:lnRef idx="1">
+            <a:schemeClr val="accent1"/>
+          </a:lnRef>
+          <a:fillRef idx="0">
+            <a:schemeClr val="accent1"/>
+          </a:fillRef>
+          <a:effectRef idx="0">
+            <a:schemeClr val="accent1"/>
+          </a:effectRef>
+          <a:fontRef idx="minor">
+            <a:schemeClr val="tx1"/>
+          </a:fontRef>
+        </p:style>
+      </p:cxnSp>
+      <p:sp>
+        <p:nvSpPr>
+          <p:cNvPr id="134" name="TextBox 133">
+            <a:extLst>
+              <a:ext uri="{FF2B5EF4-FFF2-40B4-BE49-F238E27FC236}">
+                <a16:creationId xmlns:a16="http://schemas.microsoft.com/office/drawing/2014/main" id="{BC4F3A97-A026-4D03-9AE1-F0A8DF7B8C6B}"/>
+              </a:ext>
+            </a:extLst>
+          </p:cNvPr>
+          <p:cNvSpPr txBox="1"/>
+          <p:nvPr/>
+        </p:nvSpPr>
+        <p:spPr>
+          <a:xfrm rot="19330050">
+            <a:off x="4703034" y="4005395"/>
+            <a:ext cx="1470528" cy="207749"/>
+          </a:xfrm>
+          <a:prstGeom prst="rect">
+            <a:avLst/>
+          </a:prstGeom>
+          <a:noFill/>
+        </p:spPr>
+        <p:txBody>
+          <a:bodyPr wrap="square" rtlCol="0">
+            <a:spAutoFit/>
+          </a:bodyPr>
+          <a:lstStyle/>
+          <a:p>
+            <a:pPr algn="r"/>
+            <a:r>
+              <a:rPr lang="en-US" sz="750" dirty="0" err="1">
+                <a:solidFill>
+                  <a:schemeClr val="tx1"/>
+                </a:solidFill>
+                <a:latin typeface="Roboto Slab Regular" panose="020B0604020202020204" charset="0"/>
+                <a:ea typeface="Roboto Slab Regular" panose="020B0604020202020204" charset="0"/>
+              </a:rPr>
+              <a:t>PreRequestHandlerExecute</a:t>
+            </a:r>
+            <a:endParaRPr lang="en-US" sz="750" dirty="0">
+              <a:solidFill>
+                <a:schemeClr val="tx1"/>
+              </a:solidFill>
+              <a:latin typeface="Roboto Slab Regular" panose="020B0604020202020204" charset="0"/>
+              <a:ea typeface="Roboto Slab Regular" panose="020B0604020202020204" charset="0"/>
+            </a:endParaRPr>
+          </a:p>
+        </p:txBody>
+      </p:sp>
+      <p:cxnSp>
+        <p:nvCxnSpPr>
+          <p:cNvPr id="136" name="Straight Connector 135">
+            <a:extLst>
+              <a:ext uri="{FF2B5EF4-FFF2-40B4-BE49-F238E27FC236}">
+                <a16:creationId xmlns:a16="http://schemas.microsoft.com/office/drawing/2014/main" id="{D202FAC2-0B6F-4EFF-A341-31B29FF6107C}"/>
+              </a:ext>
+            </a:extLst>
+          </p:cNvPr>
+          <p:cNvCxnSpPr>
+            <a:cxnSpLocks/>
+            <a:stCxn id="91" idx="4"/>
+            <a:endCxn id="144" idx="3"/>
+          </p:cNvCxnSpPr>
+          <p:nvPr/>
+        </p:nvCxnSpPr>
+        <p:spPr>
+          <a:xfrm>
+            <a:off x="6675468" y="3167070"/>
+            <a:ext cx="466" cy="489504"/>
+          </a:xfrm>
+          <a:prstGeom prst="line">
+            <a:avLst/>
+          </a:prstGeom>
+          <a:ln w="12700"/>
+        </p:spPr>
+        <p:style>
+          <a:lnRef idx="1">
+            <a:schemeClr val="accent1"/>
+          </a:lnRef>
+          <a:fillRef idx="0">
+            <a:schemeClr val="accent1"/>
+          </a:fillRef>
+          <a:effectRef idx="0">
+            <a:schemeClr val="accent1"/>
+          </a:effectRef>
+          <a:fontRef idx="minor">
+            <a:schemeClr val="tx1"/>
+          </a:fontRef>
+        </p:style>
+      </p:cxnSp>
+      <p:sp>
+        <p:nvSpPr>
+          <p:cNvPr id="144" name="TextBox 143">
+            <a:extLst>
+              <a:ext uri="{FF2B5EF4-FFF2-40B4-BE49-F238E27FC236}">
+                <a16:creationId xmlns:a16="http://schemas.microsoft.com/office/drawing/2014/main" id="{E99AE01D-4916-4083-B8CE-EF7056B5B93B}"/>
+              </a:ext>
+            </a:extLst>
+          </p:cNvPr>
+          <p:cNvSpPr txBox="1"/>
+          <p:nvPr/>
+        </p:nvSpPr>
+        <p:spPr>
+          <a:xfrm rot="19330050">
+            <a:off x="5359953" y="4003677"/>
+            <a:ext cx="1470528" cy="207749"/>
+          </a:xfrm>
+          <a:prstGeom prst="rect">
+            <a:avLst/>
+          </a:prstGeom>
+          <a:noFill/>
+        </p:spPr>
+        <p:txBody>
+          <a:bodyPr wrap="square" rtlCol="0">
+            <a:spAutoFit/>
+          </a:bodyPr>
+          <a:lstStyle/>
+          <a:p>
+            <a:pPr algn="r"/>
+            <a:r>
+              <a:rPr lang="en-US" sz="750" dirty="0" err="1">
+                <a:solidFill>
+                  <a:schemeClr val="tx1"/>
+                </a:solidFill>
+                <a:latin typeface="Roboto Slab Regular" panose="020B0604020202020204" charset="0"/>
+                <a:ea typeface="Roboto Slab Regular" panose="020B0604020202020204" charset="0"/>
+              </a:rPr>
+              <a:t>PostRequestHandlerExecute</a:t>
+            </a:r>
+            <a:endParaRPr lang="en-US" sz="750" dirty="0">
+              <a:solidFill>
+                <a:schemeClr val="tx1"/>
+              </a:solidFill>
+              <a:latin typeface="Roboto Slab Regular" panose="020B0604020202020204" charset="0"/>
+              <a:ea typeface="Roboto Slab Regular" panose="020B0604020202020204" charset="0"/>
+            </a:endParaRPr>
+          </a:p>
+        </p:txBody>
+      </p:sp>
+      <p:sp>
+        <p:nvSpPr>
+          <p:cNvPr id="146" name="TextBox 145">
+            <a:extLst>
+              <a:ext uri="{FF2B5EF4-FFF2-40B4-BE49-F238E27FC236}">
+                <a16:creationId xmlns:a16="http://schemas.microsoft.com/office/drawing/2014/main" id="{D5B187B2-C5A2-42C4-B46F-7D93B85ED0A2}"/>
+              </a:ext>
+            </a:extLst>
+          </p:cNvPr>
+          <p:cNvSpPr txBox="1"/>
+          <p:nvPr/>
+        </p:nvSpPr>
+        <p:spPr>
+          <a:xfrm>
+            <a:off x="6855686" y="3199977"/>
+            <a:ext cx="490688" cy="423193"/>
+          </a:xfrm>
+          <a:prstGeom prst="rect">
+            <a:avLst/>
+          </a:prstGeom>
+          <a:noFill/>
+        </p:spPr>
+        <p:txBody>
+          <a:bodyPr wrap="square" rtlCol="0">
+            <a:spAutoFit/>
+          </a:bodyPr>
+          <a:lstStyle/>
+          <a:p>
+            <a:pPr algn="ctr"/>
+            <a:r>
+              <a:rPr lang="en-US" sz="700" dirty="0">
+                <a:solidFill>
+                  <a:schemeClr val="tx1"/>
+                </a:solidFill>
+                <a:latin typeface="Roboto Slab Regular" panose="020B0604020202020204" charset="0"/>
+                <a:ea typeface="Roboto Slab Regular" panose="020B0604020202020204" charset="0"/>
+              </a:rPr>
+              <a:t>Other events</a:t>
+            </a:r>
+          </a:p>
+          <a:p>
+            <a:pPr algn="ctr"/>
+            <a:r>
+              <a:rPr lang="it-IT" sz="750" b="1" dirty="0">
+                <a:solidFill>
+                  <a:schemeClr val="tx1"/>
+                </a:solidFill>
+                <a:latin typeface="Roboto Slab Regular" panose="020B0604020202020204" charset="0"/>
+                <a:ea typeface="Roboto Slab Regular" panose="020B0604020202020204" charset="0"/>
+              </a:rPr>
+              <a:t>. . .</a:t>
+            </a:r>
+            <a:endParaRPr lang="en-US" sz="750" b="1" dirty="0">
+              <a:solidFill>
+                <a:schemeClr val="tx1"/>
+              </a:solidFill>
+              <a:latin typeface="Roboto Slab Regular" panose="020B0604020202020204" charset="0"/>
+              <a:ea typeface="Roboto Slab Regular" panose="020B0604020202020204" charset="0"/>
+            </a:endParaRPr>
+          </a:p>
+        </p:txBody>
+      </p:sp>
+      <p:cxnSp>
+        <p:nvCxnSpPr>
+          <p:cNvPr id="147" name="Straight Connector 146">
+            <a:extLst>
+              <a:ext uri="{FF2B5EF4-FFF2-40B4-BE49-F238E27FC236}">
+                <a16:creationId xmlns:a16="http://schemas.microsoft.com/office/drawing/2014/main" id="{CF28752E-74FD-4062-A07C-DEF78EAA8152}"/>
+              </a:ext>
+            </a:extLst>
+          </p:cNvPr>
+          <p:cNvCxnSpPr>
+            <a:cxnSpLocks/>
+            <a:stCxn id="92" idx="4"/>
+            <a:endCxn id="154" idx="3"/>
+          </p:cNvCxnSpPr>
+          <p:nvPr/>
+        </p:nvCxnSpPr>
+        <p:spPr>
+          <a:xfrm flipH="1">
+            <a:off x="7531276" y="3167070"/>
+            <a:ext cx="6926" cy="488048"/>
+          </a:xfrm>
+          <a:prstGeom prst="line">
+            <a:avLst/>
+          </a:prstGeom>
+          <a:ln w="12700"/>
+        </p:spPr>
+        <p:style>
+          <a:lnRef idx="1">
+            <a:schemeClr val="accent1"/>
+          </a:lnRef>
+          <a:fillRef idx="0">
+            <a:schemeClr val="accent1"/>
+          </a:fillRef>
+          <a:effectRef idx="0">
+            <a:schemeClr val="accent1"/>
+          </a:effectRef>
+          <a:fontRef idx="minor">
+            <a:schemeClr val="tx1"/>
+          </a:fontRef>
+        </p:style>
+      </p:cxnSp>
+      <p:sp>
+        <p:nvSpPr>
+          <p:cNvPr id="154" name="TextBox 153">
+            <a:extLst>
+              <a:ext uri="{FF2B5EF4-FFF2-40B4-BE49-F238E27FC236}">
+                <a16:creationId xmlns:a16="http://schemas.microsoft.com/office/drawing/2014/main" id="{89B6D1DD-C22F-47B1-B7BB-08FBB9A56116}"/>
+              </a:ext>
+            </a:extLst>
+          </p:cNvPr>
+          <p:cNvSpPr txBox="1"/>
+          <p:nvPr/>
+        </p:nvSpPr>
+        <p:spPr>
+          <a:xfrm rot="19330050">
+            <a:off x="6215295" y="4002221"/>
+            <a:ext cx="1470528" cy="207749"/>
+          </a:xfrm>
+          <a:prstGeom prst="rect">
+            <a:avLst/>
+          </a:prstGeom>
+          <a:noFill/>
+        </p:spPr>
+        <p:txBody>
+          <a:bodyPr wrap="square" rtlCol="0">
+            <a:spAutoFit/>
+          </a:bodyPr>
+          <a:lstStyle/>
+          <a:p>
+            <a:pPr algn="r"/>
+            <a:r>
+              <a:rPr lang="en-US" sz="750" dirty="0" err="1">
+                <a:solidFill>
+                  <a:schemeClr val="tx1"/>
+                </a:solidFill>
+                <a:latin typeface="Roboto Slab Regular" panose="020B0604020202020204" charset="0"/>
+                <a:ea typeface="Roboto Slab Regular" panose="020B0604020202020204" charset="0"/>
+              </a:rPr>
+              <a:t>PreSendRequestContent</a:t>
+            </a:r>
+            <a:endParaRPr lang="en-US" sz="750" dirty="0">
+              <a:solidFill>
+                <a:schemeClr val="tx1"/>
+              </a:solidFill>
+              <a:latin typeface="Roboto Slab Regular" panose="020B0604020202020204" charset="0"/>
+              <a:ea typeface="Roboto Slab Regular" panose="020B0604020202020204" charset="0"/>
+            </a:endParaRPr>
+          </a:p>
+        </p:txBody>
+      </p:sp>
+      <p:sp>
+        <p:nvSpPr>
+          <p:cNvPr id="156" name="TextBox 155">
+            <a:extLst>
+              <a:ext uri="{FF2B5EF4-FFF2-40B4-BE49-F238E27FC236}">
+                <a16:creationId xmlns:a16="http://schemas.microsoft.com/office/drawing/2014/main" id="{560B7400-5153-4478-A608-C63087199900}"/>
+              </a:ext>
+            </a:extLst>
+          </p:cNvPr>
+          <p:cNvSpPr txBox="1"/>
+          <p:nvPr/>
+        </p:nvSpPr>
+        <p:spPr>
+          <a:xfrm>
+            <a:off x="2193142" y="3203825"/>
+            <a:ext cx="490688" cy="423193"/>
+          </a:xfrm>
+          <a:prstGeom prst="rect">
+            <a:avLst/>
+          </a:prstGeom>
+          <a:noFill/>
+        </p:spPr>
+        <p:txBody>
+          <a:bodyPr wrap="square" rtlCol="0">
+            <a:spAutoFit/>
+          </a:bodyPr>
+          <a:lstStyle/>
+          <a:p>
+            <a:pPr algn="ctr"/>
+            <a:r>
+              <a:rPr lang="en-US" sz="700" dirty="0">
+                <a:solidFill>
+                  <a:schemeClr val="tx1"/>
+                </a:solidFill>
+                <a:latin typeface="Roboto Slab Regular" panose="020B0604020202020204" charset="0"/>
+                <a:ea typeface="Roboto Slab Regular" panose="020B0604020202020204" charset="0"/>
+              </a:rPr>
+              <a:t>Other events</a:t>
+            </a:r>
+          </a:p>
+          <a:p>
+            <a:pPr algn="ctr"/>
+            <a:r>
+              <a:rPr lang="it-IT" sz="750" b="1" dirty="0">
+                <a:solidFill>
+                  <a:schemeClr val="tx1"/>
+                </a:solidFill>
+                <a:latin typeface="Roboto Slab Regular" panose="020B0604020202020204" charset="0"/>
+                <a:ea typeface="Roboto Slab Regular" panose="020B0604020202020204" charset="0"/>
+              </a:rPr>
+              <a:t>. . .</a:t>
+            </a:r>
+            <a:endParaRPr lang="en-US" sz="750" b="1" dirty="0">
+              <a:solidFill>
+                <a:schemeClr val="tx1"/>
+              </a:solidFill>
+              <a:latin typeface="Roboto Slab Regular" panose="020B0604020202020204" charset="0"/>
+              <a:ea typeface="Roboto Slab Regular" panose="020B0604020202020204" charset="0"/>
+            </a:endParaRPr>
+          </a:p>
+        </p:txBody>
+      </p:sp>
+      <p:sp>
+        <p:nvSpPr>
+          <p:cNvPr id="158" name="TextBox 157">
+            <a:extLst>
+              <a:ext uri="{FF2B5EF4-FFF2-40B4-BE49-F238E27FC236}">
+                <a16:creationId xmlns:a16="http://schemas.microsoft.com/office/drawing/2014/main" id="{7D40ED32-6832-40B7-9599-D866A93DF754}"/>
+              </a:ext>
+            </a:extLst>
+          </p:cNvPr>
+          <p:cNvSpPr txBox="1"/>
+          <p:nvPr/>
+        </p:nvSpPr>
+        <p:spPr>
+          <a:xfrm rot="19330050">
+            <a:off x="-117636" y="3798130"/>
+            <a:ext cx="1152276" cy="323165"/>
+          </a:xfrm>
+          <a:prstGeom prst="rect">
+            <a:avLst/>
+          </a:prstGeom>
+          <a:noFill/>
+        </p:spPr>
+        <p:txBody>
+          <a:bodyPr wrap="square" rtlCol="0">
+            <a:spAutoFit/>
+          </a:bodyPr>
+          <a:lstStyle/>
+          <a:p>
+            <a:pPr algn="ctr"/>
+            <a:r>
+              <a:rPr lang="it-IT" sz="750" b="1" dirty="0">
+                <a:solidFill>
+                  <a:schemeClr val="tx1"/>
+                </a:solidFill>
+                <a:latin typeface="Roboto Slab Regular" panose="020B0604020202020204" charset="0"/>
+                <a:ea typeface="Roboto Slab Regular" panose="020B0604020202020204" charset="0"/>
+              </a:rPr>
+              <a:t>R</a:t>
+            </a:r>
+            <a:r>
+              <a:rPr lang="en-US" sz="750" b="1" dirty="0" err="1">
+                <a:solidFill>
+                  <a:schemeClr val="tx1"/>
+                </a:solidFill>
+                <a:latin typeface="Roboto Slab Regular" panose="020B0604020202020204" charset="0"/>
+                <a:ea typeface="Roboto Slab Regular" panose="020B0604020202020204" charset="0"/>
+              </a:rPr>
+              <a:t>equest</a:t>
+            </a:r>
+            <a:r>
+              <a:rPr lang="en-US" sz="750" b="1" dirty="0">
+                <a:solidFill>
+                  <a:schemeClr val="tx1"/>
+                </a:solidFill>
+                <a:latin typeface="Roboto Slab Regular" panose="020B0604020202020204" charset="0"/>
+                <a:ea typeface="Roboto Slab Regular" panose="020B0604020202020204" charset="0"/>
+              </a:rPr>
+              <a:t> Pipeline Events</a:t>
+            </a:r>
+          </a:p>
+        </p:txBody>
+      </p:sp>
+      <p:sp>
+        <p:nvSpPr>
+          <p:cNvPr id="160" name="TextBox 159">
+            <a:extLst>
+              <a:ext uri="{FF2B5EF4-FFF2-40B4-BE49-F238E27FC236}">
+                <a16:creationId xmlns:a16="http://schemas.microsoft.com/office/drawing/2014/main" id="{0E45FA28-3CFC-4BBF-85D8-044275FCF555}"/>
+              </a:ext>
+            </a:extLst>
+          </p:cNvPr>
+          <p:cNvSpPr txBox="1"/>
+          <p:nvPr/>
+        </p:nvSpPr>
+        <p:spPr>
+          <a:xfrm>
+            <a:off x="6426603" y="1485437"/>
+            <a:ext cx="1340845" cy="438582"/>
+          </a:xfrm>
+          <a:prstGeom prst="rect">
+            <a:avLst/>
+          </a:prstGeom>
+          <a:noFill/>
+        </p:spPr>
+        <p:txBody>
+          <a:bodyPr wrap="square" rtlCol="0">
+            <a:spAutoFit/>
+          </a:bodyPr>
+          <a:lstStyle/>
+          <a:p>
+            <a:pPr algn="ctr"/>
+            <a:r>
+              <a:rPr lang="en-US" sz="750" b="1" dirty="0">
+                <a:solidFill>
+                  <a:schemeClr val="tx1"/>
+                </a:solidFill>
+                <a:latin typeface="Roboto Slab Regular" panose="020B0604020202020204" charset="0"/>
+                <a:ea typeface="Roboto Slab Regular" panose="020B0604020202020204" charset="0"/>
+              </a:rPr>
+              <a:t>Modules </a:t>
+            </a:r>
+            <a:r>
+              <a:rPr lang="en-US" sz="750" dirty="0">
+                <a:solidFill>
+                  <a:schemeClr val="tx1"/>
+                </a:solidFill>
+                <a:latin typeface="Roboto Slab Regular" panose="020B0604020202020204" charset="0"/>
+                <a:ea typeface="Roboto Slab Regular" panose="020B0604020202020204" charset="0"/>
+              </a:rPr>
+              <a:t>providing </a:t>
+            </a:r>
+          </a:p>
+          <a:p>
+            <a:pPr algn="ctr"/>
+            <a:r>
+              <a:rPr lang="en-US" sz="750" dirty="0">
+                <a:solidFill>
+                  <a:schemeClr val="tx1"/>
+                </a:solidFill>
+                <a:latin typeface="Roboto Slab Regular" panose="020B0604020202020204" charset="0"/>
+                <a:ea typeface="Roboto Slab Regular" panose="020B0604020202020204" charset="0"/>
+              </a:rPr>
+              <a:t>other services </a:t>
+            </a:r>
+          </a:p>
+          <a:p>
+            <a:pPr algn="ctr"/>
+            <a:r>
+              <a:rPr lang="en-US" sz="750" dirty="0">
+                <a:solidFill>
+                  <a:schemeClr val="tx1"/>
+                </a:solidFill>
+                <a:latin typeface="Roboto Slab Regular" panose="020B0604020202020204" charset="0"/>
+                <a:ea typeface="Roboto Slab Regular" panose="020B0604020202020204" charset="0"/>
+              </a:rPr>
+              <a:t>executed</a:t>
+            </a:r>
+          </a:p>
+        </p:txBody>
+      </p:sp>
+      <p:cxnSp>
+        <p:nvCxnSpPr>
+          <p:cNvPr id="161" name="Straight Arrow Connector 160">
+            <a:extLst>
+              <a:ext uri="{FF2B5EF4-FFF2-40B4-BE49-F238E27FC236}">
+                <a16:creationId xmlns:a16="http://schemas.microsoft.com/office/drawing/2014/main" id="{90CDF2E8-9A49-4BC4-B2B4-A214EDAC9B6E}"/>
+              </a:ext>
+            </a:extLst>
+          </p:cNvPr>
+          <p:cNvCxnSpPr>
+            <a:cxnSpLocks/>
+          </p:cNvCxnSpPr>
+          <p:nvPr/>
+        </p:nvCxnSpPr>
+        <p:spPr>
+          <a:xfrm>
+            <a:off x="6655850" y="1963624"/>
+            <a:ext cx="882352" cy="1160"/>
+          </a:xfrm>
+          <a:prstGeom prst="straightConnector1">
+            <a:avLst/>
+          </a:prstGeom>
+          <a:ln>
+            <a:headEnd type="triangle"/>
+            <a:tailEnd type="triangle"/>
+          </a:ln>
+        </p:spPr>
+        <p:style>
+          <a:lnRef idx="1">
+            <a:schemeClr val="accent1"/>
+          </a:lnRef>
+          <a:fillRef idx="0">
+            <a:schemeClr val="accent1"/>
+          </a:fillRef>
+          <a:effectRef idx="0">
+            <a:schemeClr val="accent1"/>
+          </a:effectRef>
+          <a:fontRef idx="minor">
+            <a:schemeClr val="tx1"/>
+          </a:fontRef>
+        </p:style>
+      </p:cxnSp>
+      <p:sp>
+        <p:nvSpPr>
+          <p:cNvPr id="701" name="Oval 700">
+            <a:extLst>
+              <a:ext uri="{FF2B5EF4-FFF2-40B4-BE49-F238E27FC236}">
+                <a16:creationId xmlns:a16="http://schemas.microsoft.com/office/drawing/2014/main" id="{18D82FA2-23AB-4B71-84D4-340D1E1F1520}"/>
+              </a:ext>
+            </a:extLst>
+          </p:cNvPr>
+          <p:cNvSpPr/>
+          <p:nvPr/>
+        </p:nvSpPr>
+        <p:spPr>
+          <a:xfrm>
+            <a:off x="5234104" y="870259"/>
+            <a:ext cx="1464224" cy="418344"/>
+          </a:xfrm>
+          <a:prstGeom prst="ellipse">
+            <a:avLst/>
+          </a:prstGeom>
+          <a:gradFill>
+            <a:gsLst>
+              <a:gs pos="0">
+                <a:schemeClr val="accent3">
+                  <a:lumMod val="20000"/>
+                  <a:lumOff val="80000"/>
+                </a:schemeClr>
+              </a:gs>
+              <a:gs pos="0">
+                <a:schemeClr val="accent3">
+                  <a:tint val="37000"/>
+                  <a:satMod val="300000"/>
+                </a:schemeClr>
+              </a:gs>
+              <a:gs pos="100000">
+                <a:schemeClr val="accent3">
+                  <a:tint val="15000"/>
+                  <a:satMod val="350000"/>
+                </a:schemeClr>
+              </a:gs>
+            </a:gsLst>
+            <a:lin ang="16200000" scaled="1"/>
+          </a:gradFill>
+          <a:ln/>
+        </p:spPr>
+        <p:style>
+          <a:lnRef idx="1">
+            <a:schemeClr val="accent3"/>
+          </a:lnRef>
+          <a:fillRef idx="2">
+            <a:schemeClr val="accent3"/>
+          </a:fillRef>
+          <a:effectRef idx="1">
+            <a:schemeClr val="accent3"/>
+          </a:effectRef>
+          <a:fontRef idx="minor">
+            <a:schemeClr val="dk1"/>
+          </a:fontRef>
+        </p:style>
+        <p:txBody>
+          <a:bodyPr rtlCol="0" anchor="ctr"/>
+          <a:lstStyle/>
+          <a:p>
+            <a:pPr algn="ctr"/>
+            <a:r>
+              <a:rPr lang="en-US" sz="700" dirty="0" err="1">
+                <a:solidFill>
+                  <a:schemeClr val="tx1"/>
+                </a:solidFill>
+                <a:latin typeface="Consolas" panose="020B0609020204030204" pitchFamily="49" charset="0"/>
+                <a:ea typeface="Roboto Slab Regular" panose="020B0604020202020204" charset="0"/>
+              </a:rPr>
+              <a:t>ProcessRequest</a:t>
+            </a:r>
+            <a:r>
+              <a:rPr lang="en-US" sz="700" dirty="0">
+                <a:solidFill>
+                  <a:schemeClr val="tx1"/>
+                </a:solidFill>
+                <a:latin typeface="Consolas" panose="020B0609020204030204" pitchFamily="49" charset="0"/>
+                <a:ea typeface="Roboto Slab Regular" panose="020B0604020202020204" charset="0"/>
+              </a:rPr>
+              <a:t>(…)</a:t>
+            </a:r>
+          </a:p>
+          <a:p>
+            <a:pPr algn="ctr"/>
+            <a:r>
+              <a:rPr lang="en-US" sz="700" dirty="0">
+                <a:solidFill>
+                  <a:schemeClr val="tx1"/>
+                </a:solidFill>
+                <a:latin typeface="Roboto Slab Regular" panose="020B0604020202020204" charset="0"/>
+                <a:ea typeface="Roboto Slab Regular" panose="020B0604020202020204" charset="0"/>
+              </a:rPr>
+              <a:t>executed</a:t>
+            </a:r>
+            <a:endParaRPr lang="en-US" sz="700" dirty="0">
+              <a:latin typeface="Roboto Slab Regular" panose="020B0604020202020204" charset="0"/>
+              <a:ea typeface="Roboto Slab Regular" panose="020B0604020202020204" charset="0"/>
+            </a:endParaRPr>
+          </a:p>
+        </p:txBody>
+      </p:sp>
+      <p:cxnSp>
+        <p:nvCxnSpPr>
+          <p:cNvPr id="65" name="Connector: Curved 64">
+            <a:extLst>
+              <a:ext uri="{FF2B5EF4-FFF2-40B4-BE49-F238E27FC236}">
+                <a16:creationId xmlns:a16="http://schemas.microsoft.com/office/drawing/2014/main" id="{F041DBD3-C5D0-4253-A18F-84FFEB3AB6E7}"/>
+              </a:ext>
+            </a:extLst>
+          </p:cNvPr>
+          <p:cNvCxnSpPr>
+            <a:cxnSpLocks/>
+            <a:stCxn id="13" idx="0"/>
+            <a:endCxn id="701" idx="4"/>
+          </p:cNvCxnSpPr>
+          <p:nvPr/>
+        </p:nvCxnSpPr>
+        <p:spPr>
+          <a:xfrm rot="16200000" flipV="1">
+            <a:off x="5609543" y="1645277"/>
+            <a:ext cx="1073755" cy="360407"/>
+          </a:xfrm>
+          <a:prstGeom prst="curvedConnector3">
+            <a:avLst>
+              <a:gd name="adj1" fmla="val 69502"/>
+            </a:avLst>
+          </a:prstGeom>
+          <a:ln>
+            <a:solidFill>
+              <a:schemeClr val="accent1">
+                <a:shade val="95000"/>
+                <a:satMod val="105000"/>
+              </a:schemeClr>
+            </a:solidFill>
+            <a:prstDash val="dash"/>
+            <a:tailEnd type="triangle"/>
+          </a:ln>
+        </p:spPr>
+        <p:style>
+          <a:lnRef idx="1">
+            <a:schemeClr val="accent1"/>
+          </a:lnRef>
+          <a:fillRef idx="0">
+            <a:schemeClr val="accent1"/>
+          </a:fillRef>
+          <a:effectRef idx="0">
+            <a:schemeClr val="accent1"/>
+          </a:effectRef>
+          <a:fontRef idx="minor">
+            <a:schemeClr val="tx1"/>
+          </a:fontRef>
+        </p:style>
+      </p:cxnSp>
     </p:spTree>
     <p:extLst>
       <p:ext uri="{BB962C8B-B14F-4D97-AF65-F5344CB8AC3E}">
-        <p14:creationId xmlns:p14="http://schemas.microsoft.com/office/powerpoint/2010/main" val="4157093812"/>
+        <p14:creationId xmlns:p14="http://schemas.microsoft.com/office/powerpoint/2010/main" val="3283785537"/>
       </p:ext>
     </p:extLst>
   </p:cSld>
@@ -19572,7 +21709,7 @@
         <p:spPr>
           <a:xfrm>
             <a:off x="603251" y="965200"/>
-            <a:ext cx="8426450" cy="3835400"/>
+            <a:ext cx="8426450" cy="3432296"/>
           </a:xfrm>
           <a:prstGeom prst="rect">
             <a:avLst/>
@@ -19637,6 +21774,68 @@
               <a:buChar char="ü"/>
             </a:pPr>
             <a:r>
+              <a:rPr lang="en-US" dirty="0" err="1">
+                <a:solidFill>
+                  <a:schemeClr val="tx1"/>
+                </a:solidFill>
+                <a:latin typeface="Consolas" panose="020B0609020204030204" pitchFamily="49" charset="0"/>
+                <a:ea typeface="Roboto Slab Regular" panose="020B0604020202020204" charset="0"/>
+              </a:rPr>
+              <a:t>IHttpHandler.ProcessRequestMethod</a:t>
+            </a:r>
+            <a:r>
+              <a:rPr lang="en-US" dirty="0">
+                <a:solidFill>
+                  <a:schemeClr val="tx1"/>
+                </a:solidFill>
+                <a:latin typeface="Consolas" panose="020B0609020204030204" pitchFamily="49" charset="0"/>
+                <a:ea typeface="Roboto Slab Regular" panose="020B0604020202020204" charset="0"/>
+              </a:rPr>
+              <a:t>(</a:t>
+            </a:r>
+            <a:r>
+              <a:rPr lang="en-US" dirty="0" err="1">
+                <a:solidFill>
+                  <a:schemeClr val="tx1"/>
+                </a:solidFill>
+                <a:latin typeface="Consolas" panose="020B0609020204030204" pitchFamily="49" charset="0"/>
+                <a:ea typeface="Roboto Slab Regular" panose="020B0604020202020204" charset="0"/>
+              </a:rPr>
+              <a:t>HttpContext</a:t>
+            </a:r>
+            <a:r>
+              <a:rPr lang="en-US" dirty="0">
+                <a:solidFill>
+                  <a:schemeClr val="tx1"/>
+                </a:solidFill>
+                <a:latin typeface="Consolas" panose="020B0609020204030204" pitchFamily="49" charset="0"/>
+                <a:ea typeface="Roboto Slab Regular" panose="020B0604020202020204" charset="0"/>
+              </a:rPr>
+              <a:t>)</a:t>
+            </a:r>
+            <a:r>
+              <a:rPr lang="en-US" dirty="0">
+                <a:solidFill>
+                  <a:schemeClr val="tx1"/>
+                </a:solidFill>
+                <a:latin typeface="Roboto Slab Regular" panose="020B0604020202020204" charset="0"/>
+                <a:ea typeface="Roboto Slab Regular" panose="020B0604020202020204" charset="0"/>
+              </a:rPr>
+              <a:t> called</a:t>
+            </a:r>
+          </a:p>
+          <a:p>
+            <a:pPr>
+              <a:lnSpc>
+                <a:spcPct val="150000"/>
+              </a:lnSpc>
+              <a:spcAft>
+                <a:spcPts val="1600"/>
+              </a:spcAft>
+              <a:buFont typeface="Wingdings" panose="05000000000000000000" pitchFamily="2" charset="2"/>
+              <a:buChar char="ü"/>
+            </a:pPr>
+            <a:r>
               <a:rPr lang="en-US" dirty="0">
                 <a:solidFill>
                   <a:schemeClr val="tx1"/>
@@ -19770,32 +21969,6 @@
               </a:rPr>
               <a:t>) Custom Handlers, Handler Factories</a:t>
             </a:r>
-            <a:endParaRPr lang="en-US" i="1" dirty="0">
-              <a:solidFill>
-                <a:schemeClr val="tx1"/>
-              </a:solidFill>
-              <a:latin typeface="Roboto Slab Regular" panose="020B0604020202020204" charset="0"/>
-              <a:ea typeface="Roboto Slab Regular" panose="020B0604020202020204" charset="0"/>
-            </a:endParaRPr>
-          </a:p>
-          <a:p>
-            <a:pPr>
-              <a:lnSpc>
-                <a:spcPct val="150000"/>
-              </a:lnSpc>
-              <a:spcAft>
-                <a:spcPts val="1600"/>
-              </a:spcAft>
-              <a:buFont typeface="Wingdings" panose="05000000000000000000" pitchFamily="2" charset="2"/>
-              <a:buChar char="ü"/>
-            </a:pPr>
-            <a:endParaRPr lang="en-US" dirty="0">
-              <a:solidFill>
-                <a:schemeClr val="tx1"/>
-              </a:solidFill>
-              <a:latin typeface="Roboto Slab Regular" panose="020B0604020202020204" charset="0"/>
-              <a:ea typeface="Roboto Slab Regular" panose="020B0604020202020204" charset="0"/>
-            </a:endParaRPr>
           </a:p>
           <a:p>
             <a:pPr>
@@ -19873,336 +22046,6 @@
 </file>
 
 <file path=ppt/slides/slide7.xml><?xml version="1.0" encoding="utf-8"?>
-<p:sld xmlns:a="http://schemas.openxmlformats.org/drawingml/2006/main" xmlns:r="http://schemas.openxmlformats.org/officeDocument/2006/relationships" xmlns:p="http://schemas.openxmlformats.org/presentationml/2006/main">
-  <p:cSld>
-    <p:spTree>
-      <p:nvGrpSpPr>
-        <p:cNvPr id="1" name="Shape 645"/>
-        <p:cNvGrpSpPr/>
-        <p:nvPr/>
-      </p:nvGrpSpPr>
-      <p:grpSpPr>
-        <a:xfrm>
-          <a:off x="0" y="0"/>
-          <a:ext cx="0" cy="0"/>
-          <a:chOff x="0" y="0"/>
-          <a:chExt cx="0" cy="0"/>
-        </a:xfrm>
-      </p:grpSpPr>
-      <p:sp>
-        <p:nvSpPr>
-          <p:cNvPr id="647" name="Google Shape;647;p68"/>
-          <p:cNvSpPr txBox="1">
-            <a:spLocks noGrp="1"/>
-          </p:cNvSpPr>
-          <p:nvPr>
-            <p:ph type="body" idx="2"/>
-          </p:nvPr>
-        </p:nvSpPr>
-        <p:spPr>
-          <a:xfrm>
-            <a:off x="603251" y="965200"/>
-            <a:ext cx="8426450" cy="3835400"/>
-          </a:xfrm>
-          <a:prstGeom prst="rect">
-            <a:avLst/>
-          </a:prstGeom>
-        </p:spPr>
-        <p:txBody>
-          <a:bodyPr spcFirstLastPara="1" wrap="square" lIns="91425" tIns="91425" rIns="91425" bIns="91425" anchor="t" anchorCtr="0">
-            <a:noAutofit/>
-          </a:bodyPr>
-          <a:lstStyle/>
-          <a:p>
-            <a:pPr>
-              <a:lnSpc>
-                <a:spcPct val="150000"/>
-              </a:lnSpc>
-              <a:spcAft>
-                <a:spcPts val="1600"/>
-              </a:spcAft>
-              <a:buFont typeface="Wingdings" panose="05000000000000000000" pitchFamily="2" charset="2"/>
-              <a:buChar char="ü"/>
-            </a:pPr>
-            <a:r>
-              <a:rPr lang="en-US" dirty="0">
-                <a:solidFill>
-                  <a:schemeClr val="tx1"/>
-                </a:solidFill>
-                <a:latin typeface="Roboto Slab Regular" panose="020B0604020202020204" charset="0"/>
-                <a:ea typeface="Roboto Slab Regular" panose="020B0604020202020204" charset="0"/>
-              </a:rPr>
-              <a:t>Classes that implement the </a:t>
-            </a:r>
-            <a:r>
-              <a:rPr lang="en-US" dirty="0" err="1">
-                <a:solidFill>
-                  <a:schemeClr val="tx1"/>
-                </a:solidFill>
-                <a:latin typeface="Roboto Slab Regular" panose="020B0604020202020204" charset="0"/>
-                <a:ea typeface="Roboto Slab Regular" panose="020B0604020202020204" charset="0"/>
-              </a:rPr>
-              <a:t>System.Web.IHttpHandler</a:t>
-            </a:r>
-            <a:r>
-              <a:rPr lang="en-US" dirty="0">
-                <a:solidFill>
-                  <a:schemeClr val="tx1"/>
-                </a:solidFill>
-                <a:latin typeface="Roboto Slab Regular" panose="020B0604020202020204" charset="0"/>
-                <a:ea typeface="Roboto Slab Regular" panose="020B0604020202020204" charset="0"/>
-              </a:rPr>
-              <a:t> interface and are responsible for generating the response content for an HTTP Request</a:t>
-            </a:r>
-          </a:p>
-          <a:p>
-            <a:pPr>
-              <a:lnSpc>
-                <a:spcPct val="150000"/>
-              </a:lnSpc>
-              <a:spcAft>
-                <a:spcPts val="1600"/>
-              </a:spcAft>
-              <a:buFont typeface="Wingdings" panose="05000000000000000000" pitchFamily="2" charset="2"/>
-              <a:buChar char="ü"/>
-            </a:pPr>
-            <a:r>
-              <a:rPr lang="en-US" dirty="0">
-                <a:solidFill>
-                  <a:schemeClr val="tx1"/>
-                </a:solidFill>
-                <a:latin typeface="Roboto Slab Regular" panose="020B0604020202020204" charset="0"/>
-                <a:ea typeface="Roboto Slab Regular" panose="020B0604020202020204" charset="0"/>
-              </a:rPr>
-              <a:t>As part of the </a:t>
-            </a:r>
-            <a:r>
-              <a:rPr lang="en-US" dirty="0">
-                <a:solidFill>
-                  <a:schemeClr val="accent3"/>
-                </a:solidFill>
-                <a:latin typeface="Roboto Slab Regular" panose="020B0604020202020204" charset="0"/>
-                <a:ea typeface="Roboto Slab Regular" panose="020B0604020202020204" charset="0"/>
-              </a:rPr>
-              <a:t>Request Lifecycle</a:t>
-            </a:r>
-            <a:r>
-              <a:rPr lang="en-US" dirty="0">
-                <a:solidFill>
-                  <a:schemeClr val="tx1"/>
-                </a:solidFill>
-                <a:latin typeface="Roboto Slab Regular" panose="020B0604020202020204" charset="0"/>
-                <a:ea typeface="Roboto Slab Regular" panose="020B0604020202020204" charset="0"/>
-              </a:rPr>
-              <a:t>,</a:t>
-            </a:r>
-            <a:r>
-              <a:rPr lang="en-US" dirty="0">
-                <a:solidFill>
-                  <a:schemeClr val="accent3"/>
-                </a:solidFill>
-                <a:latin typeface="Roboto Slab Regular" panose="020B0604020202020204" charset="0"/>
-                <a:ea typeface="Roboto Slab Regular" panose="020B0604020202020204" charset="0"/>
-              </a:rPr>
-              <a:t> </a:t>
-            </a:r>
-            <a:r>
-              <a:rPr lang="en-US" dirty="0">
-                <a:solidFill>
-                  <a:schemeClr val="tx1"/>
-                </a:solidFill>
-                <a:latin typeface="Roboto Slab Regular" panose="020B0604020202020204" charset="0"/>
-                <a:ea typeface="Roboto Slab Regular" panose="020B0604020202020204" charset="0"/>
-              </a:rPr>
-              <a:t>for each request, the ASP.NET Framework </a:t>
-            </a:r>
-            <a:r>
-              <a:rPr lang="en-US" b="1" dirty="0">
-                <a:solidFill>
-                  <a:schemeClr val="tx1"/>
-                </a:solidFill>
-                <a:latin typeface="Roboto Slab Regular" panose="020B0604020202020204" charset="0"/>
-                <a:ea typeface="Roboto Slab Regular" panose="020B0604020202020204" charset="0"/>
-              </a:rPr>
-              <a:t>selects a handler</a:t>
-            </a:r>
-            <a:r>
-              <a:rPr lang="en-US" dirty="0">
-                <a:solidFill>
-                  <a:schemeClr val="tx1"/>
-                </a:solidFill>
-                <a:latin typeface="Roboto Slab Regular" panose="020B0604020202020204" charset="0"/>
-                <a:ea typeface="Roboto Slab Regular" panose="020B0604020202020204" charset="0"/>
-              </a:rPr>
-              <a:t> to execute logic and generate response to the client</a:t>
-            </a:r>
-          </a:p>
-          <a:p>
-            <a:pPr>
-              <a:lnSpc>
-                <a:spcPct val="150000"/>
-              </a:lnSpc>
-              <a:spcAft>
-                <a:spcPts val="1600"/>
-              </a:spcAft>
-              <a:buFont typeface="Wingdings" panose="05000000000000000000" pitchFamily="2" charset="2"/>
-              <a:buChar char="ü"/>
-            </a:pPr>
-            <a:r>
-              <a:rPr lang="en-US" dirty="0">
-                <a:solidFill>
-                  <a:schemeClr val="tx1"/>
-                </a:solidFill>
-                <a:latin typeface="Roboto Slab Regular" panose="020B0604020202020204" charset="0"/>
-                <a:ea typeface="Roboto Slab Regular" panose="020B0604020202020204" charset="0"/>
-              </a:rPr>
-              <a:t>Example: The MVC Framework uses a handler to manage the process of selecting and invoking an action method and rendering a view to generate response content</a:t>
-            </a:r>
-          </a:p>
-          <a:p>
-            <a:pPr>
-              <a:lnSpc>
-                <a:spcPct val="150000"/>
-              </a:lnSpc>
-              <a:spcAft>
-                <a:spcPts val="1600"/>
-              </a:spcAft>
-              <a:buFont typeface="Wingdings" panose="05000000000000000000" pitchFamily="2" charset="2"/>
-              <a:buChar char="ü"/>
-            </a:pPr>
-            <a:r>
-              <a:rPr lang="en-US" dirty="0">
-                <a:solidFill>
-                  <a:schemeClr val="tx1"/>
-                </a:solidFill>
-                <a:latin typeface="Roboto Slab Regular" panose="020B0604020202020204" charset="0"/>
-                <a:ea typeface="Roboto Slab Regular" panose="020B0604020202020204" charset="0"/>
-              </a:rPr>
-              <a:t>Default MVC Handler (</a:t>
-            </a:r>
-            <a:r>
-              <a:rPr lang="en-US" i="1" dirty="0" err="1">
-                <a:solidFill>
-                  <a:schemeClr val="tx1"/>
-                </a:solidFill>
-                <a:latin typeface="Roboto Slab Regular" panose="020B0604020202020204" charset="0"/>
-                <a:ea typeface="Roboto Slab Regular" panose="020B0604020202020204" charset="0"/>
-              </a:rPr>
-              <a:t>System.Web.Mvc.MvcHandler</a:t>
-            </a:r>
-            <a:r>
-              <a:rPr lang="en-US" dirty="0">
-                <a:solidFill>
-                  <a:schemeClr val="tx1"/>
-                </a:solidFill>
-                <a:latin typeface="Roboto Slab Regular" panose="020B0604020202020204" charset="0"/>
-                <a:ea typeface="Roboto Slab Regular" panose="020B0604020202020204" charset="0"/>
-              </a:rPr>
-              <a:t>) Custom Handlers, Handler Factories</a:t>
-            </a:r>
-            <a:endParaRPr lang="en-US" i="1" dirty="0">
-              <a:solidFill>
-                <a:schemeClr val="tx1"/>
-              </a:solidFill>
-              <a:latin typeface="Roboto Slab Regular" panose="020B0604020202020204" charset="0"/>
-              <a:ea typeface="Roboto Slab Regular" panose="020B0604020202020204" charset="0"/>
-            </a:endParaRPr>
-          </a:p>
-          <a:p>
-            <a:pPr>
-              <a:lnSpc>
-                <a:spcPct val="150000"/>
-              </a:lnSpc>
-              <a:spcAft>
-                <a:spcPts val="1600"/>
-              </a:spcAft>
-              <a:buFont typeface="Wingdings" panose="05000000000000000000" pitchFamily="2" charset="2"/>
-              <a:buChar char="ü"/>
-            </a:pPr>
-            <a:endParaRPr lang="en-US" dirty="0">
-              <a:solidFill>
-                <a:schemeClr val="tx1"/>
-              </a:solidFill>
-              <a:latin typeface="Roboto Slab Regular" panose="020B0604020202020204" charset="0"/>
-              <a:ea typeface="Roboto Slab Regular" panose="020B0604020202020204" charset="0"/>
-            </a:endParaRPr>
-          </a:p>
-          <a:p>
-            <a:pPr>
-              <a:lnSpc>
-                <a:spcPct val="150000"/>
-              </a:lnSpc>
-              <a:spcAft>
-                <a:spcPts val="1600"/>
-              </a:spcAft>
-              <a:buFont typeface="Wingdings" panose="05000000000000000000" pitchFamily="2" charset="2"/>
-              <a:buChar char="ü"/>
-            </a:pPr>
-            <a:endParaRPr lang="en-US" dirty="0">
-              <a:solidFill>
-                <a:schemeClr val="tx1"/>
-              </a:solidFill>
-              <a:latin typeface="Roboto Slab Regular" panose="020B0604020202020204" charset="0"/>
-              <a:ea typeface="Roboto Slab Regular" panose="020B0604020202020204" charset="0"/>
-            </a:endParaRPr>
-          </a:p>
-        </p:txBody>
-      </p:sp>
-      <p:sp>
-        <p:nvSpPr>
-          <p:cNvPr id="648" name="Google Shape;648;p68"/>
-          <p:cNvSpPr txBox="1">
-            <a:spLocks noGrp="1"/>
-          </p:cNvSpPr>
-          <p:nvPr>
-            <p:ph type="title"/>
-          </p:nvPr>
-        </p:nvSpPr>
-        <p:spPr>
-          <a:xfrm>
-            <a:off x="453600" y="413350"/>
-            <a:ext cx="8236800" cy="531300"/>
-          </a:xfrm>
-          <a:prstGeom prst="rect">
-            <a:avLst/>
-          </a:prstGeom>
-        </p:spPr>
-        <p:txBody>
-          <a:bodyPr spcFirstLastPara="1" wrap="square" lIns="91425" tIns="91425" rIns="91425" bIns="91425" anchor="ctr" anchorCtr="0">
-            <a:noAutofit/>
-          </a:bodyPr>
-          <a:lstStyle/>
-          <a:p>
-            <a:pPr marL="0" lvl="0" indent="0" algn="l" rtl="0">
-              <a:spcBef>
-                <a:spcPts val="0"/>
-              </a:spcBef>
-              <a:spcAft>
-                <a:spcPts val="0"/>
-              </a:spcAft>
-              <a:buNone/>
-            </a:pPr>
-            <a:r>
-              <a:rPr lang="en-US" sz="3600" dirty="0"/>
-              <a:t>Handlers – Selecting the Handler</a:t>
-            </a:r>
-          </a:p>
-        </p:txBody>
-      </p:sp>
-    </p:spTree>
-    <p:extLst>
-      <p:ext uri="{BB962C8B-B14F-4D97-AF65-F5344CB8AC3E}">
-        <p14:creationId xmlns:p14="http://schemas.microsoft.com/office/powerpoint/2010/main" val="3283785537"/>
-      </p:ext>
-    </p:extLst>
-  </p:cSld>
-  <p:clrMapOvr>
-    <a:masterClrMapping/>
-  </p:clrMapOvr>
-</p:sld>
-</file>
-
-<file path=ppt/slides/slide8.xml><?xml version="1.0" encoding="utf-8"?>
 <p:sld xmlns:a="http://schemas.openxmlformats.org/drawingml/2006/main" xmlns:r="http://schemas.openxmlformats.org/officeDocument/2006/relationships" xmlns:p="http://schemas.openxmlformats.org/presentationml/2006/main">
   <p:cSld>
     <p:spTree>
@@ -24242,7 +26085,7 @@
 </p:sld>
 </file>
 
-<file path=ppt/slides/slide9.xml><?xml version="1.0" encoding="utf-8"?>
+<file path=ppt/slides/slide8.xml><?xml version="1.0" encoding="utf-8"?>
 <p:sld xmlns:a="http://schemas.openxmlformats.org/drawingml/2006/main" xmlns:r="http://schemas.openxmlformats.org/officeDocument/2006/relationships" xmlns:p="http://schemas.openxmlformats.org/presentationml/2006/main">
   <p:cSld>
     <p:spTree>
@@ -25170,6 +27013,411 @@
     <p:extLst>
       <p:ext uri="{BB962C8B-B14F-4D97-AF65-F5344CB8AC3E}">
         <p14:creationId xmlns:p14="http://schemas.microsoft.com/office/powerpoint/2010/main" val="4231763408"/>
+      </p:ext>
+    </p:extLst>
+  </p:cSld>
+  <p:clrMapOvr>
+    <a:masterClrMapping/>
+  </p:clrMapOvr>
+</p:sld>
+</file>
+
+<file path=ppt/slides/slide9.xml><?xml version="1.0" encoding="utf-8"?>
+<p:sld xmlns:a="http://schemas.openxmlformats.org/drawingml/2006/main" xmlns:r="http://schemas.openxmlformats.org/officeDocument/2006/relationships" xmlns:p="http://schemas.openxmlformats.org/presentationml/2006/main">
+  <p:cSld>
+    <p:spTree>
+      <p:nvGrpSpPr>
+        <p:cNvPr id="1" name="Shape 645"/>
+        <p:cNvGrpSpPr/>
+        <p:nvPr/>
+      </p:nvGrpSpPr>
+      <p:grpSpPr>
+        <a:xfrm>
+          <a:off x="0" y="0"/>
+          <a:ext cx="0" cy="0"/>
+          <a:chOff x="0" y="0"/>
+          <a:chExt cx="0" cy="0"/>
+        </a:xfrm>
+      </p:grpSpPr>
+      <p:sp>
+        <p:nvSpPr>
+          <p:cNvPr id="647" name="Google Shape;647;p68"/>
+          <p:cNvSpPr txBox="1">
+            <a:spLocks noGrp="1"/>
+          </p:cNvSpPr>
+          <p:nvPr>
+            <p:ph type="body" idx="2"/>
+          </p:nvPr>
+        </p:nvSpPr>
+        <p:spPr>
+          <a:xfrm>
+            <a:off x="260350" y="850900"/>
+            <a:ext cx="8763001" cy="4044950"/>
+          </a:xfrm>
+          <a:prstGeom prst="rect">
+            <a:avLst/>
+          </a:prstGeom>
+        </p:spPr>
+        <p:txBody>
+          <a:bodyPr spcFirstLastPara="1" wrap="square" lIns="91425" tIns="91425" rIns="91425" bIns="91425" anchor="t" anchorCtr="0">
+            <a:noAutofit/>
+          </a:bodyPr>
+          <a:lstStyle/>
+          <a:p>
+            <a:pPr>
+              <a:lnSpc>
+                <a:spcPct val="150000"/>
+              </a:lnSpc>
+              <a:spcAft>
+                <a:spcPts val="1600"/>
+              </a:spcAft>
+              <a:buFont typeface="Wingdings" panose="05000000000000000000" pitchFamily="2" charset="2"/>
+              <a:buChar char="ü"/>
+            </a:pPr>
+            <a:r>
+              <a:rPr lang="en-US" dirty="0">
+                <a:solidFill>
+                  <a:schemeClr val="tx1"/>
+                </a:solidFill>
+                <a:latin typeface="Roboto Slab Regular" panose="020B0604020202020204" charset="0"/>
+                <a:ea typeface="Roboto Slab Regular" panose="020B0604020202020204" charset="0"/>
+              </a:rPr>
+              <a:t>Classes that implement the </a:t>
+            </a:r>
+            <a:r>
+              <a:rPr lang="en-US" dirty="0" err="1">
+                <a:solidFill>
+                  <a:schemeClr val="tx1"/>
+                </a:solidFill>
+                <a:latin typeface="Roboto Slab Regular" panose="020B0604020202020204" charset="0"/>
+                <a:ea typeface="Roboto Slab Regular" panose="020B0604020202020204" charset="0"/>
+              </a:rPr>
+              <a:t>System.Web.IHttpModule</a:t>
+            </a:r>
+            <a:r>
+              <a:rPr lang="en-US" dirty="0">
+                <a:solidFill>
+                  <a:schemeClr val="tx1"/>
+                </a:solidFill>
+                <a:latin typeface="Roboto Slab Regular" panose="020B0604020202020204" charset="0"/>
+                <a:ea typeface="Roboto Slab Regular" panose="020B0604020202020204" charset="0"/>
+              </a:rPr>
+              <a:t> interface used to monitor/manipulate requests/responses</a:t>
+            </a:r>
+          </a:p>
+          <a:p>
+            <a:pPr>
+              <a:lnSpc>
+                <a:spcPct val="150000"/>
+              </a:lnSpc>
+              <a:spcAft>
+                <a:spcPts val="1600"/>
+              </a:spcAft>
+              <a:buFont typeface="Wingdings" panose="05000000000000000000" pitchFamily="2" charset="2"/>
+              <a:buChar char="ü"/>
+            </a:pPr>
+            <a:r>
+              <a:rPr lang="en-US" dirty="0">
+                <a:solidFill>
+                  <a:schemeClr val="tx1"/>
+                </a:solidFill>
+                <a:latin typeface="Roboto Slab Regular" panose="020B0604020202020204" charset="0"/>
+                <a:ea typeface="Roboto Slab Regular" panose="020B0604020202020204" charset="0"/>
+              </a:rPr>
+              <a:t>Provide services such as Caching, Security, State Management or used for Diagnosis, Debugging, Logging, Custom Content Processing, Adding Customized Headers/Footers</a:t>
+            </a:r>
+          </a:p>
+          <a:p>
+            <a:pPr>
+              <a:lnSpc>
+                <a:spcPct val="150000"/>
+              </a:lnSpc>
+              <a:spcAft>
+                <a:spcPts val="1600"/>
+              </a:spcAft>
+              <a:buFont typeface="Wingdings" panose="05000000000000000000" pitchFamily="2" charset="2"/>
+              <a:buChar char="ü"/>
+            </a:pPr>
+            <a:r>
+              <a:rPr lang="en-US" dirty="0">
+                <a:solidFill>
+                  <a:schemeClr val="tx1"/>
+                </a:solidFill>
+                <a:latin typeface="Roboto Slab Regular" panose="020B0604020202020204" charset="0"/>
+                <a:ea typeface="Roboto Slab Regular" panose="020B0604020202020204" charset="0"/>
+              </a:rPr>
+              <a:t>Subscribe for and handle </a:t>
+            </a:r>
+            <a:r>
+              <a:rPr lang="en-US" dirty="0">
+                <a:solidFill>
+                  <a:schemeClr val="accent3"/>
+                </a:solidFill>
+                <a:latin typeface="Roboto Slab Regular" panose="020B0604020202020204" charset="0"/>
+                <a:ea typeface="Roboto Slab Regular" panose="020B0604020202020204" charset="0"/>
+              </a:rPr>
+              <a:t>Request Lifecycle</a:t>
+            </a:r>
+            <a:r>
+              <a:rPr lang="en-US" dirty="0">
+                <a:solidFill>
+                  <a:schemeClr val="tx1"/>
+                </a:solidFill>
+                <a:latin typeface="Roboto Slab Regular" panose="020B0604020202020204" charset="0"/>
+                <a:ea typeface="Roboto Slab Regular" panose="020B0604020202020204" charset="0"/>
+              </a:rPr>
+              <a:t> </a:t>
+            </a:r>
+            <a:r>
+              <a:rPr lang="en-US" dirty="0">
+                <a:solidFill>
+                  <a:schemeClr val="accent3"/>
+                </a:solidFill>
+                <a:latin typeface="Roboto Slab Regular" panose="020B0604020202020204" charset="0"/>
+                <a:ea typeface="Roboto Slab Regular" panose="020B0604020202020204" charset="0"/>
+              </a:rPr>
+              <a:t>events</a:t>
+            </a:r>
+            <a:r>
+              <a:rPr lang="en-US" dirty="0">
+                <a:solidFill>
+                  <a:schemeClr val="tx1"/>
+                </a:solidFill>
+                <a:latin typeface="Roboto Slab Regular" panose="020B0604020202020204" charset="0"/>
+                <a:ea typeface="Roboto Slab Regular" panose="020B0604020202020204" charset="0"/>
+              </a:rPr>
+              <a:t> =&gt; action mechanism for monitoring/manipulating requests/responses</a:t>
+            </a:r>
+          </a:p>
+          <a:p>
+            <a:pPr>
+              <a:lnSpc>
+                <a:spcPct val="150000"/>
+              </a:lnSpc>
+              <a:spcAft>
+                <a:spcPts val="1600"/>
+              </a:spcAft>
+              <a:buFont typeface="Wingdings" panose="05000000000000000000" pitchFamily="2" charset="2"/>
+              <a:buChar char="ü"/>
+            </a:pPr>
+            <a:r>
+              <a:rPr lang="en-US" dirty="0">
+                <a:solidFill>
+                  <a:schemeClr val="tx1"/>
+                </a:solidFill>
+                <a:latin typeface="Roboto Slab Regular" panose="020B0604020202020204" charset="0"/>
+                <a:ea typeface="Roboto Slab Regular" panose="020B0604020202020204" charset="0"/>
+              </a:rPr>
+              <a:t>Subscribe for and handle </a:t>
+            </a:r>
+            <a:r>
+              <a:rPr lang="en-US" dirty="0">
+                <a:solidFill>
+                  <a:schemeClr val="accent3"/>
+                </a:solidFill>
+                <a:latin typeface="Roboto Slab Regular" panose="020B0604020202020204" charset="0"/>
+                <a:ea typeface="Roboto Slab Regular" panose="020B0604020202020204" charset="0"/>
+              </a:rPr>
+              <a:t>events</a:t>
+            </a:r>
+            <a:r>
+              <a:rPr lang="en-US" dirty="0">
+                <a:solidFill>
+                  <a:schemeClr val="tx1"/>
+                </a:solidFill>
+                <a:latin typeface="Roboto Slab Regular" panose="020B0604020202020204" charset="0"/>
+                <a:ea typeface="Roboto Slab Regular" panose="020B0604020202020204" charset="0"/>
+              </a:rPr>
+              <a:t> raised by other modules as well as raise custom </a:t>
+            </a:r>
+            <a:r>
+              <a:rPr lang="en-US" dirty="0">
+                <a:solidFill>
+                  <a:schemeClr val="accent3"/>
+                </a:solidFill>
+                <a:latin typeface="Roboto Slab Regular" panose="020B0604020202020204" charset="0"/>
+                <a:ea typeface="Roboto Slab Regular" panose="020B0604020202020204" charset="0"/>
+              </a:rPr>
+              <a:t>events</a:t>
+            </a:r>
+            <a:r>
+              <a:rPr lang="en-US" dirty="0">
+                <a:solidFill>
+                  <a:schemeClr val="tx1"/>
+                </a:solidFill>
+                <a:latin typeface="Roboto Slab Regular" panose="020B0604020202020204" charset="0"/>
+                <a:ea typeface="Roboto Slab Regular" panose="020B0604020202020204" charset="0"/>
+              </a:rPr>
+              <a:t> =&gt; mechanism for coordination and data sharing between different modules </a:t>
+            </a:r>
+          </a:p>
+          <a:p>
+            <a:pPr>
+              <a:lnSpc>
+                <a:spcPct val="150000"/>
+              </a:lnSpc>
+              <a:spcAft>
+                <a:spcPts val="1600"/>
+              </a:spcAft>
+              <a:buFont typeface="Wingdings" panose="05000000000000000000" pitchFamily="2" charset="2"/>
+              <a:buChar char="ü"/>
+            </a:pPr>
+            <a:r>
+              <a:rPr lang="en-US" dirty="0">
+                <a:solidFill>
+                  <a:schemeClr val="tx1"/>
+                </a:solidFill>
+                <a:latin typeface="Roboto Slab Regular" panose="020B0604020202020204" charset="0"/>
+                <a:ea typeface="Roboto Slab Regular" panose="020B0604020202020204" charset="0"/>
+              </a:rPr>
+              <a:t>Each Global Application class instance is given its own set of modules =&gt; multiple instances of the same module can exist simultaneously. Each module</a:t>
+            </a:r>
+            <a:r>
+              <a:rPr lang="it-IT" dirty="0">
+                <a:solidFill>
+                  <a:schemeClr val="tx1"/>
+                </a:solidFill>
+                <a:latin typeface="Roboto Slab Regular" panose="020B0604020202020204" charset="0"/>
+                <a:ea typeface="Roboto Slab Regular" panose="020B0604020202020204" charset="0"/>
+              </a:rPr>
+              <a:t> </a:t>
+            </a:r>
+            <a:r>
+              <a:rPr lang="en-US" dirty="0">
+                <a:solidFill>
+                  <a:schemeClr val="tx1"/>
+                </a:solidFill>
+                <a:latin typeface="Roboto Slab Regular" panose="020B0604020202020204" charset="0"/>
+                <a:ea typeface="Roboto Slab Regular" panose="020B0604020202020204" charset="0"/>
+              </a:rPr>
+              <a:t>instance can handle multiple requests, but sequentially</a:t>
+            </a:r>
+          </a:p>
+          <a:p>
+            <a:pPr>
+              <a:lnSpc>
+                <a:spcPct val="150000"/>
+              </a:lnSpc>
+              <a:spcAft>
+                <a:spcPts val="1600"/>
+              </a:spcAft>
+              <a:buFont typeface="Wingdings" panose="05000000000000000000" pitchFamily="2" charset="2"/>
+              <a:buChar char="ü"/>
+            </a:pPr>
+            <a:r>
+              <a:rPr lang="en-US" dirty="0">
+                <a:solidFill>
+                  <a:schemeClr val="tx1"/>
+                </a:solidFill>
+                <a:latin typeface="Roboto Slab Regular" panose="020B0604020202020204" charset="0"/>
+                <a:ea typeface="Roboto Slab Regular" panose="020B0604020202020204" charset="0"/>
+              </a:rPr>
+              <a:t>Custom Modules and Built-in modules: </a:t>
+            </a:r>
+            <a:r>
+              <a:rPr lang="en-US" dirty="0">
+                <a:solidFill>
+                  <a:schemeClr val="tx1"/>
+                </a:solidFill>
+                <a:latin typeface="Roboto Slab Regular" panose="020B0604020202020204" charset="0"/>
+                <a:ea typeface="Roboto Slab Regular" panose="020B0604020202020204" charset="0"/>
+                <a:hlinkClick r:id="rId3"/>
+              </a:rPr>
+              <a:t>https://docs.microsoft.com/en-us/iis/get-started/introduction-to-iis/iis-modules-overview</a:t>
+            </a:r>
+            <a:endParaRPr lang="en-US" dirty="0">
+              <a:solidFill>
+                <a:schemeClr val="tx1"/>
+              </a:solidFill>
+              <a:latin typeface="Roboto Slab Regular" panose="020B0604020202020204" charset="0"/>
+              <a:ea typeface="Roboto Slab Regular" panose="020B0604020202020204" charset="0"/>
+            </a:endParaRPr>
+          </a:p>
+          <a:p>
+            <a:pPr>
+              <a:lnSpc>
+                <a:spcPct val="150000"/>
+              </a:lnSpc>
+              <a:spcAft>
+                <a:spcPts val="1600"/>
+              </a:spcAft>
+              <a:buFont typeface="Wingdings" panose="05000000000000000000" pitchFamily="2" charset="2"/>
+              <a:buChar char="ü"/>
+            </a:pPr>
+            <a:endParaRPr lang="en-US" dirty="0">
+              <a:solidFill>
+                <a:schemeClr val="tx1"/>
+              </a:solidFill>
+              <a:latin typeface="Roboto Slab Regular" panose="020B0604020202020204" charset="0"/>
+              <a:ea typeface="Roboto Slab Regular" panose="020B0604020202020204" charset="0"/>
+            </a:endParaRPr>
+          </a:p>
+          <a:p>
+            <a:pPr>
+              <a:lnSpc>
+                <a:spcPct val="150000"/>
+              </a:lnSpc>
+              <a:spcAft>
+                <a:spcPts val="1600"/>
+              </a:spcAft>
+              <a:buFont typeface="Wingdings" panose="05000000000000000000" pitchFamily="2" charset="2"/>
+              <a:buChar char="ü"/>
+            </a:pPr>
+            <a:endParaRPr lang="en-US" dirty="0">
+              <a:solidFill>
+                <a:schemeClr val="tx1"/>
+              </a:solidFill>
+              <a:latin typeface="Roboto Slab Regular" panose="020B0604020202020204" charset="0"/>
+              <a:ea typeface="Roboto Slab Regular" panose="020B0604020202020204" charset="0"/>
+            </a:endParaRPr>
+          </a:p>
+        </p:txBody>
+      </p:sp>
+      <p:sp>
+        <p:nvSpPr>
+          <p:cNvPr id="648" name="Google Shape;648;p68"/>
+          <p:cNvSpPr txBox="1">
+            <a:spLocks noGrp="1"/>
+          </p:cNvSpPr>
+          <p:nvPr>
+            <p:ph type="title"/>
+          </p:nvPr>
+        </p:nvSpPr>
+        <p:spPr>
+          <a:xfrm>
+            <a:off x="453600" y="413350"/>
+            <a:ext cx="8236800" cy="531300"/>
+          </a:xfrm>
+          <a:prstGeom prst="rect">
+            <a:avLst/>
+          </a:prstGeom>
+        </p:spPr>
+        <p:txBody>
+          <a:bodyPr spcFirstLastPara="1" wrap="square" lIns="91425" tIns="91425" rIns="91425" bIns="91425" anchor="ctr" anchorCtr="0">
+            <a:noAutofit/>
+          </a:bodyPr>
+          <a:lstStyle/>
+          <a:p>
+            <a:pPr marL="0" lvl="0" indent="0" algn="l" rtl="0">
+              <a:spcBef>
+                <a:spcPts val="0"/>
+              </a:spcBef>
+              <a:spcAft>
+                <a:spcPts val="0"/>
+              </a:spcAft>
+              <a:buNone/>
+            </a:pPr>
+            <a:r>
+              <a:rPr lang="en-US" sz="3600" dirty="0"/>
+              <a:t>Modules</a:t>
+            </a:r>
+          </a:p>
+        </p:txBody>
+      </p:sp>
+    </p:spTree>
+    <p:extLst>
+      <p:ext uri="{BB962C8B-B14F-4D97-AF65-F5344CB8AC3E}">
+        <p14:creationId xmlns:p14="http://schemas.microsoft.com/office/powerpoint/2010/main" val="4157093812"/>
       </p:ext>
     </p:extLst>
   </p:cSld>

--- a/FourthPresentation.pptx
+++ b/FourthPresentation.pptx
@@ -21821,7 +21821,7 @@
                 <a:latin typeface="Roboto Slab Regular" panose="020B0604020202020204" charset="0"/>
                 <a:ea typeface="Roboto Slab Regular" panose="020B0604020202020204" charset="0"/>
               </a:rPr>
-              <a:t> called</a:t>
+              <a:t> is executed</a:t>
             </a:r>
           </a:p>
           <a:p>
@@ -21967,8 +21967,35 @@
                 <a:latin typeface="Roboto Slab Regular" panose="020B0604020202020204" charset="0"/>
                 <a:ea typeface="Roboto Slab Regular" panose="020B0604020202020204" charset="0"/>
               </a:rPr>
-              <a:t>) Custom Handlers, Handler Factories</a:t>
+              <a:t>), Custom Handlers, Handler Factories</a:t>
             </a:r>
+            <a:r>
+              <a:rPr lang="bg-BG" dirty="0">
+                <a:solidFill>
+                  <a:schemeClr val="tx1"/>
+                </a:solidFill>
+                <a:latin typeface="Roboto Slab Regular" panose="020B0604020202020204" charset="0"/>
+                <a:ea typeface="Roboto Slab Regular" panose="020B0604020202020204" charset="0"/>
+              </a:rPr>
+              <a:t> &gt; </a:t>
+            </a:r>
+            <a:r>
+              <a:rPr lang="it-IT" dirty="0">
+                <a:solidFill>
+                  <a:schemeClr val="tx1"/>
+                </a:solidFill>
+                <a:latin typeface="Roboto Slab Regular" panose="020B0604020202020204" charset="0"/>
+                <a:ea typeface="Roboto Slab Regular" panose="020B0604020202020204" charset="0"/>
+              </a:rPr>
+              <a:t>DEMO 1.1, 1.2</a:t>
+            </a:r>
+            <a:endParaRPr lang="en-US" dirty="0">
+              <a:solidFill>
+                <a:schemeClr val="tx1"/>
+              </a:solidFill>
+              <a:latin typeface="Roboto Slab Regular" panose="020B0604020202020204" charset="0"/>
+              <a:ea typeface="Roboto Slab Regular" panose="020B0604020202020204" charset="0"/>
+            </a:endParaRPr>
           </a:p>
           <a:p>
             <a:pPr>
@@ -24694,7 +24721,7 @@
                   <a:latin typeface="Roboto Slab Regular" panose="020B0604020202020204" charset="0"/>
                   <a:ea typeface="Roboto Slab Regular" panose="020B0604020202020204" charset="0"/>
                 </a:rPr>
-                <a:t>Handler selection and Execution (discussed later)</a:t>
+                <a:t>Handler selection and execution (DEMO 1.1, 1.2)</a:t>
               </a:r>
             </a:p>
           </p:txBody>

--- a/FourthPresentation.pptx
+++ b/FourthPresentation.pptx
@@ -20242,12 +20242,18 @@
           </p:nvSpPr>
           <p:spPr>
             <a:xfrm rot="16200000">
-              <a:off x="5239813" y="2055387"/>
-              <a:ext cx="2387192" cy="843000"/>
+              <a:off x="5241268" y="2053302"/>
+              <a:ext cx="2384281" cy="843000"/>
             </a:xfrm>
             <a:prstGeom prst="rect">
               <a:avLst/>
             </a:prstGeom>
+            <a:solidFill>
+              <a:schemeClr val="accent3">
+                <a:lumMod val="20000"/>
+                <a:lumOff val="80000"/>
+              </a:schemeClr>
+            </a:solidFill>
             <a:ln>
               <a:solidFill>
                 <a:schemeClr val="tx1"/>
@@ -21947,7 +21953,7 @@
                 <a:latin typeface="Roboto Slab Regular" panose="020B0604020202020204" charset="0"/>
                 <a:ea typeface="Roboto Slab Regular" panose="020B0604020202020204" charset="0"/>
               </a:rPr>
-              <a:t>Default MVC Handler (</a:t>
+              <a:t>Custom Handlers, Default MVC Handler (</a:t>
             </a:r>
             <a:r>
               <a:rPr lang="en-US" i="1" dirty="0" err="1">
@@ -21967,46 +21973,18 @@
                 <a:latin typeface="Roboto Slab Regular" panose="020B0604020202020204" charset="0"/>
                 <a:ea typeface="Roboto Slab Regular" panose="020B0604020202020204" charset="0"/>
               </a:rPr>
-              <a:t>), Custom Handlers, Handler Factories</a:t>
+              <a:t>), Handler Factories</a:t>
             </a:r>
-            <a:r>
-              <a:rPr lang="bg-BG" dirty="0">
-                <a:solidFill>
-                  <a:schemeClr val="tx1"/>
-                </a:solidFill>
-                <a:latin typeface="Roboto Slab Regular" panose="020B0604020202020204" charset="0"/>
-                <a:ea typeface="Roboto Slab Regular" panose="020B0604020202020204" charset="0"/>
-              </a:rPr>
-              <a:t> &gt; </a:t>
-            </a:r>
-            <a:r>
-              <a:rPr lang="it-IT" dirty="0">
-                <a:solidFill>
-                  <a:schemeClr val="tx1"/>
-                </a:solidFill>
-                <a:latin typeface="Roboto Slab Regular" panose="020B0604020202020204" charset="0"/>
-                <a:ea typeface="Roboto Slab Regular" panose="020B0604020202020204" charset="0"/>
-              </a:rPr>
-              <a:t>DEMO 1.1, 1.2</a:t>
-            </a:r>
-            <a:endParaRPr lang="en-US" dirty="0">
-              <a:solidFill>
-                <a:schemeClr val="tx1"/>
-              </a:solidFill>
-              <a:latin typeface="Roboto Slab Regular" panose="020B0604020202020204" charset="0"/>
-              <a:ea typeface="Roboto Slab Regular" panose="020B0604020202020204" charset="0"/>
-            </a:endParaRPr>
           </a:p>
           <a:p>
-            <a:pPr>
+            <a:pPr marL="152400" indent="0">
               <a:lnSpc>
                 <a:spcPct val="150000"/>
               </a:lnSpc>
               <a:spcAft>
                 <a:spcPts val="1600"/>
               </a:spcAft>
-              <a:buFont typeface="Wingdings" panose="05000000000000000000" pitchFamily="2" charset="2"/>
-              <a:buChar char="ü"/>
+              <a:buNone/>
             </a:pPr>
             <a:endParaRPr lang="en-US" dirty="0">
               <a:solidFill>
@@ -22147,8 +22125,8 @@
         </p:nvSpPr>
         <p:spPr>
           <a:xfrm>
-            <a:off x="457200" y="1152474"/>
-            <a:ext cx="8520600" cy="3876725"/>
+            <a:off x="457200" y="944650"/>
+            <a:ext cx="8520600" cy="4084549"/>
           </a:xfrm>
           <a:prstGeom prst="rect">
             <a:avLst/>
@@ -22414,6 +22392,25 @@
             <a:r>
               <a:rPr lang="en-US" dirty="0"/>
               <a:t>Application Lifecycle vs Request Lifecycle</a:t>
+            </a:r>
+          </a:p>
+          <a:p>
+            <a:pPr marL="0" indent="0" algn="ctr"/>
+            <a:endParaRPr lang="en-US" sz="1050" b="1" dirty="0"/>
+          </a:p>
+          <a:p>
+            <a:pPr marL="0" indent="0" algn="ctr"/>
+            <a:r>
+              <a:rPr lang="en-US" sz="1050" b="1" dirty="0"/>
+              <a:t>Events defined in the </a:t>
+            </a:r>
+            <a:r>
+              <a:rPr lang="en-US" sz="1050" b="1" dirty="0" err="1"/>
+              <a:t>HttpApplication</a:t>
+            </a:r>
+            <a:r>
+              <a:rPr lang="en-US" sz="1050" b="1" dirty="0"/>
+              <a:t> class</a:t>
             </a:r>
           </a:p>
           <a:p>
@@ -22870,8 +22867,8 @@
         </p:nvSpPr>
         <p:spPr>
           <a:xfrm rot="16200000">
-            <a:off x="-161804" y="3132155"/>
-            <a:ext cx="1464377" cy="230832"/>
+            <a:off x="-358453" y="3255330"/>
+            <a:ext cx="1822329" cy="230832"/>
           </a:xfrm>
           <a:prstGeom prst="rect">
             <a:avLst/>
@@ -22893,7 +22890,7 @@
                 <a:latin typeface="Roboto Slab Regular" panose="020B0604020202020204" charset="0"/>
                 <a:ea typeface="Roboto Slab Regular" panose="020B0604020202020204" charset="0"/>
               </a:rPr>
-              <a:t>Application Lifecycle</a:t>
+              <a:t>Application Lifecycle Events</a:t>
             </a:r>
             <a:endParaRPr lang="en-US" sz="1050" b="1" dirty="0">
               <a:solidFill>
@@ -22917,8 +22914,8 @@
         </p:nvSpPr>
         <p:spPr>
           <a:xfrm rot="16200000">
-            <a:off x="8010645" y="3117638"/>
-            <a:ext cx="1464377" cy="253916"/>
+            <a:off x="7884144" y="3221797"/>
+            <a:ext cx="1654484" cy="253916"/>
           </a:xfrm>
           <a:prstGeom prst="rect">
             <a:avLst/>
@@ -22958,7 +22955,7 @@
                 <a:latin typeface="Roboto Slab Regular" panose="020B0604020202020204" charset="0"/>
                 <a:ea typeface="Roboto Slab Regular" panose="020B0604020202020204" charset="0"/>
               </a:rPr>
-              <a:t>Lifecycle</a:t>
+              <a:t>Lifecycle Events</a:t>
             </a:r>
           </a:p>
         </p:txBody>

--- a/FourthPresentation.pptx
+++ b/FourthPresentation.pptx
@@ -21787,7 +21787,7 @@
                 <a:latin typeface="Consolas" panose="020B0609020204030204" pitchFamily="49" charset="0"/>
                 <a:ea typeface="Roboto Slab Regular" panose="020B0604020202020204" charset="0"/>
               </a:rPr>
-              <a:t>IHttpHandler.ProcessRequestMethod</a:t>
+              <a:t>IHttpHandler.ProcessRequest</a:t>
             </a:r>
             <a:r>
               <a:rPr lang="en-US" dirty="0">
@@ -21931,7 +21931,27 @@
                 <a:latin typeface="Roboto Slab Regular" panose="020B0604020202020204" charset="0"/>
                 <a:ea typeface="Roboto Slab Regular" panose="020B0604020202020204" charset="0"/>
               </a:rPr>
-              <a:t>Example: The MVC Framework uses a handler to manage the process of selecting and invoking an action method and rendering a view to generate response content</a:t>
+              <a:t>Example: The MVC Framework uses a handler to manage the process of </a:t>
+            </a:r>
+            <a:r>
+              <a:rPr lang="en-US" dirty="0">
+                <a:solidFill>
+                  <a:schemeClr val="accent3"/>
+                </a:solidFill>
+                <a:latin typeface="Roboto Slab Regular" panose="020B0604020202020204" charset="0"/>
+                <a:ea typeface="Roboto Slab Regular" panose="020B0604020202020204" charset="0"/>
+              </a:rPr>
+              <a:t>selecting and invoking an action method and rendering </a:t>
+            </a:r>
+            <a:r>
+              <a:rPr lang="en-US" dirty="0">
+                <a:solidFill>
+                  <a:schemeClr val="tx1"/>
+                </a:solidFill>
+                <a:latin typeface="Roboto Slab Regular" panose="020B0604020202020204" charset="0"/>
+                <a:ea typeface="Roboto Slab Regular" panose="020B0604020202020204" charset="0"/>
+              </a:rPr>
+              <a:t>a view to generate response content</a:t>
             </a:r>
           </a:p>
           <a:p>

--- a/FourthPresentation.pptx
+++ b/FourthPresentation.pptx
@@ -16185,12 +16185,6 @@
           <a:lstStyle/>
           <a:p>
             <a:pPr marL="152400" indent="0">
-              <a:lnSpc>
-                <a:spcPct val="200000"/>
-              </a:lnSpc>
-              <a:spcAft>
-                <a:spcPts val="1600"/>
-              </a:spcAft>
               <a:buNone/>
             </a:pPr>
             <a:r>
@@ -16201,7 +16195,22 @@
                 <a:latin typeface="Roboto Slab Regular" panose="020B0604020202020204" charset="0"/>
                 <a:ea typeface="Roboto Slab Regular" panose="020B0604020202020204" charset="0"/>
               </a:rPr>
-              <a:t>Author: Adam Freeman, 2014</a:t>
+              <a:t>Author: Adam Freeman, 2014 </a:t>
+            </a:r>
+          </a:p>
+          <a:p>
+            <a:pPr marL="152400" indent="0">
+              <a:buNone/>
+            </a:pPr>
+            <a:r>
+              <a:rPr lang="en-US" sz="1000" dirty="0">
+                <a:solidFill>
+                  <a:schemeClr val="tx1"/>
+                </a:solidFill>
+                <a:latin typeface="Roboto Slab Regular" panose="020B0604020202020204" charset="0"/>
+                <a:ea typeface="Roboto Slab Regular" panose="020B0604020202020204" charset="0"/>
+              </a:rPr>
+              <a:t>406 pages</a:t>
             </a:r>
           </a:p>
           <a:p>
@@ -16461,7 +16470,7 @@
         </p:blipFill>
         <p:spPr>
           <a:xfrm>
-            <a:off x="5753937" y="4058850"/>
+            <a:off x="5753937" y="3816350"/>
             <a:ext cx="304800" cy="304800"/>
           </a:xfrm>
           <a:prstGeom prst="rect">

--- a/FourthPresentation.pptx
+++ b/FourthPresentation.pptx
@@ -14211,34 +14211,24 @@
           <a:p>
             <a:pPr algn="ctr"/>
             <a:r>
-              <a:rPr lang="it-IT" sz="750" b="1" dirty="0">
+              <a:rPr lang="it-IT" sz="750" b="1" dirty="0" err="1">
                 <a:solidFill>
                   <a:schemeClr val="tx1"/>
                 </a:solidFill>
                 <a:latin typeface="Roboto Slab Regular" panose="020B0604020202020204" charset="0"/>
                 <a:ea typeface="Roboto Slab Regular" panose="020B0604020202020204" charset="0"/>
               </a:rPr>
-              <a:t>R</a:t>
+              <a:t>HttpApplication</a:t>
             </a:r>
             <a:r>
-              <a:rPr lang="en-US" sz="750" b="1" dirty="0" err="1">
+              <a:rPr lang="en-US" sz="750" b="1" dirty="0">
                 <a:solidFill>
                   <a:schemeClr val="tx1"/>
                 </a:solidFill>
                 <a:latin typeface="Roboto Slab Regular" panose="020B0604020202020204" charset="0"/>
                 <a:ea typeface="Roboto Slab Regular" panose="020B0604020202020204" charset="0"/>
               </a:rPr>
-              <a:t>equest</a:t>
-            </a:r>
-            <a:r>
-              <a:rPr lang="en-US" sz="750" b="1" dirty="0">
-                <a:solidFill>
-                  <a:schemeClr val="tx1"/>
-                </a:solidFill>
-                <a:latin typeface="Roboto Slab Regular" panose="020B0604020202020204" charset="0"/>
-                <a:ea typeface="Roboto Slab Regular" panose="020B0604020202020204" charset="0"/>
-              </a:rPr>
-              <a:t> Pipeline Events</a:t>
+              <a:t> Events</a:t>
             </a:r>
           </a:p>
         </p:txBody>
